--- a/分布式计算/课件/10. Gossip协议与事务提交.pptx
+++ b/分布式计算/课件/10. Gossip协议与事务提交.pptx
@@ -1,34 +1,34 @@
 
 <file path=ppt/presentation.xml><?xml version="1.0" encoding="utf-8"?>
-<p:presentation xmlns:a="http://schemas.openxmlformats.org/drawingml/2006/main" xmlns:r="http://schemas.openxmlformats.org/officeDocument/2006/relationships" xmlns:p="http://schemas.openxmlformats.org/presentationml/2006/main" saveSubsetFonts="1">
+<p:presentation xmlns:a="http://schemas.openxmlformats.org/drawingml/2006/main" xmlns:r="http://schemas.openxmlformats.org/officeDocument/2006/relationships" xmlns:p="http://schemas.openxmlformats.org/presentationml/2006/main">
   <p:sldMasterIdLst>
-    <p:sldMasterId id="2147483684" r:id="rId1"/>
+    <p:sldMasterId id="2147483648" r:id="rId1"/>
   </p:sldMasterIdLst>
   <p:notesMasterIdLst>
-    <p:notesMasterId r:id="rId20"/>
+    <p:notesMasterId r:id="rId5"/>
   </p:notesMasterIdLst>
   <p:handoutMasterIdLst>
-    <p:handoutMasterId r:id="rId21"/>
+    <p:handoutMasterId r:id="rId22"/>
   </p:handoutMasterIdLst>
   <p:sldIdLst>
-    <p:sldId id="256" r:id="rId2"/>
-    <p:sldId id="488" r:id="rId3"/>
-    <p:sldId id="1089" r:id="rId4"/>
-    <p:sldId id="1091" r:id="rId5"/>
-    <p:sldId id="1092" r:id="rId6"/>
-    <p:sldId id="1065" r:id="rId7"/>
-    <p:sldId id="1093" r:id="rId8"/>
-    <p:sldId id="1094" r:id="rId9"/>
-    <p:sldId id="1090" r:id="rId10"/>
-    <p:sldId id="1095" r:id="rId11"/>
-    <p:sldId id="1096" r:id="rId12"/>
-    <p:sldId id="1097" r:id="rId13"/>
-    <p:sldId id="1098" r:id="rId14"/>
-    <p:sldId id="1099" r:id="rId15"/>
-    <p:sldId id="1105" r:id="rId16"/>
-    <p:sldId id="1100" r:id="rId17"/>
-    <p:sldId id="1106" r:id="rId18"/>
-    <p:sldId id="1104" r:id="rId19"/>
+    <p:sldId id="256" r:id="rId3"/>
+    <p:sldId id="488" r:id="rId4"/>
+    <p:sldId id="1089" r:id="rId6"/>
+    <p:sldId id="1091" r:id="rId7"/>
+    <p:sldId id="1092" r:id="rId8"/>
+    <p:sldId id="1065" r:id="rId9"/>
+    <p:sldId id="1093" r:id="rId10"/>
+    <p:sldId id="1094" r:id="rId11"/>
+    <p:sldId id="1090" r:id="rId12"/>
+    <p:sldId id="1095" r:id="rId13"/>
+    <p:sldId id="1096" r:id="rId14"/>
+    <p:sldId id="1097" r:id="rId15"/>
+    <p:sldId id="1098" r:id="rId16"/>
+    <p:sldId id="1099" r:id="rId17"/>
+    <p:sldId id="1105" r:id="rId18"/>
+    <p:sldId id="1100" r:id="rId19"/>
+    <p:sldId id="1106" r:id="rId20"/>
+    <p:sldId id="1104" r:id="rId21"/>
   </p:sldIdLst>
   <p:sldSz cx="9144000" cy="6858000" type="screen4x3"/>
   <p:notesSz cx="6858000" cy="9144000"/>
@@ -52,7 +52,7 @@
         <a:cs typeface="+mn-cs"/>
       </a:defRPr>
     </a:lvl1pPr>
-    <a:lvl2pPr marL="457182" algn="l" rtl="0" eaLnBrk="0" fontAlgn="base" hangingPunct="0">
+    <a:lvl2pPr marL="457200" algn="l" rtl="0" eaLnBrk="0" fontAlgn="base" hangingPunct="0">
       <a:spcBef>
         <a:spcPct val="0"/>
       </a:spcBef>
@@ -68,7 +68,7 @@
         <a:cs typeface="+mn-cs"/>
       </a:defRPr>
     </a:lvl2pPr>
-    <a:lvl3pPr marL="914362" algn="l" rtl="0" eaLnBrk="0" fontAlgn="base" hangingPunct="0">
+    <a:lvl3pPr marL="914400" algn="l" rtl="0" eaLnBrk="0" fontAlgn="base" hangingPunct="0">
       <a:spcBef>
         <a:spcPct val="0"/>
       </a:spcBef>
@@ -84,7 +84,7 @@
         <a:cs typeface="+mn-cs"/>
       </a:defRPr>
     </a:lvl3pPr>
-    <a:lvl4pPr marL="1371544" algn="l" rtl="0" eaLnBrk="0" fontAlgn="base" hangingPunct="0">
+    <a:lvl4pPr marL="1371600" algn="l" rtl="0" eaLnBrk="0" fontAlgn="base" hangingPunct="0">
       <a:spcBef>
         <a:spcPct val="0"/>
       </a:spcBef>
@@ -100,7 +100,7 @@
         <a:cs typeface="+mn-cs"/>
       </a:defRPr>
     </a:lvl4pPr>
-    <a:lvl5pPr marL="1828725" algn="l" rtl="0" eaLnBrk="0" fontAlgn="base" hangingPunct="0">
+    <a:lvl5pPr marL="1828800" algn="l" rtl="0" eaLnBrk="0" fontAlgn="base" hangingPunct="0">
       <a:spcBef>
         <a:spcPct val="0"/>
       </a:spcBef>
@@ -116,7 +116,7 @@
         <a:cs typeface="+mn-cs"/>
       </a:defRPr>
     </a:lvl5pPr>
-    <a:lvl6pPr marL="2285906" algn="l" defTabSz="914362" rtl="0" eaLnBrk="1" latinLnBrk="0" hangingPunct="1">
+    <a:lvl6pPr marL="2286000" algn="l" defTabSz="914400" rtl="0" eaLnBrk="1" latinLnBrk="0" hangingPunct="1">
       <a:defRPr kern="1200">
         <a:solidFill>
           <a:schemeClr val="tx1"/>
@@ -126,7 +126,7 @@
         <a:cs typeface="+mn-cs"/>
       </a:defRPr>
     </a:lvl6pPr>
-    <a:lvl7pPr marL="2743088" algn="l" defTabSz="914362" rtl="0" eaLnBrk="1" latinLnBrk="0" hangingPunct="1">
+    <a:lvl7pPr marL="2743200" algn="l" defTabSz="914400" rtl="0" eaLnBrk="1" latinLnBrk="0" hangingPunct="1">
       <a:defRPr kern="1200">
         <a:solidFill>
           <a:schemeClr val="tx1"/>
@@ -136,7 +136,7 @@
         <a:cs typeface="+mn-cs"/>
       </a:defRPr>
     </a:lvl7pPr>
-    <a:lvl8pPr marL="3200268" algn="l" defTabSz="914362" rtl="0" eaLnBrk="1" latinLnBrk="0" hangingPunct="1">
+    <a:lvl8pPr marL="3200400" algn="l" defTabSz="914400" rtl="0" eaLnBrk="1" latinLnBrk="0" hangingPunct="1">
       <a:defRPr kern="1200">
         <a:solidFill>
           <a:schemeClr val="tx1"/>
@@ -146,7 +146,7 @@
         <a:cs typeface="+mn-cs"/>
       </a:defRPr>
     </a:lvl8pPr>
-    <a:lvl9pPr marL="3657450" algn="l" defTabSz="914362" rtl="0" eaLnBrk="1" latinLnBrk="0" hangingPunct="1">
+    <a:lvl9pPr marL="3657600" algn="l" defTabSz="914400" rtl="0" eaLnBrk="1" latinLnBrk="0" hangingPunct="1">
       <a:defRPr kern="1200">
         <a:solidFill>
           <a:schemeClr val="tx1"/>
@@ -157,22 +157,6 @@
       </a:defRPr>
     </a:lvl9pPr>
   </p:defaultTextStyle>
-  <p:extLst>
-    <p:ext uri="{EFAFB233-063F-42B5-8137-9DF3F51BA10A}">
-      <p15:sldGuideLst xmlns:p15="http://schemas.microsoft.com/office/powerpoint/2012/main">
-        <p15:guide id="1" orient="horz" pos="2160">
-          <p15:clr>
-            <a:srgbClr val="A4A3A4"/>
-          </p15:clr>
-        </p15:guide>
-        <p15:guide id="2" pos="2880">
-          <p15:clr>
-            <a:srgbClr val="A4A3A4"/>
-          </p15:clr>
-        </p15:guide>
-      </p15:sldGuideLst>
-    </p:ext>
-  </p:extLst>
 </p:presentation>
 </file>
 
@@ -285,10 +269,6 @@
             </a:pPr>
             <a:fld id="{A7A476E1-26A7-4374-8E85-622F51A3D903}" type="datetimeFigureOut">
               <a:rPr lang="zh-CN" altLang="en-US"/>
-              <a:pPr>
-                <a:defRPr/>
-              </a:pPr>
-              <a:t>2019/5/7</a:t>
             </a:fld>
             <a:endParaRPr lang="zh-CN" altLang="en-US"/>
           </a:p>
@@ -357,11 +337,7 @@
           </a:prstGeom>
         </p:spPr>
         <p:txBody>
-          <a:bodyPr vert="horz" wrap="square" lIns="91440" tIns="45720" rIns="91440" bIns="45720" numCol="1" anchor="b" anchorCtr="0" compatLnSpc="1">
-            <a:prstTxWarp prst="textNoShape">
-              <a:avLst/>
-            </a:prstTxWarp>
-          </a:bodyPr>
+          <a:bodyPr vert="horz" wrap="square" lIns="91440" tIns="45720" rIns="91440" bIns="45720" numCol="1" anchor="b" anchorCtr="0" compatLnSpc="1"/>
           <a:lstStyle>
             <a:lvl1pPr algn="r" eaLnBrk="1" hangingPunct="1">
               <a:defRPr sz="1200"/>
@@ -373,21 +349,12 @@
             </a:pPr>
             <a:fld id="{19F41E9D-3057-429F-A72C-46641107623D}" type="slidenum">
               <a:rPr lang="zh-CN" altLang="en-US"/>
-              <a:pPr>
-                <a:defRPr/>
-              </a:pPr>
-              <a:t>‹#›</a:t>
             </a:fld>
             <a:endParaRPr lang="zh-CN" altLang="en-US"/>
           </a:p>
         </p:txBody>
       </p:sp>
     </p:spTree>
-    <p:extLst>
-      <p:ext uri="{BB962C8B-B14F-4D97-AF65-F5344CB8AC3E}">
-        <p14:creationId xmlns:p14="http://schemas.microsoft.com/office/powerpoint/2010/main" val="484506826"/>
-      </p:ext>
-    </p:extLst>
   </p:cSld>
   <p:clrMap bg1="lt1" tx1="dk1" bg2="lt2" tx2="dk2" accent1="accent1" accent2="accent2" accent3="accent3" accent4="accent4" accent5="accent5" accent6="accent6" hlink="hlink" folHlink="folHlink"/>
   <p:hf sldNum="0" hdr="0" ftr="0" dt="0"/>
@@ -503,10 +470,6 @@
             </a:pPr>
             <a:fld id="{335B7077-FE34-415F-9DF0-C8A90D96A5FC}" type="datetimeFigureOut">
               <a:rPr lang="zh-CN" altLang="en-US"/>
-              <a:pPr>
-                <a:defRPr/>
-              </a:pPr>
-              <a:t>2019/5/7</a:t>
             </a:fld>
             <a:endParaRPr lang="zh-CN" altLang="en-US"/>
           </a:p>
@@ -574,6 +537,7 @@
               <a:rPr lang="zh-CN" altLang="en-US" noProof="0"/>
               <a:t>单击此处编辑母版文本样式</a:t>
             </a:r>
+            <a:endParaRPr lang="zh-CN" altLang="en-US" noProof="0"/>
           </a:p>
           <a:p>
             <a:pPr lvl="1"/>
@@ -581,6 +545,7 @@
               <a:rPr lang="zh-CN" altLang="en-US" noProof="0"/>
               <a:t>第二级</a:t>
             </a:r>
+            <a:endParaRPr lang="zh-CN" altLang="en-US" noProof="0"/>
           </a:p>
           <a:p>
             <a:pPr lvl="2"/>
@@ -588,6 +553,7 @@
               <a:rPr lang="zh-CN" altLang="en-US" noProof="0"/>
               <a:t>第三级</a:t>
             </a:r>
+            <a:endParaRPr lang="zh-CN" altLang="en-US" noProof="0"/>
           </a:p>
           <a:p>
             <a:pPr lvl="3"/>
@@ -595,6 +561,7 @@
               <a:rPr lang="zh-CN" altLang="en-US" noProof="0"/>
               <a:t>第四级</a:t>
             </a:r>
+            <a:endParaRPr lang="zh-CN" altLang="en-US" noProof="0"/>
           </a:p>
           <a:p>
             <a:pPr lvl="4"/>
@@ -602,6 +569,7 @@
               <a:rPr lang="zh-CN" altLang="en-US" noProof="0"/>
               <a:t>第五级</a:t>
             </a:r>
+            <a:endParaRPr lang="zh-CN" altLang="en-US" noProof="0"/>
           </a:p>
         </p:txBody>
       </p:sp>
@@ -668,11 +636,7 @@
           </a:prstGeom>
         </p:spPr>
         <p:txBody>
-          <a:bodyPr vert="horz" wrap="square" lIns="91440" tIns="45720" rIns="91440" bIns="45720" numCol="1" anchor="b" anchorCtr="0" compatLnSpc="1">
-            <a:prstTxWarp prst="textNoShape">
-              <a:avLst/>
-            </a:prstTxWarp>
-          </a:bodyPr>
+          <a:bodyPr vert="horz" wrap="square" lIns="91440" tIns="45720" rIns="91440" bIns="45720" numCol="1" anchor="b" anchorCtr="0" compatLnSpc="1"/>
           <a:lstStyle>
             <a:lvl1pPr algn="r" eaLnBrk="1" hangingPunct="1">
               <a:defRPr sz="1200"/>
@@ -684,21 +648,12 @@
             </a:pPr>
             <a:fld id="{D3078E79-19C6-4191-81AE-0E25ABA7708C}" type="slidenum">
               <a:rPr lang="zh-CN" altLang="en-US"/>
-              <a:pPr>
-                <a:defRPr/>
-              </a:pPr>
-              <a:t>‹#›</a:t>
             </a:fld>
             <a:endParaRPr lang="zh-CN" altLang="en-US"/>
           </a:p>
         </p:txBody>
       </p:sp>
     </p:spTree>
-    <p:extLst>
-      <p:ext uri="{BB962C8B-B14F-4D97-AF65-F5344CB8AC3E}">
-        <p14:creationId xmlns:p14="http://schemas.microsoft.com/office/powerpoint/2010/main" val="292454729"/>
-      </p:ext>
-    </p:extLst>
   </p:cSld>
   <p:clrMap bg1="lt1" tx1="dk1" bg2="lt2" tx2="dk2" accent1="accent1" accent2="accent2" accent3="accent3" accent4="accent4" accent5="accent5" accent6="accent6" hlink="hlink" folHlink="folHlink"/>
   <p:hf sldNum="0" hdr="0" ftr="0" dt="0"/>
@@ -719,7 +674,7 @@
         <a:cs typeface="+mn-cs"/>
       </a:defRPr>
     </a:lvl1pPr>
-    <a:lvl2pPr marL="457182" algn="l" rtl="0" eaLnBrk="0" fontAlgn="base" hangingPunct="0">
+    <a:lvl2pPr marL="457200" algn="l" rtl="0" eaLnBrk="0" fontAlgn="base" hangingPunct="0">
       <a:spcBef>
         <a:spcPct val="30000"/>
       </a:spcBef>
@@ -735,7 +690,7 @@
         <a:cs typeface="+mn-cs"/>
       </a:defRPr>
     </a:lvl2pPr>
-    <a:lvl3pPr marL="914362" algn="l" rtl="0" eaLnBrk="0" fontAlgn="base" hangingPunct="0">
+    <a:lvl3pPr marL="914400" algn="l" rtl="0" eaLnBrk="0" fontAlgn="base" hangingPunct="0">
       <a:spcBef>
         <a:spcPct val="30000"/>
       </a:spcBef>
@@ -751,7 +706,7 @@
         <a:cs typeface="+mn-cs"/>
       </a:defRPr>
     </a:lvl3pPr>
-    <a:lvl4pPr marL="1371544" algn="l" rtl="0" eaLnBrk="0" fontAlgn="base" hangingPunct="0">
+    <a:lvl4pPr marL="1371600" algn="l" rtl="0" eaLnBrk="0" fontAlgn="base" hangingPunct="0">
       <a:spcBef>
         <a:spcPct val="30000"/>
       </a:spcBef>
@@ -767,7 +722,7 @@
         <a:cs typeface="+mn-cs"/>
       </a:defRPr>
     </a:lvl4pPr>
-    <a:lvl5pPr marL="1828725" algn="l" rtl="0" eaLnBrk="0" fontAlgn="base" hangingPunct="0">
+    <a:lvl5pPr marL="1828800" algn="l" rtl="0" eaLnBrk="0" fontAlgn="base" hangingPunct="0">
       <a:spcBef>
         <a:spcPct val="30000"/>
       </a:spcBef>
@@ -783,7 +738,7 @@
         <a:cs typeface="+mn-cs"/>
       </a:defRPr>
     </a:lvl5pPr>
-    <a:lvl6pPr marL="2285906" algn="l" defTabSz="914362" rtl="0" eaLnBrk="1" latinLnBrk="0" hangingPunct="1">
+    <a:lvl6pPr marL="2286000" algn="l" defTabSz="914400" rtl="0" eaLnBrk="1" latinLnBrk="0" hangingPunct="1">
       <a:defRPr sz="1200" kern="1200">
         <a:solidFill>
           <a:schemeClr val="tx1"/>
@@ -793,7 +748,7 @@
         <a:cs typeface="+mn-cs"/>
       </a:defRPr>
     </a:lvl6pPr>
-    <a:lvl7pPr marL="2743088" algn="l" defTabSz="914362" rtl="0" eaLnBrk="1" latinLnBrk="0" hangingPunct="1">
+    <a:lvl7pPr marL="2743200" algn="l" defTabSz="914400" rtl="0" eaLnBrk="1" latinLnBrk="0" hangingPunct="1">
       <a:defRPr sz="1200" kern="1200">
         <a:solidFill>
           <a:schemeClr val="tx1"/>
@@ -803,7 +758,7 @@
         <a:cs typeface="+mn-cs"/>
       </a:defRPr>
     </a:lvl7pPr>
-    <a:lvl8pPr marL="3200268" algn="l" defTabSz="914362" rtl="0" eaLnBrk="1" latinLnBrk="0" hangingPunct="1">
+    <a:lvl8pPr marL="3200400" algn="l" defTabSz="914400" rtl="0" eaLnBrk="1" latinLnBrk="0" hangingPunct="1">
       <a:defRPr sz="1200" kern="1200">
         <a:solidFill>
           <a:schemeClr val="tx1"/>
@@ -813,7 +768,7 @@
         <a:cs typeface="+mn-cs"/>
       </a:defRPr>
     </a:lvl8pPr>
-    <a:lvl9pPr marL="3657450" algn="l" defTabSz="914362" rtl="0" eaLnBrk="1" latinLnBrk="0" hangingPunct="1">
+    <a:lvl9pPr marL="3657600" algn="l" defTabSz="914400" rtl="0" eaLnBrk="1" latinLnBrk="0" hangingPunct="1">
       <a:defRPr sz="1200" kern="1200">
         <a:solidFill>
           <a:schemeClr val="tx1"/>
@@ -861,18 +816,7 @@
               <a:srgbClr val="000000"/>
             </a:solidFill>
             <a:miter lim="800000"/>
-            <a:headEnd/>
-            <a:tailEnd/>
           </a:ln>
-          <a:extLst>
-            <a:ext uri="{909E8E84-426E-40dd-AFC4-6F175D3DCCD1}">
-              <a14:hiddenFill xmlns:a14="http://schemas.microsoft.com/office/drawing/2010/main" xmlns="">
-                <a:solidFill>
-                  <a:srgbClr val="FFFFFF"/>
-                </a:solidFill>
-              </a14:hiddenFill>
-            </a:ext>
-          </a:extLst>
         </p:spPr>
       </p:sp>
       <p:sp>
@@ -887,32 +831,9 @@
         </p:nvSpPr>
         <p:spPr bwMode="auto">
           <a:noFill/>
-          <a:extLst>
-            <a:ext uri="{909E8E84-426E-40dd-AFC4-6F175D3DCCD1}">
-              <a14:hiddenFill xmlns:a14="http://schemas.microsoft.com/office/drawing/2010/main" xmlns="">
-                <a:solidFill>
-                  <a:srgbClr val="FFFFFF"/>
-                </a:solidFill>
-              </a14:hiddenFill>
-            </a:ext>
-            <a:ext uri="{91240B29-F687-4f45-9708-019B960494DF}">
-              <a14:hiddenLine xmlns:a14="http://schemas.microsoft.com/office/drawing/2010/main" xmlns="" w="9525">
-                <a:solidFill>
-                  <a:srgbClr val="000000"/>
-                </a:solidFill>
-                <a:miter lim="800000"/>
-                <a:headEnd/>
-                <a:tailEnd/>
-              </a14:hiddenLine>
-            </a:ext>
-          </a:extLst>
         </p:spPr>
         <p:txBody>
-          <a:bodyPr wrap="square" numCol="1" anchor="t" anchorCtr="0" compatLnSpc="1">
-            <a:prstTxWarp prst="textNoShape">
-              <a:avLst/>
-            </a:prstTxWarp>
-          </a:bodyPr>
+          <a:bodyPr wrap="square" numCol="1" anchor="t" anchorCtr="0" compatLnSpc="1"/>
           <a:lstStyle/>
           <a:p>
             <a:endParaRPr lang="zh-CN" altLang="en-US" dirty="0"/>
@@ -932,8 +853,6 @@
         <p:spPr bwMode="auto">
           <a:ln>
             <a:miter lim="800000"/>
-            <a:headEnd/>
-            <a:tailEnd/>
           </a:ln>
         </p:spPr>
         <p:txBody>
@@ -1051,8 +970,6 @@
               <a:rPr lang="zh-CN" altLang="en-US">
                 <a:latin typeface="Calibri" panose="020F0502020204030204" pitchFamily="34" charset="0"/>
               </a:rPr>
-              <a:pPr eaLnBrk="1" hangingPunct="1"/>
-              <a:t>2</a:t>
             </a:fld>
             <a:endParaRPr lang="en-US" altLang="zh-CN">
               <a:latin typeface="Calibri" panose="020F0502020204030204" pitchFamily="34" charset="0"/>
@@ -1061,11 +978,6 @@
         </p:txBody>
       </p:sp>
     </p:spTree>
-    <p:extLst>
-      <p:ext uri="{BB962C8B-B14F-4D97-AF65-F5344CB8AC3E}">
-        <p14:creationId xmlns:p14="http://schemas.microsoft.com/office/powerpoint/2010/main" val="2968020167"/>
-      </p:ext>
-    </p:extLst>
   </p:cSld>
   <p:clrMapOvr>
     <a:masterClrMapping/>
@@ -1107,18 +1019,7 @@
               <a:srgbClr val="000000"/>
             </a:solidFill>
             <a:miter lim="800000"/>
-            <a:headEnd/>
-            <a:tailEnd/>
           </a:ln>
-          <a:extLst>
-            <a:ext uri="{909E8E84-426E-40dd-AFC4-6F175D3DCCD1}">
-              <a14:hiddenFill xmlns:a14="http://schemas.microsoft.com/office/drawing/2010/main" xmlns="">
-                <a:solidFill>
-                  <a:srgbClr val="FFFFFF"/>
-                </a:solidFill>
-              </a14:hiddenFill>
-            </a:ext>
-          </a:extLst>
         </p:spPr>
       </p:sp>
       <p:sp>
@@ -1133,32 +1034,9 @@
         </p:nvSpPr>
         <p:spPr bwMode="auto">
           <a:noFill/>
-          <a:extLst>
-            <a:ext uri="{909E8E84-426E-40dd-AFC4-6F175D3DCCD1}">
-              <a14:hiddenFill xmlns:a14="http://schemas.microsoft.com/office/drawing/2010/main" xmlns="">
-                <a:solidFill>
-                  <a:srgbClr val="FFFFFF"/>
-                </a:solidFill>
-              </a14:hiddenFill>
-            </a:ext>
-            <a:ext uri="{91240B29-F687-4f45-9708-019B960494DF}">
-              <a14:hiddenLine xmlns:a14="http://schemas.microsoft.com/office/drawing/2010/main" xmlns="" w="9525">
-                <a:solidFill>
-                  <a:srgbClr val="000000"/>
-                </a:solidFill>
-                <a:miter lim="800000"/>
-                <a:headEnd/>
-                <a:tailEnd/>
-              </a14:hiddenLine>
-            </a:ext>
-          </a:extLst>
         </p:spPr>
         <p:txBody>
-          <a:bodyPr wrap="square" numCol="1" anchor="t" anchorCtr="0" compatLnSpc="1">
-            <a:prstTxWarp prst="textNoShape">
-              <a:avLst/>
-            </a:prstTxWarp>
-          </a:bodyPr>
+          <a:bodyPr wrap="square" numCol="1" anchor="t" anchorCtr="0" compatLnSpc="1"/>
           <a:lstStyle/>
           <a:p>
             <a:endParaRPr lang="zh-CN" altLang="en-US" dirty="0"/>
@@ -1178,8 +1056,6 @@
         <p:spPr bwMode="auto">
           <a:ln>
             <a:miter lim="800000"/>
-            <a:headEnd/>
-            <a:tailEnd/>
           </a:ln>
         </p:spPr>
         <p:txBody>
@@ -1297,8 +1173,6 @@
               <a:rPr lang="zh-CN" altLang="en-US">
                 <a:latin typeface="Calibri" panose="020F0502020204030204" pitchFamily="34" charset="0"/>
               </a:rPr>
-              <a:pPr eaLnBrk="1" hangingPunct="1"/>
-              <a:t>11</a:t>
             </a:fld>
             <a:endParaRPr lang="en-US" altLang="zh-CN">
               <a:latin typeface="Calibri" panose="020F0502020204030204" pitchFamily="34" charset="0"/>
@@ -1307,11 +1181,6 @@
         </p:txBody>
       </p:sp>
     </p:spTree>
-    <p:extLst>
-      <p:ext uri="{BB962C8B-B14F-4D97-AF65-F5344CB8AC3E}">
-        <p14:creationId xmlns:p14="http://schemas.microsoft.com/office/powerpoint/2010/main" val="2132197640"/>
-      </p:ext>
-    </p:extLst>
   </p:cSld>
   <p:clrMapOvr>
     <a:masterClrMapping/>
@@ -1353,18 +1222,7 @@
               <a:srgbClr val="000000"/>
             </a:solidFill>
             <a:miter lim="800000"/>
-            <a:headEnd/>
-            <a:tailEnd/>
           </a:ln>
-          <a:extLst>
-            <a:ext uri="{909E8E84-426E-40dd-AFC4-6F175D3DCCD1}">
-              <a14:hiddenFill xmlns:a14="http://schemas.microsoft.com/office/drawing/2010/main" xmlns="">
-                <a:solidFill>
-                  <a:srgbClr val="FFFFFF"/>
-                </a:solidFill>
-              </a14:hiddenFill>
-            </a:ext>
-          </a:extLst>
         </p:spPr>
       </p:sp>
       <p:sp>
@@ -1379,32 +1237,9 @@
         </p:nvSpPr>
         <p:spPr bwMode="auto">
           <a:noFill/>
-          <a:extLst>
-            <a:ext uri="{909E8E84-426E-40dd-AFC4-6F175D3DCCD1}">
-              <a14:hiddenFill xmlns:a14="http://schemas.microsoft.com/office/drawing/2010/main" xmlns="">
-                <a:solidFill>
-                  <a:srgbClr val="FFFFFF"/>
-                </a:solidFill>
-              </a14:hiddenFill>
-            </a:ext>
-            <a:ext uri="{91240B29-F687-4f45-9708-019B960494DF}">
-              <a14:hiddenLine xmlns:a14="http://schemas.microsoft.com/office/drawing/2010/main" xmlns="" w="9525">
-                <a:solidFill>
-                  <a:srgbClr val="000000"/>
-                </a:solidFill>
-                <a:miter lim="800000"/>
-                <a:headEnd/>
-                <a:tailEnd/>
-              </a14:hiddenLine>
-            </a:ext>
-          </a:extLst>
         </p:spPr>
         <p:txBody>
-          <a:bodyPr wrap="square" numCol="1" anchor="t" anchorCtr="0" compatLnSpc="1">
-            <a:prstTxWarp prst="textNoShape">
-              <a:avLst/>
-            </a:prstTxWarp>
-          </a:bodyPr>
+          <a:bodyPr wrap="square" numCol="1" anchor="t" anchorCtr="0" compatLnSpc="1"/>
           <a:lstStyle/>
           <a:p>
             <a:endParaRPr lang="zh-CN" altLang="en-US" dirty="0"/>
@@ -1424,8 +1259,6 @@
         <p:spPr bwMode="auto">
           <a:ln>
             <a:miter lim="800000"/>
-            <a:headEnd/>
-            <a:tailEnd/>
           </a:ln>
         </p:spPr>
         <p:txBody>
@@ -1543,8 +1376,6 @@
               <a:rPr lang="zh-CN" altLang="en-US">
                 <a:latin typeface="Calibri" panose="020F0502020204030204" pitchFamily="34" charset="0"/>
               </a:rPr>
-              <a:pPr eaLnBrk="1" hangingPunct="1"/>
-              <a:t>12</a:t>
             </a:fld>
             <a:endParaRPr lang="en-US" altLang="zh-CN">
               <a:latin typeface="Calibri" panose="020F0502020204030204" pitchFamily="34" charset="0"/>
@@ -1553,11 +1384,6 @@
         </p:txBody>
       </p:sp>
     </p:spTree>
-    <p:extLst>
-      <p:ext uri="{BB962C8B-B14F-4D97-AF65-F5344CB8AC3E}">
-        <p14:creationId xmlns:p14="http://schemas.microsoft.com/office/powerpoint/2010/main" val="2994131341"/>
-      </p:ext>
-    </p:extLst>
   </p:cSld>
   <p:clrMapOvr>
     <a:masterClrMapping/>
@@ -1599,18 +1425,7 @@
               <a:srgbClr val="000000"/>
             </a:solidFill>
             <a:miter lim="800000"/>
-            <a:headEnd/>
-            <a:tailEnd/>
           </a:ln>
-          <a:extLst>
-            <a:ext uri="{909E8E84-426E-40dd-AFC4-6F175D3DCCD1}">
-              <a14:hiddenFill xmlns:a14="http://schemas.microsoft.com/office/drawing/2010/main" xmlns="">
-                <a:solidFill>
-                  <a:srgbClr val="FFFFFF"/>
-                </a:solidFill>
-              </a14:hiddenFill>
-            </a:ext>
-          </a:extLst>
         </p:spPr>
       </p:sp>
       <p:sp>
@@ -1625,32 +1440,9 @@
         </p:nvSpPr>
         <p:spPr bwMode="auto">
           <a:noFill/>
-          <a:extLst>
-            <a:ext uri="{909E8E84-426E-40dd-AFC4-6F175D3DCCD1}">
-              <a14:hiddenFill xmlns:a14="http://schemas.microsoft.com/office/drawing/2010/main" xmlns="">
-                <a:solidFill>
-                  <a:srgbClr val="FFFFFF"/>
-                </a:solidFill>
-              </a14:hiddenFill>
-            </a:ext>
-            <a:ext uri="{91240B29-F687-4f45-9708-019B960494DF}">
-              <a14:hiddenLine xmlns:a14="http://schemas.microsoft.com/office/drawing/2010/main" xmlns="" w="9525">
-                <a:solidFill>
-                  <a:srgbClr val="000000"/>
-                </a:solidFill>
-                <a:miter lim="800000"/>
-                <a:headEnd/>
-                <a:tailEnd/>
-              </a14:hiddenLine>
-            </a:ext>
-          </a:extLst>
         </p:spPr>
         <p:txBody>
-          <a:bodyPr wrap="square" numCol="1" anchor="t" anchorCtr="0" compatLnSpc="1">
-            <a:prstTxWarp prst="textNoShape">
-              <a:avLst/>
-            </a:prstTxWarp>
-          </a:bodyPr>
+          <a:bodyPr wrap="square" numCol="1" anchor="t" anchorCtr="0" compatLnSpc="1"/>
           <a:lstStyle/>
           <a:p>
             <a:endParaRPr lang="zh-CN" altLang="en-US" dirty="0"/>
@@ -1670,8 +1462,6 @@
         <p:spPr bwMode="auto">
           <a:ln>
             <a:miter lim="800000"/>
-            <a:headEnd/>
-            <a:tailEnd/>
           </a:ln>
         </p:spPr>
         <p:txBody>
@@ -1789,8 +1579,6 @@
               <a:rPr lang="zh-CN" altLang="en-US">
                 <a:latin typeface="Calibri" panose="020F0502020204030204" pitchFamily="34" charset="0"/>
               </a:rPr>
-              <a:pPr eaLnBrk="1" hangingPunct="1"/>
-              <a:t>13</a:t>
             </a:fld>
             <a:endParaRPr lang="en-US" altLang="zh-CN">
               <a:latin typeface="Calibri" panose="020F0502020204030204" pitchFamily="34" charset="0"/>
@@ -1799,11 +1587,6 @@
         </p:txBody>
       </p:sp>
     </p:spTree>
-    <p:extLst>
-      <p:ext uri="{BB962C8B-B14F-4D97-AF65-F5344CB8AC3E}">
-        <p14:creationId xmlns:p14="http://schemas.microsoft.com/office/powerpoint/2010/main" val="1221189636"/>
-      </p:ext>
-    </p:extLst>
   </p:cSld>
   <p:clrMapOvr>
     <a:masterClrMapping/>
@@ -1845,18 +1628,7 @@
               <a:srgbClr val="000000"/>
             </a:solidFill>
             <a:miter lim="800000"/>
-            <a:headEnd/>
-            <a:tailEnd/>
           </a:ln>
-          <a:extLst>
-            <a:ext uri="{909E8E84-426E-40dd-AFC4-6F175D3DCCD1}">
-              <a14:hiddenFill xmlns:a14="http://schemas.microsoft.com/office/drawing/2010/main" xmlns="">
-                <a:solidFill>
-                  <a:srgbClr val="FFFFFF"/>
-                </a:solidFill>
-              </a14:hiddenFill>
-            </a:ext>
-          </a:extLst>
         </p:spPr>
       </p:sp>
       <p:sp>
@@ -1871,32 +1643,9 @@
         </p:nvSpPr>
         <p:spPr bwMode="auto">
           <a:noFill/>
-          <a:extLst>
-            <a:ext uri="{909E8E84-426E-40dd-AFC4-6F175D3DCCD1}">
-              <a14:hiddenFill xmlns:a14="http://schemas.microsoft.com/office/drawing/2010/main" xmlns="">
-                <a:solidFill>
-                  <a:srgbClr val="FFFFFF"/>
-                </a:solidFill>
-              </a14:hiddenFill>
-            </a:ext>
-            <a:ext uri="{91240B29-F687-4f45-9708-019B960494DF}">
-              <a14:hiddenLine xmlns:a14="http://schemas.microsoft.com/office/drawing/2010/main" xmlns="" w="9525">
-                <a:solidFill>
-                  <a:srgbClr val="000000"/>
-                </a:solidFill>
-                <a:miter lim="800000"/>
-                <a:headEnd/>
-                <a:tailEnd/>
-              </a14:hiddenLine>
-            </a:ext>
-          </a:extLst>
         </p:spPr>
         <p:txBody>
-          <a:bodyPr wrap="square" numCol="1" anchor="t" anchorCtr="0" compatLnSpc="1">
-            <a:prstTxWarp prst="textNoShape">
-              <a:avLst/>
-            </a:prstTxWarp>
-          </a:bodyPr>
+          <a:bodyPr wrap="square" numCol="1" anchor="t" anchorCtr="0" compatLnSpc="1"/>
           <a:lstStyle/>
           <a:p>
             <a:endParaRPr lang="zh-CN" altLang="en-US" dirty="0"/>
@@ -1916,8 +1665,6 @@
         <p:spPr bwMode="auto">
           <a:ln>
             <a:miter lim="800000"/>
-            <a:headEnd/>
-            <a:tailEnd/>
           </a:ln>
         </p:spPr>
         <p:txBody>
@@ -2035,8 +1782,6 @@
               <a:rPr lang="zh-CN" altLang="en-US">
                 <a:latin typeface="Calibri" panose="020F0502020204030204" pitchFamily="34" charset="0"/>
               </a:rPr>
-              <a:pPr eaLnBrk="1" hangingPunct="1"/>
-              <a:t>14</a:t>
             </a:fld>
             <a:endParaRPr lang="en-US" altLang="zh-CN">
               <a:latin typeface="Calibri" panose="020F0502020204030204" pitchFamily="34" charset="0"/>
@@ -2045,11 +1790,6 @@
         </p:txBody>
       </p:sp>
     </p:spTree>
-    <p:extLst>
-      <p:ext uri="{BB962C8B-B14F-4D97-AF65-F5344CB8AC3E}">
-        <p14:creationId xmlns:p14="http://schemas.microsoft.com/office/powerpoint/2010/main" val="1312992631"/>
-      </p:ext>
-    </p:extLst>
   </p:cSld>
   <p:clrMapOvr>
     <a:masterClrMapping/>
@@ -2091,18 +1831,7 @@
               <a:srgbClr val="000000"/>
             </a:solidFill>
             <a:miter lim="800000"/>
-            <a:headEnd/>
-            <a:tailEnd/>
           </a:ln>
-          <a:extLst>
-            <a:ext uri="{909E8E84-426E-40dd-AFC4-6F175D3DCCD1}">
-              <a14:hiddenFill xmlns:a14="http://schemas.microsoft.com/office/drawing/2010/main" xmlns="">
-                <a:solidFill>
-                  <a:srgbClr val="FFFFFF"/>
-                </a:solidFill>
-              </a14:hiddenFill>
-            </a:ext>
-          </a:extLst>
         </p:spPr>
       </p:sp>
       <p:sp>
@@ -2117,32 +1846,9 @@
         </p:nvSpPr>
         <p:spPr bwMode="auto">
           <a:noFill/>
-          <a:extLst>
-            <a:ext uri="{909E8E84-426E-40dd-AFC4-6F175D3DCCD1}">
-              <a14:hiddenFill xmlns:a14="http://schemas.microsoft.com/office/drawing/2010/main" xmlns="">
-                <a:solidFill>
-                  <a:srgbClr val="FFFFFF"/>
-                </a:solidFill>
-              </a14:hiddenFill>
-            </a:ext>
-            <a:ext uri="{91240B29-F687-4f45-9708-019B960494DF}">
-              <a14:hiddenLine xmlns:a14="http://schemas.microsoft.com/office/drawing/2010/main" xmlns="" w="9525">
-                <a:solidFill>
-                  <a:srgbClr val="000000"/>
-                </a:solidFill>
-                <a:miter lim="800000"/>
-                <a:headEnd/>
-                <a:tailEnd/>
-              </a14:hiddenLine>
-            </a:ext>
-          </a:extLst>
         </p:spPr>
         <p:txBody>
-          <a:bodyPr wrap="square" numCol="1" anchor="t" anchorCtr="0" compatLnSpc="1">
-            <a:prstTxWarp prst="textNoShape">
-              <a:avLst/>
-            </a:prstTxWarp>
-          </a:bodyPr>
+          <a:bodyPr wrap="square" numCol="1" anchor="t" anchorCtr="0" compatLnSpc="1"/>
           <a:lstStyle/>
           <a:p>
             <a:endParaRPr lang="zh-CN" altLang="en-US" dirty="0"/>
@@ -2162,8 +1868,6 @@
         <p:spPr bwMode="auto">
           <a:ln>
             <a:miter lim="800000"/>
-            <a:headEnd/>
-            <a:tailEnd/>
           </a:ln>
         </p:spPr>
         <p:txBody>
@@ -2281,8 +1985,6 @@
               <a:rPr lang="zh-CN" altLang="en-US">
                 <a:latin typeface="Calibri" panose="020F0502020204030204" pitchFamily="34" charset="0"/>
               </a:rPr>
-              <a:pPr eaLnBrk="1" hangingPunct="1"/>
-              <a:t>15</a:t>
             </a:fld>
             <a:endParaRPr lang="en-US" altLang="zh-CN">
               <a:latin typeface="Calibri" panose="020F0502020204030204" pitchFamily="34" charset="0"/>
@@ -2291,11 +1993,6 @@
         </p:txBody>
       </p:sp>
     </p:spTree>
-    <p:extLst>
-      <p:ext uri="{BB962C8B-B14F-4D97-AF65-F5344CB8AC3E}">
-        <p14:creationId xmlns:p14="http://schemas.microsoft.com/office/powerpoint/2010/main" val="3115174029"/>
-      </p:ext>
-    </p:extLst>
   </p:cSld>
   <p:clrMapOvr>
     <a:masterClrMapping/>
@@ -2337,18 +2034,7 @@
               <a:srgbClr val="000000"/>
             </a:solidFill>
             <a:miter lim="800000"/>
-            <a:headEnd/>
-            <a:tailEnd/>
           </a:ln>
-          <a:extLst>
-            <a:ext uri="{909E8E84-426E-40dd-AFC4-6F175D3DCCD1}">
-              <a14:hiddenFill xmlns:a14="http://schemas.microsoft.com/office/drawing/2010/main" xmlns="">
-                <a:solidFill>
-                  <a:srgbClr val="FFFFFF"/>
-                </a:solidFill>
-              </a14:hiddenFill>
-            </a:ext>
-          </a:extLst>
         </p:spPr>
       </p:sp>
       <p:sp>
@@ -2363,32 +2049,9 @@
         </p:nvSpPr>
         <p:spPr bwMode="auto">
           <a:noFill/>
-          <a:extLst>
-            <a:ext uri="{909E8E84-426E-40dd-AFC4-6F175D3DCCD1}">
-              <a14:hiddenFill xmlns:a14="http://schemas.microsoft.com/office/drawing/2010/main" xmlns="">
-                <a:solidFill>
-                  <a:srgbClr val="FFFFFF"/>
-                </a:solidFill>
-              </a14:hiddenFill>
-            </a:ext>
-            <a:ext uri="{91240B29-F687-4f45-9708-019B960494DF}">
-              <a14:hiddenLine xmlns:a14="http://schemas.microsoft.com/office/drawing/2010/main" xmlns="" w="9525">
-                <a:solidFill>
-                  <a:srgbClr val="000000"/>
-                </a:solidFill>
-                <a:miter lim="800000"/>
-                <a:headEnd/>
-                <a:tailEnd/>
-              </a14:hiddenLine>
-            </a:ext>
-          </a:extLst>
         </p:spPr>
         <p:txBody>
-          <a:bodyPr wrap="square" numCol="1" anchor="t" anchorCtr="0" compatLnSpc="1">
-            <a:prstTxWarp prst="textNoShape">
-              <a:avLst/>
-            </a:prstTxWarp>
-          </a:bodyPr>
+          <a:bodyPr wrap="square" numCol="1" anchor="t" anchorCtr="0" compatLnSpc="1"/>
           <a:lstStyle/>
           <a:p>
             <a:endParaRPr lang="zh-CN" altLang="en-US" dirty="0"/>
@@ -2408,8 +2071,6 @@
         <p:spPr bwMode="auto">
           <a:ln>
             <a:miter lim="800000"/>
-            <a:headEnd/>
-            <a:tailEnd/>
           </a:ln>
         </p:spPr>
         <p:txBody>
@@ -2527,8 +2188,6 @@
               <a:rPr lang="zh-CN" altLang="en-US">
                 <a:latin typeface="Calibri" panose="020F0502020204030204" pitchFamily="34" charset="0"/>
               </a:rPr>
-              <a:pPr eaLnBrk="1" hangingPunct="1"/>
-              <a:t>16</a:t>
             </a:fld>
             <a:endParaRPr lang="en-US" altLang="zh-CN">
               <a:latin typeface="Calibri" panose="020F0502020204030204" pitchFamily="34" charset="0"/>
@@ -2537,11 +2196,6 @@
         </p:txBody>
       </p:sp>
     </p:spTree>
-    <p:extLst>
-      <p:ext uri="{BB962C8B-B14F-4D97-AF65-F5344CB8AC3E}">
-        <p14:creationId xmlns:p14="http://schemas.microsoft.com/office/powerpoint/2010/main" val="1740504948"/>
-      </p:ext>
-    </p:extLst>
   </p:cSld>
   <p:clrMapOvr>
     <a:masterClrMapping/>
@@ -2583,18 +2237,7 @@
               <a:srgbClr val="000000"/>
             </a:solidFill>
             <a:miter lim="800000"/>
-            <a:headEnd/>
-            <a:tailEnd/>
           </a:ln>
-          <a:extLst>
-            <a:ext uri="{909E8E84-426E-40dd-AFC4-6F175D3DCCD1}">
-              <a14:hiddenFill xmlns:a14="http://schemas.microsoft.com/office/drawing/2010/main" xmlns="">
-                <a:solidFill>
-                  <a:srgbClr val="FFFFFF"/>
-                </a:solidFill>
-              </a14:hiddenFill>
-            </a:ext>
-          </a:extLst>
         </p:spPr>
       </p:sp>
       <p:sp>
@@ -2609,32 +2252,9 @@
         </p:nvSpPr>
         <p:spPr bwMode="auto">
           <a:noFill/>
-          <a:extLst>
-            <a:ext uri="{909E8E84-426E-40dd-AFC4-6F175D3DCCD1}">
-              <a14:hiddenFill xmlns:a14="http://schemas.microsoft.com/office/drawing/2010/main" xmlns="">
-                <a:solidFill>
-                  <a:srgbClr val="FFFFFF"/>
-                </a:solidFill>
-              </a14:hiddenFill>
-            </a:ext>
-            <a:ext uri="{91240B29-F687-4f45-9708-019B960494DF}">
-              <a14:hiddenLine xmlns:a14="http://schemas.microsoft.com/office/drawing/2010/main" xmlns="" w="9525">
-                <a:solidFill>
-                  <a:srgbClr val="000000"/>
-                </a:solidFill>
-                <a:miter lim="800000"/>
-                <a:headEnd/>
-                <a:tailEnd/>
-              </a14:hiddenLine>
-            </a:ext>
-          </a:extLst>
         </p:spPr>
         <p:txBody>
-          <a:bodyPr wrap="square" numCol="1" anchor="t" anchorCtr="0" compatLnSpc="1">
-            <a:prstTxWarp prst="textNoShape">
-              <a:avLst/>
-            </a:prstTxWarp>
-          </a:bodyPr>
+          <a:bodyPr wrap="square" numCol="1" anchor="t" anchorCtr="0" compatLnSpc="1"/>
           <a:lstStyle/>
           <a:p>
             <a:endParaRPr lang="zh-CN" altLang="en-US" dirty="0"/>
@@ -2654,8 +2274,6 @@
         <p:spPr bwMode="auto">
           <a:ln>
             <a:miter lim="800000"/>
-            <a:headEnd/>
-            <a:tailEnd/>
           </a:ln>
         </p:spPr>
         <p:txBody>
@@ -2773,8 +2391,6 @@
               <a:rPr lang="zh-CN" altLang="en-US">
                 <a:latin typeface="Calibri" panose="020F0502020204030204" pitchFamily="34" charset="0"/>
               </a:rPr>
-              <a:pPr eaLnBrk="1" hangingPunct="1"/>
-              <a:t>17</a:t>
             </a:fld>
             <a:endParaRPr lang="en-US" altLang="zh-CN">
               <a:latin typeface="Calibri" panose="020F0502020204030204" pitchFamily="34" charset="0"/>
@@ -2783,11 +2399,6 @@
         </p:txBody>
       </p:sp>
     </p:spTree>
-    <p:extLst>
-      <p:ext uri="{BB962C8B-B14F-4D97-AF65-F5344CB8AC3E}">
-        <p14:creationId xmlns:p14="http://schemas.microsoft.com/office/powerpoint/2010/main" val="2326804831"/>
-      </p:ext>
-    </p:extLst>
   </p:cSld>
   <p:clrMapOvr>
     <a:masterClrMapping/>
@@ -2829,18 +2440,7 @@
               <a:srgbClr val="000000"/>
             </a:solidFill>
             <a:miter lim="800000"/>
-            <a:headEnd/>
-            <a:tailEnd/>
           </a:ln>
-          <a:extLst>
-            <a:ext uri="{909E8E84-426E-40dd-AFC4-6F175D3DCCD1}">
-              <a14:hiddenFill xmlns:a14="http://schemas.microsoft.com/office/drawing/2010/main" xmlns="">
-                <a:solidFill>
-                  <a:srgbClr val="FFFFFF"/>
-                </a:solidFill>
-              </a14:hiddenFill>
-            </a:ext>
-          </a:extLst>
         </p:spPr>
       </p:sp>
       <p:sp>
@@ -2855,32 +2455,9 @@
         </p:nvSpPr>
         <p:spPr bwMode="auto">
           <a:noFill/>
-          <a:extLst>
-            <a:ext uri="{909E8E84-426E-40dd-AFC4-6F175D3DCCD1}">
-              <a14:hiddenFill xmlns:a14="http://schemas.microsoft.com/office/drawing/2010/main" xmlns="">
-                <a:solidFill>
-                  <a:srgbClr val="FFFFFF"/>
-                </a:solidFill>
-              </a14:hiddenFill>
-            </a:ext>
-            <a:ext uri="{91240B29-F687-4f45-9708-019B960494DF}">
-              <a14:hiddenLine xmlns:a14="http://schemas.microsoft.com/office/drawing/2010/main" xmlns="" w="9525">
-                <a:solidFill>
-                  <a:srgbClr val="000000"/>
-                </a:solidFill>
-                <a:miter lim="800000"/>
-                <a:headEnd/>
-                <a:tailEnd/>
-              </a14:hiddenLine>
-            </a:ext>
-          </a:extLst>
         </p:spPr>
         <p:txBody>
-          <a:bodyPr wrap="square" numCol="1" anchor="t" anchorCtr="0" compatLnSpc="1">
-            <a:prstTxWarp prst="textNoShape">
-              <a:avLst/>
-            </a:prstTxWarp>
-          </a:bodyPr>
+          <a:bodyPr wrap="square" numCol="1" anchor="t" anchorCtr="0" compatLnSpc="1"/>
           <a:lstStyle/>
           <a:p>
             <a:endParaRPr lang="zh-CN" altLang="en-US" dirty="0"/>
@@ -2900,8 +2477,6 @@
         <p:spPr bwMode="auto">
           <a:ln>
             <a:miter lim="800000"/>
-            <a:headEnd/>
-            <a:tailEnd/>
           </a:ln>
         </p:spPr>
         <p:txBody>
@@ -3019,8 +2594,6 @@
               <a:rPr lang="zh-CN" altLang="en-US">
                 <a:latin typeface="Calibri" panose="020F0502020204030204" pitchFamily="34" charset="0"/>
               </a:rPr>
-              <a:pPr eaLnBrk="1" hangingPunct="1"/>
-              <a:t>18</a:t>
             </a:fld>
             <a:endParaRPr lang="en-US" altLang="zh-CN">
               <a:latin typeface="Calibri" panose="020F0502020204030204" pitchFamily="34" charset="0"/>
@@ -3029,11 +2602,6 @@
         </p:txBody>
       </p:sp>
     </p:spTree>
-    <p:extLst>
-      <p:ext uri="{BB962C8B-B14F-4D97-AF65-F5344CB8AC3E}">
-        <p14:creationId xmlns:p14="http://schemas.microsoft.com/office/powerpoint/2010/main" val="329038847"/>
-      </p:ext>
-    </p:extLst>
   </p:cSld>
   <p:clrMapOvr>
     <a:masterClrMapping/>
@@ -3075,18 +2643,7 @@
               <a:srgbClr val="000000"/>
             </a:solidFill>
             <a:miter lim="800000"/>
-            <a:headEnd/>
-            <a:tailEnd/>
           </a:ln>
-          <a:extLst>
-            <a:ext uri="{909E8E84-426E-40dd-AFC4-6F175D3DCCD1}">
-              <a14:hiddenFill xmlns:a14="http://schemas.microsoft.com/office/drawing/2010/main" xmlns="">
-                <a:solidFill>
-                  <a:srgbClr val="FFFFFF"/>
-                </a:solidFill>
-              </a14:hiddenFill>
-            </a:ext>
-          </a:extLst>
         </p:spPr>
       </p:sp>
       <p:sp>
@@ -3101,32 +2658,9 @@
         </p:nvSpPr>
         <p:spPr bwMode="auto">
           <a:noFill/>
-          <a:extLst>
-            <a:ext uri="{909E8E84-426E-40dd-AFC4-6F175D3DCCD1}">
-              <a14:hiddenFill xmlns:a14="http://schemas.microsoft.com/office/drawing/2010/main" xmlns="">
-                <a:solidFill>
-                  <a:srgbClr val="FFFFFF"/>
-                </a:solidFill>
-              </a14:hiddenFill>
-            </a:ext>
-            <a:ext uri="{91240B29-F687-4f45-9708-019B960494DF}">
-              <a14:hiddenLine xmlns:a14="http://schemas.microsoft.com/office/drawing/2010/main" xmlns="" w="9525">
-                <a:solidFill>
-                  <a:srgbClr val="000000"/>
-                </a:solidFill>
-                <a:miter lim="800000"/>
-                <a:headEnd/>
-                <a:tailEnd/>
-              </a14:hiddenLine>
-            </a:ext>
-          </a:extLst>
         </p:spPr>
         <p:txBody>
-          <a:bodyPr wrap="square" numCol="1" anchor="t" anchorCtr="0" compatLnSpc="1">
-            <a:prstTxWarp prst="textNoShape">
-              <a:avLst/>
-            </a:prstTxWarp>
-          </a:bodyPr>
+          <a:bodyPr wrap="square" numCol="1" anchor="t" anchorCtr="0" compatLnSpc="1"/>
           <a:lstStyle/>
           <a:p>
             <a:endParaRPr lang="zh-CN" altLang="en-US" dirty="0"/>
@@ -3146,8 +2680,6 @@
         <p:spPr bwMode="auto">
           <a:ln>
             <a:miter lim="800000"/>
-            <a:headEnd/>
-            <a:tailEnd/>
           </a:ln>
         </p:spPr>
         <p:txBody>
@@ -3265,8 +2797,6 @@
               <a:rPr lang="zh-CN" altLang="en-US">
                 <a:latin typeface="Calibri" panose="020F0502020204030204" pitchFamily="34" charset="0"/>
               </a:rPr>
-              <a:pPr eaLnBrk="1" hangingPunct="1"/>
-              <a:t>3</a:t>
             </a:fld>
             <a:endParaRPr lang="en-US" altLang="zh-CN">
               <a:latin typeface="Calibri" panose="020F0502020204030204" pitchFamily="34" charset="0"/>
@@ -3275,11 +2805,6 @@
         </p:txBody>
       </p:sp>
     </p:spTree>
-    <p:extLst>
-      <p:ext uri="{BB962C8B-B14F-4D97-AF65-F5344CB8AC3E}">
-        <p14:creationId xmlns:p14="http://schemas.microsoft.com/office/powerpoint/2010/main" val="3829249356"/>
-      </p:ext>
-    </p:extLst>
   </p:cSld>
   <p:clrMapOvr>
     <a:masterClrMapping/>
@@ -3321,18 +2846,7 @@
               <a:srgbClr val="000000"/>
             </a:solidFill>
             <a:miter lim="800000"/>
-            <a:headEnd/>
-            <a:tailEnd/>
           </a:ln>
-          <a:extLst>
-            <a:ext uri="{909E8E84-426E-40dd-AFC4-6F175D3DCCD1}">
-              <a14:hiddenFill xmlns:a14="http://schemas.microsoft.com/office/drawing/2010/main" xmlns="">
-                <a:solidFill>
-                  <a:srgbClr val="FFFFFF"/>
-                </a:solidFill>
-              </a14:hiddenFill>
-            </a:ext>
-          </a:extLst>
         </p:spPr>
       </p:sp>
       <p:sp>
@@ -3347,32 +2861,9 @@
         </p:nvSpPr>
         <p:spPr bwMode="auto">
           <a:noFill/>
-          <a:extLst>
-            <a:ext uri="{909E8E84-426E-40dd-AFC4-6F175D3DCCD1}">
-              <a14:hiddenFill xmlns:a14="http://schemas.microsoft.com/office/drawing/2010/main" xmlns="">
-                <a:solidFill>
-                  <a:srgbClr val="FFFFFF"/>
-                </a:solidFill>
-              </a14:hiddenFill>
-            </a:ext>
-            <a:ext uri="{91240B29-F687-4f45-9708-019B960494DF}">
-              <a14:hiddenLine xmlns:a14="http://schemas.microsoft.com/office/drawing/2010/main" xmlns="" w="9525">
-                <a:solidFill>
-                  <a:srgbClr val="000000"/>
-                </a:solidFill>
-                <a:miter lim="800000"/>
-                <a:headEnd/>
-                <a:tailEnd/>
-              </a14:hiddenLine>
-            </a:ext>
-          </a:extLst>
         </p:spPr>
         <p:txBody>
-          <a:bodyPr wrap="square" numCol="1" anchor="t" anchorCtr="0" compatLnSpc="1">
-            <a:prstTxWarp prst="textNoShape">
-              <a:avLst/>
-            </a:prstTxWarp>
-          </a:bodyPr>
+          <a:bodyPr wrap="square" numCol="1" anchor="t" anchorCtr="0" compatLnSpc="1"/>
           <a:lstStyle/>
           <a:p>
             <a:endParaRPr lang="zh-CN" altLang="en-US" dirty="0"/>
@@ -3392,8 +2883,6 @@
         <p:spPr bwMode="auto">
           <a:ln>
             <a:miter lim="800000"/>
-            <a:headEnd/>
-            <a:tailEnd/>
           </a:ln>
         </p:spPr>
         <p:txBody>
@@ -3511,8 +3000,6 @@
               <a:rPr lang="zh-CN" altLang="en-US">
                 <a:latin typeface="Calibri" panose="020F0502020204030204" pitchFamily="34" charset="0"/>
               </a:rPr>
-              <a:pPr eaLnBrk="1" hangingPunct="1"/>
-              <a:t>4</a:t>
             </a:fld>
             <a:endParaRPr lang="en-US" altLang="zh-CN">
               <a:latin typeface="Calibri" panose="020F0502020204030204" pitchFamily="34" charset="0"/>
@@ -3521,11 +3008,6 @@
         </p:txBody>
       </p:sp>
     </p:spTree>
-    <p:extLst>
-      <p:ext uri="{BB962C8B-B14F-4D97-AF65-F5344CB8AC3E}">
-        <p14:creationId xmlns:p14="http://schemas.microsoft.com/office/powerpoint/2010/main" val="1255470744"/>
-      </p:ext>
-    </p:extLst>
   </p:cSld>
   <p:clrMapOvr>
     <a:masterClrMapping/>
@@ -3567,18 +3049,7 @@
               <a:srgbClr val="000000"/>
             </a:solidFill>
             <a:miter lim="800000"/>
-            <a:headEnd/>
-            <a:tailEnd/>
           </a:ln>
-          <a:extLst>
-            <a:ext uri="{909E8E84-426E-40dd-AFC4-6F175D3DCCD1}">
-              <a14:hiddenFill xmlns:a14="http://schemas.microsoft.com/office/drawing/2010/main" xmlns="">
-                <a:solidFill>
-                  <a:srgbClr val="FFFFFF"/>
-                </a:solidFill>
-              </a14:hiddenFill>
-            </a:ext>
-          </a:extLst>
         </p:spPr>
       </p:sp>
       <p:sp>
@@ -3593,32 +3064,9 @@
         </p:nvSpPr>
         <p:spPr bwMode="auto">
           <a:noFill/>
-          <a:extLst>
-            <a:ext uri="{909E8E84-426E-40dd-AFC4-6F175D3DCCD1}">
-              <a14:hiddenFill xmlns:a14="http://schemas.microsoft.com/office/drawing/2010/main" xmlns="">
-                <a:solidFill>
-                  <a:srgbClr val="FFFFFF"/>
-                </a:solidFill>
-              </a14:hiddenFill>
-            </a:ext>
-            <a:ext uri="{91240B29-F687-4f45-9708-019B960494DF}">
-              <a14:hiddenLine xmlns:a14="http://schemas.microsoft.com/office/drawing/2010/main" xmlns="" w="9525">
-                <a:solidFill>
-                  <a:srgbClr val="000000"/>
-                </a:solidFill>
-                <a:miter lim="800000"/>
-                <a:headEnd/>
-                <a:tailEnd/>
-              </a14:hiddenLine>
-            </a:ext>
-          </a:extLst>
         </p:spPr>
         <p:txBody>
-          <a:bodyPr wrap="square" numCol="1" anchor="t" anchorCtr="0" compatLnSpc="1">
-            <a:prstTxWarp prst="textNoShape">
-              <a:avLst/>
-            </a:prstTxWarp>
-          </a:bodyPr>
+          <a:bodyPr wrap="square" numCol="1" anchor="t" anchorCtr="0" compatLnSpc="1"/>
           <a:lstStyle/>
           <a:p>
             <a:endParaRPr lang="zh-CN" altLang="en-US" dirty="0"/>
@@ -3638,8 +3086,6 @@
         <p:spPr bwMode="auto">
           <a:ln>
             <a:miter lim="800000"/>
-            <a:headEnd/>
-            <a:tailEnd/>
           </a:ln>
         </p:spPr>
         <p:txBody>
@@ -3757,8 +3203,6 @@
               <a:rPr lang="zh-CN" altLang="en-US">
                 <a:latin typeface="Calibri" panose="020F0502020204030204" pitchFamily="34" charset="0"/>
               </a:rPr>
-              <a:pPr eaLnBrk="1" hangingPunct="1"/>
-              <a:t>5</a:t>
             </a:fld>
             <a:endParaRPr lang="en-US" altLang="zh-CN">
               <a:latin typeface="Calibri" panose="020F0502020204030204" pitchFamily="34" charset="0"/>
@@ -3767,11 +3211,6 @@
         </p:txBody>
       </p:sp>
     </p:spTree>
-    <p:extLst>
-      <p:ext uri="{BB962C8B-B14F-4D97-AF65-F5344CB8AC3E}">
-        <p14:creationId xmlns:p14="http://schemas.microsoft.com/office/powerpoint/2010/main" val="1179979123"/>
-      </p:ext>
-    </p:extLst>
   </p:cSld>
   <p:clrMapOvr>
     <a:masterClrMapping/>
@@ -3813,18 +3252,7 @@
               <a:srgbClr val="000000"/>
             </a:solidFill>
             <a:miter lim="800000"/>
-            <a:headEnd/>
-            <a:tailEnd/>
           </a:ln>
-          <a:extLst>
-            <a:ext uri="{909E8E84-426E-40dd-AFC4-6F175D3DCCD1}">
-              <a14:hiddenFill xmlns:a14="http://schemas.microsoft.com/office/drawing/2010/main" xmlns="">
-                <a:solidFill>
-                  <a:srgbClr val="FFFFFF"/>
-                </a:solidFill>
-              </a14:hiddenFill>
-            </a:ext>
-          </a:extLst>
         </p:spPr>
       </p:sp>
       <p:sp>
@@ -3839,32 +3267,9 @@
         </p:nvSpPr>
         <p:spPr bwMode="auto">
           <a:noFill/>
-          <a:extLst>
-            <a:ext uri="{909E8E84-426E-40dd-AFC4-6F175D3DCCD1}">
-              <a14:hiddenFill xmlns:a14="http://schemas.microsoft.com/office/drawing/2010/main" xmlns="">
-                <a:solidFill>
-                  <a:srgbClr val="FFFFFF"/>
-                </a:solidFill>
-              </a14:hiddenFill>
-            </a:ext>
-            <a:ext uri="{91240B29-F687-4f45-9708-019B960494DF}">
-              <a14:hiddenLine xmlns:a14="http://schemas.microsoft.com/office/drawing/2010/main" xmlns="" w="9525">
-                <a:solidFill>
-                  <a:srgbClr val="000000"/>
-                </a:solidFill>
-                <a:miter lim="800000"/>
-                <a:headEnd/>
-                <a:tailEnd/>
-              </a14:hiddenLine>
-            </a:ext>
-          </a:extLst>
         </p:spPr>
         <p:txBody>
-          <a:bodyPr wrap="square" numCol="1" anchor="t" anchorCtr="0" compatLnSpc="1">
-            <a:prstTxWarp prst="textNoShape">
-              <a:avLst/>
-            </a:prstTxWarp>
-          </a:bodyPr>
+          <a:bodyPr wrap="square" numCol="1" anchor="t" anchorCtr="0" compatLnSpc="1"/>
           <a:lstStyle/>
           <a:p>
             <a:endParaRPr lang="zh-CN" altLang="en-US" dirty="0"/>
@@ -3884,8 +3289,6 @@
         <p:spPr bwMode="auto">
           <a:ln>
             <a:miter lim="800000"/>
-            <a:headEnd/>
-            <a:tailEnd/>
           </a:ln>
         </p:spPr>
         <p:txBody>
@@ -4003,8 +3406,6 @@
               <a:rPr lang="zh-CN" altLang="en-US">
                 <a:latin typeface="Calibri" panose="020F0502020204030204" pitchFamily="34" charset="0"/>
               </a:rPr>
-              <a:pPr eaLnBrk="1" hangingPunct="1"/>
-              <a:t>6</a:t>
             </a:fld>
             <a:endParaRPr lang="en-US" altLang="zh-CN">
               <a:latin typeface="Calibri" panose="020F0502020204030204" pitchFamily="34" charset="0"/>
@@ -4013,11 +3414,6 @@
         </p:txBody>
       </p:sp>
     </p:spTree>
-    <p:extLst>
-      <p:ext uri="{BB962C8B-B14F-4D97-AF65-F5344CB8AC3E}">
-        <p14:creationId xmlns:p14="http://schemas.microsoft.com/office/powerpoint/2010/main" val="3007039398"/>
-      </p:ext>
-    </p:extLst>
   </p:cSld>
   <p:clrMapOvr>
     <a:masterClrMapping/>
@@ -4059,18 +3455,7 @@
               <a:srgbClr val="000000"/>
             </a:solidFill>
             <a:miter lim="800000"/>
-            <a:headEnd/>
-            <a:tailEnd/>
           </a:ln>
-          <a:extLst>
-            <a:ext uri="{909E8E84-426E-40dd-AFC4-6F175D3DCCD1}">
-              <a14:hiddenFill xmlns:a14="http://schemas.microsoft.com/office/drawing/2010/main" xmlns="">
-                <a:solidFill>
-                  <a:srgbClr val="FFFFFF"/>
-                </a:solidFill>
-              </a14:hiddenFill>
-            </a:ext>
-          </a:extLst>
         </p:spPr>
       </p:sp>
       <p:sp>
@@ -4085,32 +3470,9 @@
         </p:nvSpPr>
         <p:spPr bwMode="auto">
           <a:noFill/>
-          <a:extLst>
-            <a:ext uri="{909E8E84-426E-40dd-AFC4-6F175D3DCCD1}">
-              <a14:hiddenFill xmlns:a14="http://schemas.microsoft.com/office/drawing/2010/main" xmlns="">
-                <a:solidFill>
-                  <a:srgbClr val="FFFFFF"/>
-                </a:solidFill>
-              </a14:hiddenFill>
-            </a:ext>
-            <a:ext uri="{91240B29-F687-4f45-9708-019B960494DF}">
-              <a14:hiddenLine xmlns:a14="http://schemas.microsoft.com/office/drawing/2010/main" xmlns="" w="9525">
-                <a:solidFill>
-                  <a:srgbClr val="000000"/>
-                </a:solidFill>
-                <a:miter lim="800000"/>
-                <a:headEnd/>
-                <a:tailEnd/>
-              </a14:hiddenLine>
-            </a:ext>
-          </a:extLst>
         </p:spPr>
         <p:txBody>
-          <a:bodyPr wrap="square" numCol="1" anchor="t" anchorCtr="0" compatLnSpc="1">
-            <a:prstTxWarp prst="textNoShape">
-              <a:avLst/>
-            </a:prstTxWarp>
-          </a:bodyPr>
+          <a:bodyPr wrap="square" numCol="1" anchor="t" anchorCtr="0" compatLnSpc="1"/>
           <a:lstStyle/>
           <a:p>
             <a:endParaRPr lang="zh-CN" altLang="en-US" dirty="0"/>
@@ -4130,8 +3492,6 @@
         <p:spPr bwMode="auto">
           <a:ln>
             <a:miter lim="800000"/>
-            <a:headEnd/>
-            <a:tailEnd/>
           </a:ln>
         </p:spPr>
         <p:txBody>
@@ -4249,8 +3609,6 @@
               <a:rPr lang="zh-CN" altLang="en-US">
                 <a:latin typeface="Calibri" panose="020F0502020204030204" pitchFamily="34" charset="0"/>
               </a:rPr>
-              <a:pPr eaLnBrk="1" hangingPunct="1"/>
-              <a:t>7</a:t>
             </a:fld>
             <a:endParaRPr lang="en-US" altLang="zh-CN">
               <a:latin typeface="Calibri" panose="020F0502020204030204" pitchFamily="34" charset="0"/>
@@ -4259,11 +3617,6 @@
         </p:txBody>
       </p:sp>
     </p:spTree>
-    <p:extLst>
-      <p:ext uri="{BB962C8B-B14F-4D97-AF65-F5344CB8AC3E}">
-        <p14:creationId xmlns:p14="http://schemas.microsoft.com/office/powerpoint/2010/main" val="1772014372"/>
-      </p:ext>
-    </p:extLst>
   </p:cSld>
   <p:clrMapOvr>
     <a:masterClrMapping/>
@@ -4305,18 +3658,7 @@
               <a:srgbClr val="000000"/>
             </a:solidFill>
             <a:miter lim="800000"/>
-            <a:headEnd/>
-            <a:tailEnd/>
           </a:ln>
-          <a:extLst>
-            <a:ext uri="{909E8E84-426E-40dd-AFC4-6F175D3DCCD1}">
-              <a14:hiddenFill xmlns:a14="http://schemas.microsoft.com/office/drawing/2010/main" xmlns="">
-                <a:solidFill>
-                  <a:srgbClr val="FFFFFF"/>
-                </a:solidFill>
-              </a14:hiddenFill>
-            </a:ext>
-          </a:extLst>
         </p:spPr>
       </p:sp>
       <p:sp>
@@ -4331,32 +3673,9 @@
         </p:nvSpPr>
         <p:spPr bwMode="auto">
           <a:noFill/>
-          <a:extLst>
-            <a:ext uri="{909E8E84-426E-40dd-AFC4-6F175D3DCCD1}">
-              <a14:hiddenFill xmlns:a14="http://schemas.microsoft.com/office/drawing/2010/main" xmlns="">
-                <a:solidFill>
-                  <a:srgbClr val="FFFFFF"/>
-                </a:solidFill>
-              </a14:hiddenFill>
-            </a:ext>
-            <a:ext uri="{91240B29-F687-4f45-9708-019B960494DF}">
-              <a14:hiddenLine xmlns:a14="http://schemas.microsoft.com/office/drawing/2010/main" xmlns="" w="9525">
-                <a:solidFill>
-                  <a:srgbClr val="000000"/>
-                </a:solidFill>
-                <a:miter lim="800000"/>
-                <a:headEnd/>
-                <a:tailEnd/>
-              </a14:hiddenLine>
-            </a:ext>
-          </a:extLst>
         </p:spPr>
         <p:txBody>
-          <a:bodyPr wrap="square" numCol="1" anchor="t" anchorCtr="0" compatLnSpc="1">
-            <a:prstTxWarp prst="textNoShape">
-              <a:avLst/>
-            </a:prstTxWarp>
-          </a:bodyPr>
+          <a:bodyPr wrap="square" numCol="1" anchor="t" anchorCtr="0" compatLnSpc="1"/>
           <a:lstStyle/>
           <a:p>
             <a:r>
@@ -4388,8 +3707,6 @@
         <p:spPr bwMode="auto">
           <a:ln>
             <a:miter lim="800000"/>
-            <a:headEnd/>
-            <a:tailEnd/>
           </a:ln>
         </p:spPr>
         <p:txBody>
@@ -4507,8 +3824,6 @@
               <a:rPr lang="zh-CN" altLang="en-US">
                 <a:latin typeface="Calibri" panose="020F0502020204030204" pitchFamily="34" charset="0"/>
               </a:rPr>
-              <a:pPr eaLnBrk="1" hangingPunct="1"/>
-              <a:t>8</a:t>
             </a:fld>
             <a:endParaRPr lang="en-US" altLang="zh-CN">
               <a:latin typeface="Calibri" panose="020F0502020204030204" pitchFamily="34" charset="0"/>
@@ -4517,11 +3832,6 @@
         </p:txBody>
       </p:sp>
     </p:spTree>
-    <p:extLst>
-      <p:ext uri="{BB962C8B-B14F-4D97-AF65-F5344CB8AC3E}">
-        <p14:creationId xmlns:p14="http://schemas.microsoft.com/office/powerpoint/2010/main" val="3183170623"/>
-      </p:ext>
-    </p:extLst>
   </p:cSld>
   <p:clrMapOvr>
     <a:masterClrMapping/>
@@ -4563,18 +3873,7 @@
               <a:srgbClr val="000000"/>
             </a:solidFill>
             <a:miter lim="800000"/>
-            <a:headEnd/>
-            <a:tailEnd/>
           </a:ln>
-          <a:extLst>
-            <a:ext uri="{909E8E84-426E-40dd-AFC4-6F175D3DCCD1}">
-              <a14:hiddenFill xmlns:a14="http://schemas.microsoft.com/office/drawing/2010/main" xmlns="">
-                <a:solidFill>
-                  <a:srgbClr val="FFFFFF"/>
-                </a:solidFill>
-              </a14:hiddenFill>
-            </a:ext>
-          </a:extLst>
         </p:spPr>
       </p:sp>
       <p:sp>
@@ -4589,32 +3888,9 @@
         </p:nvSpPr>
         <p:spPr bwMode="auto">
           <a:noFill/>
-          <a:extLst>
-            <a:ext uri="{909E8E84-426E-40dd-AFC4-6F175D3DCCD1}">
-              <a14:hiddenFill xmlns:a14="http://schemas.microsoft.com/office/drawing/2010/main" xmlns="">
-                <a:solidFill>
-                  <a:srgbClr val="FFFFFF"/>
-                </a:solidFill>
-              </a14:hiddenFill>
-            </a:ext>
-            <a:ext uri="{91240B29-F687-4f45-9708-019B960494DF}">
-              <a14:hiddenLine xmlns:a14="http://schemas.microsoft.com/office/drawing/2010/main" xmlns="" w="9525">
-                <a:solidFill>
-                  <a:srgbClr val="000000"/>
-                </a:solidFill>
-                <a:miter lim="800000"/>
-                <a:headEnd/>
-                <a:tailEnd/>
-              </a14:hiddenLine>
-            </a:ext>
-          </a:extLst>
         </p:spPr>
         <p:txBody>
-          <a:bodyPr wrap="square" numCol="1" anchor="t" anchorCtr="0" compatLnSpc="1">
-            <a:prstTxWarp prst="textNoShape">
-              <a:avLst/>
-            </a:prstTxWarp>
-          </a:bodyPr>
+          <a:bodyPr wrap="square" numCol="1" anchor="t" anchorCtr="0" compatLnSpc="1"/>
           <a:lstStyle/>
           <a:p>
             <a:endParaRPr lang="zh-CN" altLang="en-US" dirty="0"/>
@@ -4634,8 +3910,6 @@
         <p:spPr bwMode="auto">
           <a:ln>
             <a:miter lim="800000"/>
-            <a:headEnd/>
-            <a:tailEnd/>
           </a:ln>
         </p:spPr>
         <p:txBody>
@@ -4753,8 +4027,6 @@
               <a:rPr lang="zh-CN" altLang="en-US">
                 <a:latin typeface="Calibri" panose="020F0502020204030204" pitchFamily="34" charset="0"/>
               </a:rPr>
-              <a:pPr eaLnBrk="1" hangingPunct="1"/>
-              <a:t>9</a:t>
             </a:fld>
             <a:endParaRPr lang="en-US" altLang="zh-CN">
               <a:latin typeface="Calibri" panose="020F0502020204030204" pitchFamily="34" charset="0"/>
@@ -4763,11 +4035,6 @@
         </p:txBody>
       </p:sp>
     </p:spTree>
-    <p:extLst>
-      <p:ext uri="{BB962C8B-B14F-4D97-AF65-F5344CB8AC3E}">
-        <p14:creationId xmlns:p14="http://schemas.microsoft.com/office/powerpoint/2010/main" val="2869482758"/>
-      </p:ext>
-    </p:extLst>
   </p:cSld>
   <p:clrMapOvr>
     <a:masterClrMapping/>
@@ -4809,18 +4076,7 @@
               <a:srgbClr val="000000"/>
             </a:solidFill>
             <a:miter lim="800000"/>
-            <a:headEnd/>
-            <a:tailEnd/>
           </a:ln>
-          <a:extLst>
-            <a:ext uri="{909E8E84-426E-40dd-AFC4-6F175D3DCCD1}">
-              <a14:hiddenFill xmlns:a14="http://schemas.microsoft.com/office/drawing/2010/main" xmlns="">
-                <a:solidFill>
-                  <a:srgbClr val="FFFFFF"/>
-                </a:solidFill>
-              </a14:hiddenFill>
-            </a:ext>
-          </a:extLst>
         </p:spPr>
       </p:sp>
       <p:sp>
@@ -4835,32 +4091,9 @@
         </p:nvSpPr>
         <p:spPr bwMode="auto">
           <a:noFill/>
-          <a:extLst>
-            <a:ext uri="{909E8E84-426E-40dd-AFC4-6F175D3DCCD1}">
-              <a14:hiddenFill xmlns:a14="http://schemas.microsoft.com/office/drawing/2010/main" xmlns="">
-                <a:solidFill>
-                  <a:srgbClr val="FFFFFF"/>
-                </a:solidFill>
-              </a14:hiddenFill>
-            </a:ext>
-            <a:ext uri="{91240B29-F687-4f45-9708-019B960494DF}">
-              <a14:hiddenLine xmlns:a14="http://schemas.microsoft.com/office/drawing/2010/main" xmlns="" w="9525">
-                <a:solidFill>
-                  <a:srgbClr val="000000"/>
-                </a:solidFill>
-                <a:miter lim="800000"/>
-                <a:headEnd/>
-                <a:tailEnd/>
-              </a14:hiddenLine>
-            </a:ext>
-          </a:extLst>
         </p:spPr>
         <p:txBody>
-          <a:bodyPr wrap="square" numCol="1" anchor="t" anchorCtr="0" compatLnSpc="1">
-            <a:prstTxWarp prst="textNoShape">
-              <a:avLst/>
-            </a:prstTxWarp>
-          </a:bodyPr>
+          <a:bodyPr wrap="square" numCol="1" anchor="t" anchorCtr="0" compatLnSpc="1"/>
           <a:lstStyle/>
           <a:p>
             <a:endParaRPr lang="zh-CN" altLang="en-US" dirty="0"/>
@@ -4880,8 +4113,6 @@
         <p:spPr bwMode="auto">
           <a:ln>
             <a:miter lim="800000"/>
-            <a:headEnd/>
-            <a:tailEnd/>
           </a:ln>
         </p:spPr>
         <p:txBody>
@@ -4999,8 +4230,6 @@
               <a:rPr lang="zh-CN" altLang="en-US">
                 <a:latin typeface="Calibri" panose="020F0502020204030204" pitchFamily="34" charset="0"/>
               </a:rPr>
-              <a:pPr eaLnBrk="1" hangingPunct="1"/>
-              <a:t>10</a:t>
             </a:fld>
             <a:endParaRPr lang="en-US" altLang="zh-CN">
               <a:latin typeface="Calibri" panose="020F0502020204030204" pitchFamily="34" charset="0"/>
@@ -5009,11 +4238,6 @@
         </p:txBody>
       </p:sp>
     </p:spTree>
-    <p:extLst>
-      <p:ext uri="{BB962C8B-B14F-4D97-AF65-F5344CB8AC3E}">
-        <p14:creationId xmlns:p14="http://schemas.microsoft.com/office/powerpoint/2010/main" val="4119910218"/>
-      </p:ext>
-    </p:extLst>
   </p:cSld>
   <p:clrMapOvr>
     <a:masterClrMapping/>
@@ -5062,6 +4286,7 @@
               <a:rPr lang="zh-CN" altLang="en-US"/>
               <a:t>单击此处编辑母版标题样式</a:t>
             </a:r>
+            <a:endParaRPr lang="zh-CN" altLang="en-US"/>
           </a:p>
         </p:txBody>
       </p:sp>
@@ -5094,7 +4319,7 @@
                 </a:solidFill>
               </a:defRPr>
             </a:lvl1pPr>
-            <a:lvl2pPr marL="457182" indent="0" algn="ctr">
+            <a:lvl2pPr marL="457200" indent="0" algn="ctr">
               <a:buNone/>
               <a:defRPr>
                 <a:solidFill>
@@ -5104,7 +4329,7 @@
                 </a:solidFill>
               </a:defRPr>
             </a:lvl2pPr>
-            <a:lvl3pPr marL="914362" indent="0" algn="ctr">
+            <a:lvl3pPr marL="914400" indent="0" algn="ctr">
               <a:buNone/>
               <a:defRPr>
                 <a:solidFill>
@@ -5114,7 +4339,7 @@
                 </a:solidFill>
               </a:defRPr>
             </a:lvl3pPr>
-            <a:lvl4pPr marL="1371544" indent="0" algn="ctr">
+            <a:lvl4pPr marL="1371600" indent="0" algn="ctr">
               <a:buNone/>
               <a:defRPr>
                 <a:solidFill>
@@ -5124,7 +4349,7 @@
                 </a:solidFill>
               </a:defRPr>
             </a:lvl4pPr>
-            <a:lvl5pPr marL="1828725" indent="0" algn="ctr">
+            <a:lvl5pPr marL="1828800" indent="0" algn="ctr">
               <a:buNone/>
               <a:defRPr>
                 <a:solidFill>
@@ -5134,7 +4359,7 @@
                 </a:solidFill>
               </a:defRPr>
             </a:lvl5pPr>
-            <a:lvl6pPr marL="2285906" indent="0" algn="ctr">
+            <a:lvl6pPr marL="2286000" indent="0" algn="ctr">
               <a:buNone/>
               <a:defRPr>
                 <a:solidFill>
@@ -5144,7 +4369,7 @@
                 </a:solidFill>
               </a:defRPr>
             </a:lvl6pPr>
-            <a:lvl7pPr marL="2743088" indent="0" algn="ctr">
+            <a:lvl7pPr marL="2743200" indent="0" algn="ctr">
               <a:buNone/>
               <a:defRPr>
                 <a:solidFill>
@@ -5154,7 +4379,7 @@
                 </a:solidFill>
               </a:defRPr>
             </a:lvl7pPr>
-            <a:lvl8pPr marL="3200268" indent="0" algn="ctr">
+            <a:lvl8pPr marL="3200400" indent="0" algn="ctr">
               <a:buNone/>
               <a:defRPr>
                 <a:solidFill>
@@ -5164,7 +4389,7 @@
                 </a:solidFill>
               </a:defRPr>
             </a:lvl8pPr>
-            <a:lvl9pPr marL="3657450" indent="0" algn="ctr">
+            <a:lvl9pPr marL="3657600" indent="0" algn="ctr">
               <a:buNone/>
               <a:defRPr>
                 <a:solidFill>
@@ -5180,6 +4405,7 @@
               <a:rPr lang="zh-CN" altLang="en-US"/>
               <a:t>单击此处编辑母版副标题样式</a:t>
             </a:r>
+            <a:endParaRPr lang="zh-CN" altLang="en-US"/>
           </a:p>
         </p:txBody>
       </p:sp>
@@ -5263,21 +4489,12 @@
             </a:pPr>
             <a:fld id="{7F68671A-1028-4918-B52D-F225EDA688D1}" type="slidenum">
               <a:rPr lang="zh-CN" altLang="en-US"/>
-              <a:pPr>
-                <a:defRPr/>
-              </a:pPr>
-              <a:t>‹#›</a:t>
             </a:fld>
             <a:endParaRPr lang="zh-CN" altLang="en-US"/>
           </a:p>
         </p:txBody>
       </p:sp>
     </p:spTree>
-    <p:extLst>
-      <p:ext uri="{BB962C8B-B14F-4D97-AF65-F5344CB8AC3E}">
-        <p14:creationId xmlns:p14="http://schemas.microsoft.com/office/powerpoint/2010/main" val="1103610060"/>
-      </p:ext>
-    </p:extLst>
   </p:cSld>
   <p:clrMapOvr>
     <a:masterClrMapping/>
@@ -5321,6 +4538,7 @@
               <a:rPr lang="zh-CN" altLang="en-US"/>
               <a:t>单击此处编辑母版标题样式</a:t>
             </a:r>
+            <a:endParaRPr lang="zh-CN" altLang="en-US"/>
           </a:p>
         </p:txBody>
       </p:sp>
@@ -5344,6 +4562,7 @@
               <a:rPr lang="zh-CN" altLang="en-US"/>
               <a:t>单击此处编辑母版文本样式</a:t>
             </a:r>
+            <a:endParaRPr lang="zh-CN" altLang="en-US"/>
           </a:p>
           <a:p>
             <a:pPr lvl="1"/>
@@ -5351,6 +4570,7 @@
               <a:rPr lang="zh-CN" altLang="en-US"/>
               <a:t>第二级</a:t>
             </a:r>
+            <a:endParaRPr lang="zh-CN" altLang="en-US"/>
           </a:p>
           <a:p>
             <a:pPr lvl="2"/>
@@ -5358,6 +4578,7 @@
               <a:rPr lang="zh-CN" altLang="en-US"/>
               <a:t>第三级</a:t>
             </a:r>
+            <a:endParaRPr lang="zh-CN" altLang="en-US"/>
           </a:p>
           <a:p>
             <a:pPr lvl="3"/>
@@ -5365,6 +4586,7 @@
               <a:rPr lang="zh-CN" altLang="en-US"/>
               <a:t>第四级</a:t>
             </a:r>
+            <a:endParaRPr lang="zh-CN" altLang="en-US"/>
           </a:p>
           <a:p>
             <a:pPr lvl="4"/>
@@ -5372,6 +4594,7 @@
               <a:rPr lang="zh-CN" altLang="en-US"/>
               <a:t>第五级</a:t>
             </a:r>
+            <a:endParaRPr lang="zh-CN" altLang="en-US"/>
           </a:p>
         </p:txBody>
       </p:sp>
@@ -5455,21 +4678,12 @@
             </a:pPr>
             <a:fld id="{B6AFD8D9-97CE-47AB-99B6-669B4E33450F}" type="slidenum">
               <a:rPr lang="zh-CN" altLang="en-US"/>
-              <a:pPr>
-                <a:defRPr/>
-              </a:pPr>
-              <a:t>‹#›</a:t>
             </a:fld>
             <a:endParaRPr lang="zh-CN" altLang="en-US"/>
           </a:p>
         </p:txBody>
       </p:sp>
     </p:spTree>
-    <p:extLst>
-      <p:ext uri="{BB962C8B-B14F-4D97-AF65-F5344CB8AC3E}">
-        <p14:creationId xmlns:p14="http://schemas.microsoft.com/office/powerpoint/2010/main" val="552366100"/>
-      </p:ext>
-    </p:extLst>
   </p:cSld>
   <p:clrMapOvr>
     <a:masterClrMapping/>
@@ -5518,6 +4732,7 @@
               <a:rPr lang="zh-CN" altLang="en-US"/>
               <a:t>单击此处编辑母版标题样式</a:t>
             </a:r>
+            <a:endParaRPr lang="zh-CN" altLang="en-US"/>
           </a:p>
         </p:txBody>
       </p:sp>
@@ -5546,6 +4761,7 @@
               <a:rPr lang="zh-CN" altLang="en-US"/>
               <a:t>单击此处编辑母版文本样式</a:t>
             </a:r>
+            <a:endParaRPr lang="zh-CN" altLang="en-US"/>
           </a:p>
           <a:p>
             <a:pPr lvl="1"/>
@@ -5553,6 +4769,7 @@
               <a:rPr lang="zh-CN" altLang="en-US"/>
               <a:t>第二级</a:t>
             </a:r>
+            <a:endParaRPr lang="zh-CN" altLang="en-US"/>
           </a:p>
           <a:p>
             <a:pPr lvl="2"/>
@@ -5560,6 +4777,7 @@
               <a:rPr lang="zh-CN" altLang="en-US"/>
               <a:t>第三级</a:t>
             </a:r>
+            <a:endParaRPr lang="zh-CN" altLang="en-US"/>
           </a:p>
           <a:p>
             <a:pPr lvl="3"/>
@@ -5567,6 +4785,7 @@
               <a:rPr lang="zh-CN" altLang="en-US"/>
               <a:t>第四级</a:t>
             </a:r>
+            <a:endParaRPr lang="zh-CN" altLang="en-US"/>
           </a:p>
           <a:p>
             <a:pPr lvl="4"/>
@@ -5574,6 +4793,7 @@
               <a:rPr lang="zh-CN" altLang="en-US"/>
               <a:t>第五级</a:t>
             </a:r>
+            <a:endParaRPr lang="zh-CN" altLang="en-US"/>
           </a:p>
         </p:txBody>
       </p:sp>
@@ -5657,21 +4877,12 @@
             </a:pPr>
             <a:fld id="{14D234CD-C4BF-451E-A810-76886530BD7F}" type="slidenum">
               <a:rPr lang="zh-CN" altLang="en-US"/>
-              <a:pPr>
-                <a:defRPr/>
-              </a:pPr>
-              <a:t>‹#›</a:t>
             </a:fld>
             <a:endParaRPr lang="zh-CN" altLang="en-US"/>
           </a:p>
         </p:txBody>
       </p:sp>
     </p:spTree>
-    <p:extLst>
-      <p:ext uri="{BB962C8B-B14F-4D97-AF65-F5344CB8AC3E}">
-        <p14:creationId xmlns:p14="http://schemas.microsoft.com/office/powerpoint/2010/main" val="324296476"/>
-      </p:ext>
-    </p:extLst>
   </p:cSld>
   <p:clrMapOvr>
     <a:masterClrMapping/>
@@ -5715,6 +4926,7 @@
               <a:rPr lang="zh-CN" altLang="en-US"/>
               <a:t>单击此处编辑母版标题样式</a:t>
             </a:r>
+            <a:endParaRPr lang="zh-CN" altLang="en-US"/>
           </a:p>
         </p:txBody>
       </p:sp>
@@ -5738,6 +4950,7 @@
               <a:rPr lang="zh-CN" altLang="en-US"/>
               <a:t>单击此处编辑母版文本样式</a:t>
             </a:r>
+            <a:endParaRPr lang="zh-CN" altLang="en-US"/>
           </a:p>
           <a:p>
             <a:pPr lvl="1"/>
@@ -5745,6 +4958,7 @@
               <a:rPr lang="zh-CN" altLang="en-US"/>
               <a:t>第二级</a:t>
             </a:r>
+            <a:endParaRPr lang="zh-CN" altLang="en-US"/>
           </a:p>
           <a:p>
             <a:pPr lvl="2"/>
@@ -5752,6 +4966,7 @@
               <a:rPr lang="zh-CN" altLang="en-US"/>
               <a:t>第三级</a:t>
             </a:r>
+            <a:endParaRPr lang="zh-CN" altLang="en-US"/>
           </a:p>
           <a:p>
             <a:pPr lvl="3"/>
@@ -5759,6 +4974,7 @@
               <a:rPr lang="zh-CN" altLang="en-US"/>
               <a:t>第四级</a:t>
             </a:r>
+            <a:endParaRPr lang="zh-CN" altLang="en-US"/>
           </a:p>
           <a:p>
             <a:pPr lvl="4"/>
@@ -5766,6 +4982,7 @@
               <a:rPr lang="zh-CN" altLang="en-US"/>
               <a:t>第五级</a:t>
             </a:r>
+            <a:endParaRPr lang="zh-CN" altLang="en-US"/>
           </a:p>
         </p:txBody>
       </p:sp>
@@ -5849,21 +5066,12 @@
             </a:pPr>
             <a:fld id="{CA40A734-EF3B-425E-9970-80954DDB0807}" type="slidenum">
               <a:rPr lang="zh-CN" altLang="en-US"/>
-              <a:pPr>
-                <a:defRPr/>
-              </a:pPr>
-              <a:t>‹#›</a:t>
             </a:fld>
             <a:endParaRPr lang="zh-CN" altLang="en-US"/>
           </a:p>
         </p:txBody>
       </p:sp>
     </p:spTree>
-    <p:extLst>
-      <p:ext uri="{BB962C8B-B14F-4D97-AF65-F5344CB8AC3E}">
-        <p14:creationId xmlns:p14="http://schemas.microsoft.com/office/powerpoint/2010/main" val="1736697431"/>
-      </p:ext>
-    </p:extLst>
   </p:cSld>
   <p:clrMapOvr>
     <a:masterClrMapping/>
@@ -5916,6 +5124,7 @@
               <a:rPr lang="zh-CN" altLang="en-US"/>
               <a:t>单击此处编辑母版标题样式</a:t>
             </a:r>
+            <a:endParaRPr lang="zh-CN" altLang="en-US"/>
           </a:p>
         </p:txBody>
       </p:sp>
@@ -5948,7 +5157,7 @@
                 </a:solidFill>
               </a:defRPr>
             </a:lvl1pPr>
-            <a:lvl2pPr marL="457182" indent="0">
+            <a:lvl2pPr marL="457200" indent="0">
               <a:buNone/>
               <a:defRPr sz="1800">
                 <a:solidFill>
@@ -5958,7 +5167,7 @@
                 </a:solidFill>
               </a:defRPr>
             </a:lvl2pPr>
-            <a:lvl3pPr marL="914362" indent="0">
+            <a:lvl3pPr marL="914400" indent="0">
               <a:buNone/>
               <a:defRPr sz="1600">
                 <a:solidFill>
@@ -5968,7 +5177,7 @@
                 </a:solidFill>
               </a:defRPr>
             </a:lvl3pPr>
-            <a:lvl4pPr marL="1371544" indent="0">
+            <a:lvl4pPr marL="1371600" indent="0">
               <a:buNone/>
               <a:defRPr sz="1400">
                 <a:solidFill>
@@ -5978,7 +5187,7 @@
                 </a:solidFill>
               </a:defRPr>
             </a:lvl4pPr>
-            <a:lvl5pPr marL="1828725" indent="0">
+            <a:lvl5pPr marL="1828800" indent="0">
               <a:buNone/>
               <a:defRPr sz="1400">
                 <a:solidFill>
@@ -5988,7 +5197,7 @@
                 </a:solidFill>
               </a:defRPr>
             </a:lvl5pPr>
-            <a:lvl6pPr marL="2285906" indent="0">
+            <a:lvl6pPr marL="2286000" indent="0">
               <a:buNone/>
               <a:defRPr sz="1400">
                 <a:solidFill>
@@ -5998,7 +5207,7 @@
                 </a:solidFill>
               </a:defRPr>
             </a:lvl6pPr>
-            <a:lvl7pPr marL="2743088" indent="0">
+            <a:lvl7pPr marL="2743200" indent="0">
               <a:buNone/>
               <a:defRPr sz="1400">
                 <a:solidFill>
@@ -6008,7 +5217,7 @@
                 </a:solidFill>
               </a:defRPr>
             </a:lvl7pPr>
-            <a:lvl8pPr marL="3200268" indent="0">
+            <a:lvl8pPr marL="3200400" indent="0">
               <a:buNone/>
               <a:defRPr sz="1400">
                 <a:solidFill>
@@ -6018,7 +5227,7 @@
                 </a:solidFill>
               </a:defRPr>
             </a:lvl8pPr>
-            <a:lvl9pPr marL="3657450" indent="0">
+            <a:lvl9pPr marL="3657600" indent="0">
               <a:buNone/>
               <a:defRPr sz="1400">
                 <a:solidFill>
@@ -6035,6 +5244,7 @@
               <a:rPr lang="zh-CN" altLang="en-US"/>
               <a:t>单击此处编辑母版文本样式</a:t>
             </a:r>
+            <a:endParaRPr lang="zh-CN" altLang="en-US"/>
           </a:p>
         </p:txBody>
       </p:sp>
@@ -6118,21 +5328,12 @@
             </a:pPr>
             <a:fld id="{91F44B76-BDB5-48DA-9429-18FB768FED70}" type="slidenum">
               <a:rPr lang="zh-CN" altLang="en-US"/>
-              <a:pPr>
-                <a:defRPr/>
-              </a:pPr>
-              <a:t>‹#›</a:t>
             </a:fld>
             <a:endParaRPr lang="zh-CN" altLang="en-US"/>
           </a:p>
         </p:txBody>
       </p:sp>
     </p:spTree>
-    <p:extLst>
-      <p:ext uri="{BB962C8B-B14F-4D97-AF65-F5344CB8AC3E}">
-        <p14:creationId xmlns:p14="http://schemas.microsoft.com/office/powerpoint/2010/main" val="3641668084"/>
-      </p:ext>
-    </p:extLst>
   </p:cSld>
   <p:clrMapOvr>
     <a:masterClrMapping/>
@@ -6176,6 +5377,7 @@
               <a:rPr lang="zh-CN" altLang="en-US"/>
               <a:t>单击此处编辑母版标题样式</a:t>
             </a:r>
+            <a:endParaRPr lang="zh-CN" altLang="en-US"/>
           </a:p>
         </p:txBody>
       </p:sp>
@@ -6232,6 +5434,7 @@
               <a:rPr lang="zh-CN" altLang="en-US"/>
               <a:t>单击此处编辑母版文本样式</a:t>
             </a:r>
+            <a:endParaRPr lang="zh-CN" altLang="en-US"/>
           </a:p>
           <a:p>
             <a:pPr lvl="1"/>
@@ -6239,6 +5442,7 @@
               <a:rPr lang="zh-CN" altLang="en-US"/>
               <a:t>第二级</a:t>
             </a:r>
+            <a:endParaRPr lang="zh-CN" altLang="en-US"/>
           </a:p>
           <a:p>
             <a:pPr lvl="2"/>
@@ -6246,6 +5450,7 @@
               <a:rPr lang="zh-CN" altLang="en-US"/>
               <a:t>第三级</a:t>
             </a:r>
+            <a:endParaRPr lang="zh-CN" altLang="en-US"/>
           </a:p>
           <a:p>
             <a:pPr lvl="3"/>
@@ -6253,6 +5458,7 @@
               <a:rPr lang="zh-CN" altLang="en-US"/>
               <a:t>第四级</a:t>
             </a:r>
+            <a:endParaRPr lang="zh-CN" altLang="en-US"/>
           </a:p>
           <a:p>
             <a:pPr lvl="4"/>
@@ -6260,6 +5466,7 @@
               <a:rPr lang="zh-CN" altLang="en-US"/>
               <a:t>第五级</a:t>
             </a:r>
+            <a:endParaRPr lang="zh-CN" altLang="en-US"/>
           </a:p>
         </p:txBody>
       </p:sp>
@@ -6316,6 +5523,7 @@
               <a:rPr lang="zh-CN" altLang="en-US"/>
               <a:t>单击此处编辑母版文本样式</a:t>
             </a:r>
+            <a:endParaRPr lang="zh-CN" altLang="en-US"/>
           </a:p>
           <a:p>
             <a:pPr lvl="1"/>
@@ -6323,6 +5531,7 @@
               <a:rPr lang="zh-CN" altLang="en-US"/>
               <a:t>第二级</a:t>
             </a:r>
+            <a:endParaRPr lang="zh-CN" altLang="en-US"/>
           </a:p>
           <a:p>
             <a:pPr lvl="2"/>
@@ -6330,6 +5539,7 @@
               <a:rPr lang="zh-CN" altLang="en-US"/>
               <a:t>第三级</a:t>
             </a:r>
+            <a:endParaRPr lang="zh-CN" altLang="en-US"/>
           </a:p>
           <a:p>
             <a:pPr lvl="3"/>
@@ -6337,6 +5547,7 @@
               <a:rPr lang="zh-CN" altLang="en-US"/>
               <a:t>第四级</a:t>
             </a:r>
+            <a:endParaRPr lang="zh-CN" altLang="en-US"/>
           </a:p>
           <a:p>
             <a:pPr lvl="4"/>
@@ -6344,6 +5555,7 @@
               <a:rPr lang="zh-CN" altLang="en-US"/>
               <a:t>第五级</a:t>
             </a:r>
+            <a:endParaRPr lang="zh-CN" altLang="en-US"/>
           </a:p>
         </p:txBody>
       </p:sp>
@@ -6427,21 +5639,12 @@
             </a:pPr>
             <a:fld id="{89D35798-1DC4-447E-97F5-D240AF3B9805}" type="slidenum">
               <a:rPr lang="zh-CN" altLang="en-US"/>
-              <a:pPr>
-                <a:defRPr/>
-              </a:pPr>
-              <a:t>‹#›</a:t>
             </a:fld>
             <a:endParaRPr lang="zh-CN" altLang="en-US"/>
           </a:p>
         </p:txBody>
       </p:sp>
     </p:spTree>
-    <p:extLst>
-      <p:ext uri="{BB962C8B-B14F-4D97-AF65-F5344CB8AC3E}">
-        <p14:creationId xmlns:p14="http://schemas.microsoft.com/office/powerpoint/2010/main" val="2458987140"/>
-      </p:ext>
-    </p:extLst>
   </p:cSld>
   <p:clrMapOvr>
     <a:masterClrMapping/>
@@ -6489,6 +5692,7 @@
               <a:rPr lang="zh-CN" altLang="en-US"/>
               <a:t>单击此处编辑母版标题样式</a:t>
             </a:r>
+            <a:endParaRPr lang="zh-CN" altLang="en-US"/>
           </a:p>
         </p:txBody>
       </p:sp>
@@ -6515,35 +5719,35 @@
               <a:buNone/>
               <a:defRPr sz="2400" b="1"/>
             </a:lvl1pPr>
-            <a:lvl2pPr marL="457182" indent="0">
+            <a:lvl2pPr marL="457200" indent="0">
               <a:buNone/>
               <a:defRPr sz="2000" b="1"/>
             </a:lvl2pPr>
-            <a:lvl3pPr marL="914362" indent="0">
+            <a:lvl3pPr marL="914400" indent="0">
               <a:buNone/>
               <a:defRPr sz="1800" b="1"/>
             </a:lvl3pPr>
-            <a:lvl4pPr marL="1371544" indent="0">
+            <a:lvl4pPr marL="1371600" indent="0">
               <a:buNone/>
               <a:defRPr sz="1600" b="1"/>
             </a:lvl4pPr>
-            <a:lvl5pPr marL="1828725" indent="0">
+            <a:lvl5pPr marL="1828800" indent="0">
               <a:buNone/>
               <a:defRPr sz="1600" b="1"/>
             </a:lvl5pPr>
-            <a:lvl6pPr marL="2285906" indent="0">
+            <a:lvl6pPr marL="2286000" indent="0">
               <a:buNone/>
               <a:defRPr sz="1600" b="1"/>
             </a:lvl6pPr>
-            <a:lvl7pPr marL="2743088" indent="0">
+            <a:lvl7pPr marL="2743200" indent="0">
               <a:buNone/>
               <a:defRPr sz="1600" b="1"/>
             </a:lvl7pPr>
-            <a:lvl8pPr marL="3200268" indent="0">
+            <a:lvl8pPr marL="3200400" indent="0">
               <a:buNone/>
               <a:defRPr sz="1600" b="1"/>
             </a:lvl8pPr>
-            <a:lvl9pPr marL="3657450" indent="0">
+            <a:lvl9pPr marL="3657600" indent="0">
               <a:buNone/>
               <a:defRPr sz="1600" b="1"/>
             </a:lvl9pPr>
@@ -6554,6 +5758,7 @@
               <a:rPr lang="zh-CN" altLang="en-US"/>
               <a:t>单击此处编辑母版文本样式</a:t>
             </a:r>
+            <a:endParaRPr lang="zh-CN" altLang="en-US"/>
           </a:p>
         </p:txBody>
       </p:sp>
@@ -6610,6 +5815,7 @@
               <a:rPr lang="zh-CN" altLang="en-US"/>
               <a:t>单击此处编辑母版文本样式</a:t>
             </a:r>
+            <a:endParaRPr lang="zh-CN" altLang="en-US"/>
           </a:p>
           <a:p>
             <a:pPr lvl="1"/>
@@ -6617,6 +5823,7 @@
               <a:rPr lang="zh-CN" altLang="en-US"/>
               <a:t>第二级</a:t>
             </a:r>
+            <a:endParaRPr lang="zh-CN" altLang="en-US"/>
           </a:p>
           <a:p>
             <a:pPr lvl="2"/>
@@ -6624,6 +5831,7 @@
               <a:rPr lang="zh-CN" altLang="en-US"/>
               <a:t>第三级</a:t>
             </a:r>
+            <a:endParaRPr lang="zh-CN" altLang="en-US"/>
           </a:p>
           <a:p>
             <a:pPr lvl="3"/>
@@ -6631,6 +5839,7 @@
               <a:rPr lang="zh-CN" altLang="en-US"/>
               <a:t>第四级</a:t>
             </a:r>
+            <a:endParaRPr lang="zh-CN" altLang="en-US"/>
           </a:p>
           <a:p>
             <a:pPr lvl="4"/>
@@ -6638,6 +5847,7 @@
               <a:rPr lang="zh-CN" altLang="en-US"/>
               <a:t>第五级</a:t>
             </a:r>
+            <a:endParaRPr lang="zh-CN" altLang="en-US"/>
           </a:p>
         </p:txBody>
       </p:sp>
@@ -6664,35 +5874,35 @@
               <a:buNone/>
               <a:defRPr sz="2400" b="1"/>
             </a:lvl1pPr>
-            <a:lvl2pPr marL="457182" indent="0">
+            <a:lvl2pPr marL="457200" indent="0">
               <a:buNone/>
               <a:defRPr sz="2000" b="1"/>
             </a:lvl2pPr>
-            <a:lvl3pPr marL="914362" indent="0">
+            <a:lvl3pPr marL="914400" indent="0">
               <a:buNone/>
               <a:defRPr sz="1800" b="1"/>
             </a:lvl3pPr>
-            <a:lvl4pPr marL="1371544" indent="0">
+            <a:lvl4pPr marL="1371600" indent="0">
               <a:buNone/>
               <a:defRPr sz="1600" b="1"/>
             </a:lvl4pPr>
-            <a:lvl5pPr marL="1828725" indent="0">
+            <a:lvl5pPr marL="1828800" indent="0">
               <a:buNone/>
               <a:defRPr sz="1600" b="1"/>
             </a:lvl5pPr>
-            <a:lvl6pPr marL="2285906" indent="0">
+            <a:lvl6pPr marL="2286000" indent="0">
               <a:buNone/>
               <a:defRPr sz="1600" b="1"/>
             </a:lvl6pPr>
-            <a:lvl7pPr marL="2743088" indent="0">
+            <a:lvl7pPr marL="2743200" indent="0">
               <a:buNone/>
               <a:defRPr sz="1600" b="1"/>
             </a:lvl7pPr>
-            <a:lvl8pPr marL="3200268" indent="0">
+            <a:lvl8pPr marL="3200400" indent="0">
               <a:buNone/>
               <a:defRPr sz="1600" b="1"/>
             </a:lvl8pPr>
-            <a:lvl9pPr marL="3657450" indent="0">
+            <a:lvl9pPr marL="3657600" indent="0">
               <a:buNone/>
               <a:defRPr sz="1600" b="1"/>
             </a:lvl9pPr>
@@ -6703,6 +5913,7 @@
               <a:rPr lang="zh-CN" altLang="en-US"/>
               <a:t>单击此处编辑母版文本样式</a:t>
             </a:r>
+            <a:endParaRPr lang="zh-CN" altLang="en-US"/>
           </a:p>
         </p:txBody>
       </p:sp>
@@ -6759,6 +5970,7 @@
               <a:rPr lang="zh-CN" altLang="en-US"/>
               <a:t>单击此处编辑母版文本样式</a:t>
             </a:r>
+            <a:endParaRPr lang="zh-CN" altLang="en-US"/>
           </a:p>
           <a:p>
             <a:pPr lvl="1"/>
@@ -6766,6 +5978,7 @@
               <a:rPr lang="zh-CN" altLang="en-US"/>
               <a:t>第二级</a:t>
             </a:r>
+            <a:endParaRPr lang="zh-CN" altLang="en-US"/>
           </a:p>
           <a:p>
             <a:pPr lvl="2"/>
@@ -6773,6 +5986,7 @@
               <a:rPr lang="zh-CN" altLang="en-US"/>
               <a:t>第三级</a:t>
             </a:r>
+            <a:endParaRPr lang="zh-CN" altLang="en-US"/>
           </a:p>
           <a:p>
             <a:pPr lvl="3"/>
@@ -6780,6 +5994,7 @@
               <a:rPr lang="zh-CN" altLang="en-US"/>
               <a:t>第四级</a:t>
             </a:r>
+            <a:endParaRPr lang="zh-CN" altLang="en-US"/>
           </a:p>
           <a:p>
             <a:pPr lvl="4"/>
@@ -6787,6 +6002,7 @@
               <a:rPr lang="zh-CN" altLang="en-US"/>
               <a:t>第五级</a:t>
             </a:r>
+            <a:endParaRPr lang="zh-CN" altLang="en-US"/>
           </a:p>
         </p:txBody>
       </p:sp>
@@ -6870,21 +6086,12 @@
             </a:pPr>
             <a:fld id="{1FFB9FFA-BBF7-4E6B-ACD4-E99548C5776B}" type="slidenum">
               <a:rPr lang="zh-CN" altLang="en-US"/>
-              <a:pPr>
-                <a:defRPr/>
-              </a:pPr>
-              <a:t>‹#›</a:t>
             </a:fld>
             <a:endParaRPr lang="zh-CN" altLang="en-US"/>
           </a:p>
         </p:txBody>
       </p:sp>
     </p:spTree>
-    <p:extLst>
-      <p:ext uri="{BB962C8B-B14F-4D97-AF65-F5344CB8AC3E}">
-        <p14:creationId xmlns:p14="http://schemas.microsoft.com/office/powerpoint/2010/main" val="414232053"/>
-      </p:ext>
-    </p:extLst>
   </p:cSld>
   <p:clrMapOvr>
     <a:masterClrMapping/>
@@ -6928,6 +6135,7 @@
               <a:rPr lang="zh-CN" altLang="en-US"/>
               <a:t>单击此处编辑母版标题样式</a:t>
             </a:r>
+            <a:endParaRPr lang="zh-CN" altLang="en-US"/>
           </a:p>
         </p:txBody>
       </p:sp>
@@ -7011,21 +6219,12 @@
             </a:pPr>
             <a:fld id="{FA78C75F-3921-4200-A546-C4950D0184B6}" type="slidenum">
               <a:rPr lang="zh-CN" altLang="en-US"/>
-              <a:pPr>
-                <a:defRPr/>
-              </a:pPr>
-              <a:t>‹#›</a:t>
             </a:fld>
             <a:endParaRPr lang="zh-CN" altLang="en-US"/>
           </a:p>
         </p:txBody>
       </p:sp>
     </p:spTree>
-    <p:extLst>
-      <p:ext uri="{BB962C8B-B14F-4D97-AF65-F5344CB8AC3E}">
-        <p14:creationId xmlns:p14="http://schemas.microsoft.com/office/powerpoint/2010/main" val="2411579836"/>
-      </p:ext>
-    </p:extLst>
   </p:cSld>
   <p:clrMapOvr>
     <a:masterClrMapping/>
@@ -7130,21 +6329,12 @@
             </a:pPr>
             <a:fld id="{47694E68-0D6D-410C-8C00-3741D352D069}" type="slidenum">
               <a:rPr lang="zh-CN" altLang="en-US"/>
-              <a:pPr>
-                <a:defRPr/>
-              </a:pPr>
-              <a:t>‹#›</a:t>
             </a:fld>
             <a:endParaRPr lang="zh-CN" altLang="en-US"/>
           </a:p>
         </p:txBody>
       </p:sp>
     </p:spTree>
-    <p:extLst>
-      <p:ext uri="{BB962C8B-B14F-4D97-AF65-F5344CB8AC3E}">
-        <p14:creationId xmlns:p14="http://schemas.microsoft.com/office/powerpoint/2010/main" val="4123503613"/>
-      </p:ext>
-    </p:extLst>
   </p:cSld>
   <p:clrMapOvr>
     <a:masterClrMapping/>
@@ -7197,6 +6387,7 @@
               <a:rPr lang="zh-CN" altLang="en-US"/>
               <a:t>单击此处编辑母版标题样式</a:t>
             </a:r>
+            <a:endParaRPr lang="zh-CN" altLang="en-US"/>
           </a:p>
         </p:txBody>
       </p:sp>
@@ -7253,6 +6444,7 @@
               <a:rPr lang="zh-CN" altLang="en-US"/>
               <a:t>单击此处编辑母版文本样式</a:t>
             </a:r>
+            <a:endParaRPr lang="zh-CN" altLang="en-US"/>
           </a:p>
           <a:p>
             <a:pPr lvl="1"/>
@@ -7260,6 +6452,7 @@
               <a:rPr lang="zh-CN" altLang="en-US"/>
               <a:t>第二级</a:t>
             </a:r>
+            <a:endParaRPr lang="zh-CN" altLang="en-US"/>
           </a:p>
           <a:p>
             <a:pPr lvl="2"/>
@@ -7267,6 +6460,7 @@
               <a:rPr lang="zh-CN" altLang="en-US"/>
               <a:t>第三级</a:t>
             </a:r>
+            <a:endParaRPr lang="zh-CN" altLang="en-US"/>
           </a:p>
           <a:p>
             <a:pPr lvl="3"/>
@@ -7274,6 +6468,7 @@
               <a:rPr lang="zh-CN" altLang="en-US"/>
               <a:t>第四级</a:t>
             </a:r>
+            <a:endParaRPr lang="zh-CN" altLang="en-US"/>
           </a:p>
           <a:p>
             <a:pPr lvl="4"/>
@@ -7281,6 +6476,7 @@
               <a:rPr lang="zh-CN" altLang="en-US"/>
               <a:t>第五级</a:t>
             </a:r>
+            <a:endParaRPr lang="zh-CN" altLang="en-US"/>
           </a:p>
         </p:txBody>
       </p:sp>
@@ -7307,35 +6503,35 @@
               <a:buNone/>
               <a:defRPr sz="1400"/>
             </a:lvl1pPr>
-            <a:lvl2pPr marL="457182" indent="0">
+            <a:lvl2pPr marL="457200" indent="0">
               <a:buNone/>
               <a:defRPr sz="1200"/>
             </a:lvl2pPr>
-            <a:lvl3pPr marL="914362" indent="0">
+            <a:lvl3pPr marL="914400" indent="0">
               <a:buNone/>
               <a:defRPr sz="1000"/>
             </a:lvl3pPr>
-            <a:lvl4pPr marL="1371544" indent="0">
+            <a:lvl4pPr marL="1371600" indent="0">
               <a:buNone/>
               <a:defRPr sz="900"/>
             </a:lvl4pPr>
-            <a:lvl5pPr marL="1828725" indent="0">
+            <a:lvl5pPr marL="1828800" indent="0">
               <a:buNone/>
               <a:defRPr sz="900"/>
             </a:lvl5pPr>
-            <a:lvl6pPr marL="2285906" indent="0">
+            <a:lvl6pPr marL="2286000" indent="0">
               <a:buNone/>
               <a:defRPr sz="900"/>
             </a:lvl6pPr>
-            <a:lvl7pPr marL="2743088" indent="0">
+            <a:lvl7pPr marL="2743200" indent="0">
               <a:buNone/>
               <a:defRPr sz="900"/>
             </a:lvl7pPr>
-            <a:lvl8pPr marL="3200268" indent="0">
+            <a:lvl8pPr marL="3200400" indent="0">
               <a:buNone/>
               <a:defRPr sz="900"/>
             </a:lvl8pPr>
-            <a:lvl9pPr marL="3657450" indent="0">
+            <a:lvl9pPr marL="3657600" indent="0">
               <a:buNone/>
               <a:defRPr sz="900"/>
             </a:lvl9pPr>
@@ -7346,6 +6542,7 @@
               <a:rPr lang="zh-CN" altLang="en-US"/>
               <a:t>单击此处编辑母版文本样式</a:t>
             </a:r>
+            <a:endParaRPr lang="zh-CN" altLang="en-US"/>
           </a:p>
         </p:txBody>
       </p:sp>
@@ -7429,21 +6626,12 @@
             </a:pPr>
             <a:fld id="{875CE17F-E7E8-4836-8B19-28E882EF05B9}" type="slidenum">
               <a:rPr lang="zh-CN" altLang="en-US"/>
-              <a:pPr>
-                <a:defRPr/>
-              </a:pPr>
-              <a:t>‹#›</a:t>
             </a:fld>
             <a:endParaRPr lang="zh-CN" altLang="en-US"/>
           </a:p>
         </p:txBody>
       </p:sp>
     </p:spTree>
-    <p:extLst>
-      <p:ext uri="{BB962C8B-B14F-4D97-AF65-F5344CB8AC3E}">
-        <p14:creationId xmlns:p14="http://schemas.microsoft.com/office/powerpoint/2010/main" val="3638579573"/>
-      </p:ext>
-    </p:extLst>
   </p:cSld>
   <p:clrMapOvr>
     <a:masterClrMapping/>
@@ -7496,6 +6684,7 @@
               <a:rPr lang="zh-CN" altLang="en-US"/>
               <a:t>单击此处编辑母版标题样式</a:t>
             </a:r>
+            <a:endParaRPr lang="zh-CN" altLang="en-US"/>
           </a:p>
         </p:txBody>
       </p:sp>
@@ -7524,35 +6713,35 @@
               <a:buNone/>
               <a:defRPr sz="3200"/>
             </a:lvl1pPr>
-            <a:lvl2pPr marL="457182" indent="0">
+            <a:lvl2pPr marL="457200" indent="0">
               <a:buNone/>
               <a:defRPr sz="2800"/>
             </a:lvl2pPr>
-            <a:lvl3pPr marL="914362" indent="0">
+            <a:lvl3pPr marL="914400" indent="0">
               <a:buNone/>
               <a:defRPr sz="2400"/>
             </a:lvl3pPr>
-            <a:lvl4pPr marL="1371544" indent="0">
+            <a:lvl4pPr marL="1371600" indent="0">
               <a:buNone/>
               <a:defRPr sz="2000"/>
             </a:lvl4pPr>
-            <a:lvl5pPr marL="1828725" indent="0">
+            <a:lvl5pPr marL="1828800" indent="0">
               <a:buNone/>
               <a:defRPr sz="2000"/>
             </a:lvl5pPr>
-            <a:lvl6pPr marL="2285906" indent="0">
+            <a:lvl6pPr marL="2286000" indent="0">
               <a:buNone/>
               <a:defRPr sz="2000"/>
             </a:lvl6pPr>
-            <a:lvl7pPr marL="2743088" indent="0">
+            <a:lvl7pPr marL="2743200" indent="0">
               <a:buNone/>
               <a:defRPr sz="2000"/>
             </a:lvl7pPr>
-            <a:lvl8pPr marL="3200268" indent="0">
+            <a:lvl8pPr marL="3200400" indent="0">
               <a:buNone/>
               <a:defRPr sz="2000"/>
             </a:lvl8pPr>
-            <a:lvl9pPr marL="3657450" indent="0">
+            <a:lvl9pPr marL="3657600" indent="0">
               <a:buNone/>
               <a:defRPr sz="2000"/>
             </a:lvl9pPr>
@@ -7586,35 +6775,35 @@
               <a:buNone/>
               <a:defRPr sz="1400"/>
             </a:lvl1pPr>
-            <a:lvl2pPr marL="457182" indent="0">
+            <a:lvl2pPr marL="457200" indent="0">
               <a:buNone/>
               <a:defRPr sz="1200"/>
             </a:lvl2pPr>
-            <a:lvl3pPr marL="914362" indent="0">
+            <a:lvl3pPr marL="914400" indent="0">
               <a:buNone/>
               <a:defRPr sz="1000"/>
             </a:lvl3pPr>
-            <a:lvl4pPr marL="1371544" indent="0">
+            <a:lvl4pPr marL="1371600" indent="0">
               <a:buNone/>
               <a:defRPr sz="900"/>
             </a:lvl4pPr>
-            <a:lvl5pPr marL="1828725" indent="0">
+            <a:lvl5pPr marL="1828800" indent="0">
               <a:buNone/>
               <a:defRPr sz="900"/>
             </a:lvl5pPr>
-            <a:lvl6pPr marL="2285906" indent="0">
+            <a:lvl6pPr marL="2286000" indent="0">
               <a:buNone/>
               <a:defRPr sz="900"/>
             </a:lvl6pPr>
-            <a:lvl7pPr marL="2743088" indent="0">
+            <a:lvl7pPr marL="2743200" indent="0">
               <a:buNone/>
               <a:defRPr sz="900"/>
             </a:lvl7pPr>
-            <a:lvl8pPr marL="3200268" indent="0">
+            <a:lvl8pPr marL="3200400" indent="0">
               <a:buNone/>
               <a:defRPr sz="900"/>
             </a:lvl8pPr>
-            <a:lvl9pPr marL="3657450" indent="0">
+            <a:lvl9pPr marL="3657600" indent="0">
               <a:buNone/>
               <a:defRPr sz="900"/>
             </a:lvl9pPr>
@@ -7625,6 +6814,7 @@
               <a:rPr lang="zh-CN" altLang="en-US"/>
               <a:t>单击此处编辑母版文本样式</a:t>
             </a:r>
+            <a:endParaRPr lang="zh-CN" altLang="en-US"/>
           </a:p>
         </p:txBody>
       </p:sp>
@@ -7708,21 +6898,12 @@
             </a:pPr>
             <a:fld id="{530D8648-5A27-46B1-9DFF-F43427A188ED}" type="slidenum">
               <a:rPr lang="zh-CN" altLang="en-US"/>
-              <a:pPr>
-                <a:defRPr/>
-              </a:pPr>
-              <a:t>‹#›</a:t>
             </a:fld>
             <a:endParaRPr lang="zh-CN" altLang="en-US"/>
           </a:p>
         </p:txBody>
       </p:sp>
     </p:spTree>
-    <p:extLst>
-      <p:ext uri="{BB962C8B-B14F-4D97-AF65-F5344CB8AC3E}">
-        <p14:creationId xmlns:p14="http://schemas.microsoft.com/office/powerpoint/2010/main" val="4292002586"/>
-      </p:ext>
-    </p:extLst>
   </p:cSld>
   <p:clrMapOvr>
     <a:masterClrMapping/>
@@ -7736,7 +6917,7 @@
     <p:bg>
       <p:bgPr>
         <a:blipFill dpi="0" rotWithShape="0">
-          <a:blip r:embed="rId13" cstate="print"/>
+          <a:blip r:embed="rId12" cstate="print"/>
           <a:srcRect/>
           <a:stretch>
             <a:fillRect/>
@@ -7781,32 +6962,9 @@
           <a:ln>
             <a:noFill/>
           </a:ln>
-          <a:extLst>
-            <a:ext uri="{909E8E84-426E-40dd-AFC4-6F175D3DCCD1}">
-              <a14:hiddenFill xmlns:a14="http://schemas.microsoft.com/office/drawing/2010/main" xmlns="">
-                <a:solidFill>
-                  <a:srgbClr val="FFFFFF"/>
-                </a:solidFill>
-              </a14:hiddenFill>
-            </a:ext>
-            <a:ext uri="{91240B29-F687-4f45-9708-019B960494DF}">
-              <a14:hiddenLine xmlns:a14="http://schemas.microsoft.com/office/drawing/2010/main" xmlns="" w="9525">
-                <a:solidFill>
-                  <a:srgbClr val="000000"/>
-                </a:solidFill>
-                <a:miter lim="800000"/>
-                <a:headEnd/>
-                <a:tailEnd/>
-              </a14:hiddenLine>
-            </a:ext>
-          </a:extLst>
         </p:spPr>
         <p:txBody>
-          <a:bodyPr vert="horz" wrap="square" lIns="91436" tIns="45718" rIns="91436" bIns="45718" numCol="1" anchor="ctr" anchorCtr="0" compatLnSpc="1">
-            <a:prstTxWarp prst="textNoShape">
-              <a:avLst/>
-            </a:prstTxWarp>
-          </a:bodyPr>
+          <a:bodyPr vert="horz" wrap="square" lIns="91436" tIns="45718" rIns="91436" bIns="45718" numCol="1" anchor="ctr" anchorCtr="0" compatLnSpc="1"/>
           <a:lstStyle/>
           <a:p>
             <a:pPr lvl="0"/>
@@ -7814,6 +6972,7 @@
               <a:rPr lang="zh-CN" altLang="en-US"/>
               <a:t>单击此处编辑母版标题样式</a:t>
             </a:r>
+            <a:endParaRPr lang="zh-CN" altLang="en-US"/>
           </a:p>
         </p:txBody>
       </p:sp>
@@ -7839,32 +6998,9 @@
           <a:ln>
             <a:noFill/>
           </a:ln>
-          <a:extLst>
-            <a:ext uri="{909E8E84-426E-40dd-AFC4-6F175D3DCCD1}">
-              <a14:hiddenFill xmlns:a14="http://schemas.microsoft.com/office/drawing/2010/main" xmlns="">
-                <a:solidFill>
-                  <a:srgbClr val="FFFFFF"/>
-                </a:solidFill>
-              </a14:hiddenFill>
-            </a:ext>
-            <a:ext uri="{91240B29-F687-4f45-9708-019B960494DF}">
-              <a14:hiddenLine xmlns:a14="http://schemas.microsoft.com/office/drawing/2010/main" xmlns="" w="9525">
-                <a:solidFill>
-                  <a:srgbClr val="000000"/>
-                </a:solidFill>
-                <a:miter lim="800000"/>
-                <a:headEnd/>
-                <a:tailEnd/>
-              </a14:hiddenLine>
-            </a:ext>
-          </a:extLst>
         </p:spPr>
         <p:txBody>
-          <a:bodyPr vert="horz" wrap="square" lIns="91436" tIns="45718" rIns="91436" bIns="45718" numCol="1" anchor="t" anchorCtr="0" compatLnSpc="1">
-            <a:prstTxWarp prst="textNoShape">
-              <a:avLst/>
-            </a:prstTxWarp>
-          </a:bodyPr>
+          <a:bodyPr vert="horz" wrap="square" lIns="91436" tIns="45718" rIns="91436" bIns="45718" numCol="1" anchor="t" anchorCtr="0" compatLnSpc="1"/>
           <a:lstStyle/>
           <a:p>
             <a:pPr lvl="0"/>
@@ -7872,6 +7008,7 @@
               <a:rPr lang="zh-CN" altLang="en-US"/>
               <a:t>单击此处编辑母版文本样式</a:t>
             </a:r>
+            <a:endParaRPr lang="zh-CN" altLang="en-US"/>
           </a:p>
           <a:p>
             <a:pPr lvl="1"/>
@@ -7879,6 +7016,7 @@
               <a:rPr lang="zh-CN" altLang="en-US"/>
               <a:t>第二级</a:t>
             </a:r>
+            <a:endParaRPr lang="zh-CN" altLang="en-US"/>
           </a:p>
           <a:p>
             <a:pPr lvl="2"/>
@@ -7886,6 +7024,7 @@
               <a:rPr lang="zh-CN" altLang="en-US"/>
               <a:t>第三级</a:t>
             </a:r>
+            <a:endParaRPr lang="zh-CN" altLang="en-US"/>
           </a:p>
           <a:p>
             <a:pPr lvl="3"/>
@@ -7893,6 +7032,7 @@
               <a:rPr lang="zh-CN" altLang="en-US"/>
               <a:t>第四级</a:t>
             </a:r>
+            <a:endParaRPr lang="zh-CN" altLang="en-US"/>
           </a:p>
           <a:p>
             <a:pPr lvl="4"/>
@@ -7900,6 +7040,7 @@
               <a:rPr lang="zh-CN" altLang="en-US"/>
               <a:t>第五级</a:t>
             </a:r>
+            <a:endParaRPr lang="zh-CN" altLang="en-US"/>
           </a:p>
         </p:txBody>
       </p:sp>
@@ -7932,7 +7073,7 @@
                     <a:tint val="75000"/>
                   </a:schemeClr>
                 </a:solidFill>
-                <a:ea typeface="宋体" charset="-122"/>
+                <a:ea typeface="宋体" panose="02010600030101010101" pitchFamily="2" charset="-122"/>
               </a:defRPr>
             </a:lvl1pPr>
           </a:lstStyle>
@@ -7977,7 +7118,7 @@
                     <a:tint val="75000"/>
                   </a:schemeClr>
                 </a:solidFill>
-                <a:ea typeface="宋体" charset="-122"/>
+                <a:ea typeface="宋体" panose="02010600030101010101" pitchFamily="2" charset="-122"/>
               </a:defRPr>
             </a:lvl1pPr>
           </a:lstStyle>
@@ -8009,11 +7150,7 @@
           </a:prstGeom>
         </p:spPr>
         <p:txBody>
-          <a:bodyPr vert="horz" wrap="square" lIns="91436" tIns="45718" rIns="91436" bIns="45718" numCol="1" anchor="ctr" anchorCtr="0" compatLnSpc="1">
-            <a:prstTxWarp prst="textNoShape">
-              <a:avLst/>
-            </a:prstTxWarp>
-          </a:bodyPr>
+          <a:bodyPr vert="horz" wrap="square" lIns="91436" tIns="45718" rIns="91436" bIns="45718" numCol="1" anchor="ctr" anchorCtr="0" compatLnSpc="1"/>
           <a:lstStyle>
             <a:lvl1pPr algn="r" eaLnBrk="1" hangingPunct="1">
               <a:defRPr sz="1200">
@@ -8029,10 +7166,6 @@
             </a:pPr>
             <a:fld id="{EB08D79A-444D-4C36-A6F5-FB17350375E2}" type="slidenum">
               <a:rPr lang="zh-CN" altLang="en-US"/>
-              <a:pPr>
-                <a:defRPr/>
-              </a:pPr>
-              <a:t>‹#›</a:t>
             </a:fld>
             <a:endParaRPr lang="zh-CN" altLang="en-US"/>
           </a:p>
@@ -8042,17 +7175,17 @@
   </p:cSld>
   <p:clrMap bg1="lt1" tx1="dk1" bg2="lt2" tx2="dk2" accent1="accent1" accent2="accent2" accent3="accent3" accent4="accent4" accent5="accent5" accent6="accent6" hlink="hlink" folHlink="folHlink"/>
   <p:sldLayoutIdLst>
-    <p:sldLayoutId id="2147483685" r:id="rId1"/>
-    <p:sldLayoutId id="2147483686" r:id="rId2"/>
-    <p:sldLayoutId id="2147483687" r:id="rId3"/>
-    <p:sldLayoutId id="2147483688" r:id="rId4"/>
-    <p:sldLayoutId id="2147483689" r:id="rId5"/>
-    <p:sldLayoutId id="2147483690" r:id="rId6"/>
-    <p:sldLayoutId id="2147483691" r:id="rId7"/>
-    <p:sldLayoutId id="2147483692" r:id="rId8"/>
-    <p:sldLayoutId id="2147483693" r:id="rId9"/>
-    <p:sldLayoutId id="2147483694" r:id="rId10"/>
-    <p:sldLayoutId id="2147483695" r:id="rId11"/>
+    <p:sldLayoutId id="2147483649" r:id="rId1"/>
+    <p:sldLayoutId id="2147483650" r:id="rId2"/>
+    <p:sldLayoutId id="2147483651" r:id="rId3"/>
+    <p:sldLayoutId id="2147483652" r:id="rId4"/>
+    <p:sldLayoutId id="2147483653" r:id="rId5"/>
+    <p:sldLayoutId id="2147483654" r:id="rId6"/>
+    <p:sldLayoutId id="2147483655" r:id="rId7"/>
+    <p:sldLayoutId id="2147483656" r:id="rId8"/>
+    <p:sldLayoutId id="2147483657" r:id="rId9"/>
+    <p:sldLayoutId id="2147483658" r:id="rId10"/>
+    <p:sldLayoutId id="2147483659" r:id="rId11"/>
   </p:sldLayoutIdLst>
   <p:hf hdr="0" ftr="0" dt="0"/>
   <p:txStyles>
@@ -8084,8 +7217,8 @@
           <a:solidFill>
             <a:schemeClr val="tx1"/>
           </a:solidFill>
-          <a:latin typeface="Calibri" pitchFamily="34" charset="0"/>
-          <a:ea typeface="宋体" charset="-122"/>
+          <a:latin typeface="Calibri" panose="020F0502020204030204" pitchFamily="34" charset="0"/>
+          <a:ea typeface="宋体" panose="02010600030101010101" pitchFamily="2" charset="-122"/>
         </a:defRPr>
       </a:lvl2pPr>
       <a:lvl3pPr algn="ctr" rtl="0" eaLnBrk="0" fontAlgn="base" hangingPunct="0">
@@ -8099,8 +7232,8 @@
           <a:solidFill>
             <a:schemeClr val="tx1"/>
           </a:solidFill>
-          <a:latin typeface="Calibri" pitchFamily="34" charset="0"/>
-          <a:ea typeface="宋体" charset="-122"/>
+          <a:latin typeface="Calibri" panose="020F0502020204030204" pitchFamily="34" charset="0"/>
+          <a:ea typeface="宋体" panose="02010600030101010101" pitchFamily="2" charset="-122"/>
         </a:defRPr>
       </a:lvl3pPr>
       <a:lvl4pPr algn="ctr" rtl="0" eaLnBrk="0" fontAlgn="base" hangingPunct="0">
@@ -8114,8 +7247,8 @@
           <a:solidFill>
             <a:schemeClr val="tx1"/>
           </a:solidFill>
-          <a:latin typeface="Calibri" pitchFamily="34" charset="0"/>
-          <a:ea typeface="宋体" charset="-122"/>
+          <a:latin typeface="Calibri" panose="020F0502020204030204" pitchFamily="34" charset="0"/>
+          <a:ea typeface="宋体" panose="02010600030101010101" pitchFamily="2" charset="-122"/>
         </a:defRPr>
       </a:lvl4pPr>
       <a:lvl5pPr algn="ctr" rtl="0" eaLnBrk="0" fontAlgn="base" hangingPunct="0">
@@ -8129,11 +7262,11 @@
           <a:solidFill>
             <a:schemeClr val="tx1"/>
           </a:solidFill>
-          <a:latin typeface="Calibri" pitchFamily="34" charset="0"/>
-          <a:ea typeface="宋体" charset="-122"/>
+          <a:latin typeface="Calibri" panose="020F0502020204030204" pitchFamily="34" charset="0"/>
+          <a:ea typeface="宋体" panose="02010600030101010101" pitchFamily="2" charset="-122"/>
         </a:defRPr>
       </a:lvl5pPr>
-      <a:lvl6pPr marL="457182" algn="ctr" rtl="0" fontAlgn="base">
+      <a:lvl6pPr marL="457200" algn="ctr" rtl="0" fontAlgn="base">
         <a:spcBef>
           <a:spcPct val="0"/>
         </a:spcBef>
@@ -8144,11 +7277,11 @@
           <a:solidFill>
             <a:schemeClr val="tx1"/>
           </a:solidFill>
-          <a:latin typeface="Calibri" pitchFamily="34" charset="0"/>
-          <a:ea typeface="宋体" charset="-122"/>
+          <a:latin typeface="Calibri" panose="020F0502020204030204" pitchFamily="34" charset="0"/>
+          <a:ea typeface="宋体" panose="02010600030101010101" pitchFamily="2" charset="-122"/>
         </a:defRPr>
       </a:lvl6pPr>
-      <a:lvl7pPr marL="914362" algn="ctr" rtl="0" fontAlgn="base">
+      <a:lvl7pPr marL="914400" algn="ctr" rtl="0" fontAlgn="base">
         <a:spcBef>
           <a:spcPct val="0"/>
         </a:spcBef>
@@ -8159,11 +7292,11 @@
           <a:solidFill>
             <a:schemeClr val="tx1"/>
           </a:solidFill>
-          <a:latin typeface="Calibri" pitchFamily="34" charset="0"/>
-          <a:ea typeface="宋体" charset="-122"/>
+          <a:latin typeface="Calibri" panose="020F0502020204030204" pitchFamily="34" charset="0"/>
+          <a:ea typeface="宋体" panose="02010600030101010101" pitchFamily="2" charset="-122"/>
         </a:defRPr>
       </a:lvl7pPr>
-      <a:lvl8pPr marL="1371544" algn="ctr" rtl="0" fontAlgn="base">
+      <a:lvl8pPr marL="1371600" algn="ctr" rtl="0" fontAlgn="base">
         <a:spcBef>
           <a:spcPct val="0"/>
         </a:spcBef>
@@ -8174,11 +7307,11 @@
           <a:solidFill>
             <a:schemeClr val="tx1"/>
           </a:solidFill>
-          <a:latin typeface="Calibri" pitchFamily="34" charset="0"/>
-          <a:ea typeface="宋体" charset="-122"/>
+          <a:latin typeface="Calibri" panose="020F0502020204030204" pitchFamily="34" charset="0"/>
+          <a:ea typeface="宋体" panose="02010600030101010101" pitchFamily="2" charset="-122"/>
         </a:defRPr>
       </a:lvl8pPr>
-      <a:lvl9pPr marL="1828725" algn="ctr" rtl="0" fontAlgn="base">
+      <a:lvl9pPr marL="1828800" algn="ctr" rtl="0" fontAlgn="base">
         <a:spcBef>
           <a:spcPct val="0"/>
         </a:spcBef>
@@ -8189,13 +7322,13 @@
           <a:solidFill>
             <a:schemeClr val="tx1"/>
           </a:solidFill>
-          <a:latin typeface="Calibri" pitchFamily="34" charset="0"/>
-          <a:ea typeface="宋体" charset="-122"/>
+          <a:latin typeface="Calibri" panose="020F0502020204030204" pitchFamily="34" charset="0"/>
+          <a:ea typeface="宋体" panose="02010600030101010101" pitchFamily="2" charset="-122"/>
         </a:defRPr>
       </a:lvl9pPr>
     </p:titleStyle>
     <p:bodyStyle>
-      <a:lvl1pPr marL="342886" indent="-342886" algn="l" rtl="0" eaLnBrk="0" fontAlgn="base" hangingPunct="0">
+      <a:lvl1pPr marL="342900" indent="-342900" algn="l" rtl="0" eaLnBrk="0" fontAlgn="base" hangingPunct="0">
         <a:spcBef>
           <a:spcPct val="20000"/>
         </a:spcBef>
@@ -8213,7 +7346,7 @@
           <a:cs typeface="+mn-cs"/>
         </a:defRPr>
       </a:lvl1pPr>
-      <a:lvl2pPr marL="742920" indent="-285738" algn="l" rtl="0" eaLnBrk="0" fontAlgn="base" hangingPunct="0">
+      <a:lvl2pPr marL="742950" indent="-285750" algn="l" rtl="0" eaLnBrk="0" fontAlgn="base" hangingPunct="0">
         <a:spcBef>
           <a:spcPct val="20000"/>
         </a:spcBef>
@@ -8231,7 +7364,7 @@
           <a:cs typeface="+mn-cs"/>
         </a:defRPr>
       </a:lvl2pPr>
-      <a:lvl3pPr marL="1142953" indent="-228591" algn="l" rtl="0" eaLnBrk="0" fontAlgn="base" hangingPunct="0">
+      <a:lvl3pPr marL="1143000" indent="-228600" algn="l" rtl="0" eaLnBrk="0" fontAlgn="base" hangingPunct="0">
         <a:spcBef>
           <a:spcPct val="20000"/>
         </a:spcBef>
@@ -8249,7 +7382,7 @@
           <a:cs typeface="+mn-cs"/>
         </a:defRPr>
       </a:lvl3pPr>
-      <a:lvl4pPr marL="1600135" indent="-228591" algn="l" rtl="0" eaLnBrk="0" fontAlgn="base" hangingPunct="0">
+      <a:lvl4pPr marL="1600200" indent="-228600" algn="l" rtl="0" eaLnBrk="0" fontAlgn="base" hangingPunct="0">
         <a:spcBef>
           <a:spcPct val="20000"/>
         </a:spcBef>
@@ -8267,7 +7400,7 @@
           <a:cs typeface="+mn-cs"/>
         </a:defRPr>
       </a:lvl4pPr>
-      <a:lvl5pPr marL="2057315" indent="-228591" algn="l" rtl="0" eaLnBrk="0" fontAlgn="base" hangingPunct="0">
+      <a:lvl5pPr marL="2057400" indent="-228600" algn="l" rtl="0" eaLnBrk="0" fontAlgn="base" hangingPunct="0">
         <a:spcBef>
           <a:spcPct val="20000"/>
         </a:spcBef>
@@ -8285,11 +7418,11 @@
           <a:cs typeface="+mn-cs"/>
         </a:defRPr>
       </a:lvl5pPr>
-      <a:lvl6pPr marL="2514497" indent="-228591" algn="l" defTabSz="914362" rtl="0" eaLnBrk="1" latinLnBrk="0" hangingPunct="1">
+      <a:lvl6pPr marL="2514600" indent="-228600" algn="l" defTabSz="914400" rtl="0" eaLnBrk="1" latinLnBrk="0" hangingPunct="1">
         <a:spcBef>
           <a:spcPct val="20000"/>
         </a:spcBef>
-        <a:buFont typeface="Arial" pitchFamily="34" charset="0"/>
+        <a:buFont typeface="Arial" panose="020B0604020202020204" pitchFamily="34" charset="0"/>
         <a:buChar char="•"/>
         <a:defRPr sz="2000" kern="1200">
           <a:solidFill>
@@ -8300,11 +7433,11 @@
           <a:cs typeface="+mn-cs"/>
         </a:defRPr>
       </a:lvl6pPr>
-      <a:lvl7pPr marL="2971678" indent="-228591" algn="l" defTabSz="914362" rtl="0" eaLnBrk="1" latinLnBrk="0" hangingPunct="1">
+      <a:lvl7pPr marL="2971800" indent="-228600" algn="l" defTabSz="914400" rtl="0" eaLnBrk="1" latinLnBrk="0" hangingPunct="1">
         <a:spcBef>
           <a:spcPct val="20000"/>
         </a:spcBef>
-        <a:buFont typeface="Arial" pitchFamily="34" charset="0"/>
+        <a:buFont typeface="Arial" panose="020B0604020202020204" pitchFamily="34" charset="0"/>
         <a:buChar char="•"/>
         <a:defRPr sz="2000" kern="1200">
           <a:solidFill>
@@ -8315,11 +7448,11 @@
           <a:cs typeface="+mn-cs"/>
         </a:defRPr>
       </a:lvl7pPr>
-      <a:lvl8pPr marL="3428859" indent="-228591" algn="l" defTabSz="914362" rtl="0" eaLnBrk="1" latinLnBrk="0" hangingPunct="1">
+      <a:lvl8pPr marL="3429000" indent="-228600" algn="l" defTabSz="914400" rtl="0" eaLnBrk="1" latinLnBrk="0" hangingPunct="1">
         <a:spcBef>
           <a:spcPct val="20000"/>
         </a:spcBef>
-        <a:buFont typeface="Arial" pitchFamily="34" charset="0"/>
+        <a:buFont typeface="Arial" panose="020B0604020202020204" pitchFamily="34" charset="0"/>
         <a:buChar char="•"/>
         <a:defRPr sz="2000" kern="1200">
           <a:solidFill>
@@ -8330,11 +7463,11 @@
           <a:cs typeface="+mn-cs"/>
         </a:defRPr>
       </a:lvl8pPr>
-      <a:lvl9pPr marL="3886041" indent="-228591" algn="l" defTabSz="914362" rtl="0" eaLnBrk="1" latinLnBrk="0" hangingPunct="1">
+      <a:lvl9pPr marL="3886200" indent="-228600" algn="l" defTabSz="914400" rtl="0" eaLnBrk="1" latinLnBrk="0" hangingPunct="1">
         <a:spcBef>
           <a:spcPct val="20000"/>
         </a:spcBef>
-        <a:buFont typeface="Arial" pitchFamily="34" charset="0"/>
+        <a:buFont typeface="Arial" panose="020B0604020202020204" pitchFamily="34" charset="0"/>
         <a:buChar char="•"/>
         <a:defRPr sz="2000" kern="1200">
           <a:solidFill>
@@ -8350,7 +7483,7 @@
       <a:defPPr>
         <a:defRPr lang="zh-CN"/>
       </a:defPPr>
-      <a:lvl1pPr marL="0" algn="l" defTabSz="914362" rtl="0" eaLnBrk="1" latinLnBrk="0" hangingPunct="1">
+      <a:lvl1pPr marL="0" algn="l" defTabSz="914400" rtl="0" eaLnBrk="1" latinLnBrk="0" hangingPunct="1">
         <a:defRPr sz="1800" kern="1200">
           <a:solidFill>
             <a:schemeClr val="tx1"/>
@@ -8360,7 +7493,7 @@
           <a:cs typeface="+mn-cs"/>
         </a:defRPr>
       </a:lvl1pPr>
-      <a:lvl2pPr marL="457182" algn="l" defTabSz="914362" rtl="0" eaLnBrk="1" latinLnBrk="0" hangingPunct="1">
+      <a:lvl2pPr marL="457200" algn="l" defTabSz="914400" rtl="0" eaLnBrk="1" latinLnBrk="0" hangingPunct="1">
         <a:defRPr sz="1800" kern="1200">
           <a:solidFill>
             <a:schemeClr val="tx1"/>
@@ -8370,7 +7503,7 @@
           <a:cs typeface="+mn-cs"/>
         </a:defRPr>
       </a:lvl2pPr>
-      <a:lvl3pPr marL="914362" algn="l" defTabSz="914362" rtl="0" eaLnBrk="1" latinLnBrk="0" hangingPunct="1">
+      <a:lvl3pPr marL="914400" algn="l" defTabSz="914400" rtl="0" eaLnBrk="1" latinLnBrk="0" hangingPunct="1">
         <a:defRPr sz="1800" kern="1200">
           <a:solidFill>
             <a:schemeClr val="tx1"/>
@@ -8380,7 +7513,7 @@
           <a:cs typeface="+mn-cs"/>
         </a:defRPr>
       </a:lvl3pPr>
-      <a:lvl4pPr marL="1371544" algn="l" defTabSz="914362" rtl="0" eaLnBrk="1" latinLnBrk="0" hangingPunct="1">
+      <a:lvl4pPr marL="1371600" algn="l" defTabSz="914400" rtl="0" eaLnBrk="1" latinLnBrk="0" hangingPunct="1">
         <a:defRPr sz="1800" kern="1200">
           <a:solidFill>
             <a:schemeClr val="tx1"/>
@@ -8390,7 +7523,7 @@
           <a:cs typeface="+mn-cs"/>
         </a:defRPr>
       </a:lvl4pPr>
-      <a:lvl5pPr marL="1828725" algn="l" defTabSz="914362" rtl="0" eaLnBrk="1" latinLnBrk="0" hangingPunct="1">
+      <a:lvl5pPr marL="1828800" algn="l" defTabSz="914400" rtl="0" eaLnBrk="1" latinLnBrk="0" hangingPunct="1">
         <a:defRPr sz="1800" kern="1200">
           <a:solidFill>
             <a:schemeClr val="tx1"/>
@@ -8400,7 +7533,7 @@
           <a:cs typeface="+mn-cs"/>
         </a:defRPr>
       </a:lvl5pPr>
-      <a:lvl6pPr marL="2285906" algn="l" defTabSz="914362" rtl="0" eaLnBrk="1" latinLnBrk="0" hangingPunct="1">
+      <a:lvl6pPr marL="2286000" algn="l" defTabSz="914400" rtl="0" eaLnBrk="1" latinLnBrk="0" hangingPunct="1">
         <a:defRPr sz="1800" kern="1200">
           <a:solidFill>
             <a:schemeClr val="tx1"/>
@@ -8410,7 +7543,7 @@
           <a:cs typeface="+mn-cs"/>
         </a:defRPr>
       </a:lvl6pPr>
-      <a:lvl7pPr marL="2743088" algn="l" defTabSz="914362" rtl="0" eaLnBrk="1" latinLnBrk="0" hangingPunct="1">
+      <a:lvl7pPr marL="2743200" algn="l" defTabSz="914400" rtl="0" eaLnBrk="1" latinLnBrk="0" hangingPunct="1">
         <a:defRPr sz="1800" kern="1200">
           <a:solidFill>
             <a:schemeClr val="tx1"/>
@@ -8420,7 +7553,7 @@
           <a:cs typeface="+mn-cs"/>
         </a:defRPr>
       </a:lvl7pPr>
-      <a:lvl8pPr marL="3200268" algn="l" defTabSz="914362" rtl="0" eaLnBrk="1" latinLnBrk="0" hangingPunct="1">
+      <a:lvl8pPr marL="3200400" algn="l" defTabSz="914400" rtl="0" eaLnBrk="1" latinLnBrk="0" hangingPunct="1">
         <a:defRPr sz="1800" kern="1200">
           <a:solidFill>
             <a:schemeClr val="tx1"/>
@@ -8430,7 +7563,7 @@
           <a:cs typeface="+mn-cs"/>
         </a:defRPr>
       </a:lvl8pPr>
-      <a:lvl9pPr marL="3657450" algn="l" defTabSz="914362" rtl="0" eaLnBrk="1" latinLnBrk="0" hangingPunct="1">
+      <a:lvl9pPr marL="3657600" algn="l" defTabSz="914400" rtl="0" eaLnBrk="1" latinLnBrk="0" hangingPunct="1">
         <a:defRPr sz="1800" kern="1200">
           <a:solidFill>
             <a:schemeClr val="tx1"/>
@@ -8451,7 +7584,7 @@
     <p:bg>
       <p:bgPr>
         <a:blipFill dpi="0" rotWithShape="0">
-          <a:blip r:embed="rId2" cstate="print"/>
+          <a:blip r:embed="rId1" cstate="print"/>
           <a:srcRect/>
           <a:stretch>
             <a:fillRect/>
@@ -8494,25 +7627,6 @@
           <a:ln>
             <a:noFill/>
           </a:ln>
-          <a:extLst>
-            <a:ext uri="{909E8E84-426E-40dd-AFC4-6F175D3DCCD1}">
-              <a14:hiddenFill xmlns:a14="http://schemas.microsoft.com/office/drawing/2010/main" xmlns="">
-                <a:solidFill>
-                  <a:srgbClr val="FFFFFF"/>
-                </a:solidFill>
-              </a14:hiddenFill>
-            </a:ext>
-            <a:ext uri="{91240B29-F687-4f45-9708-019B960494DF}">
-              <a14:hiddenLine xmlns:a14="http://schemas.microsoft.com/office/drawing/2010/main" xmlns="" w="9525">
-                <a:solidFill>
-                  <a:srgbClr val="000000"/>
-                </a:solidFill>
-                <a:miter lim="800000"/>
-                <a:headEnd/>
-                <a:tailEnd/>
-              </a14:hiddenLine>
-            </a:ext>
-          </a:extLst>
         </p:spPr>
         <p:txBody>
           <a:bodyPr wrap="square" lIns="91436" tIns="45718" rIns="91436" bIns="45718" anchor="ctr">
@@ -8524,8 +7638,8 @@
                 <a:solidFill>
                   <a:schemeClr val="tx1"/>
                 </a:solidFill>
-                <a:latin typeface="Calibri" pitchFamily="34" charset="0"/>
-                <a:ea typeface="宋体" charset="-122"/>
+                <a:latin typeface="Calibri" panose="020F0502020204030204" pitchFamily="34" charset="0"/>
+                <a:ea typeface="宋体" panose="02010600030101010101" pitchFamily="2" charset="-122"/>
               </a:defRPr>
             </a:lvl1pPr>
             <a:lvl2pPr marL="742950" indent="-285750" eaLnBrk="0" hangingPunct="0">
@@ -8533,8 +7647,8 @@
                 <a:solidFill>
                   <a:schemeClr val="tx1"/>
                 </a:solidFill>
-                <a:latin typeface="Calibri" pitchFamily="34" charset="0"/>
-                <a:ea typeface="宋体" charset="-122"/>
+                <a:latin typeface="Calibri" panose="020F0502020204030204" pitchFamily="34" charset="0"/>
+                <a:ea typeface="宋体" panose="02010600030101010101" pitchFamily="2" charset="-122"/>
               </a:defRPr>
             </a:lvl2pPr>
             <a:lvl3pPr marL="1143000" indent="-228600" eaLnBrk="0" hangingPunct="0">
@@ -8542,8 +7656,8 @@
                 <a:solidFill>
                   <a:schemeClr val="tx1"/>
                 </a:solidFill>
-                <a:latin typeface="Calibri" pitchFamily="34" charset="0"/>
-                <a:ea typeface="宋体" charset="-122"/>
+                <a:latin typeface="Calibri" panose="020F0502020204030204" pitchFamily="34" charset="0"/>
+                <a:ea typeface="宋体" panose="02010600030101010101" pitchFamily="2" charset="-122"/>
               </a:defRPr>
             </a:lvl3pPr>
             <a:lvl4pPr marL="1600200" indent="-228600" eaLnBrk="0" hangingPunct="0">
@@ -8551,8 +7665,8 @@
                 <a:solidFill>
                   <a:schemeClr val="tx1"/>
                 </a:solidFill>
-                <a:latin typeface="Calibri" pitchFamily="34" charset="0"/>
-                <a:ea typeface="宋体" charset="-122"/>
+                <a:latin typeface="Calibri" panose="020F0502020204030204" pitchFamily="34" charset="0"/>
+                <a:ea typeface="宋体" panose="02010600030101010101" pitchFamily="2" charset="-122"/>
               </a:defRPr>
             </a:lvl4pPr>
             <a:lvl5pPr marL="2057400" indent="-228600" eaLnBrk="0" hangingPunct="0">
@@ -8560,8 +7674,8 @@
                 <a:solidFill>
                   <a:schemeClr val="tx1"/>
                 </a:solidFill>
-                <a:latin typeface="Calibri" pitchFamily="34" charset="0"/>
-                <a:ea typeface="宋体" charset="-122"/>
+                <a:latin typeface="Calibri" panose="020F0502020204030204" pitchFamily="34" charset="0"/>
+                <a:ea typeface="宋体" panose="02010600030101010101" pitchFamily="2" charset="-122"/>
               </a:defRPr>
             </a:lvl5pPr>
             <a:lvl6pPr marL="2514600" indent="-228600" eaLnBrk="0" fontAlgn="base" hangingPunct="0">
@@ -8575,8 +7689,8 @@
                 <a:solidFill>
                   <a:schemeClr val="tx1"/>
                 </a:solidFill>
-                <a:latin typeface="Calibri" pitchFamily="34" charset="0"/>
-                <a:ea typeface="宋体" charset="-122"/>
+                <a:latin typeface="Calibri" panose="020F0502020204030204" pitchFamily="34" charset="0"/>
+                <a:ea typeface="宋体" panose="02010600030101010101" pitchFamily="2" charset="-122"/>
               </a:defRPr>
             </a:lvl6pPr>
             <a:lvl7pPr marL="2971800" indent="-228600" eaLnBrk="0" fontAlgn="base" hangingPunct="0">
@@ -8590,8 +7704,8 @@
                 <a:solidFill>
                   <a:schemeClr val="tx1"/>
                 </a:solidFill>
-                <a:latin typeface="Calibri" pitchFamily="34" charset="0"/>
-                <a:ea typeface="宋体" charset="-122"/>
+                <a:latin typeface="Calibri" panose="020F0502020204030204" pitchFamily="34" charset="0"/>
+                <a:ea typeface="宋体" panose="02010600030101010101" pitchFamily="2" charset="-122"/>
               </a:defRPr>
             </a:lvl7pPr>
             <a:lvl8pPr marL="3429000" indent="-228600" eaLnBrk="0" fontAlgn="base" hangingPunct="0">
@@ -8605,8 +7719,8 @@
                 <a:solidFill>
                   <a:schemeClr val="tx1"/>
                 </a:solidFill>
-                <a:latin typeface="Calibri" pitchFamily="34" charset="0"/>
-                <a:ea typeface="宋体" charset="-122"/>
+                <a:latin typeface="Calibri" panose="020F0502020204030204" pitchFamily="34" charset="0"/>
+                <a:ea typeface="宋体" panose="02010600030101010101" pitchFamily="2" charset="-122"/>
               </a:defRPr>
             </a:lvl8pPr>
             <a:lvl9pPr marL="3886200" indent="-228600" eaLnBrk="0" fontAlgn="base" hangingPunct="0">
@@ -8620,8 +7734,8 @@
                 <a:solidFill>
                   <a:schemeClr val="tx1"/>
                 </a:solidFill>
-                <a:latin typeface="Calibri" pitchFamily="34" charset="0"/>
-                <a:ea typeface="宋体" charset="-122"/>
+                <a:latin typeface="Calibri" panose="020F0502020204030204" pitchFamily="34" charset="0"/>
+                <a:ea typeface="宋体" panose="02010600030101010101" pitchFamily="2" charset="-122"/>
               </a:defRPr>
             </a:lvl9pPr>
           </a:lstStyle>
@@ -8637,8 +7751,8 @@
                     <a:lumOff val="35000"/>
                   </a:schemeClr>
                 </a:solidFill>
-                <a:latin typeface="微软雅黑" pitchFamily="34" charset="-122"/>
-                <a:ea typeface="微软雅黑" pitchFamily="34" charset="-122"/>
+                <a:latin typeface="微软雅黑" panose="020B0503020204020204" pitchFamily="34" charset="-122"/>
+                <a:ea typeface="微软雅黑" panose="020B0503020204020204" pitchFamily="34" charset="-122"/>
               </a:rPr>
               <a:t>第</a:t>
             </a:r>
@@ -8650,8 +7764,8 @@
                     <a:lumOff val="35000"/>
                   </a:schemeClr>
                 </a:solidFill>
-                <a:latin typeface="微软雅黑" pitchFamily="34" charset="-122"/>
-                <a:ea typeface="微软雅黑" pitchFamily="34" charset="-122"/>
+                <a:latin typeface="微软雅黑" panose="020B0503020204020204" pitchFamily="34" charset="-122"/>
+                <a:ea typeface="微软雅黑" panose="020B0503020204020204" pitchFamily="34" charset="-122"/>
               </a:rPr>
               <a:t>10</a:t>
             </a:r>
@@ -8663,8 +7777,8 @@
                     <a:lumOff val="35000"/>
                   </a:schemeClr>
                 </a:solidFill>
-                <a:latin typeface="微软雅黑" pitchFamily="34" charset="-122"/>
-                <a:ea typeface="微软雅黑" pitchFamily="34" charset="-122"/>
+                <a:latin typeface="微软雅黑" panose="020B0503020204020204" pitchFamily="34" charset="-122"/>
+                <a:ea typeface="微软雅黑" panose="020B0503020204020204" pitchFamily="34" charset="-122"/>
               </a:rPr>
               <a:t>讲 </a:t>
             </a:r>
@@ -8676,8 +7790,8 @@
                     <a:lumOff val="35000"/>
                   </a:schemeClr>
                 </a:solidFill>
-                <a:latin typeface="微软雅黑" pitchFamily="34" charset="-122"/>
-                <a:ea typeface="微软雅黑" pitchFamily="34" charset="-122"/>
+                <a:latin typeface="微软雅黑" panose="020B0503020204020204" pitchFamily="34" charset="-122"/>
+                <a:ea typeface="微软雅黑" panose="020B0503020204020204" pitchFamily="34" charset="-122"/>
               </a:rPr>
               <a:t>Gossip</a:t>
             </a:r>
@@ -8689,11 +7803,21 @@
                     <a:lumOff val="35000"/>
                   </a:schemeClr>
                 </a:solidFill>
-                <a:latin typeface="微软雅黑" pitchFamily="34" charset="-122"/>
-                <a:ea typeface="微软雅黑" pitchFamily="34" charset="-122"/>
+                <a:latin typeface="微软雅黑" panose="020B0503020204020204" pitchFamily="34" charset="-122"/>
+                <a:ea typeface="微软雅黑" panose="020B0503020204020204" pitchFamily="34" charset="-122"/>
               </a:rPr>
               <a:t>协议与事务提交</a:t>
             </a:r>
+            <a:endParaRPr lang="zh-CN" altLang="en-US" sz="4000" b="1" spc="300" dirty="0">
+              <a:solidFill>
+                <a:schemeClr val="tx1">
+                  <a:lumMod val="65000"/>
+                  <a:lumOff val="35000"/>
+                </a:schemeClr>
+              </a:solidFill>
+              <a:latin typeface="微软雅黑" panose="020B0503020204020204" pitchFamily="34" charset="-122"/>
+              <a:ea typeface="微软雅黑" panose="020B0503020204020204" pitchFamily="34" charset="-122"/>
+            </a:endParaRPr>
           </a:p>
         </p:txBody>
       </p:sp>
@@ -8717,25 +7841,6 @@
           <a:ln>
             <a:noFill/>
           </a:ln>
-          <a:extLst>
-            <a:ext uri="{909E8E84-426E-40dd-AFC4-6F175D3DCCD1}">
-              <a14:hiddenFill xmlns:a14="http://schemas.microsoft.com/office/drawing/2010/main" xmlns="">
-                <a:solidFill>
-                  <a:srgbClr val="FFFFFF"/>
-                </a:solidFill>
-              </a14:hiddenFill>
-            </a:ext>
-            <a:ext uri="{91240B29-F687-4f45-9708-019B960494DF}">
-              <a14:hiddenLine xmlns:a14="http://schemas.microsoft.com/office/drawing/2010/main" xmlns="" w="9525">
-                <a:solidFill>
-                  <a:srgbClr val="000000"/>
-                </a:solidFill>
-                <a:miter lim="800000"/>
-                <a:headEnd/>
-                <a:tailEnd/>
-              </a14:hiddenLine>
-            </a:ext>
-          </a:extLst>
         </p:spPr>
         <p:txBody>
           <a:bodyPr lIns="91436" tIns="45718" rIns="91436" bIns="45718" anchor="ctr">
@@ -8747,8 +7852,8 @@
                 <a:solidFill>
                   <a:schemeClr val="tx1"/>
                 </a:solidFill>
-                <a:latin typeface="Calibri" pitchFamily="34" charset="0"/>
-                <a:ea typeface="宋体" charset="-122"/>
+                <a:latin typeface="Calibri" panose="020F0502020204030204" pitchFamily="34" charset="0"/>
+                <a:ea typeface="宋体" panose="02010600030101010101" pitchFamily="2" charset="-122"/>
               </a:defRPr>
             </a:lvl1pPr>
             <a:lvl2pPr marL="742950" indent="-285750" eaLnBrk="0" hangingPunct="0">
@@ -8756,8 +7861,8 @@
                 <a:solidFill>
                   <a:schemeClr val="tx1"/>
                 </a:solidFill>
-                <a:latin typeface="Calibri" pitchFamily="34" charset="0"/>
-                <a:ea typeface="宋体" charset="-122"/>
+                <a:latin typeface="Calibri" panose="020F0502020204030204" pitchFamily="34" charset="0"/>
+                <a:ea typeface="宋体" panose="02010600030101010101" pitchFamily="2" charset="-122"/>
               </a:defRPr>
             </a:lvl2pPr>
             <a:lvl3pPr marL="1143000" indent="-228600" eaLnBrk="0" hangingPunct="0">
@@ -8765,8 +7870,8 @@
                 <a:solidFill>
                   <a:schemeClr val="tx1"/>
                 </a:solidFill>
-                <a:latin typeface="Calibri" pitchFamily="34" charset="0"/>
-                <a:ea typeface="宋体" charset="-122"/>
+                <a:latin typeface="Calibri" panose="020F0502020204030204" pitchFamily="34" charset="0"/>
+                <a:ea typeface="宋体" panose="02010600030101010101" pitchFamily="2" charset="-122"/>
               </a:defRPr>
             </a:lvl3pPr>
             <a:lvl4pPr marL="1600200" indent="-228600" eaLnBrk="0" hangingPunct="0">
@@ -8774,8 +7879,8 @@
                 <a:solidFill>
                   <a:schemeClr val="tx1"/>
                 </a:solidFill>
-                <a:latin typeface="Calibri" pitchFamily="34" charset="0"/>
-                <a:ea typeface="宋体" charset="-122"/>
+                <a:latin typeface="Calibri" panose="020F0502020204030204" pitchFamily="34" charset="0"/>
+                <a:ea typeface="宋体" panose="02010600030101010101" pitchFamily="2" charset="-122"/>
               </a:defRPr>
             </a:lvl4pPr>
             <a:lvl5pPr marL="2057400" indent="-228600" eaLnBrk="0" hangingPunct="0">
@@ -8783,8 +7888,8 @@
                 <a:solidFill>
                   <a:schemeClr val="tx1"/>
                 </a:solidFill>
-                <a:latin typeface="Calibri" pitchFamily="34" charset="0"/>
-                <a:ea typeface="宋体" charset="-122"/>
+                <a:latin typeface="Calibri" panose="020F0502020204030204" pitchFamily="34" charset="0"/>
+                <a:ea typeface="宋体" panose="02010600030101010101" pitchFamily="2" charset="-122"/>
               </a:defRPr>
             </a:lvl5pPr>
             <a:lvl6pPr marL="2514600" indent="-228600" eaLnBrk="0" fontAlgn="base" hangingPunct="0">
@@ -8798,8 +7903,8 @@
                 <a:solidFill>
                   <a:schemeClr val="tx1"/>
                 </a:solidFill>
-                <a:latin typeface="Calibri" pitchFamily="34" charset="0"/>
-                <a:ea typeface="宋体" charset="-122"/>
+                <a:latin typeface="Calibri" panose="020F0502020204030204" pitchFamily="34" charset="0"/>
+                <a:ea typeface="宋体" panose="02010600030101010101" pitchFamily="2" charset="-122"/>
               </a:defRPr>
             </a:lvl6pPr>
             <a:lvl7pPr marL="2971800" indent="-228600" eaLnBrk="0" fontAlgn="base" hangingPunct="0">
@@ -8813,8 +7918,8 @@
                 <a:solidFill>
                   <a:schemeClr val="tx1"/>
                 </a:solidFill>
-                <a:latin typeface="Calibri" pitchFamily="34" charset="0"/>
-                <a:ea typeface="宋体" charset="-122"/>
+                <a:latin typeface="Calibri" panose="020F0502020204030204" pitchFamily="34" charset="0"/>
+                <a:ea typeface="宋体" panose="02010600030101010101" pitchFamily="2" charset="-122"/>
               </a:defRPr>
             </a:lvl7pPr>
             <a:lvl8pPr marL="3429000" indent="-228600" eaLnBrk="0" fontAlgn="base" hangingPunct="0">
@@ -8828,8 +7933,8 @@
                 <a:solidFill>
                   <a:schemeClr val="tx1"/>
                 </a:solidFill>
-                <a:latin typeface="Calibri" pitchFamily="34" charset="0"/>
-                <a:ea typeface="宋体" charset="-122"/>
+                <a:latin typeface="Calibri" panose="020F0502020204030204" pitchFamily="34" charset="0"/>
+                <a:ea typeface="宋体" panose="02010600030101010101" pitchFamily="2" charset="-122"/>
               </a:defRPr>
             </a:lvl8pPr>
             <a:lvl9pPr marL="3886200" indent="-228600" eaLnBrk="0" fontAlgn="base" hangingPunct="0">
@@ -8843,8 +7948,8 @@
                 <a:solidFill>
                   <a:schemeClr val="tx1"/>
                 </a:solidFill>
-                <a:latin typeface="Calibri" pitchFamily="34" charset="0"/>
-                <a:ea typeface="宋体" charset="-122"/>
+                <a:latin typeface="Calibri" panose="020F0502020204030204" pitchFamily="34" charset="0"/>
+                <a:ea typeface="宋体" panose="02010600030101010101" pitchFamily="2" charset="-122"/>
               </a:defRPr>
             </a:lvl9pPr>
           </a:lstStyle>
@@ -8860,11 +7965,21 @@
                     <a:lumOff val="35000"/>
                   </a:schemeClr>
                 </a:solidFill>
-                <a:latin typeface="微软雅黑" pitchFamily="34" charset="-122"/>
-                <a:ea typeface="微软雅黑" pitchFamily="34" charset="-122"/>
+                <a:latin typeface="微软雅黑" panose="020B0503020204020204" pitchFamily="34" charset="-122"/>
+                <a:ea typeface="微软雅黑" panose="020B0503020204020204" pitchFamily="34" charset="-122"/>
               </a:rPr>
               <a:t>陈志广</a:t>
             </a:r>
+            <a:endParaRPr lang="zh-CN" altLang="en-US" sz="2800" b="1" dirty="0">
+              <a:solidFill>
+                <a:schemeClr val="tx1">
+                  <a:lumMod val="65000"/>
+                  <a:lumOff val="35000"/>
+                </a:schemeClr>
+              </a:solidFill>
+              <a:latin typeface="微软雅黑" panose="020B0503020204020204" pitchFamily="34" charset="-122"/>
+              <a:ea typeface="微软雅黑" panose="020B0503020204020204" pitchFamily="34" charset="-122"/>
+            </a:endParaRPr>
           </a:p>
         </p:txBody>
       </p:sp>
@@ -8888,25 +8003,6 @@
           <a:ln>
             <a:noFill/>
           </a:ln>
-          <a:extLst>
-            <a:ext uri="{909E8E84-426E-40dd-AFC4-6F175D3DCCD1}">
-              <a14:hiddenFill xmlns:a14="http://schemas.microsoft.com/office/drawing/2010/main" xmlns="">
-                <a:solidFill>
-                  <a:srgbClr val="FFFFFF"/>
-                </a:solidFill>
-              </a14:hiddenFill>
-            </a:ext>
-            <a:ext uri="{91240B29-F687-4f45-9708-019B960494DF}">
-              <a14:hiddenLine xmlns:a14="http://schemas.microsoft.com/office/drawing/2010/main" xmlns="" w="9525">
-                <a:solidFill>
-                  <a:srgbClr val="000000"/>
-                </a:solidFill>
-                <a:miter lim="800000"/>
-                <a:headEnd/>
-                <a:tailEnd/>
-              </a14:hiddenLine>
-            </a:ext>
-          </a:extLst>
         </p:spPr>
         <p:txBody>
           <a:bodyPr lIns="91436" tIns="45718" rIns="91436" bIns="45718" anchor="ctr">
@@ -8918,8 +8014,8 @@
                 <a:solidFill>
                   <a:schemeClr val="tx1"/>
                 </a:solidFill>
-                <a:latin typeface="Calibri" pitchFamily="34" charset="0"/>
-                <a:ea typeface="宋体" charset="-122"/>
+                <a:latin typeface="Calibri" panose="020F0502020204030204" pitchFamily="34" charset="0"/>
+                <a:ea typeface="宋体" panose="02010600030101010101" pitchFamily="2" charset="-122"/>
               </a:defRPr>
             </a:lvl1pPr>
             <a:lvl2pPr marL="742950" indent="-285750" eaLnBrk="0" hangingPunct="0">
@@ -8927,8 +8023,8 @@
                 <a:solidFill>
                   <a:schemeClr val="tx1"/>
                 </a:solidFill>
-                <a:latin typeface="Calibri" pitchFamily="34" charset="0"/>
-                <a:ea typeface="宋体" charset="-122"/>
+                <a:latin typeface="Calibri" panose="020F0502020204030204" pitchFamily="34" charset="0"/>
+                <a:ea typeface="宋体" panose="02010600030101010101" pitchFamily="2" charset="-122"/>
               </a:defRPr>
             </a:lvl2pPr>
             <a:lvl3pPr marL="1143000" indent="-228600" eaLnBrk="0" hangingPunct="0">
@@ -8936,8 +8032,8 @@
                 <a:solidFill>
                   <a:schemeClr val="tx1"/>
                 </a:solidFill>
-                <a:latin typeface="Calibri" pitchFamily="34" charset="0"/>
-                <a:ea typeface="宋体" charset="-122"/>
+                <a:latin typeface="Calibri" panose="020F0502020204030204" pitchFamily="34" charset="0"/>
+                <a:ea typeface="宋体" panose="02010600030101010101" pitchFamily="2" charset="-122"/>
               </a:defRPr>
             </a:lvl3pPr>
             <a:lvl4pPr marL="1600200" indent="-228600" eaLnBrk="0" hangingPunct="0">
@@ -8945,8 +8041,8 @@
                 <a:solidFill>
                   <a:schemeClr val="tx1"/>
                 </a:solidFill>
-                <a:latin typeface="Calibri" pitchFamily="34" charset="0"/>
-                <a:ea typeface="宋体" charset="-122"/>
+                <a:latin typeface="Calibri" panose="020F0502020204030204" pitchFamily="34" charset="0"/>
+                <a:ea typeface="宋体" panose="02010600030101010101" pitchFamily="2" charset="-122"/>
               </a:defRPr>
             </a:lvl4pPr>
             <a:lvl5pPr marL="2057400" indent="-228600" eaLnBrk="0" hangingPunct="0">
@@ -8954,8 +8050,8 @@
                 <a:solidFill>
                   <a:schemeClr val="tx1"/>
                 </a:solidFill>
-                <a:latin typeface="Calibri" pitchFamily="34" charset="0"/>
-                <a:ea typeface="宋体" charset="-122"/>
+                <a:latin typeface="Calibri" panose="020F0502020204030204" pitchFamily="34" charset="0"/>
+                <a:ea typeface="宋体" panose="02010600030101010101" pitchFamily="2" charset="-122"/>
               </a:defRPr>
             </a:lvl5pPr>
             <a:lvl6pPr marL="2514600" indent="-228600" eaLnBrk="0" fontAlgn="base" hangingPunct="0">
@@ -8969,8 +8065,8 @@
                 <a:solidFill>
                   <a:schemeClr val="tx1"/>
                 </a:solidFill>
-                <a:latin typeface="Calibri" pitchFamily="34" charset="0"/>
-                <a:ea typeface="宋体" charset="-122"/>
+                <a:latin typeface="Calibri" panose="020F0502020204030204" pitchFamily="34" charset="0"/>
+                <a:ea typeface="宋体" panose="02010600030101010101" pitchFamily="2" charset="-122"/>
               </a:defRPr>
             </a:lvl6pPr>
             <a:lvl7pPr marL="2971800" indent="-228600" eaLnBrk="0" fontAlgn="base" hangingPunct="0">
@@ -8984,8 +8080,8 @@
                 <a:solidFill>
                   <a:schemeClr val="tx1"/>
                 </a:solidFill>
-                <a:latin typeface="Calibri" pitchFamily="34" charset="0"/>
-                <a:ea typeface="宋体" charset="-122"/>
+                <a:latin typeface="Calibri" panose="020F0502020204030204" pitchFamily="34" charset="0"/>
+                <a:ea typeface="宋体" panose="02010600030101010101" pitchFamily="2" charset="-122"/>
               </a:defRPr>
             </a:lvl7pPr>
             <a:lvl8pPr marL="3429000" indent="-228600" eaLnBrk="0" fontAlgn="base" hangingPunct="0">
@@ -8999,8 +8095,8 @@
                 <a:solidFill>
                   <a:schemeClr val="tx1"/>
                 </a:solidFill>
-                <a:latin typeface="Calibri" pitchFamily="34" charset="0"/>
-                <a:ea typeface="宋体" charset="-122"/>
+                <a:latin typeface="Calibri" panose="020F0502020204030204" pitchFamily="34" charset="0"/>
+                <a:ea typeface="宋体" panose="02010600030101010101" pitchFamily="2" charset="-122"/>
               </a:defRPr>
             </a:lvl8pPr>
             <a:lvl9pPr marL="3886200" indent="-228600" eaLnBrk="0" fontAlgn="base" hangingPunct="0">
@@ -9014,8 +8110,8 @@
                 <a:solidFill>
                   <a:schemeClr val="tx1"/>
                 </a:solidFill>
-                <a:latin typeface="Calibri" pitchFamily="34" charset="0"/>
-                <a:ea typeface="宋体" charset="-122"/>
+                <a:latin typeface="Calibri" panose="020F0502020204030204" pitchFamily="34" charset="0"/>
+                <a:ea typeface="宋体" panose="02010600030101010101" pitchFamily="2" charset="-122"/>
               </a:defRPr>
             </a:lvl9pPr>
           </a:lstStyle>
@@ -9030,8 +8126,8 @@
                     <a:lumMod val="50000"/>
                   </a:schemeClr>
                 </a:solidFill>
-                <a:latin typeface="微软雅黑" pitchFamily="34" charset="-122"/>
-                <a:ea typeface="微软雅黑" pitchFamily="34" charset="-122"/>
+                <a:latin typeface="微软雅黑" panose="020B0503020204020204" pitchFamily="34" charset="-122"/>
+                <a:ea typeface="微软雅黑" panose="020B0503020204020204" pitchFamily="34" charset="-122"/>
                 <a:cs typeface="Arial Unicode MS" pitchFamily="34" charset="-122"/>
               </a:rPr>
               <a:t>www.nscc-gz.cn</a:t>
@@ -9042,8 +8138,8 @@
                   <a:lumMod val="50000"/>
                 </a:schemeClr>
               </a:solidFill>
-              <a:latin typeface="微软雅黑" pitchFamily="34" charset="-122"/>
-              <a:ea typeface="微软雅黑" pitchFamily="34" charset="-122"/>
+              <a:latin typeface="微软雅黑" panose="020B0503020204020204" pitchFamily="34" charset="-122"/>
+              <a:ea typeface="微软雅黑" panose="020B0503020204020204" pitchFamily="34" charset="-122"/>
             </a:endParaRPr>
           </a:p>
         </p:txBody>
@@ -9057,7 +8153,7 @@
           <p:nvPr/>
         </p:nvPicPr>
         <p:blipFill>
-          <a:blip r:embed="rId3">
+          <a:blip r:embed="rId2">
             <a:extLst>
               <a:ext uri="{28A0092B-C50C-407E-A947-70E740481C1C}">
                 <a14:useLocalDpi xmlns:a14="http://schemas.microsoft.com/office/drawing/2010/main" val="0"/>
@@ -9081,25 +8177,6 @@
           <a:ln>
             <a:noFill/>
           </a:ln>
-          <a:extLst>
-            <a:ext uri="{909E8E84-426E-40dd-AFC4-6F175D3DCCD1}">
-              <a14:hiddenFill xmlns:a14="http://schemas.microsoft.com/office/drawing/2010/main" xmlns="">
-                <a:solidFill>
-                  <a:srgbClr val="FFFFFF"/>
-                </a:solidFill>
-              </a14:hiddenFill>
-            </a:ext>
-            <a:ext uri="{91240B29-F687-4f45-9708-019B960494DF}">
-              <a14:hiddenLine xmlns:a14="http://schemas.microsoft.com/office/drawing/2010/main" xmlns="" w="9525">
-                <a:solidFill>
-                  <a:srgbClr val="000000"/>
-                </a:solidFill>
-                <a:miter lim="800000"/>
-                <a:headEnd/>
-                <a:tailEnd/>
-              </a14:hiddenLine>
-            </a:ext>
-          </a:extLst>
         </p:spPr>
       </p:pic>
       <p:pic>
@@ -9111,7 +8188,7 @@
           <p:nvPr/>
         </p:nvPicPr>
         <p:blipFill>
-          <a:blip r:embed="rId4">
+          <a:blip r:embed="rId3">
             <a:extLst>
               <a:ext uri="{28A0092B-C50C-407E-A947-70E740481C1C}">
                 <a14:useLocalDpi xmlns:a14="http://schemas.microsoft.com/office/drawing/2010/main" val="0"/>
@@ -9135,25 +8212,6 @@
           <a:ln>
             <a:noFill/>
           </a:ln>
-          <a:extLst>
-            <a:ext uri="{909E8E84-426E-40dd-AFC4-6F175D3DCCD1}">
-              <a14:hiddenFill xmlns:a14="http://schemas.microsoft.com/office/drawing/2010/main" xmlns="">
-                <a:solidFill>
-                  <a:srgbClr val="FFFFFF"/>
-                </a:solidFill>
-              </a14:hiddenFill>
-            </a:ext>
-            <a:ext uri="{91240B29-F687-4f45-9708-019B960494DF}">
-              <a14:hiddenLine xmlns:a14="http://schemas.microsoft.com/office/drawing/2010/main" xmlns="" w="9525">
-                <a:solidFill>
-                  <a:srgbClr val="000000"/>
-                </a:solidFill>
-                <a:miter lim="800000"/>
-                <a:headEnd/>
-                <a:tailEnd/>
-              </a14:hiddenLine>
-            </a:ext>
-          </a:extLst>
         </p:spPr>
       </p:pic>
       <p:sp>
@@ -9195,6 +8253,15 @@
               </a:rPr>
               <a:t>13316052680</a:t>
             </a:r>
+            <a:endParaRPr lang="en-US" altLang="zh-CN" sz="2000" dirty="0">
+              <a:solidFill>
+                <a:schemeClr val="accent1">
+                  <a:lumMod val="75000"/>
+                </a:schemeClr>
+              </a:solidFill>
+              <a:latin typeface="微软雅黑" panose="020B0503020204020204" pitchFamily="34" charset="-122"/>
+              <a:ea typeface="微软雅黑" panose="020B0503020204020204" pitchFamily="34" charset="-122"/>
+            </a:endParaRPr>
           </a:p>
           <a:p>
             <a:pPr algn="ctr">
@@ -9226,6 +8293,15 @@
               </a:rPr>
               <a:t>410</a:t>
             </a:r>
+            <a:endParaRPr lang="en-US" altLang="zh-CN" sz="2000" dirty="0">
+              <a:solidFill>
+                <a:schemeClr val="accent1">
+                  <a:lumMod val="75000"/>
+                </a:schemeClr>
+              </a:solidFill>
+              <a:latin typeface="微软雅黑" panose="020B0503020204020204" pitchFamily="34" charset="-122"/>
+              <a:ea typeface="微软雅黑" panose="020B0503020204020204" pitchFamily="34" charset="-122"/>
+            </a:endParaRPr>
           </a:p>
           <a:p>
             <a:pPr algn="ctr">
@@ -9242,7 +8318,7 @@
                 </a:solidFill>
                 <a:latin typeface="微软雅黑" panose="020B0503020204020204" pitchFamily="34" charset="-122"/>
                 <a:ea typeface="微软雅黑" panose="020B0503020204020204" pitchFamily="34" charset="-122"/>
-                <a:hlinkClick r:id="rId5"/>
+                <a:hlinkClick r:id="rId4"/>
               </a:rPr>
               <a:t>Zhiguang.chen@nscc-gz.cn</a:t>
             </a:r>
@@ -9303,25 +8379,6 @@
           <a:ln>
             <a:noFill/>
           </a:ln>
-          <a:extLst>
-            <a:ext uri="{909E8E84-426E-40dd-AFC4-6F175D3DCCD1}">
-              <a14:hiddenFill xmlns:a14="http://schemas.microsoft.com/office/drawing/2010/main" xmlns="">
-                <a:solidFill>
-                  <a:srgbClr val="FFFFFF"/>
-                </a:solidFill>
-              </a14:hiddenFill>
-            </a:ext>
-            <a:ext uri="{91240B29-F687-4f45-9708-019B960494DF}">
-              <a14:hiddenLine xmlns:a14="http://schemas.microsoft.com/office/drawing/2010/main" xmlns="" w="9525">
-                <a:solidFill>
-                  <a:srgbClr val="000000"/>
-                </a:solidFill>
-                <a:miter lim="800000"/>
-                <a:headEnd/>
-                <a:tailEnd/>
-              </a14:hiddenLine>
-            </a:ext>
-          </a:extLst>
         </p:spPr>
         <p:txBody>
           <a:bodyPr wrap="square" lIns="91436" tIns="45718" rIns="91436" bIns="45718">
@@ -9495,6 +8552,13 @@
               </a:rPr>
               <a:t>协议与事务提交</a:t>
             </a:r>
+            <a:endParaRPr lang="zh-CN" altLang="en-US" b="1" dirty="0">
+              <a:solidFill>
+                <a:srgbClr val="002060"/>
+              </a:solidFill>
+              <a:latin typeface="微软雅黑" panose="020B0503020204020204" pitchFamily="34" charset="-122"/>
+              <a:ea typeface="微软雅黑" panose="020B0503020204020204" pitchFamily="34" charset="-122"/>
+            </a:endParaRPr>
           </a:p>
         </p:txBody>
       </p:sp>
@@ -9514,25 +8578,6 @@
             <a:ext cx="2133600" cy="365125"/>
           </a:xfrm>
           <a:noFill/>
-          <a:extLst>
-            <a:ext uri="{909E8E84-426E-40dd-AFC4-6F175D3DCCD1}">
-              <a14:hiddenFill xmlns:a14="http://schemas.microsoft.com/office/drawing/2010/main" xmlns="">
-                <a:solidFill>
-                  <a:srgbClr val="FFFFFF"/>
-                </a:solidFill>
-              </a14:hiddenFill>
-            </a:ext>
-            <a:ext uri="{91240B29-F687-4f45-9708-019B960494DF}">
-              <a14:hiddenLine xmlns:a14="http://schemas.microsoft.com/office/drawing/2010/main" xmlns="" w="9525">
-                <a:solidFill>
-                  <a:srgbClr val="000000"/>
-                </a:solidFill>
-                <a:miter lim="800000"/>
-                <a:headEnd/>
-                <a:tailEnd/>
-              </a14:hiddenLine>
-            </a:ext>
-          </a:extLst>
         </p:spPr>
         <p:txBody>
           <a:bodyPr/>
@@ -9551,7 +8596,7 @@
                 <a:ea typeface="宋体" panose="02010600030101010101" pitchFamily="2" charset="-122"/>
               </a:defRPr>
             </a:lvl1pPr>
-            <a:lvl2pPr marL="742920" indent="-285738">
+            <a:lvl2pPr marL="742950" indent="-285750">
               <a:spcBef>
                 <a:spcPct val="20000"/>
               </a:spcBef>
@@ -9565,7 +8610,7 @@
                 <a:ea typeface="宋体" panose="02010600030101010101" pitchFamily="2" charset="-122"/>
               </a:defRPr>
             </a:lvl2pPr>
-            <a:lvl3pPr marL="1142953" indent="-228591">
+            <a:lvl3pPr marL="1143000" indent="-228600">
               <a:spcBef>
                 <a:spcPct val="20000"/>
               </a:spcBef>
@@ -9579,7 +8624,7 @@
                 <a:ea typeface="宋体" panose="02010600030101010101" pitchFamily="2" charset="-122"/>
               </a:defRPr>
             </a:lvl3pPr>
-            <a:lvl4pPr marL="1600135" indent="-228591">
+            <a:lvl4pPr marL="1600200" indent="-228600">
               <a:spcBef>
                 <a:spcPct val="20000"/>
               </a:spcBef>
@@ -9593,7 +8638,7 @@
                 <a:ea typeface="宋体" panose="02010600030101010101" pitchFamily="2" charset="-122"/>
               </a:defRPr>
             </a:lvl4pPr>
-            <a:lvl5pPr marL="2057315" indent="-228591">
+            <a:lvl5pPr marL="2057400" indent="-228600">
               <a:spcBef>
                 <a:spcPct val="20000"/>
               </a:spcBef>
@@ -9607,7 +8652,7 @@
                 <a:ea typeface="宋体" panose="02010600030101010101" pitchFamily="2" charset="-122"/>
               </a:defRPr>
             </a:lvl5pPr>
-            <a:lvl6pPr marL="2514497" indent="-228591" eaLnBrk="0" fontAlgn="base" hangingPunct="0">
+            <a:lvl6pPr marL="2514600" indent="-228600" eaLnBrk="0" fontAlgn="base" hangingPunct="0">
               <a:spcBef>
                 <a:spcPct val="20000"/>
               </a:spcBef>
@@ -9624,7 +8669,7 @@
                 <a:ea typeface="宋体" panose="02010600030101010101" pitchFamily="2" charset="-122"/>
               </a:defRPr>
             </a:lvl6pPr>
-            <a:lvl7pPr marL="2971678" indent="-228591" eaLnBrk="0" fontAlgn="base" hangingPunct="0">
+            <a:lvl7pPr marL="2971800" indent="-228600" eaLnBrk="0" fontAlgn="base" hangingPunct="0">
               <a:spcBef>
                 <a:spcPct val="20000"/>
               </a:spcBef>
@@ -9641,7 +8686,7 @@
                 <a:ea typeface="宋体" panose="02010600030101010101" pitchFamily="2" charset="-122"/>
               </a:defRPr>
             </a:lvl7pPr>
-            <a:lvl8pPr marL="3428859" indent="-228591" eaLnBrk="0" fontAlgn="base" hangingPunct="0">
+            <a:lvl8pPr marL="3429000" indent="-228600" eaLnBrk="0" fontAlgn="base" hangingPunct="0">
               <a:spcBef>
                 <a:spcPct val="20000"/>
               </a:spcBef>
@@ -9658,7 +8703,7 @@
                 <a:ea typeface="宋体" panose="02010600030101010101" pitchFamily="2" charset="-122"/>
               </a:defRPr>
             </a:lvl8pPr>
-            <a:lvl9pPr marL="3886041" indent="-228591" eaLnBrk="0" fontAlgn="base" hangingPunct="0">
+            <a:lvl9pPr marL="3886200" indent="-228600" eaLnBrk="0" fontAlgn="base" hangingPunct="0">
               <a:spcBef>
                 <a:spcPct val="20000"/>
               </a:spcBef>
@@ -9690,14 +8735,6 @@
                   <a:srgbClr val="898989"/>
                 </a:solidFill>
               </a:rPr>
-              <a:pPr>
-                <a:spcBef>
-                  <a:spcPct val="0"/>
-                </a:spcBef>
-                <a:buFontTx/>
-                <a:buNone/>
-              </a:pPr>
-              <a:t>10</a:t>
             </a:fld>
             <a:endParaRPr lang="zh-CN" altLang="en-US" sz="1200" dirty="0">
               <a:solidFill>
@@ -9716,7 +8753,7 @@
           <p:nvPr/>
         </p:nvPicPr>
         <p:blipFill>
-          <a:blip r:embed="rId3" cstate="print">
+          <a:blip r:embed="rId1" cstate="print">
             <a:extLst>
               <a:ext uri="{28A0092B-C50C-407E-A947-70E740481C1C}">
                 <a14:useLocalDpi xmlns:a14="http://schemas.microsoft.com/office/drawing/2010/main" val="0"/>
@@ -9740,39 +8777,12 @@
           <a:ln>
             <a:noFill/>
           </a:ln>
-          <a:extLst>
-            <a:ext uri="{909E8E84-426E-40dd-AFC4-6F175D3DCCD1}">
-              <a14:hiddenFill xmlns:a14="http://schemas.microsoft.com/office/drawing/2010/main" xmlns="">
-                <a:solidFill>
-                  <a:srgbClr val="FFFFFF"/>
-                </a:solidFill>
-              </a14:hiddenFill>
-            </a:ext>
-            <a:ext uri="{91240B29-F687-4f45-9708-019B960494DF}">
-              <a14:hiddenLine xmlns:a14="http://schemas.microsoft.com/office/drawing/2010/main" xmlns="" w="9525">
-                <a:solidFill>
-                  <a:srgbClr val="000000"/>
-                </a:solidFill>
-                <a:miter lim="800000"/>
-                <a:headEnd/>
-                <a:tailEnd/>
-              </a14:hiddenLine>
-            </a:ext>
-          </a:extLst>
         </p:spPr>
       </p:pic>
       <p:sp>
         <p:nvSpPr>
-          <p:cNvPr id="22" name="Subtitle 2">
-            <a:extLst>
-              <a:ext uri="{FF2B5EF4-FFF2-40B4-BE49-F238E27FC236}">
-                <a16:creationId xmlns:a16="http://schemas.microsoft.com/office/drawing/2014/main" id="{56C0887D-8E51-4FA7-808C-D6F73FC5F593}"/>
-              </a:ext>
-            </a:extLst>
-          </p:cNvPr>
-          <p:cNvSpPr txBox="1">
-            <a:spLocks/>
-          </p:cNvSpPr>
+          <p:cNvPr id="22" name="Subtitle 2"/>
+          <p:cNvSpPr txBox="1"/>
           <p:nvPr/>
         </p:nvSpPr>
         <p:spPr bwMode="auto">
@@ -9808,11 +8818,7 @@
           </a:extLst>
         </p:spPr>
         <p:txBody>
-          <a:bodyPr vert="horz" wrap="square" lIns="91440" tIns="45720" rIns="91440" bIns="45720" numCol="1" anchor="t" anchorCtr="0" compatLnSpc="1">
-            <a:prstTxWarp prst="textNoShape">
-              <a:avLst/>
-            </a:prstTxWarp>
-          </a:bodyPr>
+          <a:bodyPr vert="horz" wrap="square" lIns="91440" tIns="45720" rIns="91440" bIns="45720" numCol="1" anchor="t" anchorCtr="0" compatLnSpc="1"/>
           <a:lstStyle>
             <a:lvl1pPr marL="342900" indent="-342900" algn="l" rtl="0" eaLnBrk="0" fontAlgn="base" hangingPunct="0">
               <a:spcBef>
@@ -9931,7 +8937,7 @@
                 <a:schemeClr val="tx2"/>
               </a:buClr>
               <a:buSzPct val="70000"/>
-              <a:buFont typeface="Wingdings" pitchFamily="2" charset="2"/>
+              <a:buFont typeface="Wingdings" panose="05000000000000000000" pitchFamily="2" charset="2"/>
               <a:buChar char="¡"/>
               <a:defRPr sz="1600">
                 <a:solidFill>
@@ -9952,7 +8958,7 @@
                 <a:schemeClr val="tx2"/>
               </a:buClr>
               <a:buSzPct val="70000"/>
-              <a:buFont typeface="Wingdings" pitchFamily="2" charset="2"/>
+              <a:buFont typeface="Wingdings" panose="05000000000000000000" pitchFamily="2" charset="2"/>
               <a:buChar char="¡"/>
               <a:defRPr sz="1600">
                 <a:solidFill>
@@ -9973,7 +8979,7 @@
                 <a:schemeClr val="tx2"/>
               </a:buClr>
               <a:buSzPct val="70000"/>
-              <a:buFont typeface="Wingdings" pitchFamily="2" charset="2"/>
+              <a:buFont typeface="Wingdings" panose="05000000000000000000" pitchFamily="2" charset="2"/>
               <a:buChar char="¡"/>
               <a:defRPr sz="1600">
                 <a:solidFill>
@@ -9994,7 +9000,7 @@
                 <a:schemeClr val="tx2"/>
               </a:buClr>
               <a:buSzPct val="70000"/>
-              <a:buFont typeface="Wingdings" pitchFamily="2" charset="2"/>
+              <a:buFont typeface="Wingdings" panose="05000000000000000000" pitchFamily="2" charset="2"/>
               <a:buChar char="¡"/>
               <a:defRPr sz="1600">
                 <a:solidFill>
@@ -10022,7 +9028,6 @@
               <a:buSzPct val="70000"/>
               <a:buFont typeface="Wingdings" panose="05000000000000000000" pitchFamily="2" charset="2"/>
               <a:buChar char="n"/>
-              <a:tabLst/>
               <a:defRPr/>
             </a:pPr>
             <a:r>
@@ -10030,8 +9035,8 @@
                 <a:solidFill>
                   <a:srgbClr val="003366"/>
                 </a:solidFill>
-                <a:latin typeface="Arial"/>
-                <a:ea typeface="宋体"/>
+                <a:latin typeface="Arial" panose="020B0604020202020204"/>
+                <a:ea typeface="宋体" panose="02010600030101010101" pitchFamily="2" charset="-122"/>
               </a:rPr>
               <a:t>主要内容</a:t>
             </a:r>
@@ -10045,8 +9050,8 @@
               <a:effectLst/>
               <a:uLnTx/>
               <a:uFillTx/>
-              <a:latin typeface="Arial"/>
-              <a:ea typeface="宋体"/>
+              <a:latin typeface="Arial" panose="020B0604020202020204"/>
+              <a:ea typeface="宋体" panose="02010600030101010101" pitchFamily="2" charset="-122"/>
               <a:cs typeface="+mn-cs"/>
             </a:endParaRPr>
           </a:p>
@@ -10147,11 +9152,6 @@
         </p:txBody>
       </p:sp>
     </p:spTree>
-    <p:extLst>
-      <p:ext uri="{BB962C8B-B14F-4D97-AF65-F5344CB8AC3E}">
-        <p14:creationId xmlns:p14="http://schemas.microsoft.com/office/powerpoint/2010/main" val="2013588342"/>
-      </p:ext>
-    </p:extLst>
   </p:cSld>
   <p:clrMapOvr>
     <a:masterClrMapping/>
@@ -10196,25 +9196,6 @@
           <a:ln>
             <a:noFill/>
           </a:ln>
-          <a:extLst>
-            <a:ext uri="{909E8E84-426E-40dd-AFC4-6F175D3DCCD1}">
-              <a14:hiddenFill xmlns:a14="http://schemas.microsoft.com/office/drawing/2010/main" xmlns="">
-                <a:solidFill>
-                  <a:srgbClr val="FFFFFF"/>
-                </a:solidFill>
-              </a14:hiddenFill>
-            </a:ext>
-            <a:ext uri="{91240B29-F687-4f45-9708-019B960494DF}">
-              <a14:hiddenLine xmlns:a14="http://schemas.microsoft.com/office/drawing/2010/main" xmlns="" w="9525">
-                <a:solidFill>
-                  <a:srgbClr val="000000"/>
-                </a:solidFill>
-                <a:miter lim="800000"/>
-                <a:headEnd/>
-                <a:tailEnd/>
-              </a14:hiddenLine>
-            </a:ext>
-          </a:extLst>
         </p:spPr>
         <p:txBody>
           <a:bodyPr wrap="square" lIns="91436" tIns="45718" rIns="91436" bIns="45718">
@@ -10378,6 +9359,13 @@
               </a:rPr>
               <a:t>数据一致性理论</a:t>
             </a:r>
+            <a:endParaRPr lang="zh-CN" altLang="en-US" b="1" dirty="0">
+              <a:solidFill>
+                <a:srgbClr val="002060"/>
+              </a:solidFill>
+              <a:latin typeface="微软雅黑" panose="020B0503020204020204" pitchFamily="34" charset="-122"/>
+              <a:ea typeface="微软雅黑" panose="020B0503020204020204" pitchFamily="34" charset="-122"/>
+            </a:endParaRPr>
           </a:p>
         </p:txBody>
       </p:sp>
@@ -10397,25 +9385,6 @@
             <a:ext cx="2133600" cy="365125"/>
           </a:xfrm>
           <a:noFill/>
-          <a:extLst>
-            <a:ext uri="{909E8E84-426E-40dd-AFC4-6F175D3DCCD1}">
-              <a14:hiddenFill xmlns:a14="http://schemas.microsoft.com/office/drawing/2010/main" xmlns="">
-                <a:solidFill>
-                  <a:srgbClr val="FFFFFF"/>
-                </a:solidFill>
-              </a14:hiddenFill>
-            </a:ext>
-            <a:ext uri="{91240B29-F687-4f45-9708-019B960494DF}">
-              <a14:hiddenLine xmlns:a14="http://schemas.microsoft.com/office/drawing/2010/main" xmlns="" w="9525">
-                <a:solidFill>
-                  <a:srgbClr val="000000"/>
-                </a:solidFill>
-                <a:miter lim="800000"/>
-                <a:headEnd/>
-                <a:tailEnd/>
-              </a14:hiddenLine>
-            </a:ext>
-          </a:extLst>
         </p:spPr>
         <p:txBody>
           <a:bodyPr/>
@@ -10434,7 +9403,7 @@
                 <a:ea typeface="宋体" panose="02010600030101010101" pitchFamily="2" charset="-122"/>
               </a:defRPr>
             </a:lvl1pPr>
-            <a:lvl2pPr marL="742920" indent="-285738">
+            <a:lvl2pPr marL="742950" indent="-285750">
               <a:spcBef>
                 <a:spcPct val="20000"/>
               </a:spcBef>
@@ -10448,7 +9417,7 @@
                 <a:ea typeface="宋体" panose="02010600030101010101" pitchFamily="2" charset="-122"/>
               </a:defRPr>
             </a:lvl2pPr>
-            <a:lvl3pPr marL="1142953" indent="-228591">
+            <a:lvl3pPr marL="1143000" indent="-228600">
               <a:spcBef>
                 <a:spcPct val="20000"/>
               </a:spcBef>
@@ -10462,7 +9431,7 @@
                 <a:ea typeface="宋体" panose="02010600030101010101" pitchFamily="2" charset="-122"/>
               </a:defRPr>
             </a:lvl3pPr>
-            <a:lvl4pPr marL="1600135" indent="-228591">
+            <a:lvl4pPr marL="1600200" indent="-228600">
               <a:spcBef>
                 <a:spcPct val="20000"/>
               </a:spcBef>
@@ -10476,7 +9445,7 @@
                 <a:ea typeface="宋体" panose="02010600030101010101" pitchFamily="2" charset="-122"/>
               </a:defRPr>
             </a:lvl4pPr>
-            <a:lvl5pPr marL="2057315" indent="-228591">
+            <a:lvl5pPr marL="2057400" indent="-228600">
               <a:spcBef>
                 <a:spcPct val="20000"/>
               </a:spcBef>
@@ -10490,7 +9459,7 @@
                 <a:ea typeface="宋体" panose="02010600030101010101" pitchFamily="2" charset="-122"/>
               </a:defRPr>
             </a:lvl5pPr>
-            <a:lvl6pPr marL="2514497" indent="-228591" eaLnBrk="0" fontAlgn="base" hangingPunct="0">
+            <a:lvl6pPr marL="2514600" indent="-228600" eaLnBrk="0" fontAlgn="base" hangingPunct="0">
               <a:spcBef>
                 <a:spcPct val="20000"/>
               </a:spcBef>
@@ -10507,7 +9476,7 @@
                 <a:ea typeface="宋体" panose="02010600030101010101" pitchFamily="2" charset="-122"/>
               </a:defRPr>
             </a:lvl6pPr>
-            <a:lvl7pPr marL="2971678" indent="-228591" eaLnBrk="0" fontAlgn="base" hangingPunct="0">
+            <a:lvl7pPr marL="2971800" indent="-228600" eaLnBrk="0" fontAlgn="base" hangingPunct="0">
               <a:spcBef>
                 <a:spcPct val="20000"/>
               </a:spcBef>
@@ -10524,7 +9493,7 @@
                 <a:ea typeface="宋体" panose="02010600030101010101" pitchFamily="2" charset="-122"/>
               </a:defRPr>
             </a:lvl7pPr>
-            <a:lvl8pPr marL="3428859" indent="-228591" eaLnBrk="0" fontAlgn="base" hangingPunct="0">
+            <a:lvl8pPr marL="3429000" indent="-228600" eaLnBrk="0" fontAlgn="base" hangingPunct="0">
               <a:spcBef>
                 <a:spcPct val="20000"/>
               </a:spcBef>
@@ -10541,7 +9510,7 @@
                 <a:ea typeface="宋体" panose="02010600030101010101" pitchFamily="2" charset="-122"/>
               </a:defRPr>
             </a:lvl8pPr>
-            <a:lvl9pPr marL="3886041" indent="-228591" eaLnBrk="0" fontAlgn="base" hangingPunct="0">
+            <a:lvl9pPr marL="3886200" indent="-228600" eaLnBrk="0" fontAlgn="base" hangingPunct="0">
               <a:spcBef>
                 <a:spcPct val="20000"/>
               </a:spcBef>
@@ -10573,14 +9542,6 @@
                   <a:srgbClr val="898989"/>
                 </a:solidFill>
               </a:rPr>
-              <a:pPr>
-                <a:spcBef>
-                  <a:spcPct val="0"/>
-                </a:spcBef>
-                <a:buFontTx/>
-                <a:buNone/>
-              </a:pPr>
-              <a:t>11</a:t>
             </a:fld>
             <a:endParaRPr lang="zh-CN" altLang="en-US" sz="1200" dirty="0">
               <a:solidFill>
@@ -10599,7 +9560,7 @@
           <p:nvPr/>
         </p:nvPicPr>
         <p:blipFill>
-          <a:blip r:embed="rId4" cstate="print">
+          <a:blip r:embed="rId1" cstate="print">
             <a:extLst>
               <a:ext uri="{28A0092B-C50C-407E-A947-70E740481C1C}">
                 <a14:useLocalDpi xmlns:a14="http://schemas.microsoft.com/office/drawing/2010/main" val="0"/>
@@ -10623,25 +9584,6 @@
           <a:ln>
             <a:noFill/>
           </a:ln>
-          <a:extLst>
-            <a:ext uri="{909E8E84-426E-40dd-AFC4-6F175D3DCCD1}">
-              <a14:hiddenFill xmlns:a14="http://schemas.microsoft.com/office/drawing/2010/main" xmlns="">
-                <a:solidFill>
-                  <a:srgbClr val="FFFFFF"/>
-                </a:solidFill>
-              </a14:hiddenFill>
-            </a:ext>
-            <a:ext uri="{91240B29-F687-4f45-9708-019B960494DF}">
-              <a14:hiddenLine xmlns:a14="http://schemas.microsoft.com/office/drawing/2010/main" xmlns="" w="9525">
-                <a:solidFill>
-                  <a:srgbClr val="000000"/>
-                </a:solidFill>
-                <a:miter lim="800000"/>
-                <a:headEnd/>
-                <a:tailEnd/>
-              </a14:hiddenLine>
-            </a:ext>
-          </a:extLst>
         </p:spPr>
       </p:pic>
       <p:sp>
@@ -10677,8 +9619,8 @@
                 <a:solidFill>
                   <a:srgbClr val="003366"/>
                 </a:solidFill>
-                <a:latin typeface="Arial"/>
-                <a:ea typeface="宋体"/>
+                <a:latin typeface="Arial" panose="020B0604020202020204"/>
+                <a:ea typeface="宋体" panose="02010600030101010101" pitchFamily="2" charset="-122"/>
               </a:rPr>
               <a:t>CAP</a:t>
             </a:r>
@@ -10687,11 +9629,18 @@
                 <a:solidFill>
                   <a:srgbClr val="003366"/>
                 </a:solidFill>
-                <a:latin typeface="Arial"/>
-                <a:ea typeface="宋体"/>
+                <a:latin typeface="Arial" panose="020B0604020202020204"/>
+                <a:ea typeface="宋体" panose="02010600030101010101" pitchFamily="2" charset="-122"/>
               </a:rPr>
               <a:t>原则</a:t>
             </a:r>
+            <a:endParaRPr lang="zh-CN" altLang="en-US" kern="0" dirty="0">
+              <a:solidFill>
+                <a:srgbClr val="003366"/>
+              </a:solidFill>
+              <a:latin typeface="Arial" panose="020B0604020202020204"/>
+              <a:ea typeface="宋体" panose="02010600030101010101" pitchFamily="2" charset="-122"/>
+            </a:endParaRPr>
           </a:p>
           <a:p>
             <a:pPr marL="742950" lvl="1" indent="-285750" eaLnBrk="1" hangingPunct="1">
@@ -11087,9 +10036,16 @@
               </a:rPr>
               <a:t>A</a:t>
             </a:r>
-          </a:p>
-          <a:p>
-            <a:pPr marL="1657332" lvl="3" indent="-285750" eaLnBrk="1" hangingPunct="1">
+            <a:endParaRPr lang="en-US" altLang="zh-CN" sz="2000" kern="0" dirty="0">
+              <a:solidFill>
+                <a:srgbClr val="003366"/>
+              </a:solidFill>
+              <a:latin typeface="仿宋" panose="02010609060101010101" pitchFamily="49" charset="-122"/>
+              <a:ea typeface="仿宋" panose="02010609060101010101" pitchFamily="49" charset="-122"/>
+            </a:endParaRPr>
+          </a:p>
+          <a:p>
+            <a:pPr marL="1657350" lvl="3" indent="-285750" eaLnBrk="1" hangingPunct="1">
               <a:buClr>
                 <a:srgbClr val="006666"/>
               </a:buClr>
@@ -11139,13 +10095,7 @@
       </p:sp>
       <p:grpSp>
         <p:nvGrpSpPr>
-          <p:cNvPr id="7" name="组合 6">
-            <a:extLst>
-              <a:ext uri="{FF2B5EF4-FFF2-40B4-BE49-F238E27FC236}">
-                <a16:creationId xmlns:a16="http://schemas.microsoft.com/office/drawing/2014/main" id="{31E87B6F-E5A9-4841-AD96-2A57C484679B}"/>
-              </a:ext>
-            </a:extLst>
-          </p:cNvPr>
+          <p:cNvPr id="7" name="组合 6"/>
           <p:cNvGrpSpPr/>
           <p:nvPr/>
         </p:nvGrpSpPr>
@@ -11159,23 +10109,11 @@
         </p:grpSpPr>
         <p:graphicFrame>
           <p:nvGraphicFramePr>
-            <p:cNvPr id="8" name="Object 9">
-              <a:extLst>
-                <a:ext uri="{FF2B5EF4-FFF2-40B4-BE49-F238E27FC236}">
-                  <a16:creationId xmlns:a16="http://schemas.microsoft.com/office/drawing/2014/main" id="{255D4ED2-773B-4D5B-B67E-487652F82B87}"/>
-                </a:ext>
-              </a:extLst>
-            </p:cNvPr>
+            <p:cNvPr id="8" name="Object 9"/>
             <p:cNvGraphicFramePr>
               <a:graphicFrameLocks noChangeAspect="1"/>
             </p:cNvGraphicFramePr>
-            <p:nvPr>
-              <p:extLst>
-                <p:ext uri="{D42A27DB-BD31-4B8C-83A1-F6EECF244321}">
-                  <p14:modId xmlns:p14="http://schemas.microsoft.com/office/powerpoint/2010/main" val="2236586829"/>
-                </p:ext>
-              </p:extLst>
-            </p:nvPr>
+            <p:nvPr/>
           </p:nvGraphicFramePr>
           <p:xfrm>
             <a:off x="3353086" y="4539580"/>
@@ -11185,29 +10123,23 @@
             <a:graphicData uri="http://schemas.openxmlformats.org/presentationml/2006/ole">
               <mc:AlternateContent xmlns:mc="http://schemas.openxmlformats.org/markup-compatibility/2006">
                 <mc:Choice xmlns:v="urn:schemas-microsoft-com:vml" Requires="v">
-                  <p:oleObj spid="_x0000_s2108" name="Visio" r:id="rId5" imgW="2740848" imgH="2740762" progId="Visio.Drawing.11">
+                  <p:oleObj spid="_x0000_s2108" name="Visio" r:id="rId2" imgW="2752725" imgH="2752725" progId="Visio.Drawing.11">
                     <p:embed/>
                   </p:oleObj>
                 </mc:Choice>
                 <mc:Fallback>
-                  <p:oleObj name="Visio" r:id="rId5" imgW="2740848" imgH="2740762" progId="Visio.Drawing.11">
+                  <p:oleObj name="Visio" r:id="rId2" imgW="2752725" imgH="2752725" progId="Visio.Drawing.11">
                     <p:embed/>
                     <p:pic>
                       <p:nvPicPr>
-                        <p:cNvPr id="11268" name="Object 9">
-                          <a:extLst>
-                            <a:ext uri="{FF2B5EF4-FFF2-40B4-BE49-F238E27FC236}">
-                              <a16:creationId xmlns:a16="http://schemas.microsoft.com/office/drawing/2014/main" id="{84043B00-D8A4-4F73-BF4A-D5C460071E3F}"/>
-                            </a:ext>
-                          </a:extLst>
-                        </p:cNvPr>
+                        <p:cNvPr id="0" name="Object 9"/>
                         <p:cNvPicPr>
                           <a:picLocks noChangeAspect="1" noChangeArrowheads="1"/>
                         </p:cNvPicPr>
                         <p:nvPr/>
                       </p:nvPicPr>
                       <p:blipFill>
-                        <a:blip r:embed="rId6">
+                        <a:blip r:embed="rId3">
                           <a:extLst>
                             <a:ext uri="{28A0092B-C50C-407E-A947-70E740481C1C}">
                               <a14:useLocalDpi xmlns:a14="http://schemas.microsoft.com/office/drawing/2010/main" val="0"/>
@@ -11260,13 +10192,7 @@
         </p:graphicFrame>
         <p:sp>
           <p:nvSpPr>
-            <p:cNvPr id="9" name="TextBox 2">
-              <a:extLst>
-                <a:ext uri="{FF2B5EF4-FFF2-40B4-BE49-F238E27FC236}">
-                  <a16:creationId xmlns:a16="http://schemas.microsoft.com/office/drawing/2014/main" id="{71E60CD9-8651-4094-93FD-7B3829220C44}"/>
-                </a:ext>
-              </a:extLst>
-            </p:cNvPr>
+            <p:cNvPr id="9" name="TextBox 2"/>
             <p:cNvSpPr txBox="1">
               <a:spLocks noChangeArrowheads="1"/>
             </p:cNvSpPr>
@@ -11503,18 +10429,18 @@
                 </a:rPr>
                 <a:t>C</a:t>
               </a:r>
+              <a:endParaRPr lang="en-US" altLang="zh-CN" sz="3600" b="1" dirty="0">
+                <a:solidFill>
+                  <a:srgbClr val="FF0000"/>
+                </a:solidFill>
+                <a:cs typeface="Arial" panose="020B0604020202020204" pitchFamily="34" charset="0"/>
+              </a:endParaRPr>
             </a:p>
           </p:txBody>
         </p:sp>
         <p:sp>
           <p:nvSpPr>
-            <p:cNvPr id="10" name="TextBox 6">
-              <a:extLst>
-                <a:ext uri="{FF2B5EF4-FFF2-40B4-BE49-F238E27FC236}">
-                  <a16:creationId xmlns:a16="http://schemas.microsoft.com/office/drawing/2014/main" id="{8F3C3536-E4DF-4E4D-86F2-3766C14A16E3}"/>
-                </a:ext>
-              </a:extLst>
-            </p:cNvPr>
+            <p:cNvPr id="10" name="TextBox 6"/>
             <p:cNvSpPr txBox="1">
               <a:spLocks noChangeArrowheads="1"/>
             </p:cNvSpPr>
@@ -11751,18 +10677,18 @@
                 </a:rPr>
                 <a:t>A</a:t>
               </a:r>
+              <a:endParaRPr lang="en-US" altLang="zh-CN" sz="3600" b="1" dirty="0">
+                <a:solidFill>
+                  <a:srgbClr val="FF0000"/>
+                </a:solidFill>
+                <a:cs typeface="Arial" panose="020B0604020202020204" pitchFamily="34" charset="0"/>
+              </a:endParaRPr>
             </a:p>
           </p:txBody>
         </p:sp>
         <p:sp>
           <p:nvSpPr>
-            <p:cNvPr id="11" name="TextBox 7">
-              <a:extLst>
-                <a:ext uri="{FF2B5EF4-FFF2-40B4-BE49-F238E27FC236}">
-                  <a16:creationId xmlns:a16="http://schemas.microsoft.com/office/drawing/2014/main" id="{FEADC8F3-DBDD-41BF-AD1B-2C179A1BB5BF}"/>
-                </a:ext>
-              </a:extLst>
-            </p:cNvPr>
+            <p:cNvPr id="11" name="TextBox 7"/>
             <p:cNvSpPr txBox="1">
               <a:spLocks noChangeArrowheads="1"/>
             </p:cNvSpPr>
@@ -11999,16 +10925,17 @@
                 </a:rPr>
                 <a:t>P</a:t>
               </a:r>
+              <a:endParaRPr lang="en-US" altLang="zh-CN" sz="3600" b="1">
+                <a:solidFill>
+                  <a:srgbClr val="FF0000"/>
+                </a:solidFill>
+                <a:cs typeface="Arial" panose="020B0604020202020204" pitchFamily="34" charset="0"/>
+              </a:endParaRPr>
             </a:p>
           </p:txBody>
         </p:sp>
       </p:grpSp>
     </p:spTree>
-    <p:extLst>
-      <p:ext uri="{BB962C8B-B14F-4D97-AF65-F5344CB8AC3E}">
-        <p14:creationId xmlns:p14="http://schemas.microsoft.com/office/powerpoint/2010/main" val="4098697680"/>
-      </p:ext>
-    </p:extLst>
   </p:cSld>
   <p:clrMapOvr>
     <a:masterClrMapping/>
@@ -12053,25 +10980,6 @@
           <a:ln>
             <a:noFill/>
           </a:ln>
-          <a:extLst>
-            <a:ext uri="{909E8E84-426E-40dd-AFC4-6F175D3DCCD1}">
-              <a14:hiddenFill xmlns:a14="http://schemas.microsoft.com/office/drawing/2010/main" xmlns="">
-                <a:solidFill>
-                  <a:srgbClr val="FFFFFF"/>
-                </a:solidFill>
-              </a14:hiddenFill>
-            </a:ext>
-            <a:ext uri="{91240B29-F687-4f45-9708-019B960494DF}">
-              <a14:hiddenLine xmlns:a14="http://schemas.microsoft.com/office/drawing/2010/main" xmlns="" w="9525">
-                <a:solidFill>
-                  <a:srgbClr val="000000"/>
-                </a:solidFill>
-                <a:miter lim="800000"/>
-                <a:headEnd/>
-                <a:tailEnd/>
-              </a14:hiddenLine>
-            </a:ext>
-          </a:extLst>
         </p:spPr>
         <p:txBody>
           <a:bodyPr wrap="square" lIns="91436" tIns="45718" rIns="91436" bIns="45718">
@@ -12235,6 +11143,13 @@
               </a:rPr>
               <a:t>数据一致性理论</a:t>
             </a:r>
+            <a:endParaRPr lang="zh-CN" altLang="en-US" b="1" dirty="0">
+              <a:solidFill>
+                <a:srgbClr val="002060"/>
+              </a:solidFill>
+              <a:latin typeface="微软雅黑" panose="020B0503020204020204" pitchFamily="34" charset="-122"/>
+              <a:ea typeface="微软雅黑" panose="020B0503020204020204" pitchFamily="34" charset="-122"/>
+            </a:endParaRPr>
           </a:p>
         </p:txBody>
       </p:sp>
@@ -12254,25 +11169,6 @@
             <a:ext cx="2133600" cy="365125"/>
           </a:xfrm>
           <a:noFill/>
-          <a:extLst>
-            <a:ext uri="{909E8E84-426E-40dd-AFC4-6F175D3DCCD1}">
-              <a14:hiddenFill xmlns:a14="http://schemas.microsoft.com/office/drawing/2010/main" xmlns="">
-                <a:solidFill>
-                  <a:srgbClr val="FFFFFF"/>
-                </a:solidFill>
-              </a14:hiddenFill>
-            </a:ext>
-            <a:ext uri="{91240B29-F687-4f45-9708-019B960494DF}">
-              <a14:hiddenLine xmlns:a14="http://schemas.microsoft.com/office/drawing/2010/main" xmlns="" w="9525">
-                <a:solidFill>
-                  <a:srgbClr val="000000"/>
-                </a:solidFill>
-                <a:miter lim="800000"/>
-                <a:headEnd/>
-                <a:tailEnd/>
-              </a14:hiddenLine>
-            </a:ext>
-          </a:extLst>
         </p:spPr>
         <p:txBody>
           <a:bodyPr/>
@@ -12291,7 +11187,7 @@
                 <a:ea typeface="宋体" panose="02010600030101010101" pitchFamily="2" charset="-122"/>
               </a:defRPr>
             </a:lvl1pPr>
-            <a:lvl2pPr marL="742920" indent="-285738">
+            <a:lvl2pPr marL="742950" indent="-285750">
               <a:spcBef>
                 <a:spcPct val="20000"/>
               </a:spcBef>
@@ -12305,7 +11201,7 @@
                 <a:ea typeface="宋体" panose="02010600030101010101" pitchFamily="2" charset="-122"/>
               </a:defRPr>
             </a:lvl2pPr>
-            <a:lvl3pPr marL="1142953" indent="-228591">
+            <a:lvl3pPr marL="1143000" indent="-228600">
               <a:spcBef>
                 <a:spcPct val="20000"/>
               </a:spcBef>
@@ -12319,7 +11215,7 @@
                 <a:ea typeface="宋体" panose="02010600030101010101" pitchFamily="2" charset="-122"/>
               </a:defRPr>
             </a:lvl3pPr>
-            <a:lvl4pPr marL="1600135" indent="-228591">
+            <a:lvl4pPr marL="1600200" indent="-228600">
               <a:spcBef>
                 <a:spcPct val="20000"/>
               </a:spcBef>
@@ -12333,7 +11229,7 @@
                 <a:ea typeface="宋体" panose="02010600030101010101" pitchFamily="2" charset="-122"/>
               </a:defRPr>
             </a:lvl4pPr>
-            <a:lvl5pPr marL="2057315" indent="-228591">
+            <a:lvl5pPr marL="2057400" indent="-228600">
               <a:spcBef>
                 <a:spcPct val="20000"/>
               </a:spcBef>
@@ -12347,7 +11243,7 @@
                 <a:ea typeface="宋体" panose="02010600030101010101" pitchFamily="2" charset="-122"/>
               </a:defRPr>
             </a:lvl5pPr>
-            <a:lvl6pPr marL="2514497" indent="-228591" eaLnBrk="0" fontAlgn="base" hangingPunct="0">
+            <a:lvl6pPr marL="2514600" indent="-228600" eaLnBrk="0" fontAlgn="base" hangingPunct="0">
               <a:spcBef>
                 <a:spcPct val="20000"/>
               </a:spcBef>
@@ -12364,7 +11260,7 @@
                 <a:ea typeface="宋体" panose="02010600030101010101" pitchFamily="2" charset="-122"/>
               </a:defRPr>
             </a:lvl6pPr>
-            <a:lvl7pPr marL="2971678" indent="-228591" eaLnBrk="0" fontAlgn="base" hangingPunct="0">
+            <a:lvl7pPr marL="2971800" indent="-228600" eaLnBrk="0" fontAlgn="base" hangingPunct="0">
               <a:spcBef>
                 <a:spcPct val="20000"/>
               </a:spcBef>
@@ -12381,7 +11277,7 @@
                 <a:ea typeface="宋体" panose="02010600030101010101" pitchFamily="2" charset="-122"/>
               </a:defRPr>
             </a:lvl7pPr>
-            <a:lvl8pPr marL="3428859" indent="-228591" eaLnBrk="0" fontAlgn="base" hangingPunct="0">
+            <a:lvl8pPr marL="3429000" indent="-228600" eaLnBrk="0" fontAlgn="base" hangingPunct="0">
               <a:spcBef>
                 <a:spcPct val="20000"/>
               </a:spcBef>
@@ -12398,7 +11294,7 @@
                 <a:ea typeface="宋体" panose="02010600030101010101" pitchFamily="2" charset="-122"/>
               </a:defRPr>
             </a:lvl8pPr>
-            <a:lvl9pPr marL="3886041" indent="-228591" eaLnBrk="0" fontAlgn="base" hangingPunct="0">
+            <a:lvl9pPr marL="3886200" indent="-228600" eaLnBrk="0" fontAlgn="base" hangingPunct="0">
               <a:spcBef>
                 <a:spcPct val="20000"/>
               </a:spcBef>
@@ -12430,14 +11326,6 @@
                   <a:srgbClr val="898989"/>
                 </a:solidFill>
               </a:rPr>
-              <a:pPr>
-                <a:spcBef>
-                  <a:spcPct val="0"/>
-                </a:spcBef>
-                <a:buFontTx/>
-                <a:buNone/>
-              </a:pPr>
-              <a:t>12</a:t>
             </a:fld>
             <a:endParaRPr lang="zh-CN" altLang="en-US" sz="1200" dirty="0">
               <a:solidFill>
@@ -12456,7 +11344,7 @@
           <p:nvPr/>
         </p:nvPicPr>
         <p:blipFill>
-          <a:blip r:embed="rId3" cstate="print">
+          <a:blip r:embed="rId1" cstate="print">
             <a:extLst>
               <a:ext uri="{28A0092B-C50C-407E-A947-70E740481C1C}">
                 <a14:useLocalDpi xmlns:a14="http://schemas.microsoft.com/office/drawing/2010/main" val="0"/>
@@ -12480,25 +11368,6 @@
           <a:ln>
             <a:noFill/>
           </a:ln>
-          <a:extLst>
-            <a:ext uri="{909E8E84-426E-40dd-AFC4-6F175D3DCCD1}">
-              <a14:hiddenFill xmlns:a14="http://schemas.microsoft.com/office/drawing/2010/main" xmlns="">
-                <a:solidFill>
-                  <a:srgbClr val="FFFFFF"/>
-                </a:solidFill>
-              </a14:hiddenFill>
-            </a:ext>
-            <a:ext uri="{91240B29-F687-4f45-9708-019B960494DF}">
-              <a14:hiddenLine xmlns:a14="http://schemas.microsoft.com/office/drawing/2010/main" xmlns="" w="9525">
-                <a:solidFill>
-                  <a:srgbClr val="000000"/>
-                </a:solidFill>
-                <a:miter lim="800000"/>
-                <a:headEnd/>
-                <a:tailEnd/>
-              </a14:hiddenLine>
-            </a:ext>
-          </a:extLst>
         </p:spPr>
       </p:pic>
       <p:sp>
@@ -12534,11 +11403,18 @@
                 <a:solidFill>
                   <a:srgbClr val="003366"/>
                 </a:solidFill>
-                <a:latin typeface="Arial"/>
-                <a:ea typeface="宋体"/>
+                <a:latin typeface="Arial" panose="020B0604020202020204"/>
+                <a:ea typeface="宋体" panose="02010600030101010101" pitchFamily="2" charset="-122"/>
               </a:rPr>
               <a:t>强一致性</a:t>
             </a:r>
+            <a:endParaRPr lang="zh-CN" altLang="en-US" kern="0" dirty="0">
+              <a:solidFill>
+                <a:srgbClr val="003366"/>
+              </a:solidFill>
+              <a:latin typeface="Arial" panose="020B0604020202020204"/>
+              <a:ea typeface="宋体" panose="02010600030101010101" pitchFamily="2" charset="-122"/>
+            </a:endParaRPr>
           </a:p>
           <a:p>
             <a:pPr marL="742950" lvl="1" indent="-285750" eaLnBrk="1" hangingPunct="1">
@@ -12814,6 +11690,13 @@
               </a:rPr>
               <a:t>ACID</a:t>
             </a:r>
+            <a:endParaRPr lang="en-US" altLang="zh-CN" sz="2000" kern="0" dirty="0">
+              <a:solidFill>
+                <a:srgbClr val="003366"/>
+              </a:solidFill>
+              <a:latin typeface="仿宋" panose="02010609060101010101" pitchFamily="49" charset="-122"/>
+              <a:ea typeface="仿宋" panose="02010609060101010101" pitchFamily="49" charset="-122"/>
+            </a:endParaRPr>
           </a:p>
           <a:p>
             <a:pPr marL="1143000" lvl="2" indent="-228600" eaLnBrk="1" hangingPunct="1">
@@ -12844,15 +11727,17 @@
               </a:rPr>
               <a:t>ACID</a:t>
             </a:r>
+            <a:endParaRPr lang="en-US" altLang="zh-CN" sz="2000" kern="0" dirty="0">
+              <a:solidFill>
+                <a:srgbClr val="003366"/>
+              </a:solidFill>
+              <a:latin typeface="仿宋" panose="02010609060101010101" pitchFamily="49" charset="-122"/>
+              <a:ea typeface="仿宋" panose="02010609060101010101" pitchFamily="49" charset="-122"/>
+            </a:endParaRPr>
           </a:p>
         </p:txBody>
       </p:sp>
     </p:spTree>
-    <p:extLst>
-      <p:ext uri="{BB962C8B-B14F-4D97-AF65-F5344CB8AC3E}">
-        <p14:creationId xmlns:p14="http://schemas.microsoft.com/office/powerpoint/2010/main" val="4219343185"/>
-      </p:ext>
-    </p:extLst>
   </p:cSld>
   <p:clrMapOvr>
     <a:masterClrMapping/>
@@ -12897,25 +11782,6 @@
           <a:ln>
             <a:noFill/>
           </a:ln>
-          <a:extLst>
-            <a:ext uri="{909E8E84-426E-40dd-AFC4-6F175D3DCCD1}">
-              <a14:hiddenFill xmlns:a14="http://schemas.microsoft.com/office/drawing/2010/main" xmlns="">
-                <a:solidFill>
-                  <a:srgbClr val="FFFFFF"/>
-                </a:solidFill>
-              </a14:hiddenFill>
-            </a:ext>
-            <a:ext uri="{91240B29-F687-4f45-9708-019B960494DF}">
-              <a14:hiddenLine xmlns:a14="http://schemas.microsoft.com/office/drawing/2010/main" xmlns="" w="9525">
-                <a:solidFill>
-                  <a:srgbClr val="000000"/>
-                </a:solidFill>
-                <a:miter lim="800000"/>
-                <a:headEnd/>
-                <a:tailEnd/>
-              </a14:hiddenLine>
-            </a:ext>
-          </a:extLst>
         </p:spPr>
         <p:txBody>
           <a:bodyPr wrap="square" lIns="91436" tIns="45718" rIns="91436" bIns="45718">
@@ -13079,6 +11945,13 @@
               </a:rPr>
               <a:t>数据一致性理论</a:t>
             </a:r>
+            <a:endParaRPr lang="zh-CN" altLang="en-US" b="1" dirty="0">
+              <a:solidFill>
+                <a:srgbClr val="002060"/>
+              </a:solidFill>
+              <a:latin typeface="微软雅黑" panose="020B0503020204020204" pitchFamily="34" charset="-122"/>
+              <a:ea typeface="微软雅黑" panose="020B0503020204020204" pitchFamily="34" charset="-122"/>
+            </a:endParaRPr>
           </a:p>
         </p:txBody>
       </p:sp>
@@ -13098,25 +11971,6 @@
             <a:ext cx="2133600" cy="365125"/>
           </a:xfrm>
           <a:noFill/>
-          <a:extLst>
-            <a:ext uri="{909E8E84-426E-40dd-AFC4-6F175D3DCCD1}">
-              <a14:hiddenFill xmlns:a14="http://schemas.microsoft.com/office/drawing/2010/main" xmlns="">
-                <a:solidFill>
-                  <a:srgbClr val="FFFFFF"/>
-                </a:solidFill>
-              </a14:hiddenFill>
-            </a:ext>
-            <a:ext uri="{91240B29-F687-4f45-9708-019B960494DF}">
-              <a14:hiddenLine xmlns:a14="http://schemas.microsoft.com/office/drawing/2010/main" xmlns="" w="9525">
-                <a:solidFill>
-                  <a:srgbClr val="000000"/>
-                </a:solidFill>
-                <a:miter lim="800000"/>
-                <a:headEnd/>
-                <a:tailEnd/>
-              </a14:hiddenLine>
-            </a:ext>
-          </a:extLst>
         </p:spPr>
         <p:txBody>
           <a:bodyPr/>
@@ -13135,7 +11989,7 @@
                 <a:ea typeface="宋体" panose="02010600030101010101" pitchFamily="2" charset="-122"/>
               </a:defRPr>
             </a:lvl1pPr>
-            <a:lvl2pPr marL="742920" indent="-285738">
+            <a:lvl2pPr marL="742950" indent="-285750">
               <a:spcBef>
                 <a:spcPct val="20000"/>
               </a:spcBef>
@@ -13149,7 +12003,7 @@
                 <a:ea typeface="宋体" panose="02010600030101010101" pitchFamily="2" charset="-122"/>
               </a:defRPr>
             </a:lvl2pPr>
-            <a:lvl3pPr marL="1142953" indent="-228591">
+            <a:lvl3pPr marL="1143000" indent="-228600">
               <a:spcBef>
                 <a:spcPct val="20000"/>
               </a:spcBef>
@@ -13163,7 +12017,7 @@
                 <a:ea typeface="宋体" panose="02010600030101010101" pitchFamily="2" charset="-122"/>
               </a:defRPr>
             </a:lvl3pPr>
-            <a:lvl4pPr marL="1600135" indent="-228591">
+            <a:lvl4pPr marL="1600200" indent="-228600">
               <a:spcBef>
                 <a:spcPct val="20000"/>
               </a:spcBef>
@@ -13177,7 +12031,7 @@
                 <a:ea typeface="宋体" panose="02010600030101010101" pitchFamily="2" charset="-122"/>
               </a:defRPr>
             </a:lvl4pPr>
-            <a:lvl5pPr marL="2057315" indent="-228591">
+            <a:lvl5pPr marL="2057400" indent="-228600">
               <a:spcBef>
                 <a:spcPct val="20000"/>
               </a:spcBef>
@@ -13191,7 +12045,7 @@
                 <a:ea typeface="宋体" panose="02010600030101010101" pitchFamily="2" charset="-122"/>
               </a:defRPr>
             </a:lvl5pPr>
-            <a:lvl6pPr marL="2514497" indent="-228591" eaLnBrk="0" fontAlgn="base" hangingPunct="0">
+            <a:lvl6pPr marL="2514600" indent="-228600" eaLnBrk="0" fontAlgn="base" hangingPunct="0">
               <a:spcBef>
                 <a:spcPct val="20000"/>
               </a:spcBef>
@@ -13208,7 +12062,7 @@
                 <a:ea typeface="宋体" panose="02010600030101010101" pitchFamily="2" charset="-122"/>
               </a:defRPr>
             </a:lvl6pPr>
-            <a:lvl7pPr marL="2971678" indent="-228591" eaLnBrk="0" fontAlgn="base" hangingPunct="0">
+            <a:lvl7pPr marL="2971800" indent="-228600" eaLnBrk="0" fontAlgn="base" hangingPunct="0">
               <a:spcBef>
                 <a:spcPct val="20000"/>
               </a:spcBef>
@@ -13225,7 +12079,7 @@
                 <a:ea typeface="宋体" panose="02010600030101010101" pitchFamily="2" charset="-122"/>
               </a:defRPr>
             </a:lvl7pPr>
-            <a:lvl8pPr marL="3428859" indent="-228591" eaLnBrk="0" fontAlgn="base" hangingPunct="0">
+            <a:lvl8pPr marL="3429000" indent="-228600" eaLnBrk="0" fontAlgn="base" hangingPunct="0">
               <a:spcBef>
                 <a:spcPct val="20000"/>
               </a:spcBef>
@@ -13242,7 +12096,7 @@
                 <a:ea typeface="宋体" panose="02010600030101010101" pitchFamily="2" charset="-122"/>
               </a:defRPr>
             </a:lvl8pPr>
-            <a:lvl9pPr marL="3886041" indent="-228591" eaLnBrk="0" fontAlgn="base" hangingPunct="0">
+            <a:lvl9pPr marL="3886200" indent="-228600" eaLnBrk="0" fontAlgn="base" hangingPunct="0">
               <a:spcBef>
                 <a:spcPct val="20000"/>
               </a:spcBef>
@@ -13274,14 +12128,6 @@
                   <a:srgbClr val="898989"/>
                 </a:solidFill>
               </a:rPr>
-              <a:pPr>
-                <a:spcBef>
-                  <a:spcPct val="0"/>
-                </a:spcBef>
-                <a:buFontTx/>
-                <a:buNone/>
-              </a:pPr>
-              <a:t>13</a:t>
             </a:fld>
             <a:endParaRPr lang="zh-CN" altLang="en-US" sz="1200" dirty="0">
               <a:solidFill>
@@ -13300,7 +12146,7 @@
           <p:nvPr/>
         </p:nvPicPr>
         <p:blipFill>
-          <a:blip r:embed="rId3" cstate="print">
+          <a:blip r:embed="rId1" cstate="print">
             <a:extLst>
               <a:ext uri="{28A0092B-C50C-407E-A947-70E740481C1C}">
                 <a14:useLocalDpi xmlns:a14="http://schemas.microsoft.com/office/drawing/2010/main" val="0"/>
@@ -13324,25 +12170,6 @@
           <a:ln>
             <a:noFill/>
           </a:ln>
-          <a:extLst>
-            <a:ext uri="{909E8E84-426E-40dd-AFC4-6F175D3DCCD1}">
-              <a14:hiddenFill xmlns:a14="http://schemas.microsoft.com/office/drawing/2010/main" xmlns="">
-                <a:solidFill>
-                  <a:srgbClr val="FFFFFF"/>
-                </a:solidFill>
-              </a14:hiddenFill>
-            </a:ext>
-            <a:ext uri="{91240B29-F687-4f45-9708-019B960494DF}">
-              <a14:hiddenLine xmlns:a14="http://schemas.microsoft.com/office/drawing/2010/main" xmlns="" w="9525">
-                <a:solidFill>
-                  <a:srgbClr val="000000"/>
-                </a:solidFill>
-                <a:miter lim="800000"/>
-                <a:headEnd/>
-                <a:tailEnd/>
-              </a14:hiddenLine>
-            </a:ext>
-          </a:extLst>
         </p:spPr>
       </p:pic>
       <p:sp>
@@ -13378,11 +12205,18 @@
                 <a:solidFill>
                   <a:srgbClr val="003366"/>
                 </a:solidFill>
-                <a:latin typeface="Arial"/>
-                <a:ea typeface="宋体"/>
+                <a:latin typeface="Arial" panose="020B0604020202020204"/>
+                <a:ea typeface="宋体" panose="02010600030101010101" pitchFamily="2" charset="-122"/>
               </a:rPr>
               <a:t>弱一致性</a:t>
             </a:r>
+            <a:endParaRPr lang="zh-CN" altLang="en-US" kern="0" dirty="0">
+              <a:solidFill>
+                <a:srgbClr val="003366"/>
+              </a:solidFill>
+              <a:latin typeface="Arial" panose="020B0604020202020204"/>
+              <a:ea typeface="宋体" panose="02010600030101010101" pitchFamily="2" charset="-122"/>
+            </a:endParaRPr>
           </a:p>
           <a:p>
             <a:pPr marL="742950" lvl="1" indent="-285750" eaLnBrk="1" hangingPunct="1">
@@ -13739,11 +12573,6 @@
         </p:txBody>
       </p:sp>
     </p:spTree>
-    <p:extLst>
-      <p:ext uri="{BB962C8B-B14F-4D97-AF65-F5344CB8AC3E}">
-        <p14:creationId xmlns:p14="http://schemas.microsoft.com/office/powerpoint/2010/main" val="4145594119"/>
-      </p:ext>
-    </p:extLst>
   </p:cSld>
   <p:clrMapOvr>
     <a:masterClrMapping/>
@@ -13788,25 +12617,6 @@
           <a:ln>
             <a:noFill/>
           </a:ln>
-          <a:extLst>
-            <a:ext uri="{909E8E84-426E-40dd-AFC4-6F175D3DCCD1}">
-              <a14:hiddenFill xmlns:a14="http://schemas.microsoft.com/office/drawing/2010/main" xmlns="">
-                <a:solidFill>
-                  <a:srgbClr val="FFFFFF"/>
-                </a:solidFill>
-              </a14:hiddenFill>
-            </a:ext>
-            <a:ext uri="{91240B29-F687-4f45-9708-019B960494DF}">
-              <a14:hiddenLine xmlns:a14="http://schemas.microsoft.com/office/drawing/2010/main" xmlns="" w="9525">
-                <a:solidFill>
-                  <a:srgbClr val="000000"/>
-                </a:solidFill>
-                <a:miter lim="800000"/>
-                <a:headEnd/>
-                <a:tailEnd/>
-              </a14:hiddenLine>
-            </a:ext>
-          </a:extLst>
         </p:spPr>
         <p:txBody>
           <a:bodyPr wrap="square" lIns="91436" tIns="45718" rIns="91436" bIns="45718">
@@ -13990,6 +12800,13 @@
               </a:rPr>
               <a:t>两阶段提交</a:t>
             </a:r>
+            <a:endParaRPr lang="zh-CN" altLang="en-US" b="1" dirty="0">
+              <a:solidFill>
+                <a:srgbClr val="002060"/>
+              </a:solidFill>
+              <a:latin typeface="微软雅黑" panose="020B0503020204020204" pitchFamily="34" charset="-122"/>
+              <a:ea typeface="微软雅黑" panose="020B0503020204020204" pitchFamily="34" charset="-122"/>
+            </a:endParaRPr>
           </a:p>
         </p:txBody>
       </p:sp>
@@ -14009,25 +12826,6 @@
             <a:ext cx="2133600" cy="365125"/>
           </a:xfrm>
           <a:noFill/>
-          <a:extLst>
-            <a:ext uri="{909E8E84-426E-40dd-AFC4-6F175D3DCCD1}">
-              <a14:hiddenFill xmlns:a14="http://schemas.microsoft.com/office/drawing/2010/main" xmlns="">
-                <a:solidFill>
-                  <a:srgbClr val="FFFFFF"/>
-                </a:solidFill>
-              </a14:hiddenFill>
-            </a:ext>
-            <a:ext uri="{91240B29-F687-4f45-9708-019B960494DF}">
-              <a14:hiddenLine xmlns:a14="http://schemas.microsoft.com/office/drawing/2010/main" xmlns="" w="9525">
-                <a:solidFill>
-                  <a:srgbClr val="000000"/>
-                </a:solidFill>
-                <a:miter lim="800000"/>
-                <a:headEnd/>
-                <a:tailEnd/>
-              </a14:hiddenLine>
-            </a:ext>
-          </a:extLst>
         </p:spPr>
         <p:txBody>
           <a:bodyPr/>
@@ -14046,7 +12844,7 @@
                 <a:ea typeface="宋体" panose="02010600030101010101" pitchFamily="2" charset="-122"/>
               </a:defRPr>
             </a:lvl1pPr>
-            <a:lvl2pPr marL="742920" indent="-285738">
+            <a:lvl2pPr marL="742950" indent="-285750">
               <a:spcBef>
                 <a:spcPct val="20000"/>
               </a:spcBef>
@@ -14060,7 +12858,7 @@
                 <a:ea typeface="宋体" panose="02010600030101010101" pitchFamily="2" charset="-122"/>
               </a:defRPr>
             </a:lvl2pPr>
-            <a:lvl3pPr marL="1142953" indent="-228591">
+            <a:lvl3pPr marL="1143000" indent="-228600">
               <a:spcBef>
                 <a:spcPct val="20000"/>
               </a:spcBef>
@@ -14074,7 +12872,7 @@
                 <a:ea typeface="宋体" panose="02010600030101010101" pitchFamily="2" charset="-122"/>
               </a:defRPr>
             </a:lvl3pPr>
-            <a:lvl4pPr marL="1600135" indent="-228591">
+            <a:lvl4pPr marL="1600200" indent="-228600">
               <a:spcBef>
                 <a:spcPct val="20000"/>
               </a:spcBef>
@@ -14088,7 +12886,7 @@
                 <a:ea typeface="宋体" panose="02010600030101010101" pitchFamily="2" charset="-122"/>
               </a:defRPr>
             </a:lvl4pPr>
-            <a:lvl5pPr marL="2057315" indent="-228591">
+            <a:lvl5pPr marL="2057400" indent="-228600">
               <a:spcBef>
                 <a:spcPct val="20000"/>
               </a:spcBef>
@@ -14102,7 +12900,7 @@
                 <a:ea typeface="宋体" panose="02010600030101010101" pitchFamily="2" charset="-122"/>
               </a:defRPr>
             </a:lvl5pPr>
-            <a:lvl6pPr marL="2514497" indent="-228591" eaLnBrk="0" fontAlgn="base" hangingPunct="0">
+            <a:lvl6pPr marL="2514600" indent="-228600" eaLnBrk="0" fontAlgn="base" hangingPunct="0">
               <a:spcBef>
                 <a:spcPct val="20000"/>
               </a:spcBef>
@@ -14119,7 +12917,7 @@
                 <a:ea typeface="宋体" panose="02010600030101010101" pitchFamily="2" charset="-122"/>
               </a:defRPr>
             </a:lvl6pPr>
-            <a:lvl7pPr marL="2971678" indent="-228591" eaLnBrk="0" fontAlgn="base" hangingPunct="0">
+            <a:lvl7pPr marL="2971800" indent="-228600" eaLnBrk="0" fontAlgn="base" hangingPunct="0">
               <a:spcBef>
                 <a:spcPct val="20000"/>
               </a:spcBef>
@@ -14136,7 +12934,7 @@
                 <a:ea typeface="宋体" panose="02010600030101010101" pitchFamily="2" charset="-122"/>
               </a:defRPr>
             </a:lvl7pPr>
-            <a:lvl8pPr marL="3428859" indent="-228591" eaLnBrk="0" fontAlgn="base" hangingPunct="0">
+            <a:lvl8pPr marL="3429000" indent="-228600" eaLnBrk="0" fontAlgn="base" hangingPunct="0">
               <a:spcBef>
                 <a:spcPct val="20000"/>
               </a:spcBef>
@@ -14153,7 +12951,7 @@
                 <a:ea typeface="宋体" panose="02010600030101010101" pitchFamily="2" charset="-122"/>
               </a:defRPr>
             </a:lvl8pPr>
-            <a:lvl9pPr marL="3886041" indent="-228591" eaLnBrk="0" fontAlgn="base" hangingPunct="0">
+            <a:lvl9pPr marL="3886200" indent="-228600" eaLnBrk="0" fontAlgn="base" hangingPunct="0">
               <a:spcBef>
                 <a:spcPct val="20000"/>
               </a:spcBef>
@@ -14185,14 +12983,6 @@
                   <a:srgbClr val="898989"/>
                 </a:solidFill>
               </a:rPr>
-              <a:pPr>
-                <a:spcBef>
-                  <a:spcPct val="0"/>
-                </a:spcBef>
-                <a:buFontTx/>
-                <a:buNone/>
-              </a:pPr>
-              <a:t>14</a:t>
             </a:fld>
             <a:endParaRPr lang="zh-CN" altLang="en-US" sz="1200" dirty="0">
               <a:solidFill>
@@ -14211,7 +13001,7 @@
           <p:nvPr/>
         </p:nvPicPr>
         <p:blipFill>
-          <a:blip r:embed="rId3" cstate="print">
+          <a:blip r:embed="rId1" cstate="print">
             <a:extLst>
               <a:ext uri="{28A0092B-C50C-407E-A947-70E740481C1C}">
                 <a14:useLocalDpi xmlns:a14="http://schemas.microsoft.com/office/drawing/2010/main" val="0"/>
@@ -14235,25 +13025,6 @@
           <a:ln>
             <a:noFill/>
           </a:ln>
-          <a:extLst>
-            <a:ext uri="{909E8E84-426E-40dd-AFC4-6F175D3DCCD1}">
-              <a14:hiddenFill xmlns:a14="http://schemas.microsoft.com/office/drawing/2010/main" xmlns="">
-                <a:solidFill>
-                  <a:srgbClr val="FFFFFF"/>
-                </a:solidFill>
-              </a14:hiddenFill>
-            </a:ext>
-            <a:ext uri="{91240B29-F687-4f45-9708-019B960494DF}">
-              <a14:hiddenLine xmlns:a14="http://schemas.microsoft.com/office/drawing/2010/main" xmlns="" w="9525">
-                <a:solidFill>
-                  <a:srgbClr val="000000"/>
-                </a:solidFill>
-                <a:miter lim="800000"/>
-                <a:headEnd/>
-                <a:tailEnd/>
-              </a14:hiddenLine>
-            </a:ext>
-          </a:extLst>
         </p:spPr>
       </p:pic>
       <p:sp>
@@ -14289,8 +13060,8 @@
                 <a:solidFill>
                   <a:srgbClr val="003366"/>
                 </a:solidFill>
-                <a:latin typeface="Arial"/>
-                <a:ea typeface="宋体"/>
+                <a:latin typeface="Arial" panose="020B0604020202020204"/>
+                <a:ea typeface="宋体" panose="02010600030101010101" pitchFamily="2" charset="-122"/>
               </a:rPr>
               <a:t>单节点上的事务一致性保证机制</a:t>
             </a:r>
@@ -14299,8 +13070,8 @@
                 <a:solidFill>
                   <a:srgbClr val="003366"/>
                 </a:solidFill>
-                <a:latin typeface="Arial"/>
-                <a:ea typeface="宋体"/>
+                <a:latin typeface="Arial" panose="020B0604020202020204"/>
+                <a:ea typeface="宋体" panose="02010600030101010101" pitchFamily="2" charset="-122"/>
               </a:rPr>
               <a:t>——</a:t>
             </a:r>
@@ -14309,11 +13080,18 @@
                 <a:solidFill>
                   <a:srgbClr val="003366"/>
                 </a:solidFill>
-                <a:latin typeface="Arial"/>
-                <a:ea typeface="宋体"/>
+                <a:latin typeface="Arial" panose="020B0604020202020204"/>
+                <a:ea typeface="宋体" panose="02010600030101010101" pitchFamily="2" charset="-122"/>
               </a:rPr>
               <a:t>日志</a:t>
             </a:r>
+            <a:endParaRPr lang="zh-CN" altLang="en-US" kern="0" dirty="0">
+              <a:solidFill>
+                <a:srgbClr val="003366"/>
+              </a:solidFill>
+              <a:latin typeface="Arial" panose="020B0604020202020204"/>
+              <a:ea typeface="宋体" panose="02010600030101010101" pitchFamily="2" charset="-122"/>
+            </a:endParaRPr>
           </a:p>
           <a:p>
             <a:pPr marL="742950" lvl="1" indent="-285750" eaLnBrk="1" hangingPunct="1">
@@ -14389,8 +13167,8 @@
                 <a:solidFill>
                   <a:srgbClr val="003366"/>
                 </a:solidFill>
-                <a:latin typeface="Arial"/>
-                <a:ea typeface="宋体"/>
+                <a:latin typeface="Arial" panose="020B0604020202020204"/>
+                <a:ea typeface="宋体" panose="02010600030101010101" pitchFamily="2" charset="-122"/>
               </a:rPr>
               <a:t>分布式系统中保证事务一致性的挑战</a:t>
             </a:r>
@@ -14398,8 +13176,8 @@
               <a:solidFill>
                 <a:srgbClr val="003366"/>
               </a:solidFill>
-              <a:latin typeface="Arial"/>
-              <a:ea typeface="宋体"/>
+              <a:latin typeface="Arial" panose="020B0604020202020204"/>
+              <a:ea typeface="宋体" panose="02010600030101010101" pitchFamily="2" charset="-122"/>
             </a:endParaRPr>
           </a:p>
           <a:p>
@@ -14476,8 +13254,8 @@
                 <a:solidFill>
                   <a:srgbClr val="003366"/>
                 </a:solidFill>
-                <a:latin typeface="Arial"/>
-                <a:ea typeface="宋体"/>
+                <a:latin typeface="Arial" panose="020B0604020202020204"/>
+                <a:ea typeface="宋体" panose="02010600030101010101" pitchFamily="2" charset="-122"/>
               </a:rPr>
               <a:t>两阶段提交协议</a:t>
             </a:r>
@@ -14485,8 +13263,8 @@
               <a:solidFill>
                 <a:srgbClr val="003366"/>
               </a:solidFill>
-              <a:latin typeface="Arial"/>
-              <a:ea typeface="宋体"/>
+              <a:latin typeface="Arial" panose="020B0604020202020204"/>
+              <a:ea typeface="宋体" panose="02010600030101010101" pitchFamily="2" charset="-122"/>
             </a:endParaRPr>
           </a:p>
           <a:p>
@@ -14686,11 +13464,6 @@
         </p:txBody>
       </p:sp>
     </p:spTree>
-    <p:extLst>
-      <p:ext uri="{BB962C8B-B14F-4D97-AF65-F5344CB8AC3E}">
-        <p14:creationId xmlns:p14="http://schemas.microsoft.com/office/powerpoint/2010/main" val="3897683104"/>
-      </p:ext>
-    </p:extLst>
   </p:cSld>
   <p:clrMapOvr>
     <a:masterClrMapping/>
@@ -14735,25 +13508,6 @@
           <a:ln>
             <a:noFill/>
           </a:ln>
-          <a:extLst>
-            <a:ext uri="{909E8E84-426E-40dd-AFC4-6F175D3DCCD1}">
-              <a14:hiddenFill xmlns:a14="http://schemas.microsoft.com/office/drawing/2010/main" xmlns="">
-                <a:solidFill>
-                  <a:srgbClr val="FFFFFF"/>
-                </a:solidFill>
-              </a14:hiddenFill>
-            </a:ext>
-            <a:ext uri="{91240B29-F687-4f45-9708-019B960494DF}">
-              <a14:hiddenLine xmlns:a14="http://schemas.microsoft.com/office/drawing/2010/main" xmlns="" w="9525">
-                <a:solidFill>
-                  <a:srgbClr val="000000"/>
-                </a:solidFill>
-                <a:miter lim="800000"/>
-                <a:headEnd/>
-                <a:tailEnd/>
-              </a14:hiddenLine>
-            </a:ext>
-          </a:extLst>
         </p:spPr>
         <p:txBody>
           <a:bodyPr wrap="square" lIns="91436" tIns="45718" rIns="91436" bIns="45718">
@@ -14937,6 +13691,13 @@
               </a:rPr>
               <a:t>两阶段提交</a:t>
             </a:r>
+            <a:endParaRPr lang="zh-CN" altLang="en-US" b="1" dirty="0">
+              <a:solidFill>
+                <a:srgbClr val="002060"/>
+              </a:solidFill>
+              <a:latin typeface="微软雅黑" panose="020B0503020204020204" pitchFamily="34" charset="-122"/>
+              <a:ea typeface="微软雅黑" panose="020B0503020204020204" pitchFamily="34" charset="-122"/>
+            </a:endParaRPr>
           </a:p>
         </p:txBody>
       </p:sp>
@@ -14956,25 +13717,6 @@
             <a:ext cx="2133600" cy="365125"/>
           </a:xfrm>
           <a:noFill/>
-          <a:extLst>
-            <a:ext uri="{909E8E84-426E-40dd-AFC4-6F175D3DCCD1}">
-              <a14:hiddenFill xmlns:a14="http://schemas.microsoft.com/office/drawing/2010/main" xmlns="">
-                <a:solidFill>
-                  <a:srgbClr val="FFFFFF"/>
-                </a:solidFill>
-              </a14:hiddenFill>
-            </a:ext>
-            <a:ext uri="{91240B29-F687-4f45-9708-019B960494DF}">
-              <a14:hiddenLine xmlns:a14="http://schemas.microsoft.com/office/drawing/2010/main" xmlns="" w="9525">
-                <a:solidFill>
-                  <a:srgbClr val="000000"/>
-                </a:solidFill>
-                <a:miter lim="800000"/>
-                <a:headEnd/>
-                <a:tailEnd/>
-              </a14:hiddenLine>
-            </a:ext>
-          </a:extLst>
         </p:spPr>
         <p:txBody>
           <a:bodyPr/>
@@ -14993,7 +13735,7 @@
                 <a:ea typeface="宋体" panose="02010600030101010101" pitchFamily="2" charset="-122"/>
               </a:defRPr>
             </a:lvl1pPr>
-            <a:lvl2pPr marL="742920" indent="-285738">
+            <a:lvl2pPr marL="742950" indent="-285750">
               <a:spcBef>
                 <a:spcPct val="20000"/>
               </a:spcBef>
@@ -15007,7 +13749,7 @@
                 <a:ea typeface="宋体" panose="02010600030101010101" pitchFamily="2" charset="-122"/>
               </a:defRPr>
             </a:lvl2pPr>
-            <a:lvl3pPr marL="1142953" indent="-228591">
+            <a:lvl3pPr marL="1143000" indent="-228600">
               <a:spcBef>
                 <a:spcPct val="20000"/>
               </a:spcBef>
@@ -15021,7 +13763,7 @@
                 <a:ea typeface="宋体" panose="02010600030101010101" pitchFamily="2" charset="-122"/>
               </a:defRPr>
             </a:lvl3pPr>
-            <a:lvl4pPr marL="1600135" indent="-228591">
+            <a:lvl4pPr marL="1600200" indent="-228600">
               <a:spcBef>
                 <a:spcPct val="20000"/>
               </a:spcBef>
@@ -15035,7 +13777,7 @@
                 <a:ea typeface="宋体" panose="02010600030101010101" pitchFamily="2" charset="-122"/>
               </a:defRPr>
             </a:lvl4pPr>
-            <a:lvl5pPr marL="2057315" indent="-228591">
+            <a:lvl5pPr marL="2057400" indent="-228600">
               <a:spcBef>
                 <a:spcPct val="20000"/>
               </a:spcBef>
@@ -15049,7 +13791,7 @@
                 <a:ea typeface="宋体" panose="02010600030101010101" pitchFamily="2" charset="-122"/>
               </a:defRPr>
             </a:lvl5pPr>
-            <a:lvl6pPr marL="2514497" indent="-228591" eaLnBrk="0" fontAlgn="base" hangingPunct="0">
+            <a:lvl6pPr marL="2514600" indent="-228600" eaLnBrk="0" fontAlgn="base" hangingPunct="0">
               <a:spcBef>
                 <a:spcPct val="20000"/>
               </a:spcBef>
@@ -15066,7 +13808,7 @@
                 <a:ea typeface="宋体" panose="02010600030101010101" pitchFamily="2" charset="-122"/>
               </a:defRPr>
             </a:lvl6pPr>
-            <a:lvl7pPr marL="2971678" indent="-228591" eaLnBrk="0" fontAlgn="base" hangingPunct="0">
+            <a:lvl7pPr marL="2971800" indent="-228600" eaLnBrk="0" fontAlgn="base" hangingPunct="0">
               <a:spcBef>
                 <a:spcPct val="20000"/>
               </a:spcBef>
@@ -15083,7 +13825,7 @@
                 <a:ea typeface="宋体" panose="02010600030101010101" pitchFamily="2" charset="-122"/>
               </a:defRPr>
             </a:lvl7pPr>
-            <a:lvl8pPr marL="3428859" indent="-228591" eaLnBrk="0" fontAlgn="base" hangingPunct="0">
+            <a:lvl8pPr marL="3429000" indent="-228600" eaLnBrk="0" fontAlgn="base" hangingPunct="0">
               <a:spcBef>
                 <a:spcPct val="20000"/>
               </a:spcBef>
@@ -15100,7 +13842,7 @@
                 <a:ea typeface="宋体" panose="02010600030101010101" pitchFamily="2" charset="-122"/>
               </a:defRPr>
             </a:lvl8pPr>
-            <a:lvl9pPr marL="3886041" indent="-228591" eaLnBrk="0" fontAlgn="base" hangingPunct="0">
+            <a:lvl9pPr marL="3886200" indent="-228600" eaLnBrk="0" fontAlgn="base" hangingPunct="0">
               <a:spcBef>
                 <a:spcPct val="20000"/>
               </a:spcBef>
@@ -15132,14 +13874,6 @@
                   <a:srgbClr val="898989"/>
                 </a:solidFill>
               </a:rPr>
-              <a:pPr>
-                <a:spcBef>
-                  <a:spcPct val="0"/>
-                </a:spcBef>
-                <a:buFontTx/>
-                <a:buNone/>
-              </a:pPr>
-              <a:t>15</a:t>
             </a:fld>
             <a:endParaRPr lang="zh-CN" altLang="en-US" sz="1200" dirty="0">
               <a:solidFill>
@@ -15158,7 +13892,7 @@
           <p:nvPr/>
         </p:nvPicPr>
         <p:blipFill>
-          <a:blip r:embed="rId3" cstate="print">
+          <a:blip r:embed="rId1" cstate="print">
             <a:extLst>
               <a:ext uri="{28A0092B-C50C-407E-A947-70E740481C1C}">
                 <a14:useLocalDpi xmlns:a14="http://schemas.microsoft.com/office/drawing/2010/main" val="0"/>
@@ -15182,25 +13916,6 @@
           <a:ln>
             <a:noFill/>
           </a:ln>
-          <a:extLst>
-            <a:ext uri="{909E8E84-426E-40dd-AFC4-6F175D3DCCD1}">
-              <a14:hiddenFill xmlns:a14="http://schemas.microsoft.com/office/drawing/2010/main" xmlns="">
-                <a:solidFill>
-                  <a:srgbClr val="FFFFFF"/>
-                </a:solidFill>
-              </a14:hiddenFill>
-            </a:ext>
-            <a:ext uri="{91240B29-F687-4f45-9708-019B960494DF}">
-              <a14:hiddenLine xmlns:a14="http://schemas.microsoft.com/office/drawing/2010/main" xmlns="" w="9525">
-                <a:solidFill>
-                  <a:srgbClr val="000000"/>
-                </a:solidFill>
-                <a:miter lim="800000"/>
-                <a:headEnd/>
-                <a:tailEnd/>
-              </a14:hiddenLine>
-            </a:ext>
-          </a:extLst>
         </p:spPr>
       </p:pic>
       <p:sp>
@@ -15236,8 +13951,8 @@
                 <a:solidFill>
                   <a:srgbClr val="003366"/>
                 </a:solidFill>
-                <a:latin typeface="Arial"/>
-                <a:ea typeface="宋体"/>
+                <a:latin typeface="Arial" panose="020B0604020202020204"/>
+                <a:ea typeface="宋体" panose="02010600030101010101" pitchFamily="2" charset="-122"/>
               </a:rPr>
               <a:t>两阶段提交协议</a:t>
             </a:r>
@@ -15245,8 +13960,8 @@
               <a:solidFill>
                 <a:srgbClr val="003366"/>
               </a:solidFill>
-              <a:latin typeface="Arial"/>
-              <a:ea typeface="宋体"/>
+              <a:latin typeface="Arial" panose="020B0604020202020204"/>
+              <a:ea typeface="宋体" panose="02010600030101010101" pitchFamily="2" charset="-122"/>
             </a:endParaRPr>
           </a:p>
           <a:p>
@@ -15483,8 +14198,8 @@
                 <a:solidFill>
                   <a:srgbClr val="003366"/>
                 </a:solidFill>
-                <a:latin typeface="Arial"/>
-                <a:ea typeface="宋体"/>
+                <a:latin typeface="Arial" panose="020B0604020202020204"/>
+                <a:ea typeface="宋体" panose="02010600030101010101" pitchFamily="2" charset="-122"/>
               </a:rPr>
               <a:t>两阶段提交协议的缺陷</a:t>
             </a:r>
@@ -15492,8 +14207,8 @@
               <a:solidFill>
                 <a:srgbClr val="003366"/>
               </a:solidFill>
-              <a:latin typeface="Arial"/>
-              <a:ea typeface="宋体"/>
+              <a:latin typeface="Arial" panose="020B0604020202020204"/>
+              <a:ea typeface="宋体" panose="02010600030101010101" pitchFamily="2" charset="-122"/>
             </a:endParaRPr>
           </a:p>
           <a:p>
@@ -15610,20 +14325,14 @@
       </p:sp>
       <p:pic>
         <p:nvPicPr>
-          <p:cNvPr id="2" name="图片 1">
-            <a:extLst>
-              <a:ext uri="{FF2B5EF4-FFF2-40B4-BE49-F238E27FC236}">
-                <a16:creationId xmlns:a16="http://schemas.microsoft.com/office/drawing/2014/main" id="{071C4374-A7EA-44D0-8CCF-8D2E454F5048}"/>
-              </a:ext>
-            </a:extLst>
-          </p:cNvPr>
+          <p:cNvPr id="2" name="图片 1"/>
           <p:cNvPicPr>
             <a:picLocks noChangeAspect="1"/>
           </p:cNvPicPr>
           <p:nvPr/>
         </p:nvPicPr>
         <p:blipFill>
-          <a:blip r:embed="rId4"/>
+          <a:blip r:embed="rId2"/>
           <a:stretch>
             <a:fillRect/>
           </a:stretch>
@@ -15640,20 +14349,14 @@
       </p:pic>
       <p:pic>
         <p:nvPicPr>
-          <p:cNvPr id="3" name="图片 2">
-            <a:extLst>
-              <a:ext uri="{FF2B5EF4-FFF2-40B4-BE49-F238E27FC236}">
-                <a16:creationId xmlns:a16="http://schemas.microsoft.com/office/drawing/2014/main" id="{8D887AF8-BFDD-4646-B475-DDF0B7176BC2}"/>
-              </a:ext>
-            </a:extLst>
-          </p:cNvPr>
+          <p:cNvPr id="3" name="图片 2"/>
           <p:cNvPicPr>
             <a:picLocks noChangeAspect="1"/>
           </p:cNvPicPr>
           <p:nvPr/>
         </p:nvPicPr>
         <p:blipFill>
-          <a:blip r:embed="rId5"/>
+          <a:blip r:embed="rId3"/>
           <a:stretch>
             <a:fillRect/>
           </a:stretch>
@@ -15669,11 +14372,6 @@
         </p:spPr>
       </p:pic>
     </p:spTree>
-    <p:extLst>
-      <p:ext uri="{BB962C8B-B14F-4D97-AF65-F5344CB8AC3E}">
-        <p14:creationId xmlns:p14="http://schemas.microsoft.com/office/powerpoint/2010/main" val="1038776651"/>
-      </p:ext>
-    </p:extLst>
   </p:cSld>
   <p:clrMapOvr>
     <a:masterClrMapping/>
@@ -15718,25 +14416,6 @@
           <a:ln>
             <a:noFill/>
           </a:ln>
-          <a:extLst>
-            <a:ext uri="{909E8E84-426E-40dd-AFC4-6F175D3DCCD1}">
-              <a14:hiddenFill xmlns:a14="http://schemas.microsoft.com/office/drawing/2010/main" xmlns="">
-                <a:solidFill>
-                  <a:srgbClr val="FFFFFF"/>
-                </a:solidFill>
-              </a14:hiddenFill>
-            </a:ext>
-            <a:ext uri="{91240B29-F687-4f45-9708-019B960494DF}">
-              <a14:hiddenLine xmlns:a14="http://schemas.microsoft.com/office/drawing/2010/main" xmlns="" w="9525">
-                <a:solidFill>
-                  <a:srgbClr val="000000"/>
-                </a:solidFill>
-                <a:miter lim="800000"/>
-                <a:headEnd/>
-                <a:tailEnd/>
-              </a14:hiddenLine>
-            </a:ext>
-          </a:extLst>
         </p:spPr>
         <p:txBody>
           <a:bodyPr wrap="square" lIns="91436" tIns="45718" rIns="91436" bIns="45718">
@@ -15920,6 +14599,13 @@
               </a:rPr>
               <a:t>三阶段提交</a:t>
             </a:r>
+            <a:endParaRPr lang="zh-CN" altLang="en-US" b="1" dirty="0">
+              <a:solidFill>
+                <a:srgbClr val="002060"/>
+              </a:solidFill>
+              <a:latin typeface="微软雅黑" panose="020B0503020204020204" pitchFamily="34" charset="-122"/>
+              <a:ea typeface="微软雅黑" panose="020B0503020204020204" pitchFamily="34" charset="-122"/>
+            </a:endParaRPr>
           </a:p>
         </p:txBody>
       </p:sp>
@@ -15939,25 +14625,6 @@
             <a:ext cx="2133600" cy="365125"/>
           </a:xfrm>
           <a:noFill/>
-          <a:extLst>
-            <a:ext uri="{909E8E84-426E-40dd-AFC4-6F175D3DCCD1}">
-              <a14:hiddenFill xmlns:a14="http://schemas.microsoft.com/office/drawing/2010/main" xmlns="">
-                <a:solidFill>
-                  <a:srgbClr val="FFFFFF"/>
-                </a:solidFill>
-              </a14:hiddenFill>
-            </a:ext>
-            <a:ext uri="{91240B29-F687-4f45-9708-019B960494DF}">
-              <a14:hiddenLine xmlns:a14="http://schemas.microsoft.com/office/drawing/2010/main" xmlns="" w="9525">
-                <a:solidFill>
-                  <a:srgbClr val="000000"/>
-                </a:solidFill>
-                <a:miter lim="800000"/>
-                <a:headEnd/>
-                <a:tailEnd/>
-              </a14:hiddenLine>
-            </a:ext>
-          </a:extLst>
         </p:spPr>
         <p:txBody>
           <a:bodyPr/>
@@ -15976,7 +14643,7 @@
                 <a:ea typeface="宋体" panose="02010600030101010101" pitchFamily="2" charset="-122"/>
               </a:defRPr>
             </a:lvl1pPr>
-            <a:lvl2pPr marL="742920" indent="-285738">
+            <a:lvl2pPr marL="742950" indent="-285750">
               <a:spcBef>
                 <a:spcPct val="20000"/>
               </a:spcBef>
@@ -15990,7 +14657,7 @@
                 <a:ea typeface="宋体" panose="02010600030101010101" pitchFamily="2" charset="-122"/>
               </a:defRPr>
             </a:lvl2pPr>
-            <a:lvl3pPr marL="1142953" indent="-228591">
+            <a:lvl3pPr marL="1143000" indent="-228600">
               <a:spcBef>
                 <a:spcPct val="20000"/>
               </a:spcBef>
@@ -16004,7 +14671,7 @@
                 <a:ea typeface="宋体" panose="02010600030101010101" pitchFamily="2" charset="-122"/>
               </a:defRPr>
             </a:lvl3pPr>
-            <a:lvl4pPr marL="1600135" indent="-228591">
+            <a:lvl4pPr marL="1600200" indent="-228600">
               <a:spcBef>
                 <a:spcPct val="20000"/>
               </a:spcBef>
@@ -16018,7 +14685,7 @@
                 <a:ea typeface="宋体" panose="02010600030101010101" pitchFamily="2" charset="-122"/>
               </a:defRPr>
             </a:lvl4pPr>
-            <a:lvl5pPr marL="2057315" indent="-228591">
+            <a:lvl5pPr marL="2057400" indent="-228600">
               <a:spcBef>
                 <a:spcPct val="20000"/>
               </a:spcBef>
@@ -16032,7 +14699,7 @@
                 <a:ea typeface="宋体" panose="02010600030101010101" pitchFamily="2" charset="-122"/>
               </a:defRPr>
             </a:lvl5pPr>
-            <a:lvl6pPr marL="2514497" indent="-228591" eaLnBrk="0" fontAlgn="base" hangingPunct="0">
+            <a:lvl6pPr marL="2514600" indent="-228600" eaLnBrk="0" fontAlgn="base" hangingPunct="0">
               <a:spcBef>
                 <a:spcPct val="20000"/>
               </a:spcBef>
@@ -16049,7 +14716,7 @@
                 <a:ea typeface="宋体" panose="02010600030101010101" pitchFamily="2" charset="-122"/>
               </a:defRPr>
             </a:lvl6pPr>
-            <a:lvl7pPr marL="2971678" indent="-228591" eaLnBrk="0" fontAlgn="base" hangingPunct="0">
+            <a:lvl7pPr marL="2971800" indent="-228600" eaLnBrk="0" fontAlgn="base" hangingPunct="0">
               <a:spcBef>
                 <a:spcPct val="20000"/>
               </a:spcBef>
@@ -16066,7 +14733,7 @@
                 <a:ea typeface="宋体" panose="02010600030101010101" pitchFamily="2" charset="-122"/>
               </a:defRPr>
             </a:lvl7pPr>
-            <a:lvl8pPr marL="3428859" indent="-228591" eaLnBrk="0" fontAlgn="base" hangingPunct="0">
+            <a:lvl8pPr marL="3429000" indent="-228600" eaLnBrk="0" fontAlgn="base" hangingPunct="0">
               <a:spcBef>
                 <a:spcPct val="20000"/>
               </a:spcBef>
@@ -16083,7 +14750,7 @@
                 <a:ea typeface="宋体" panose="02010600030101010101" pitchFamily="2" charset="-122"/>
               </a:defRPr>
             </a:lvl8pPr>
-            <a:lvl9pPr marL="3886041" indent="-228591" eaLnBrk="0" fontAlgn="base" hangingPunct="0">
+            <a:lvl9pPr marL="3886200" indent="-228600" eaLnBrk="0" fontAlgn="base" hangingPunct="0">
               <a:spcBef>
                 <a:spcPct val="20000"/>
               </a:spcBef>
@@ -16115,14 +14782,6 @@
                   <a:srgbClr val="898989"/>
                 </a:solidFill>
               </a:rPr>
-              <a:pPr>
-                <a:spcBef>
-                  <a:spcPct val="0"/>
-                </a:spcBef>
-                <a:buFontTx/>
-                <a:buNone/>
-              </a:pPr>
-              <a:t>16</a:t>
             </a:fld>
             <a:endParaRPr lang="zh-CN" altLang="en-US" sz="1200" dirty="0">
               <a:solidFill>
@@ -16141,7 +14800,7 @@
           <p:nvPr/>
         </p:nvPicPr>
         <p:blipFill>
-          <a:blip r:embed="rId3" cstate="print">
+          <a:blip r:embed="rId1" cstate="print">
             <a:extLst>
               <a:ext uri="{28A0092B-C50C-407E-A947-70E740481C1C}">
                 <a14:useLocalDpi xmlns:a14="http://schemas.microsoft.com/office/drawing/2010/main" val="0"/>
@@ -16165,25 +14824,6 @@
           <a:ln>
             <a:noFill/>
           </a:ln>
-          <a:extLst>
-            <a:ext uri="{909E8E84-426E-40dd-AFC4-6F175D3DCCD1}">
-              <a14:hiddenFill xmlns:a14="http://schemas.microsoft.com/office/drawing/2010/main" xmlns="">
-                <a:solidFill>
-                  <a:srgbClr val="FFFFFF"/>
-                </a:solidFill>
-              </a14:hiddenFill>
-            </a:ext>
-            <a:ext uri="{91240B29-F687-4f45-9708-019B960494DF}">
-              <a14:hiddenLine xmlns:a14="http://schemas.microsoft.com/office/drawing/2010/main" xmlns="" w="9525">
-                <a:solidFill>
-                  <a:srgbClr val="000000"/>
-                </a:solidFill>
-                <a:miter lim="800000"/>
-                <a:headEnd/>
-                <a:tailEnd/>
-              </a14:hiddenLine>
-            </a:ext>
-          </a:extLst>
         </p:spPr>
       </p:pic>
       <p:sp>
@@ -16219,11 +14859,18 @@
                 <a:solidFill>
                   <a:srgbClr val="003366"/>
                 </a:solidFill>
-                <a:latin typeface="Arial"/>
-                <a:ea typeface="宋体"/>
+                <a:latin typeface="Arial" panose="020B0604020202020204"/>
+                <a:ea typeface="宋体" panose="02010600030101010101" pitchFamily="2" charset="-122"/>
               </a:rPr>
               <a:t>三阶段提交对两阶段提交的改进</a:t>
             </a:r>
+            <a:endParaRPr lang="zh-CN" altLang="en-US" kern="0" dirty="0">
+              <a:solidFill>
+                <a:srgbClr val="003366"/>
+              </a:solidFill>
+              <a:latin typeface="Arial" panose="020B0604020202020204"/>
+              <a:ea typeface="宋体" panose="02010600030101010101" pitchFamily="2" charset="-122"/>
+            </a:endParaRPr>
           </a:p>
           <a:p>
             <a:pPr marL="742950" lvl="1" indent="-285750" eaLnBrk="1" hangingPunct="1">
@@ -16247,6 +14894,13 @@
               </a:rPr>
               <a:t>引入超时机制：同时在协调者和参与者中都引入超时机制</a:t>
             </a:r>
+            <a:endParaRPr lang="zh-CN" altLang="en-US" sz="2400" kern="0" dirty="0">
+              <a:solidFill>
+                <a:srgbClr val="003366"/>
+              </a:solidFill>
+              <a:latin typeface="仿宋" panose="02010609060101010101" pitchFamily="49" charset="-122"/>
+              <a:ea typeface="仿宋" panose="02010609060101010101" pitchFamily="49" charset="-122"/>
+            </a:endParaRPr>
           </a:p>
           <a:p>
             <a:pPr marL="742950" lvl="1" indent="-285750" eaLnBrk="1" hangingPunct="1">
@@ -16292,8 +14946,8 @@
                 <a:solidFill>
                   <a:srgbClr val="003366"/>
                 </a:solidFill>
-                <a:latin typeface="Arial"/>
-                <a:ea typeface="宋体"/>
+                <a:latin typeface="Arial" panose="020B0604020202020204"/>
+                <a:ea typeface="宋体" panose="02010600030101010101" pitchFamily="2" charset="-122"/>
               </a:rPr>
               <a:t>三阶段提交协议</a:t>
             </a:r>
@@ -16301,8 +14955,8 @@
               <a:solidFill>
                 <a:srgbClr val="003366"/>
               </a:solidFill>
-              <a:latin typeface="Arial"/>
-              <a:ea typeface="宋体"/>
+              <a:latin typeface="Arial" panose="020B0604020202020204"/>
+              <a:ea typeface="宋体" panose="02010600030101010101" pitchFamily="2" charset="-122"/>
             </a:endParaRPr>
           </a:p>
           <a:p>
@@ -16414,6 +15068,13 @@
               </a:rPr>
               <a:t>No</a:t>
             </a:r>
+            <a:endParaRPr lang="en-US" altLang="zh-CN" sz="2000" kern="0" dirty="0">
+              <a:solidFill>
+                <a:srgbClr val="003366"/>
+              </a:solidFill>
+              <a:latin typeface="仿宋" panose="02010609060101010101" pitchFamily="49" charset="-122"/>
+              <a:ea typeface="仿宋" panose="02010609060101010101" pitchFamily="49" charset="-122"/>
+            </a:endParaRPr>
           </a:p>
           <a:p>
             <a:pPr marL="742950" lvl="1" indent="-285750" eaLnBrk="1" hangingPunct="1">
@@ -16457,6 +15118,13 @@
               </a:rPr>
               <a:t>commit</a:t>
             </a:r>
+            <a:endParaRPr lang="en-US" altLang="zh-CN" sz="2400" kern="0" dirty="0">
+              <a:solidFill>
+                <a:srgbClr val="003366"/>
+              </a:solidFill>
+              <a:latin typeface="仿宋" panose="02010609060101010101" pitchFamily="49" charset="-122"/>
+              <a:ea typeface="仿宋" panose="02010609060101010101" pitchFamily="49" charset="-122"/>
+            </a:endParaRPr>
           </a:p>
           <a:p>
             <a:pPr marL="1143000" lvl="2" indent="-228600" eaLnBrk="1" hangingPunct="1">
@@ -16769,11 +15437,6 @@
         </p:txBody>
       </p:sp>
     </p:spTree>
-    <p:extLst>
-      <p:ext uri="{BB962C8B-B14F-4D97-AF65-F5344CB8AC3E}">
-        <p14:creationId xmlns:p14="http://schemas.microsoft.com/office/powerpoint/2010/main" val="1582949192"/>
-      </p:ext>
-    </p:extLst>
   </p:cSld>
   <p:clrMapOvr>
     <a:masterClrMapping/>
@@ -16818,25 +15481,6 @@
           <a:ln>
             <a:noFill/>
           </a:ln>
-          <a:extLst>
-            <a:ext uri="{909E8E84-426E-40dd-AFC4-6F175D3DCCD1}">
-              <a14:hiddenFill xmlns:a14="http://schemas.microsoft.com/office/drawing/2010/main" xmlns="">
-                <a:solidFill>
-                  <a:srgbClr val="FFFFFF"/>
-                </a:solidFill>
-              </a14:hiddenFill>
-            </a:ext>
-            <a:ext uri="{91240B29-F687-4f45-9708-019B960494DF}">
-              <a14:hiddenLine xmlns:a14="http://schemas.microsoft.com/office/drawing/2010/main" xmlns="" w="9525">
-                <a:solidFill>
-                  <a:srgbClr val="000000"/>
-                </a:solidFill>
-                <a:miter lim="800000"/>
-                <a:headEnd/>
-                <a:tailEnd/>
-              </a14:hiddenLine>
-            </a:ext>
-          </a:extLst>
         </p:spPr>
         <p:txBody>
           <a:bodyPr wrap="square" lIns="91436" tIns="45718" rIns="91436" bIns="45718">
@@ -17020,6 +15664,13 @@
               </a:rPr>
               <a:t>三阶段提交</a:t>
             </a:r>
+            <a:endParaRPr lang="zh-CN" altLang="en-US" b="1" dirty="0">
+              <a:solidFill>
+                <a:srgbClr val="002060"/>
+              </a:solidFill>
+              <a:latin typeface="微软雅黑" panose="020B0503020204020204" pitchFamily="34" charset="-122"/>
+              <a:ea typeface="微软雅黑" panose="020B0503020204020204" pitchFamily="34" charset="-122"/>
+            </a:endParaRPr>
           </a:p>
         </p:txBody>
       </p:sp>
@@ -17039,25 +15690,6 @@
             <a:ext cx="2133600" cy="365125"/>
           </a:xfrm>
           <a:noFill/>
-          <a:extLst>
-            <a:ext uri="{909E8E84-426E-40dd-AFC4-6F175D3DCCD1}">
-              <a14:hiddenFill xmlns:a14="http://schemas.microsoft.com/office/drawing/2010/main" xmlns="">
-                <a:solidFill>
-                  <a:srgbClr val="FFFFFF"/>
-                </a:solidFill>
-              </a14:hiddenFill>
-            </a:ext>
-            <a:ext uri="{91240B29-F687-4f45-9708-019B960494DF}">
-              <a14:hiddenLine xmlns:a14="http://schemas.microsoft.com/office/drawing/2010/main" xmlns="" w="9525">
-                <a:solidFill>
-                  <a:srgbClr val="000000"/>
-                </a:solidFill>
-                <a:miter lim="800000"/>
-                <a:headEnd/>
-                <a:tailEnd/>
-              </a14:hiddenLine>
-            </a:ext>
-          </a:extLst>
         </p:spPr>
         <p:txBody>
           <a:bodyPr/>
@@ -17076,7 +15708,7 @@
                 <a:ea typeface="宋体" panose="02010600030101010101" pitchFamily="2" charset="-122"/>
               </a:defRPr>
             </a:lvl1pPr>
-            <a:lvl2pPr marL="742920" indent="-285738">
+            <a:lvl2pPr marL="742950" indent="-285750">
               <a:spcBef>
                 <a:spcPct val="20000"/>
               </a:spcBef>
@@ -17090,7 +15722,7 @@
                 <a:ea typeface="宋体" panose="02010600030101010101" pitchFamily="2" charset="-122"/>
               </a:defRPr>
             </a:lvl2pPr>
-            <a:lvl3pPr marL="1142953" indent="-228591">
+            <a:lvl3pPr marL="1143000" indent="-228600">
               <a:spcBef>
                 <a:spcPct val="20000"/>
               </a:spcBef>
@@ -17104,7 +15736,7 @@
                 <a:ea typeface="宋体" panose="02010600030101010101" pitchFamily="2" charset="-122"/>
               </a:defRPr>
             </a:lvl3pPr>
-            <a:lvl4pPr marL="1600135" indent="-228591">
+            <a:lvl4pPr marL="1600200" indent="-228600">
               <a:spcBef>
                 <a:spcPct val="20000"/>
               </a:spcBef>
@@ -17118,7 +15750,7 @@
                 <a:ea typeface="宋体" panose="02010600030101010101" pitchFamily="2" charset="-122"/>
               </a:defRPr>
             </a:lvl4pPr>
-            <a:lvl5pPr marL="2057315" indent="-228591">
+            <a:lvl5pPr marL="2057400" indent="-228600">
               <a:spcBef>
                 <a:spcPct val="20000"/>
               </a:spcBef>
@@ -17132,7 +15764,7 @@
                 <a:ea typeface="宋体" panose="02010600030101010101" pitchFamily="2" charset="-122"/>
               </a:defRPr>
             </a:lvl5pPr>
-            <a:lvl6pPr marL="2514497" indent="-228591" eaLnBrk="0" fontAlgn="base" hangingPunct="0">
+            <a:lvl6pPr marL="2514600" indent="-228600" eaLnBrk="0" fontAlgn="base" hangingPunct="0">
               <a:spcBef>
                 <a:spcPct val="20000"/>
               </a:spcBef>
@@ -17149,7 +15781,7 @@
                 <a:ea typeface="宋体" panose="02010600030101010101" pitchFamily="2" charset="-122"/>
               </a:defRPr>
             </a:lvl6pPr>
-            <a:lvl7pPr marL="2971678" indent="-228591" eaLnBrk="0" fontAlgn="base" hangingPunct="0">
+            <a:lvl7pPr marL="2971800" indent="-228600" eaLnBrk="0" fontAlgn="base" hangingPunct="0">
               <a:spcBef>
                 <a:spcPct val="20000"/>
               </a:spcBef>
@@ -17166,7 +15798,7 @@
                 <a:ea typeface="宋体" panose="02010600030101010101" pitchFamily="2" charset="-122"/>
               </a:defRPr>
             </a:lvl7pPr>
-            <a:lvl8pPr marL="3428859" indent="-228591" eaLnBrk="0" fontAlgn="base" hangingPunct="0">
+            <a:lvl8pPr marL="3429000" indent="-228600" eaLnBrk="0" fontAlgn="base" hangingPunct="0">
               <a:spcBef>
                 <a:spcPct val="20000"/>
               </a:spcBef>
@@ -17183,7 +15815,7 @@
                 <a:ea typeface="宋体" panose="02010600030101010101" pitchFamily="2" charset="-122"/>
               </a:defRPr>
             </a:lvl8pPr>
-            <a:lvl9pPr marL="3886041" indent="-228591" eaLnBrk="0" fontAlgn="base" hangingPunct="0">
+            <a:lvl9pPr marL="3886200" indent="-228600" eaLnBrk="0" fontAlgn="base" hangingPunct="0">
               <a:spcBef>
                 <a:spcPct val="20000"/>
               </a:spcBef>
@@ -17215,14 +15847,6 @@
                   <a:srgbClr val="898989"/>
                 </a:solidFill>
               </a:rPr>
-              <a:pPr>
-                <a:spcBef>
-                  <a:spcPct val="0"/>
-                </a:spcBef>
-                <a:buFontTx/>
-                <a:buNone/>
-              </a:pPr>
-              <a:t>17</a:t>
             </a:fld>
             <a:endParaRPr lang="zh-CN" altLang="en-US" sz="1200" dirty="0">
               <a:solidFill>
@@ -17241,7 +15865,7 @@
           <p:nvPr/>
         </p:nvPicPr>
         <p:blipFill>
-          <a:blip r:embed="rId3" cstate="print">
+          <a:blip r:embed="rId1" cstate="print">
             <a:extLst>
               <a:ext uri="{28A0092B-C50C-407E-A947-70E740481C1C}">
                 <a14:useLocalDpi xmlns:a14="http://schemas.microsoft.com/office/drawing/2010/main" val="0"/>
@@ -17265,25 +15889,6 @@
           <a:ln>
             <a:noFill/>
           </a:ln>
-          <a:extLst>
-            <a:ext uri="{909E8E84-426E-40dd-AFC4-6F175D3DCCD1}">
-              <a14:hiddenFill xmlns:a14="http://schemas.microsoft.com/office/drawing/2010/main" xmlns="">
-                <a:solidFill>
-                  <a:srgbClr val="FFFFFF"/>
-                </a:solidFill>
-              </a14:hiddenFill>
-            </a:ext>
-            <a:ext uri="{91240B29-F687-4f45-9708-019B960494DF}">
-              <a14:hiddenLine xmlns:a14="http://schemas.microsoft.com/office/drawing/2010/main" xmlns="" w="9525">
-                <a:solidFill>
-                  <a:srgbClr val="000000"/>
-                </a:solidFill>
-                <a:miter lim="800000"/>
-                <a:headEnd/>
-                <a:tailEnd/>
-              </a14:hiddenLine>
-            </a:ext>
-          </a:extLst>
         </p:spPr>
       </p:pic>
       <p:sp>
@@ -17319,11 +15924,18 @@
                 <a:solidFill>
                   <a:srgbClr val="003366"/>
                 </a:solidFill>
-                <a:latin typeface="Arial"/>
-                <a:ea typeface="宋体"/>
+                <a:latin typeface="Arial" panose="020B0604020202020204"/>
+                <a:ea typeface="宋体" panose="02010600030101010101" pitchFamily="2" charset="-122"/>
               </a:rPr>
               <a:t>三阶段提交与两阶段提交的本质区别</a:t>
             </a:r>
+            <a:endParaRPr lang="zh-CN" altLang="en-US" kern="0" dirty="0">
+              <a:solidFill>
+                <a:srgbClr val="003366"/>
+              </a:solidFill>
+              <a:latin typeface="Arial" panose="020B0604020202020204"/>
+              <a:ea typeface="宋体" panose="02010600030101010101" pitchFamily="2" charset="-122"/>
+            </a:endParaRPr>
           </a:p>
           <a:p>
             <a:pPr marL="742950" lvl="1" indent="-285750" eaLnBrk="1" hangingPunct="1">
@@ -17468,11 +16080,6 @@
         </p:txBody>
       </p:sp>
     </p:spTree>
-    <p:extLst>
-      <p:ext uri="{BB962C8B-B14F-4D97-AF65-F5344CB8AC3E}">
-        <p14:creationId xmlns:p14="http://schemas.microsoft.com/office/powerpoint/2010/main" val="1291132844"/>
-      </p:ext>
-    </p:extLst>
   </p:cSld>
   <p:clrMapOvr>
     <a:masterClrMapping/>
@@ -17517,25 +16124,6 @@
           <a:ln>
             <a:noFill/>
           </a:ln>
-          <a:extLst>
-            <a:ext uri="{909E8E84-426E-40dd-AFC4-6F175D3DCCD1}">
-              <a14:hiddenFill xmlns:a14="http://schemas.microsoft.com/office/drawing/2010/main" xmlns="">
-                <a:solidFill>
-                  <a:srgbClr val="FFFFFF"/>
-                </a:solidFill>
-              </a14:hiddenFill>
-            </a:ext>
-            <a:ext uri="{91240B29-F687-4f45-9708-019B960494DF}">
-              <a14:hiddenLine xmlns:a14="http://schemas.microsoft.com/office/drawing/2010/main" xmlns="" w="9525">
-                <a:solidFill>
-                  <a:srgbClr val="000000"/>
-                </a:solidFill>
-                <a:miter lim="800000"/>
-                <a:headEnd/>
-                <a:tailEnd/>
-              </a14:hiddenLine>
-            </a:ext>
-          </a:extLst>
         </p:spPr>
         <p:txBody>
           <a:bodyPr wrap="square" lIns="91436" tIns="45718" rIns="91436" bIns="45718">
@@ -17709,6 +16297,13 @@
               </a:rPr>
               <a:t>协议与事务提交</a:t>
             </a:r>
+            <a:endParaRPr lang="zh-CN" altLang="en-US" b="1" dirty="0">
+              <a:solidFill>
+                <a:srgbClr val="002060"/>
+              </a:solidFill>
+              <a:latin typeface="微软雅黑" panose="020B0503020204020204" pitchFamily="34" charset="-122"/>
+              <a:ea typeface="微软雅黑" panose="020B0503020204020204" pitchFamily="34" charset="-122"/>
+            </a:endParaRPr>
           </a:p>
         </p:txBody>
       </p:sp>
@@ -17728,25 +16323,6 @@
             <a:ext cx="2133600" cy="365125"/>
           </a:xfrm>
           <a:noFill/>
-          <a:extLst>
-            <a:ext uri="{909E8E84-426E-40dd-AFC4-6F175D3DCCD1}">
-              <a14:hiddenFill xmlns:a14="http://schemas.microsoft.com/office/drawing/2010/main" xmlns="">
-                <a:solidFill>
-                  <a:srgbClr val="FFFFFF"/>
-                </a:solidFill>
-              </a14:hiddenFill>
-            </a:ext>
-            <a:ext uri="{91240B29-F687-4f45-9708-019B960494DF}">
-              <a14:hiddenLine xmlns:a14="http://schemas.microsoft.com/office/drawing/2010/main" xmlns="" w="9525">
-                <a:solidFill>
-                  <a:srgbClr val="000000"/>
-                </a:solidFill>
-                <a:miter lim="800000"/>
-                <a:headEnd/>
-                <a:tailEnd/>
-              </a14:hiddenLine>
-            </a:ext>
-          </a:extLst>
         </p:spPr>
         <p:txBody>
           <a:bodyPr/>
@@ -17765,7 +16341,7 @@
                 <a:ea typeface="宋体" panose="02010600030101010101" pitchFamily="2" charset="-122"/>
               </a:defRPr>
             </a:lvl1pPr>
-            <a:lvl2pPr marL="742920" indent="-285738">
+            <a:lvl2pPr marL="742950" indent="-285750">
               <a:spcBef>
                 <a:spcPct val="20000"/>
               </a:spcBef>
@@ -17779,7 +16355,7 @@
                 <a:ea typeface="宋体" panose="02010600030101010101" pitchFamily="2" charset="-122"/>
               </a:defRPr>
             </a:lvl2pPr>
-            <a:lvl3pPr marL="1142953" indent="-228591">
+            <a:lvl3pPr marL="1143000" indent="-228600">
               <a:spcBef>
                 <a:spcPct val="20000"/>
               </a:spcBef>
@@ -17793,7 +16369,7 @@
                 <a:ea typeface="宋体" panose="02010600030101010101" pitchFamily="2" charset="-122"/>
               </a:defRPr>
             </a:lvl3pPr>
-            <a:lvl4pPr marL="1600135" indent="-228591">
+            <a:lvl4pPr marL="1600200" indent="-228600">
               <a:spcBef>
                 <a:spcPct val="20000"/>
               </a:spcBef>
@@ -17807,7 +16383,7 @@
                 <a:ea typeface="宋体" panose="02010600030101010101" pitchFamily="2" charset="-122"/>
               </a:defRPr>
             </a:lvl4pPr>
-            <a:lvl5pPr marL="2057315" indent="-228591">
+            <a:lvl5pPr marL="2057400" indent="-228600">
               <a:spcBef>
                 <a:spcPct val="20000"/>
               </a:spcBef>
@@ -17821,7 +16397,7 @@
                 <a:ea typeface="宋体" panose="02010600030101010101" pitchFamily="2" charset="-122"/>
               </a:defRPr>
             </a:lvl5pPr>
-            <a:lvl6pPr marL="2514497" indent="-228591" eaLnBrk="0" fontAlgn="base" hangingPunct="0">
+            <a:lvl6pPr marL="2514600" indent="-228600" eaLnBrk="0" fontAlgn="base" hangingPunct="0">
               <a:spcBef>
                 <a:spcPct val="20000"/>
               </a:spcBef>
@@ -17838,7 +16414,7 @@
                 <a:ea typeface="宋体" panose="02010600030101010101" pitchFamily="2" charset="-122"/>
               </a:defRPr>
             </a:lvl6pPr>
-            <a:lvl7pPr marL="2971678" indent="-228591" eaLnBrk="0" fontAlgn="base" hangingPunct="0">
+            <a:lvl7pPr marL="2971800" indent="-228600" eaLnBrk="0" fontAlgn="base" hangingPunct="0">
               <a:spcBef>
                 <a:spcPct val="20000"/>
               </a:spcBef>
@@ -17855,7 +16431,7 @@
                 <a:ea typeface="宋体" panose="02010600030101010101" pitchFamily="2" charset="-122"/>
               </a:defRPr>
             </a:lvl7pPr>
-            <a:lvl8pPr marL="3428859" indent="-228591" eaLnBrk="0" fontAlgn="base" hangingPunct="0">
+            <a:lvl8pPr marL="3429000" indent="-228600" eaLnBrk="0" fontAlgn="base" hangingPunct="0">
               <a:spcBef>
                 <a:spcPct val="20000"/>
               </a:spcBef>
@@ -17872,7 +16448,7 @@
                 <a:ea typeface="宋体" panose="02010600030101010101" pitchFamily="2" charset="-122"/>
               </a:defRPr>
             </a:lvl8pPr>
-            <a:lvl9pPr marL="3886041" indent="-228591" eaLnBrk="0" fontAlgn="base" hangingPunct="0">
+            <a:lvl9pPr marL="3886200" indent="-228600" eaLnBrk="0" fontAlgn="base" hangingPunct="0">
               <a:spcBef>
                 <a:spcPct val="20000"/>
               </a:spcBef>
@@ -17904,14 +16480,6 @@
                   <a:srgbClr val="898989"/>
                 </a:solidFill>
               </a:rPr>
-              <a:pPr>
-                <a:spcBef>
-                  <a:spcPct val="0"/>
-                </a:spcBef>
-                <a:buFontTx/>
-                <a:buNone/>
-              </a:pPr>
-              <a:t>18</a:t>
             </a:fld>
             <a:endParaRPr lang="zh-CN" altLang="en-US" sz="1200" dirty="0">
               <a:solidFill>
@@ -17930,7 +16498,7 @@
           <p:nvPr/>
         </p:nvPicPr>
         <p:blipFill>
-          <a:blip r:embed="rId3" cstate="print">
+          <a:blip r:embed="rId1" cstate="print">
             <a:extLst>
               <a:ext uri="{28A0092B-C50C-407E-A947-70E740481C1C}">
                 <a14:useLocalDpi xmlns:a14="http://schemas.microsoft.com/office/drawing/2010/main" val="0"/>
@@ -17954,39 +16522,12 @@
           <a:ln>
             <a:noFill/>
           </a:ln>
-          <a:extLst>
-            <a:ext uri="{909E8E84-426E-40dd-AFC4-6F175D3DCCD1}">
-              <a14:hiddenFill xmlns:a14="http://schemas.microsoft.com/office/drawing/2010/main" xmlns="">
-                <a:solidFill>
-                  <a:srgbClr val="FFFFFF"/>
-                </a:solidFill>
-              </a14:hiddenFill>
-            </a:ext>
-            <a:ext uri="{91240B29-F687-4f45-9708-019B960494DF}">
-              <a14:hiddenLine xmlns:a14="http://schemas.microsoft.com/office/drawing/2010/main" xmlns="" w="9525">
-                <a:solidFill>
-                  <a:srgbClr val="000000"/>
-                </a:solidFill>
-                <a:miter lim="800000"/>
-                <a:headEnd/>
-                <a:tailEnd/>
-              </a14:hiddenLine>
-            </a:ext>
-          </a:extLst>
         </p:spPr>
       </p:pic>
       <p:sp>
         <p:nvSpPr>
-          <p:cNvPr id="22" name="Subtitle 2">
-            <a:extLst>
-              <a:ext uri="{FF2B5EF4-FFF2-40B4-BE49-F238E27FC236}">
-                <a16:creationId xmlns:a16="http://schemas.microsoft.com/office/drawing/2014/main" id="{56C0887D-8E51-4FA7-808C-D6F73FC5F593}"/>
-              </a:ext>
-            </a:extLst>
-          </p:cNvPr>
-          <p:cNvSpPr txBox="1">
-            <a:spLocks/>
-          </p:cNvSpPr>
+          <p:cNvPr id="22" name="Subtitle 2"/>
+          <p:cNvSpPr txBox="1"/>
           <p:nvPr/>
         </p:nvSpPr>
         <p:spPr bwMode="auto">
@@ -18022,11 +16563,7 @@
           </a:extLst>
         </p:spPr>
         <p:txBody>
-          <a:bodyPr vert="horz" wrap="square" lIns="91440" tIns="45720" rIns="91440" bIns="45720" numCol="1" anchor="t" anchorCtr="0" compatLnSpc="1">
-            <a:prstTxWarp prst="textNoShape">
-              <a:avLst/>
-            </a:prstTxWarp>
-          </a:bodyPr>
+          <a:bodyPr vert="horz" wrap="square" lIns="91440" tIns="45720" rIns="91440" bIns="45720" numCol="1" anchor="t" anchorCtr="0" compatLnSpc="1"/>
           <a:lstStyle>
             <a:lvl1pPr marL="342900" indent="-342900" algn="l" rtl="0" eaLnBrk="0" fontAlgn="base" hangingPunct="0">
               <a:spcBef>
@@ -18145,7 +16682,7 @@
                 <a:schemeClr val="tx2"/>
               </a:buClr>
               <a:buSzPct val="70000"/>
-              <a:buFont typeface="Wingdings" pitchFamily="2" charset="2"/>
+              <a:buFont typeface="Wingdings" panose="05000000000000000000" pitchFamily="2" charset="2"/>
               <a:buChar char="¡"/>
               <a:defRPr sz="1600">
                 <a:solidFill>
@@ -18166,7 +16703,7 @@
                 <a:schemeClr val="tx2"/>
               </a:buClr>
               <a:buSzPct val="70000"/>
-              <a:buFont typeface="Wingdings" pitchFamily="2" charset="2"/>
+              <a:buFont typeface="Wingdings" panose="05000000000000000000" pitchFamily="2" charset="2"/>
               <a:buChar char="¡"/>
               <a:defRPr sz="1600">
                 <a:solidFill>
@@ -18187,7 +16724,7 @@
                 <a:schemeClr val="tx2"/>
               </a:buClr>
               <a:buSzPct val="70000"/>
-              <a:buFont typeface="Wingdings" pitchFamily="2" charset="2"/>
+              <a:buFont typeface="Wingdings" panose="05000000000000000000" pitchFamily="2" charset="2"/>
               <a:buChar char="¡"/>
               <a:defRPr sz="1600">
                 <a:solidFill>
@@ -18208,7 +16745,7 @@
                 <a:schemeClr val="tx2"/>
               </a:buClr>
               <a:buSzPct val="70000"/>
-              <a:buFont typeface="Wingdings" pitchFamily="2" charset="2"/>
+              <a:buFont typeface="Wingdings" panose="05000000000000000000" pitchFamily="2" charset="2"/>
               <a:buChar char="¡"/>
               <a:defRPr sz="1600">
                 <a:solidFill>
@@ -18236,7 +16773,6 @@
               <a:buSzPct val="70000"/>
               <a:buFont typeface="Wingdings" panose="05000000000000000000" pitchFamily="2" charset="2"/>
               <a:buChar char="n"/>
-              <a:tabLst/>
               <a:defRPr/>
             </a:pPr>
             <a:r>
@@ -18244,8 +16780,8 @@
                 <a:solidFill>
                   <a:srgbClr val="003366"/>
                 </a:solidFill>
-                <a:latin typeface="Arial"/>
-                <a:ea typeface="宋体"/>
+                <a:latin typeface="Arial" panose="020B0604020202020204"/>
+                <a:ea typeface="宋体" panose="02010600030101010101" pitchFamily="2" charset="-122"/>
               </a:rPr>
               <a:t>主要内容</a:t>
             </a:r>
@@ -18259,8 +16795,8 @@
               <a:effectLst/>
               <a:uLnTx/>
               <a:uFillTx/>
-              <a:latin typeface="Arial"/>
-              <a:ea typeface="宋体"/>
+              <a:latin typeface="Arial" panose="020B0604020202020204"/>
+              <a:ea typeface="宋体" panose="02010600030101010101" pitchFamily="2" charset="-122"/>
               <a:cs typeface="+mn-cs"/>
             </a:endParaRPr>
           </a:p>
@@ -18361,11 +16897,6 @@
         </p:txBody>
       </p:sp>
     </p:spTree>
-    <p:extLst>
-      <p:ext uri="{BB962C8B-B14F-4D97-AF65-F5344CB8AC3E}">
-        <p14:creationId xmlns:p14="http://schemas.microsoft.com/office/powerpoint/2010/main" val="4206585561"/>
-      </p:ext>
-    </p:extLst>
   </p:cSld>
   <p:clrMapOvr>
     <a:masterClrMapping/>
@@ -18410,25 +16941,6 @@
           <a:ln>
             <a:noFill/>
           </a:ln>
-          <a:extLst>
-            <a:ext uri="{909E8E84-426E-40dd-AFC4-6F175D3DCCD1}">
-              <a14:hiddenFill xmlns:a14="http://schemas.microsoft.com/office/drawing/2010/main" xmlns="">
-                <a:solidFill>
-                  <a:srgbClr val="FFFFFF"/>
-                </a:solidFill>
-              </a14:hiddenFill>
-            </a:ext>
-            <a:ext uri="{91240B29-F687-4f45-9708-019B960494DF}">
-              <a14:hiddenLine xmlns:a14="http://schemas.microsoft.com/office/drawing/2010/main" xmlns="" w="9525">
-                <a:solidFill>
-                  <a:srgbClr val="000000"/>
-                </a:solidFill>
-                <a:miter lim="800000"/>
-                <a:headEnd/>
-                <a:tailEnd/>
-              </a14:hiddenLine>
-            </a:ext>
-          </a:extLst>
         </p:spPr>
         <p:txBody>
           <a:bodyPr wrap="square" lIns="91436" tIns="45718" rIns="91436" bIns="45718">
@@ -18590,8 +17102,8 @@
                     <a:lumOff val="35000"/>
                   </a:schemeClr>
                 </a:solidFill>
-                <a:latin typeface="微软雅黑" pitchFamily="34" charset="-122"/>
-                <a:ea typeface="微软雅黑" pitchFamily="34" charset="-122"/>
+                <a:latin typeface="微软雅黑" panose="020B0503020204020204" pitchFamily="34" charset="-122"/>
+                <a:ea typeface="微软雅黑" panose="020B0503020204020204" pitchFamily="34" charset="-122"/>
               </a:rPr>
               <a:t>Gossip</a:t>
             </a:r>
@@ -18603,8 +17115,8 @@
                     <a:lumOff val="35000"/>
                   </a:schemeClr>
                 </a:solidFill>
-                <a:latin typeface="微软雅黑" pitchFamily="34" charset="-122"/>
-                <a:ea typeface="微软雅黑" pitchFamily="34" charset="-122"/>
+                <a:latin typeface="微软雅黑" panose="020B0503020204020204" pitchFamily="34" charset="-122"/>
+                <a:ea typeface="微软雅黑" panose="020B0503020204020204" pitchFamily="34" charset="-122"/>
               </a:rPr>
               <a:t>协议与事务提交</a:t>
             </a:r>
@@ -18634,25 +17146,6 @@
             <a:ext cx="2133600" cy="365125"/>
           </a:xfrm>
           <a:noFill/>
-          <a:extLst>
-            <a:ext uri="{909E8E84-426E-40dd-AFC4-6F175D3DCCD1}">
-              <a14:hiddenFill xmlns:a14="http://schemas.microsoft.com/office/drawing/2010/main" xmlns="">
-                <a:solidFill>
-                  <a:srgbClr val="FFFFFF"/>
-                </a:solidFill>
-              </a14:hiddenFill>
-            </a:ext>
-            <a:ext uri="{91240B29-F687-4f45-9708-019B960494DF}">
-              <a14:hiddenLine xmlns:a14="http://schemas.microsoft.com/office/drawing/2010/main" xmlns="" w="9525">
-                <a:solidFill>
-                  <a:srgbClr val="000000"/>
-                </a:solidFill>
-                <a:miter lim="800000"/>
-                <a:headEnd/>
-                <a:tailEnd/>
-              </a14:hiddenLine>
-            </a:ext>
-          </a:extLst>
         </p:spPr>
         <p:txBody>
           <a:bodyPr/>
@@ -18671,7 +17164,7 @@
                 <a:ea typeface="宋体" panose="02010600030101010101" pitchFamily="2" charset="-122"/>
               </a:defRPr>
             </a:lvl1pPr>
-            <a:lvl2pPr marL="742920" indent="-285738">
+            <a:lvl2pPr marL="742950" indent="-285750">
               <a:spcBef>
                 <a:spcPct val="20000"/>
               </a:spcBef>
@@ -18685,7 +17178,7 @@
                 <a:ea typeface="宋体" panose="02010600030101010101" pitchFamily="2" charset="-122"/>
               </a:defRPr>
             </a:lvl2pPr>
-            <a:lvl3pPr marL="1142953" indent="-228591">
+            <a:lvl3pPr marL="1143000" indent="-228600">
               <a:spcBef>
                 <a:spcPct val="20000"/>
               </a:spcBef>
@@ -18699,7 +17192,7 @@
                 <a:ea typeface="宋体" panose="02010600030101010101" pitchFamily="2" charset="-122"/>
               </a:defRPr>
             </a:lvl3pPr>
-            <a:lvl4pPr marL="1600135" indent="-228591">
+            <a:lvl4pPr marL="1600200" indent="-228600">
               <a:spcBef>
                 <a:spcPct val="20000"/>
               </a:spcBef>
@@ -18713,7 +17206,7 @@
                 <a:ea typeface="宋体" panose="02010600030101010101" pitchFamily="2" charset="-122"/>
               </a:defRPr>
             </a:lvl4pPr>
-            <a:lvl5pPr marL="2057315" indent="-228591">
+            <a:lvl5pPr marL="2057400" indent="-228600">
               <a:spcBef>
                 <a:spcPct val="20000"/>
               </a:spcBef>
@@ -18727,7 +17220,7 @@
                 <a:ea typeface="宋体" panose="02010600030101010101" pitchFamily="2" charset="-122"/>
               </a:defRPr>
             </a:lvl5pPr>
-            <a:lvl6pPr marL="2514497" indent="-228591" eaLnBrk="0" fontAlgn="base" hangingPunct="0">
+            <a:lvl6pPr marL="2514600" indent="-228600" eaLnBrk="0" fontAlgn="base" hangingPunct="0">
               <a:spcBef>
                 <a:spcPct val="20000"/>
               </a:spcBef>
@@ -18744,7 +17237,7 @@
                 <a:ea typeface="宋体" panose="02010600030101010101" pitchFamily="2" charset="-122"/>
               </a:defRPr>
             </a:lvl6pPr>
-            <a:lvl7pPr marL="2971678" indent="-228591" eaLnBrk="0" fontAlgn="base" hangingPunct="0">
+            <a:lvl7pPr marL="2971800" indent="-228600" eaLnBrk="0" fontAlgn="base" hangingPunct="0">
               <a:spcBef>
                 <a:spcPct val="20000"/>
               </a:spcBef>
@@ -18761,7 +17254,7 @@
                 <a:ea typeface="宋体" panose="02010600030101010101" pitchFamily="2" charset="-122"/>
               </a:defRPr>
             </a:lvl7pPr>
-            <a:lvl8pPr marL="3428859" indent="-228591" eaLnBrk="0" fontAlgn="base" hangingPunct="0">
+            <a:lvl8pPr marL="3429000" indent="-228600" eaLnBrk="0" fontAlgn="base" hangingPunct="0">
               <a:spcBef>
                 <a:spcPct val="20000"/>
               </a:spcBef>
@@ -18778,7 +17271,7 @@
                 <a:ea typeface="宋体" panose="02010600030101010101" pitchFamily="2" charset="-122"/>
               </a:defRPr>
             </a:lvl8pPr>
-            <a:lvl9pPr marL="3886041" indent="-228591" eaLnBrk="0" fontAlgn="base" hangingPunct="0">
+            <a:lvl9pPr marL="3886200" indent="-228600" eaLnBrk="0" fontAlgn="base" hangingPunct="0">
               <a:spcBef>
                 <a:spcPct val="20000"/>
               </a:spcBef>
@@ -18810,14 +17303,6 @@
                   <a:srgbClr val="898989"/>
                 </a:solidFill>
               </a:rPr>
-              <a:pPr>
-                <a:spcBef>
-                  <a:spcPct val="0"/>
-                </a:spcBef>
-                <a:buFontTx/>
-                <a:buNone/>
-              </a:pPr>
-              <a:t>2</a:t>
             </a:fld>
             <a:endParaRPr lang="zh-CN" altLang="en-US" sz="1200" dirty="0">
               <a:solidFill>
@@ -18836,7 +17321,7 @@
           <p:nvPr/>
         </p:nvPicPr>
         <p:blipFill>
-          <a:blip r:embed="rId3" cstate="print">
+          <a:blip r:embed="rId1" cstate="print">
             <a:extLst>
               <a:ext uri="{28A0092B-C50C-407E-A947-70E740481C1C}">
                 <a14:useLocalDpi xmlns:a14="http://schemas.microsoft.com/office/drawing/2010/main" val="0"/>
@@ -18860,39 +17345,12 @@
           <a:ln>
             <a:noFill/>
           </a:ln>
-          <a:extLst>
-            <a:ext uri="{909E8E84-426E-40dd-AFC4-6F175D3DCCD1}">
-              <a14:hiddenFill xmlns:a14="http://schemas.microsoft.com/office/drawing/2010/main" xmlns="">
-                <a:solidFill>
-                  <a:srgbClr val="FFFFFF"/>
-                </a:solidFill>
-              </a14:hiddenFill>
-            </a:ext>
-            <a:ext uri="{91240B29-F687-4f45-9708-019B960494DF}">
-              <a14:hiddenLine xmlns:a14="http://schemas.microsoft.com/office/drawing/2010/main" xmlns="" w="9525">
-                <a:solidFill>
-                  <a:srgbClr val="000000"/>
-                </a:solidFill>
-                <a:miter lim="800000"/>
-                <a:headEnd/>
-                <a:tailEnd/>
-              </a14:hiddenLine>
-            </a:ext>
-          </a:extLst>
         </p:spPr>
       </p:pic>
       <p:sp>
         <p:nvSpPr>
-          <p:cNvPr id="22" name="Subtitle 2">
-            <a:extLst>
-              <a:ext uri="{FF2B5EF4-FFF2-40B4-BE49-F238E27FC236}">
-                <a16:creationId xmlns:a16="http://schemas.microsoft.com/office/drawing/2014/main" id="{56C0887D-8E51-4FA7-808C-D6F73FC5F593}"/>
-              </a:ext>
-            </a:extLst>
-          </p:cNvPr>
-          <p:cNvSpPr txBox="1">
-            <a:spLocks/>
-          </p:cNvSpPr>
+          <p:cNvPr id="22" name="Subtitle 2"/>
+          <p:cNvSpPr txBox="1"/>
           <p:nvPr/>
         </p:nvSpPr>
         <p:spPr bwMode="auto">
@@ -18928,11 +17386,7 @@
           </a:extLst>
         </p:spPr>
         <p:txBody>
-          <a:bodyPr vert="horz" wrap="square" lIns="91440" tIns="45720" rIns="91440" bIns="45720" numCol="1" anchor="t" anchorCtr="0" compatLnSpc="1">
-            <a:prstTxWarp prst="textNoShape">
-              <a:avLst/>
-            </a:prstTxWarp>
-          </a:bodyPr>
+          <a:bodyPr vert="horz" wrap="square" lIns="91440" tIns="45720" rIns="91440" bIns="45720" numCol="1" anchor="t" anchorCtr="0" compatLnSpc="1"/>
           <a:lstStyle>
             <a:lvl1pPr marL="342900" indent="-342900" algn="l" rtl="0" eaLnBrk="0" fontAlgn="base" hangingPunct="0">
               <a:spcBef>
@@ -19051,7 +17505,7 @@
                 <a:schemeClr val="tx2"/>
               </a:buClr>
               <a:buSzPct val="70000"/>
-              <a:buFont typeface="Wingdings" pitchFamily="2" charset="2"/>
+              <a:buFont typeface="Wingdings" panose="05000000000000000000" pitchFamily="2" charset="2"/>
               <a:buChar char="¡"/>
               <a:defRPr sz="1600">
                 <a:solidFill>
@@ -19072,7 +17526,7 @@
                 <a:schemeClr val="tx2"/>
               </a:buClr>
               <a:buSzPct val="70000"/>
-              <a:buFont typeface="Wingdings" pitchFamily="2" charset="2"/>
+              <a:buFont typeface="Wingdings" panose="05000000000000000000" pitchFamily="2" charset="2"/>
               <a:buChar char="¡"/>
               <a:defRPr sz="1600">
                 <a:solidFill>
@@ -19093,7 +17547,7 @@
                 <a:schemeClr val="tx2"/>
               </a:buClr>
               <a:buSzPct val="70000"/>
-              <a:buFont typeface="Wingdings" pitchFamily="2" charset="2"/>
+              <a:buFont typeface="Wingdings" panose="05000000000000000000" pitchFamily="2" charset="2"/>
               <a:buChar char="¡"/>
               <a:defRPr sz="1600">
                 <a:solidFill>
@@ -19114,7 +17568,7 @@
                 <a:schemeClr val="tx2"/>
               </a:buClr>
               <a:buSzPct val="70000"/>
-              <a:buFont typeface="Wingdings" pitchFamily="2" charset="2"/>
+              <a:buFont typeface="Wingdings" panose="05000000000000000000" pitchFamily="2" charset="2"/>
               <a:buChar char="¡"/>
               <a:defRPr sz="1600">
                 <a:solidFill>
@@ -19142,7 +17596,6 @@
               <a:buSzPct val="70000"/>
               <a:buFont typeface="Wingdings" panose="05000000000000000000" pitchFamily="2" charset="2"/>
               <a:buChar char="n"/>
-              <a:tabLst/>
               <a:defRPr/>
             </a:pPr>
             <a:r>
@@ -19150,8 +17603,8 @@
                 <a:solidFill>
                   <a:srgbClr val="003366"/>
                 </a:solidFill>
-                <a:latin typeface="Arial"/>
-                <a:ea typeface="宋体"/>
+                <a:latin typeface="Arial" panose="020B0604020202020204"/>
+                <a:ea typeface="宋体" panose="02010600030101010101" pitchFamily="2" charset="-122"/>
               </a:rPr>
               <a:t>主要内容</a:t>
             </a:r>
@@ -19165,8 +17618,8 @@
               <a:effectLst/>
               <a:uLnTx/>
               <a:uFillTx/>
-              <a:latin typeface="Arial"/>
-              <a:ea typeface="宋体"/>
+              <a:latin typeface="Arial" panose="020B0604020202020204"/>
+              <a:ea typeface="宋体" panose="02010600030101010101" pitchFamily="2" charset="-122"/>
               <a:cs typeface="+mn-cs"/>
             </a:endParaRPr>
           </a:p>
@@ -19267,11 +17720,6 @@
         </p:txBody>
       </p:sp>
     </p:spTree>
-    <p:extLst>
-      <p:ext uri="{BB962C8B-B14F-4D97-AF65-F5344CB8AC3E}">
-        <p14:creationId xmlns:p14="http://schemas.microsoft.com/office/powerpoint/2010/main" val="1735505714"/>
-      </p:ext>
-    </p:extLst>
   </p:cSld>
   <p:clrMapOvr>
     <a:masterClrMapping/>
@@ -19316,25 +17764,6 @@
           <a:ln>
             <a:noFill/>
           </a:ln>
-          <a:extLst>
-            <a:ext uri="{909E8E84-426E-40dd-AFC4-6F175D3DCCD1}">
-              <a14:hiddenFill xmlns:a14="http://schemas.microsoft.com/office/drawing/2010/main" xmlns="">
-                <a:solidFill>
-                  <a:srgbClr val="FFFFFF"/>
-                </a:solidFill>
-              </a14:hiddenFill>
-            </a:ext>
-            <a:ext uri="{91240B29-F687-4f45-9708-019B960494DF}">
-              <a14:hiddenLine xmlns:a14="http://schemas.microsoft.com/office/drawing/2010/main" xmlns="" w="9525">
-                <a:solidFill>
-                  <a:srgbClr val="000000"/>
-                </a:solidFill>
-                <a:miter lim="800000"/>
-                <a:headEnd/>
-                <a:tailEnd/>
-              </a14:hiddenLine>
-            </a:ext>
-          </a:extLst>
         </p:spPr>
         <p:txBody>
           <a:bodyPr wrap="square" lIns="91436" tIns="45718" rIns="91436" bIns="45718">
@@ -19508,6 +17937,13 @@
               </a:rPr>
               <a:t>协议</a:t>
             </a:r>
+            <a:endParaRPr lang="zh-CN" altLang="en-US" b="1" dirty="0">
+              <a:solidFill>
+                <a:srgbClr val="002060"/>
+              </a:solidFill>
+              <a:latin typeface="微软雅黑" panose="020B0503020204020204" pitchFamily="34" charset="-122"/>
+              <a:ea typeface="微软雅黑" panose="020B0503020204020204" pitchFamily="34" charset="-122"/>
+            </a:endParaRPr>
           </a:p>
         </p:txBody>
       </p:sp>
@@ -19527,25 +17963,6 @@
             <a:ext cx="2133600" cy="365125"/>
           </a:xfrm>
           <a:noFill/>
-          <a:extLst>
-            <a:ext uri="{909E8E84-426E-40dd-AFC4-6F175D3DCCD1}">
-              <a14:hiddenFill xmlns:a14="http://schemas.microsoft.com/office/drawing/2010/main" xmlns="">
-                <a:solidFill>
-                  <a:srgbClr val="FFFFFF"/>
-                </a:solidFill>
-              </a14:hiddenFill>
-            </a:ext>
-            <a:ext uri="{91240B29-F687-4f45-9708-019B960494DF}">
-              <a14:hiddenLine xmlns:a14="http://schemas.microsoft.com/office/drawing/2010/main" xmlns="" w="9525">
-                <a:solidFill>
-                  <a:srgbClr val="000000"/>
-                </a:solidFill>
-                <a:miter lim="800000"/>
-                <a:headEnd/>
-                <a:tailEnd/>
-              </a14:hiddenLine>
-            </a:ext>
-          </a:extLst>
         </p:spPr>
         <p:txBody>
           <a:bodyPr/>
@@ -19564,7 +17981,7 @@
                 <a:ea typeface="宋体" panose="02010600030101010101" pitchFamily="2" charset="-122"/>
               </a:defRPr>
             </a:lvl1pPr>
-            <a:lvl2pPr marL="742920" indent="-285738">
+            <a:lvl2pPr marL="742950" indent="-285750">
               <a:spcBef>
                 <a:spcPct val="20000"/>
               </a:spcBef>
@@ -19578,7 +17995,7 @@
                 <a:ea typeface="宋体" panose="02010600030101010101" pitchFamily="2" charset="-122"/>
               </a:defRPr>
             </a:lvl2pPr>
-            <a:lvl3pPr marL="1142953" indent="-228591">
+            <a:lvl3pPr marL="1143000" indent="-228600">
               <a:spcBef>
                 <a:spcPct val="20000"/>
               </a:spcBef>
@@ -19592,7 +18009,7 @@
                 <a:ea typeface="宋体" panose="02010600030101010101" pitchFamily="2" charset="-122"/>
               </a:defRPr>
             </a:lvl3pPr>
-            <a:lvl4pPr marL="1600135" indent="-228591">
+            <a:lvl4pPr marL="1600200" indent="-228600">
               <a:spcBef>
                 <a:spcPct val="20000"/>
               </a:spcBef>
@@ -19606,7 +18023,7 @@
                 <a:ea typeface="宋体" panose="02010600030101010101" pitchFamily="2" charset="-122"/>
               </a:defRPr>
             </a:lvl4pPr>
-            <a:lvl5pPr marL="2057315" indent="-228591">
+            <a:lvl5pPr marL="2057400" indent="-228600">
               <a:spcBef>
                 <a:spcPct val="20000"/>
               </a:spcBef>
@@ -19620,7 +18037,7 @@
                 <a:ea typeface="宋体" panose="02010600030101010101" pitchFamily="2" charset="-122"/>
               </a:defRPr>
             </a:lvl5pPr>
-            <a:lvl6pPr marL="2514497" indent="-228591" eaLnBrk="0" fontAlgn="base" hangingPunct="0">
+            <a:lvl6pPr marL="2514600" indent="-228600" eaLnBrk="0" fontAlgn="base" hangingPunct="0">
               <a:spcBef>
                 <a:spcPct val="20000"/>
               </a:spcBef>
@@ -19637,7 +18054,7 @@
                 <a:ea typeface="宋体" panose="02010600030101010101" pitchFamily="2" charset="-122"/>
               </a:defRPr>
             </a:lvl6pPr>
-            <a:lvl7pPr marL="2971678" indent="-228591" eaLnBrk="0" fontAlgn="base" hangingPunct="0">
+            <a:lvl7pPr marL="2971800" indent="-228600" eaLnBrk="0" fontAlgn="base" hangingPunct="0">
               <a:spcBef>
                 <a:spcPct val="20000"/>
               </a:spcBef>
@@ -19654,7 +18071,7 @@
                 <a:ea typeface="宋体" panose="02010600030101010101" pitchFamily="2" charset="-122"/>
               </a:defRPr>
             </a:lvl7pPr>
-            <a:lvl8pPr marL="3428859" indent="-228591" eaLnBrk="0" fontAlgn="base" hangingPunct="0">
+            <a:lvl8pPr marL="3429000" indent="-228600" eaLnBrk="0" fontAlgn="base" hangingPunct="0">
               <a:spcBef>
                 <a:spcPct val="20000"/>
               </a:spcBef>
@@ -19671,7 +18088,7 @@
                 <a:ea typeface="宋体" panose="02010600030101010101" pitchFamily="2" charset="-122"/>
               </a:defRPr>
             </a:lvl8pPr>
-            <a:lvl9pPr marL="3886041" indent="-228591" eaLnBrk="0" fontAlgn="base" hangingPunct="0">
+            <a:lvl9pPr marL="3886200" indent="-228600" eaLnBrk="0" fontAlgn="base" hangingPunct="0">
               <a:spcBef>
                 <a:spcPct val="20000"/>
               </a:spcBef>
@@ -19703,14 +18120,6 @@
                   <a:srgbClr val="898989"/>
                 </a:solidFill>
               </a:rPr>
-              <a:pPr>
-                <a:spcBef>
-                  <a:spcPct val="0"/>
-                </a:spcBef>
-                <a:buFontTx/>
-                <a:buNone/>
-              </a:pPr>
-              <a:t>3</a:t>
             </a:fld>
             <a:endParaRPr lang="zh-CN" altLang="en-US" sz="1200" dirty="0">
               <a:solidFill>
@@ -19729,7 +18138,7 @@
           <p:nvPr/>
         </p:nvPicPr>
         <p:blipFill>
-          <a:blip r:embed="rId3" cstate="print">
+          <a:blip r:embed="rId1" cstate="print">
             <a:extLst>
               <a:ext uri="{28A0092B-C50C-407E-A947-70E740481C1C}">
                 <a14:useLocalDpi xmlns:a14="http://schemas.microsoft.com/office/drawing/2010/main" val="0"/>
@@ -19753,25 +18162,6 @@
           <a:ln>
             <a:noFill/>
           </a:ln>
-          <a:extLst>
-            <a:ext uri="{909E8E84-426E-40dd-AFC4-6F175D3DCCD1}">
-              <a14:hiddenFill xmlns:a14="http://schemas.microsoft.com/office/drawing/2010/main" xmlns="">
-                <a:solidFill>
-                  <a:srgbClr val="FFFFFF"/>
-                </a:solidFill>
-              </a14:hiddenFill>
-            </a:ext>
-            <a:ext uri="{91240B29-F687-4f45-9708-019B960494DF}">
-              <a14:hiddenLine xmlns:a14="http://schemas.microsoft.com/office/drawing/2010/main" xmlns="" w="9525">
-                <a:solidFill>
-                  <a:srgbClr val="000000"/>
-                </a:solidFill>
-                <a:miter lim="800000"/>
-                <a:headEnd/>
-                <a:tailEnd/>
-              </a14:hiddenLine>
-            </a:ext>
-          </a:extLst>
         </p:spPr>
       </p:pic>
       <p:sp>
@@ -19807,8 +18197,8 @@
                 <a:solidFill>
                   <a:srgbClr val="003366"/>
                 </a:solidFill>
-                <a:latin typeface="Arial"/>
-                <a:ea typeface="宋体"/>
+                <a:latin typeface="Arial" panose="020B0604020202020204"/>
+                <a:ea typeface="宋体" panose="02010600030101010101" pitchFamily="2" charset="-122"/>
               </a:rPr>
               <a:t>Gossip</a:t>
             </a:r>
@@ -19817,11 +18207,18 @@
                 <a:solidFill>
                   <a:srgbClr val="003366"/>
                 </a:solidFill>
-                <a:latin typeface="Arial"/>
-                <a:ea typeface="宋体"/>
+                <a:latin typeface="Arial" panose="020B0604020202020204"/>
+                <a:ea typeface="宋体" panose="02010600030101010101" pitchFamily="2" charset="-122"/>
               </a:rPr>
               <a:t>协议的应用背景</a:t>
             </a:r>
+            <a:endParaRPr lang="zh-CN" altLang="en-US" kern="0" dirty="0">
+              <a:solidFill>
+                <a:srgbClr val="003366"/>
+              </a:solidFill>
+              <a:latin typeface="Arial" panose="020B0604020202020204"/>
+              <a:ea typeface="宋体" panose="02010600030101010101" pitchFamily="2" charset="-122"/>
+            </a:endParaRPr>
           </a:p>
           <a:p>
             <a:pPr marL="742950" lvl="1" indent="-285750" eaLnBrk="1" hangingPunct="1">
@@ -19873,7 +18270,27 @@
                 <a:latin typeface="仿宋" panose="02010609060101010101" pitchFamily="49" charset="-122"/>
                 <a:ea typeface="仿宋" panose="02010609060101010101" pitchFamily="49" charset="-122"/>
               </a:rPr>
-              <a:t>协议，是基于流行病传播方式的节点或者进程之间信息交换的协议，在分布式系统中被广泛使用，比如我们可以使用</a:t>
+              <a:t>协议，</a:t>
+            </a:r>
+            <a:r>
+              <a:rPr lang="zh-CN" altLang="en-US" sz="2400" b="1" kern="0" dirty="0">
+                <a:solidFill>
+                  <a:srgbClr val="FF0000"/>
+                </a:solidFill>
+                <a:latin typeface="仿宋" panose="02010609060101010101" pitchFamily="49" charset="-122"/>
+                <a:ea typeface="仿宋" panose="02010609060101010101" pitchFamily="49" charset="-122"/>
+              </a:rPr>
+              <a:t>是基于流行病传播方式的节点或者进程之间信息交换的协议</a:t>
+            </a:r>
+            <a:r>
+              <a:rPr lang="zh-CN" altLang="en-US" sz="2400" kern="0" dirty="0">
+                <a:solidFill>
+                  <a:srgbClr val="003366"/>
+                </a:solidFill>
+                <a:latin typeface="仿宋" panose="02010609060101010101" pitchFamily="49" charset="-122"/>
+                <a:ea typeface="仿宋" panose="02010609060101010101" pitchFamily="49" charset="-122"/>
+              </a:rPr>
+              <a:t>，在分布式系统中被广泛使用，比如我们可以使用</a:t>
             </a:r>
             <a:r>
               <a:rPr lang="en-US" altLang="zh-CN" sz="2400" kern="0" dirty="0">
@@ -19937,8 +18354,8 @@
                 <a:solidFill>
                   <a:srgbClr val="003366"/>
                 </a:solidFill>
-                <a:latin typeface="Arial"/>
-                <a:ea typeface="宋体"/>
+                <a:latin typeface="Arial" panose="020B0604020202020204"/>
+                <a:ea typeface="宋体" panose="02010600030101010101" pitchFamily="2" charset="-122"/>
               </a:rPr>
               <a:t>Gossip</a:t>
             </a:r>
@@ -19947,11 +18364,18 @@
                 <a:solidFill>
                   <a:srgbClr val="003366"/>
                 </a:solidFill>
-                <a:latin typeface="Arial"/>
-                <a:ea typeface="宋体"/>
+                <a:latin typeface="Arial" panose="020B0604020202020204"/>
+                <a:ea typeface="宋体" panose="02010600030101010101" pitchFamily="2" charset="-122"/>
               </a:rPr>
               <a:t>协议的应用背景</a:t>
             </a:r>
+            <a:endParaRPr lang="zh-CN" altLang="en-US" kern="0" dirty="0">
+              <a:solidFill>
+                <a:srgbClr val="003366"/>
+              </a:solidFill>
+              <a:latin typeface="Arial" panose="020B0604020202020204"/>
+              <a:ea typeface="宋体" panose="02010600030101010101" pitchFamily="2" charset="-122"/>
+            </a:endParaRPr>
           </a:p>
           <a:p>
             <a:pPr marL="742950" lvl="1" indent="-285750" eaLnBrk="1" hangingPunct="1">
@@ -20195,15 +18619,17 @@
               </a:rPr>
               <a:t>大量的结点都会收到</a:t>
             </a:r>
+            <a:endParaRPr lang="zh-CN" altLang="en-US" sz="2400" kern="0" dirty="0">
+              <a:solidFill>
+                <a:srgbClr val="003366"/>
+              </a:solidFill>
+              <a:latin typeface="仿宋" panose="02010609060101010101" pitchFamily="49" charset="-122"/>
+              <a:ea typeface="仿宋" panose="02010609060101010101" pitchFamily="49" charset="-122"/>
+            </a:endParaRPr>
           </a:p>
         </p:txBody>
       </p:sp>
     </p:spTree>
-    <p:extLst>
-      <p:ext uri="{BB962C8B-B14F-4D97-AF65-F5344CB8AC3E}">
-        <p14:creationId xmlns:p14="http://schemas.microsoft.com/office/powerpoint/2010/main" val="3035819535"/>
-      </p:ext>
-    </p:extLst>
   </p:cSld>
   <p:clrMapOvr>
     <a:masterClrMapping/>
@@ -20248,25 +18674,6 @@
           <a:ln>
             <a:noFill/>
           </a:ln>
-          <a:extLst>
-            <a:ext uri="{909E8E84-426E-40dd-AFC4-6F175D3DCCD1}">
-              <a14:hiddenFill xmlns:a14="http://schemas.microsoft.com/office/drawing/2010/main" xmlns="">
-                <a:solidFill>
-                  <a:srgbClr val="FFFFFF"/>
-                </a:solidFill>
-              </a14:hiddenFill>
-            </a:ext>
-            <a:ext uri="{91240B29-F687-4f45-9708-019B960494DF}">
-              <a14:hiddenLine xmlns:a14="http://schemas.microsoft.com/office/drawing/2010/main" xmlns="" w="9525">
-                <a:solidFill>
-                  <a:srgbClr val="000000"/>
-                </a:solidFill>
-                <a:miter lim="800000"/>
-                <a:headEnd/>
-                <a:tailEnd/>
-              </a14:hiddenLine>
-            </a:ext>
-          </a:extLst>
         </p:spPr>
         <p:txBody>
           <a:bodyPr wrap="square" lIns="91436" tIns="45718" rIns="91436" bIns="45718">
@@ -20440,6 +18847,13 @@
               </a:rPr>
               <a:t>协议</a:t>
             </a:r>
+            <a:endParaRPr lang="zh-CN" altLang="en-US" b="1" dirty="0">
+              <a:solidFill>
+                <a:srgbClr val="002060"/>
+              </a:solidFill>
+              <a:latin typeface="微软雅黑" panose="020B0503020204020204" pitchFamily="34" charset="-122"/>
+              <a:ea typeface="微软雅黑" panose="020B0503020204020204" pitchFamily="34" charset="-122"/>
+            </a:endParaRPr>
           </a:p>
         </p:txBody>
       </p:sp>
@@ -20459,25 +18873,6 @@
             <a:ext cx="2133600" cy="365125"/>
           </a:xfrm>
           <a:noFill/>
-          <a:extLst>
-            <a:ext uri="{909E8E84-426E-40dd-AFC4-6F175D3DCCD1}">
-              <a14:hiddenFill xmlns:a14="http://schemas.microsoft.com/office/drawing/2010/main" xmlns="">
-                <a:solidFill>
-                  <a:srgbClr val="FFFFFF"/>
-                </a:solidFill>
-              </a14:hiddenFill>
-            </a:ext>
-            <a:ext uri="{91240B29-F687-4f45-9708-019B960494DF}">
-              <a14:hiddenLine xmlns:a14="http://schemas.microsoft.com/office/drawing/2010/main" xmlns="" w="9525">
-                <a:solidFill>
-                  <a:srgbClr val="000000"/>
-                </a:solidFill>
-                <a:miter lim="800000"/>
-                <a:headEnd/>
-                <a:tailEnd/>
-              </a14:hiddenLine>
-            </a:ext>
-          </a:extLst>
         </p:spPr>
         <p:txBody>
           <a:bodyPr/>
@@ -20496,7 +18891,7 @@
                 <a:ea typeface="宋体" panose="02010600030101010101" pitchFamily="2" charset="-122"/>
               </a:defRPr>
             </a:lvl1pPr>
-            <a:lvl2pPr marL="742920" indent="-285738">
+            <a:lvl2pPr marL="742950" indent="-285750">
               <a:spcBef>
                 <a:spcPct val="20000"/>
               </a:spcBef>
@@ -20510,7 +18905,7 @@
                 <a:ea typeface="宋体" panose="02010600030101010101" pitchFamily="2" charset="-122"/>
               </a:defRPr>
             </a:lvl2pPr>
-            <a:lvl3pPr marL="1142953" indent="-228591">
+            <a:lvl3pPr marL="1143000" indent="-228600">
               <a:spcBef>
                 <a:spcPct val="20000"/>
               </a:spcBef>
@@ -20524,7 +18919,7 @@
                 <a:ea typeface="宋体" panose="02010600030101010101" pitchFamily="2" charset="-122"/>
               </a:defRPr>
             </a:lvl3pPr>
-            <a:lvl4pPr marL="1600135" indent="-228591">
+            <a:lvl4pPr marL="1600200" indent="-228600">
               <a:spcBef>
                 <a:spcPct val="20000"/>
               </a:spcBef>
@@ -20538,7 +18933,7 @@
                 <a:ea typeface="宋体" panose="02010600030101010101" pitchFamily="2" charset="-122"/>
               </a:defRPr>
             </a:lvl4pPr>
-            <a:lvl5pPr marL="2057315" indent="-228591">
+            <a:lvl5pPr marL="2057400" indent="-228600">
               <a:spcBef>
                 <a:spcPct val="20000"/>
               </a:spcBef>
@@ -20552,7 +18947,7 @@
                 <a:ea typeface="宋体" panose="02010600030101010101" pitchFamily="2" charset="-122"/>
               </a:defRPr>
             </a:lvl5pPr>
-            <a:lvl6pPr marL="2514497" indent="-228591" eaLnBrk="0" fontAlgn="base" hangingPunct="0">
+            <a:lvl6pPr marL="2514600" indent="-228600" eaLnBrk="0" fontAlgn="base" hangingPunct="0">
               <a:spcBef>
                 <a:spcPct val="20000"/>
               </a:spcBef>
@@ -20569,7 +18964,7 @@
                 <a:ea typeface="宋体" panose="02010600030101010101" pitchFamily="2" charset="-122"/>
               </a:defRPr>
             </a:lvl6pPr>
-            <a:lvl7pPr marL="2971678" indent="-228591" eaLnBrk="0" fontAlgn="base" hangingPunct="0">
+            <a:lvl7pPr marL="2971800" indent="-228600" eaLnBrk="0" fontAlgn="base" hangingPunct="0">
               <a:spcBef>
                 <a:spcPct val="20000"/>
               </a:spcBef>
@@ -20586,7 +18981,7 @@
                 <a:ea typeface="宋体" panose="02010600030101010101" pitchFamily="2" charset="-122"/>
               </a:defRPr>
             </a:lvl7pPr>
-            <a:lvl8pPr marL="3428859" indent="-228591" eaLnBrk="0" fontAlgn="base" hangingPunct="0">
+            <a:lvl8pPr marL="3429000" indent="-228600" eaLnBrk="0" fontAlgn="base" hangingPunct="0">
               <a:spcBef>
                 <a:spcPct val="20000"/>
               </a:spcBef>
@@ -20603,7 +18998,7 @@
                 <a:ea typeface="宋体" panose="02010600030101010101" pitchFamily="2" charset="-122"/>
               </a:defRPr>
             </a:lvl8pPr>
-            <a:lvl9pPr marL="3886041" indent="-228591" eaLnBrk="0" fontAlgn="base" hangingPunct="0">
+            <a:lvl9pPr marL="3886200" indent="-228600" eaLnBrk="0" fontAlgn="base" hangingPunct="0">
               <a:spcBef>
                 <a:spcPct val="20000"/>
               </a:spcBef>
@@ -20635,14 +19030,6 @@
                   <a:srgbClr val="898989"/>
                 </a:solidFill>
               </a:rPr>
-              <a:pPr>
-                <a:spcBef>
-                  <a:spcPct val="0"/>
-                </a:spcBef>
-                <a:buFontTx/>
-                <a:buNone/>
-              </a:pPr>
-              <a:t>4</a:t>
             </a:fld>
             <a:endParaRPr lang="zh-CN" altLang="en-US" sz="1200" dirty="0">
               <a:solidFill>
@@ -20661,7 +19048,7 @@
           <p:nvPr/>
         </p:nvPicPr>
         <p:blipFill>
-          <a:blip r:embed="rId3" cstate="print">
+          <a:blip r:embed="rId1" cstate="print">
             <a:extLst>
               <a:ext uri="{28A0092B-C50C-407E-A947-70E740481C1C}">
                 <a14:useLocalDpi xmlns:a14="http://schemas.microsoft.com/office/drawing/2010/main" val="0"/>
@@ -20685,25 +19072,6 @@
           <a:ln>
             <a:noFill/>
           </a:ln>
-          <a:extLst>
-            <a:ext uri="{909E8E84-426E-40dd-AFC4-6F175D3DCCD1}">
-              <a14:hiddenFill xmlns:a14="http://schemas.microsoft.com/office/drawing/2010/main" xmlns="">
-                <a:solidFill>
-                  <a:srgbClr val="FFFFFF"/>
-                </a:solidFill>
-              </a14:hiddenFill>
-            </a:ext>
-            <a:ext uri="{91240B29-F687-4f45-9708-019B960494DF}">
-              <a14:hiddenLine xmlns:a14="http://schemas.microsoft.com/office/drawing/2010/main" xmlns="" w="9525">
-                <a:solidFill>
-                  <a:srgbClr val="000000"/>
-                </a:solidFill>
-                <a:miter lim="800000"/>
-                <a:headEnd/>
-                <a:tailEnd/>
-              </a14:hiddenLine>
-            </a:ext>
-          </a:extLst>
         </p:spPr>
       </p:pic>
       <p:sp>
@@ -20739,8 +19107,8 @@
                 <a:solidFill>
                   <a:srgbClr val="003366"/>
                 </a:solidFill>
-                <a:latin typeface="Arial"/>
-                <a:ea typeface="宋体"/>
+                <a:latin typeface="Arial" panose="020B0604020202020204"/>
+                <a:ea typeface="宋体" panose="02010600030101010101" pitchFamily="2" charset="-122"/>
               </a:rPr>
               <a:t>Gossip</a:t>
             </a:r>
@@ -20749,11 +19117,18 @@
                 <a:solidFill>
                   <a:srgbClr val="003366"/>
                 </a:solidFill>
-                <a:latin typeface="Arial"/>
-                <a:ea typeface="宋体"/>
+                <a:latin typeface="Arial" panose="020B0604020202020204"/>
+                <a:ea typeface="宋体" panose="02010600030101010101" pitchFamily="2" charset="-122"/>
               </a:rPr>
               <a:t>协议的两种工作方式</a:t>
             </a:r>
+            <a:endParaRPr lang="zh-CN" altLang="en-US" kern="0" dirty="0">
+              <a:solidFill>
+                <a:srgbClr val="003366"/>
+              </a:solidFill>
+              <a:latin typeface="Arial" panose="020B0604020202020204"/>
+              <a:ea typeface="宋体" panose="02010600030101010101" pitchFamily="2" charset="-122"/>
+            </a:endParaRPr>
           </a:p>
           <a:p>
             <a:pPr marL="742950" lvl="1" indent="-285750" eaLnBrk="1" hangingPunct="1">
@@ -21030,11 +19405,6 @@
         </p:txBody>
       </p:sp>
     </p:spTree>
-    <p:extLst>
-      <p:ext uri="{BB962C8B-B14F-4D97-AF65-F5344CB8AC3E}">
-        <p14:creationId xmlns:p14="http://schemas.microsoft.com/office/powerpoint/2010/main" val="157998073"/>
-      </p:ext>
-    </p:extLst>
   </p:cSld>
   <p:clrMapOvr>
     <a:masterClrMapping/>
@@ -21079,25 +19449,6 @@
           <a:ln>
             <a:noFill/>
           </a:ln>
-          <a:extLst>
-            <a:ext uri="{909E8E84-426E-40dd-AFC4-6F175D3DCCD1}">
-              <a14:hiddenFill xmlns:a14="http://schemas.microsoft.com/office/drawing/2010/main" xmlns="">
-                <a:solidFill>
-                  <a:srgbClr val="FFFFFF"/>
-                </a:solidFill>
-              </a14:hiddenFill>
-            </a:ext>
-            <a:ext uri="{91240B29-F687-4f45-9708-019B960494DF}">
-              <a14:hiddenLine xmlns:a14="http://schemas.microsoft.com/office/drawing/2010/main" xmlns="" w="9525">
-                <a:solidFill>
-                  <a:srgbClr val="000000"/>
-                </a:solidFill>
-                <a:miter lim="800000"/>
-                <a:headEnd/>
-                <a:tailEnd/>
-              </a14:hiddenLine>
-            </a:ext>
-          </a:extLst>
         </p:spPr>
         <p:txBody>
           <a:bodyPr wrap="square" lIns="91436" tIns="45718" rIns="91436" bIns="45718">
@@ -21271,6 +19622,13 @@
               </a:rPr>
               <a:t>协议</a:t>
             </a:r>
+            <a:endParaRPr lang="zh-CN" altLang="en-US" b="1" dirty="0">
+              <a:solidFill>
+                <a:srgbClr val="002060"/>
+              </a:solidFill>
+              <a:latin typeface="微软雅黑" panose="020B0503020204020204" pitchFamily="34" charset="-122"/>
+              <a:ea typeface="微软雅黑" panose="020B0503020204020204" pitchFamily="34" charset="-122"/>
+            </a:endParaRPr>
           </a:p>
         </p:txBody>
       </p:sp>
@@ -21290,25 +19648,6 @@
             <a:ext cx="2133600" cy="365125"/>
           </a:xfrm>
           <a:noFill/>
-          <a:extLst>
-            <a:ext uri="{909E8E84-426E-40dd-AFC4-6F175D3DCCD1}">
-              <a14:hiddenFill xmlns:a14="http://schemas.microsoft.com/office/drawing/2010/main" xmlns="">
-                <a:solidFill>
-                  <a:srgbClr val="FFFFFF"/>
-                </a:solidFill>
-              </a14:hiddenFill>
-            </a:ext>
-            <a:ext uri="{91240B29-F687-4f45-9708-019B960494DF}">
-              <a14:hiddenLine xmlns:a14="http://schemas.microsoft.com/office/drawing/2010/main" xmlns="" w="9525">
-                <a:solidFill>
-                  <a:srgbClr val="000000"/>
-                </a:solidFill>
-                <a:miter lim="800000"/>
-                <a:headEnd/>
-                <a:tailEnd/>
-              </a14:hiddenLine>
-            </a:ext>
-          </a:extLst>
         </p:spPr>
         <p:txBody>
           <a:bodyPr/>
@@ -21327,7 +19666,7 @@
                 <a:ea typeface="宋体" panose="02010600030101010101" pitchFamily="2" charset="-122"/>
               </a:defRPr>
             </a:lvl1pPr>
-            <a:lvl2pPr marL="742920" indent="-285738">
+            <a:lvl2pPr marL="742950" indent="-285750">
               <a:spcBef>
                 <a:spcPct val="20000"/>
               </a:spcBef>
@@ -21341,7 +19680,7 @@
                 <a:ea typeface="宋体" panose="02010600030101010101" pitchFamily="2" charset="-122"/>
               </a:defRPr>
             </a:lvl2pPr>
-            <a:lvl3pPr marL="1142953" indent="-228591">
+            <a:lvl3pPr marL="1143000" indent="-228600">
               <a:spcBef>
                 <a:spcPct val="20000"/>
               </a:spcBef>
@@ -21355,7 +19694,7 @@
                 <a:ea typeface="宋体" panose="02010600030101010101" pitchFamily="2" charset="-122"/>
               </a:defRPr>
             </a:lvl3pPr>
-            <a:lvl4pPr marL="1600135" indent="-228591">
+            <a:lvl4pPr marL="1600200" indent="-228600">
               <a:spcBef>
                 <a:spcPct val="20000"/>
               </a:spcBef>
@@ -21369,7 +19708,7 @@
                 <a:ea typeface="宋体" panose="02010600030101010101" pitchFamily="2" charset="-122"/>
               </a:defRPr>
             </a:lvl4pPr>
-            <a:lvl5pPr marL="2057315" indent="-228591">
+            <a:lvl5pPr marL="2057400" indent="-228600">
               <a:spcBef>
                 <a:spcPct val="20000"/>
               </a:spcBef>
@@ -21383,7 +19722,7 @@
                 <a:ea typeface="宋体" panose="02010600030101010101" pitchFamily="2" charset="-122"/>
               </a:defRPr>
             </a:lvl5pPr>
-            <a:lvl6pPr marL="2514497" indent="-228591" eaLnBrk="0" fontAlgn="base" hangingPunct="0">
+            <a:lvl6pPr marL="2514600" indent="-228600" eaLnBrk="0" fontAlgn="base" hangingPunct="0">
               <a:spcBef>
                 <a:spcPct val="20000"/>
               </a:spcBef>
@@ -21400,7 +19739,7 @@
                 <a:ea typeface="宋体" panose="02010600030101010101" pitchFamily="2" charset="-122"/>
               </a:defRPr>
             </a:lvl6pPr>
-            <a:lvl7pPr marL="2971678" indent="-228591" eaLnBrk="0" fontAlgn="base" hangingPunct="0">
+            <a:lvl7pPr marL="2971800" indent="-228600" eaLnBrk="0" fontAlgn="base" hangingPunct="0">
               <a:spcBef>
                 <a:spcPct val="20000"/>
               </a:spcBef>
@@ -21417,7 +19756,7 @@
                 <a:ea typeface="宋体" panose="02010600030101010101" pitchFamily="2" charset="-122"/>
               </a:defRPr>
             </a:lvl7pPr>
-            <a:lvl8pPr marL="3428859" indent="-228591" eaLnBrk="0" fontAlgn="base" hangingPunct="0">
+            <a:lvl8pPr marL="3429000" indent="-228600" eaLnBrk="0" fontAlgn="base" hangingPunct="0">
               <a:spcBef>
                 <a:spcPct val="20000"/>
               </a:spcBef>
@@ -21434,7 +19773,7 @@
                 <a:ea typeface="宋体" panose="02010600030101010101" pitchFamily="2" charset="-122"/>
               </a:defRPr>
             </a:lvl8pPr>
-            <a:lvl9pPr marL="3886041" indent="-228591" eaLnBrk="0" fontAlgn="base" hangingPunct="0">
+            <a:lvl9pPr marL="3886200" indent="-228600" eaLnBrk="0" fontAlgn="base" hangingPunct="0">
               <a:spcBef>
                 <a:spcPct val="20000"/>
               </a:spcBef>
@@ -21466,14 +19805,6 @@
                   <a:srgbClr val="898989"/>
                 </a:solidFill>
               </a:rPr>
-              <a:pPr>
-                <a:spcBef>
-                  <a:spcPct val="0"/>
-                </a:spcBef>
-                <a:buFontTx/>
-                <a:buNone/>
-              </a:pPr>
-              <a:t>5</a:t>
             </a:fld>
             <a:endParaRPr lang="zh-CN" altLang="en-US" sz="1200" dirty="0">
               <a:solidFill>
@@ -21492,7 +19823,7 @@
           <p:nvPr/>
         </p:nvPicPr>
         <p:blipFill>
-          <a:blip r:embed="rId3" cstate="print">
+          <a:blip r:embed="rId1" cstate="print">
             <a:extLst>
               <a:ext uri="{28A0092B-C50C-407E-A947-70E740481C1C}">
                 <a14:useLocalDpi xmlns:a14="http://schemas.microsoft.com/office/drawing/2010/main" val="0"/>
@@ -21516,25 +19847,6 @@
           <a:ln>
             <a:noFill/>
           </a:ln>
-          <a:extLst>
-            <a:ext uri="{909E8E84-426E-40dd-AFC4-6F175D3DCCD1}">
-              <a14:hiddenFill xmlns:a14="http://schemas.microsoft.com/office/drawing/2010/main" xmlns="">
-                <a:solidFill>
-                  <a:srgbClr val="FFFFFF"/>
-                </a:solidFill>
-              </a14:hiddenFill>
-            </a:ext>
-            <a:ext uri="{91240B29-F687-4f45-9708-019B960494DF}">
-              <a14:hiddenLine xmlns:a14="http://schemas.microsoft.com/office/drawing/2010/main" xmlns="" w="9525">
-                <a:solidFill>
-                  <a:srgbClr val="000000"/>
-                </a:solidFill>
-                <a:miter lim="800000"/>
-                <a:headEnd/>
-                <a:tailEnd/>
-              </a14:hiddenLine>
-            </a:ext>
-          </a:extLst>
         </p:spPr>
       </p:pic>
       <p:sp>
@@ -21570,8 +19882,8 @@
                 <a:solidFill>
                   <a:srgbClr val="003366"/>
                 </a:solidFill>
-                <a:latin typeface="Arial"/>
-                <a:ea typeface="宋体"/>
+                <a:latin typeface="Arial" panose="020B0604020202020204"/>
+                <a:ea typeface="宋体" panose="02010600030101010101" pitchFamily="2" charset="-122"/>
               </a:rPr>
               <a:t>Gossip</a:t>
             </a:r>
@@ -21580,11 +19892,18 @@
                 <a:solidFill>
                   <a:srgbClr val="003366"/>
                 </a:solidFill>
-                <a:latin typeface="Arial"/>
-                <a:ea typeface="宋体"/>
+                <a:latin typeface="Arial" panose="020B0604020202020204"/>
+                <a:ea typeface="宋体" panose="02010600030101010101" pitchFamily="2" charset="-122"/>
               </a:rPr>
               <a:t>协议的三种通信模式</a:t>
             </a:r>
+            <a:endParaRPr lang="zh-CN" altLang="en-US" kern="0" dirty="0">
+              <a:solidFill>
+                <a:srgbClr val="003366"/>
+              </a:solidFill>
+              <a:latin typeface="Arial" panose="020B0604020202020204"/>
+              <a:ea typeface="宋体" panose="02010600030101010101" pitchFamily="2" charset="-122"/>
+            </a:endParaRPr>
           </a:p>
           <a:p>
             <a:pPr marL="742950" lvl="1" indent="-285750" eaLnBrk="1" hangingPunct="1">
@@ -21755,9 +20074,19 @@
               </a:rPr>
               <a:t>中比自己新的数据</a:t>
             </a:r>
+            <a:r>
+              <a:rPr lang="zh-CN" altLang="en-US" sz="2000" kern="0" dirty="0">
+                <a:solidFill>
+                  <a:srgbClr val="FF0000"/>
+                </a:solidFill>
+                <a:latin typeface="仿宋" panose="02010609060101010101" pitchFamily="49" charset="-122"/>
+                <a:ea typeface="仿宋" panose="02010609060101010101" pitchFamily="49" charset="-122"/>
+              </a:rPr>
+              <a:t>（把新的内容推过去）</a:t>
+            </a:r>
             <a:endParaRPr lang="en-US" altLang="zh-CN" sz="2000" kern="0" dirty="0">
               <a:solidFill>
-                <a:srgbClr val="003366"/>
+                <a:srgbClr val="FF0000"/>
               </a:solidFill>
               <a:latin typeface="仿宋" panose="02010609060101010101" pitchFamily="49" charset="-122"/>
               <a:ea typeface="仿宋" panose="02010609060101010101" pitchFamily="49" charset="-122"/>
@@ -21972,9 +20301,99 @@
               </a:rPr>
               <a:t>更新本地</a:t>
             </a:r>
+            <a:r>
+              <a:rPr lang="zh-CN" altLang="en-US" sz="2000" kern="0" dirty="0">
+                <a:solidFill>
+                  <a:srgbClr val="FF0000"/>
+                </a:solidFill>
+                <a:latin typeface="仿宋" panose="02010609060101010101" pitchFamily="49" charset="-122"/>
+                <a:ea typeface="仿宋" panose="02010609060101010101" pitchFamily="49" charset="-122"/>
+              </a:rPr>
+              <a:t>（</a:t>
+            </a:r>
+            <a:r>
+              <a:rPr lang="en-US" altLang="zh-CN" sz="2000" kern="0" dirty="0">
+                <a:solidFill>
+                  <a:srgbClr val="FF0000"/>
+                </a:solidFill>
+                <a:latin typeface="仿宋" panose="02010609060101010101" pitchFamily="49" charset="-122"/>
+                <a:ea typeface="仿宋" panose="02010609060101010101" pitchFamily="49" charset="-122"/>
+              </a:rPr>
+              <a:t>B</a:t>
+            </a:r>
+            <a:r>
+              <a:rPr lang="zh-CN" altLang="en-US" sz="2000" kern="0" dirty="0">
+                <a:solidFill>
+                  <a:srgbClr val="FF0000"/>
+                </a:solidFill>
+                <a:latin typeface="仿宋" panose="02010609060101010101" pitchFamily="49" charset="-122"/>
+                <a:ea typeface="仿宋" panose="02010609060101010101" pitchFamily="49" charset="-122"/>
+              </a:rPr>
+              <a:t>根据</a:t>
+            </a:r>
+            <a:r>
+              <a:rPr lang="en-US" altLang="zh-CN" sz="2000" kern="0" dirty="0">
+                <a:solidFill>
+                  <a:srgbClr val="FF0000"/>
+                </a:solidFill>
+                <a:latin typeface="仿宋" panose="02010609060101010101" pitchFamily="49" charset="-122"/>
+                <a:ea typeface="仿宋" panose="02010609060101010101" pitchFamily="49" charset="-122"/>
+              </a:rPr>
+              <a:t>A</a:t>
+            </a:r>
+            <a:r>
+              <a:rPr lang="zh-CN" altLang="en-US" sz="2000" kern="0" dirty="0">
+                <a:solidFill>
+                  <a:srgbClr val="FF0000"/>
+                </a:solidFill>
+                <a:latin typeface="仿宋" panose="02010609060101010101" pitchFamily="49" charset="-122"/>
+                <a:ea typeface="仿宋" panose="02010609060101010101" pitchFamily="49" charset="-122"/>
+              </a:rPr>
+              <a:t>的信息告诉</a:t>
+            </a:r>
+            <a:r>
+              <a:rPr lang="en-US" altLang="zh-CN" sz="2000" kern="0" dirty="0">
+                <a:solidFill>
+                  <a:srgbClr val="FF0000"/>
+                </a:solidFill>
+                <a:latin typeface="仿宋" panose="02010609060101010101" pitchFamily="49" charset="-122"/>
+                <a:ea typeface="仿宋" panose="02010609060101010101" pitchFamily="49" charset="-122"/>
+              </a:rPr>
+              <a:t>A</a:t>
+            </a:r>
+            <a:r>
+              <a:rPr lang="zh-CN" altLang="en-US" sz="2000" kern="0" dirty="0">
+                <a:solidFill>
+                  <a:srgbClr val="FF0000"/>
+                </a:solidFill>
+                <a:latin typeface="仿宋" panose="02010609060101010101" pitchFamily="49" charset="-122"/>
+                <a:ea typeface="仿宋" panose="02010609060101010101" pitchFamily="49" charset="-122"/>
+              </a:rPr>
+              <a:t>有哪些信息已被更新，</a:t>
+            </a:r>
+            <a:r>
+              <a:rPr lang="en-US" altLang="zh-CN" sz="2000" kern="0" dirty="0">
+                <a:solidFill>
+                  <a:srgbClr val="FF0000"/>
+                </a:solidFill>
+                <a:latin typeface="仿宋" panose="02010609060101010101" pitchFamily="49" charset="-122"/>
+                <a:ea typeface="仿宋" panose="02010609060101010101" pitchFamily="49" charset="-122"/>
+              </a:rPr>
+              <a:t>A</a:t>
+            </a:r>
+            <a:r>
+              <a:rPr lang="zh-CN" altLang="en-US" sz="2000" kern="0" dirty="0">
+                <a:solidFill>
+                  <a:srgbClr val="FF0000"/>
+                </a:solidFill>
+                <a:latin typeface="仿宋" panose="02010609060101010101" pitchFamily="49" charset="-122"/>
+                <a:ea typeface="仿宋" panose="02010609060101010101" pitchFamily="49" charset="-122"/>
+              </a:rPr>
+              <a:t>再更新）</a:t>
+            </a:r>
             <a:endParaRPr lang="en-US" altLang="zh-CN" sz="2000" kern="0" dirty="0">
               <a:solidFill>
-                <a:srgbClr val="003366"/>
+                <a:srgbClr val="FF0000"/>
               </a:solidFill>
               <a:latin typeface="仿宋" panose="02010609060101010101" pitchFamily="49" charset="-122"/>
               <a:ea typeface="仿宋" panose="02010609060101010101" pitchFamily="49" charset="-122"/>
@@ -22394,11 +20813,6 @@
         </p:txBody>
       </p:sp>
     </p:spTree>
-    <p:extLst>
-      <p:ext uri="{BB962C8B-B14F-4D97-AF65-F5344CB8AC3E}">
-        <p14:creationId xmlns:p14="http://schemas.microsoft.com/office/powerpoint/2010/main" val="3856500922"/>
-      </p:ext>
-    </p:extLst>
   </p:cSld>
   <p:clrMapOvr>
     <a:masterClrMapping/>
@@ -22443,25 +20857,6 @@
           <a:ln>
             <a:noFill/>
           </a:ln>
-          <a:extLst>
-            <a:ext uri="{909E8E84-426E-40dd-AFC4-6F175D3DCCD1}">
-              <a14:hiddenFill xmlns:a14="http://schemas.microsoft.com/office/drawing/2010/main" xmlns="">
-                <a:solidFill>
-                  <a:srgbClr val="FFFFFF"/>
-                </a:solidFill>
-              </a14:hiddenFill>
-            </a:ext>
-            <a:ext uri="{91240B29-F687-4f45-9708-019B960494DF}">
-              <a14:hiddenLine xmlns:a14="http://schemas.microsoft.com/office/drawing/2010/main" xmlns="" w="9525">
-                <a:solidFill>
-                  <a:srgbClr val="000000"/>
-                </a:solidFill>
-                <a:miter lim="800000"/>
-                <a:headEnd/>
-                <a:tailEnd/>
-              </a14:hiddenLine>
-            </a:ext>
-          </a:extLst>
         </p:spPr>
         <p:txBody>
           <a:bodyPr wrap="square" lIns="91436" tIns="45718" rIns="91436" bIns="45718">
@@ -22635,6 +21030,13 @@
               </a:rPr>
               <a:t>协议</a:t>
             </a:r>
+            <a:endParaRPr lang="zh-CN" altLang="en-US" b="1" dirty="0">
+              <a:solidFill>
+                <a:srgbClr val="002060"/>
+              </a:solidFill>
+              <a:latin typeface="微软雅黑" panose="020B0503020204020204" pitchFamily="34" charset="-122"/>
+              <a:ea typeface="微软雅黑" panose="020B0503020204020204" pitchFamily="34" charset="-122"/>
+            </a:endParaRPr>
           </a:p>
         </p:txBody>
       </p:sp>
@@ -22654,25 +21056,6 @@
             <a:ext cx="2133600" cy="365125"/>
           </a:xfrm>
           <a:noFill/>
-          <a:extLst>
-            <a:ext uri="{909E8E84-426E-40dd-AFC4-6F175D3DCCD1}">
-              <a14:hiddenFill xmlns:a14="http://schemas.microsoft.com/office/drawing/2010/main" xmlns="">
-                <a:solidFill>
-                  <a:srgbClr val="FFFFFF"/>
-                </a:solidFill>
-              </a14:hiddenFill>
-            </a:ext>
-            <a:ext uri="{91240B29-F687-4f45-9708-019B960494DF}">
-              <a14:hiddenLine xmlns:a14="http://schemas.microsoft.com/office/drawing/2010/main" xmlns="" w="9525">
-                <a:solidFill>
-                  <a:srgbClr val="000000"/>
-                </a:solidFill>
-                <a:miter lim="800000"/>
-                <a:headEnd/>
-                <a:tailEnd/>
-              </a14:hiddenLine>
-            </a:ext>
-          </a:extLst>
         </p:spPr>
         <p:txBody>
           <a:bodyPr/>
@@ -22691,7 +21074,7 @@
                 <a:ea typeface="宋体" panose="02010600030101010101" pitchFamily="2" charset="-122"/>
               </a:defRPr>
             </a:lvl1pPr>
-            <a:lvl2pPr marL="742920" indent="-285738">
+            <a:lvl2pPr marL="742950" indent="-285750">
               <a:spcBef>
                 <a:spcPct val="20000"/>
               </a:spcBef>
@@ -22705,7 +21088,7 @@
                 <a:ea typeface="宋体" panose="02010600030101010101" pitchFamily="2" charset="-122"/>
               </a:defRPr>
             </a:lvl2pPr>
-            <a:lvl3pPr marL="1142953" indent="-228591">
+            <a:lvl3pPr marL="1143000" indent="-228600">
               <a:spcBef>
                 <a:spcPct val="20000"/>
               </a:spcBef>
@@ -22719,7 +21102,7 @@
                 <a:ea typeface="宋体" panose="02010600030101010101" pitchFamily="2" charset="-122"/>
               </a:defRPr>
             </a:lvl3pPr>
-            <a:lvl4pPr marL="1600135" indent="-228591">
+            <a:lvl4pPr marL="1600200" indent="-228600">
               <a:spcBef>
                 <a:spcPct val="20000"/>
               </a:spcBef>
@@ -22733,7 +21116,7 @@
                 <a:ea typeface="宋体" panose="02010600030101010101" pitchFamily="2" charset="-122"/>
               </a:defRPr>
             </a:lvl4pPr>
-            <a:lvl5pPr marL="2057315" indent="-228591">
+            <a:lvl5pPr marL="2057400" indent="-228600">
               <a:spcBef>
                 <a:spcPct val="20000"/>
               </a:spcBef>
@@ -22747,7 +21130,7 @@
                 <a:ea typeface="宋体" panose="02010600030101010101" pitchFamily="2" charset="-122"/>
               </a:defRPr>
             </a:lvl5pPr>
-            <a:lvl6pPr marL="2514497" indent="-228591" eaLnBrk="0" fontAlgn="base" hangingPunct="0">
+            <a:lvl6pPr marL="2514600" indent="-228600" eaLnBrk="0" fontAlgn="base" hangingPunct="0">
               <a:spcBef>
                 <a:spcPct val="20000"/>
               </a:spcBef>
@@ -22764,7 +21147,7 @@
                 <a:ea typeface="宋体" panose="02010600030101010101" pitchFamily="2" charset="-122"/>
               </a:defRPr>
             </a:lvl6pPr>
-            <a:lvl7pPr marL="2971678" indent="-228591" eaLnBrk="0" fontAlgn="base" hangingPunct="0">
+            <a:lvl7pPr marL="2971800" indent="-228600" eaLnBrk="0" fontAlgn="base" hangingPunct="0">
               <a:spcBef>
                 <a:spcPct val="20000"/>
               </a:spcBef>
@@ -22781,7 +21164,7 @@
                 <a:ea typeface="宋体" panose="02010600030101010101" pitchFamily="2" charset="-122"/>
               </a:defRPr>
             </a:lvl7pPr>
-            <a:lvl8pPr marL="3428859" indent="-228591" eaLnBrk="0" fontAlgn="base" hangingPunct="0">
+            <a:lvl8pPr marL="3429000" indent="-228600" eaLnBrk="0" fontAlgn="base" hangingPunct="0">
               <a:spcBef>
                 <a:spcPct val="20000"/>
               </a:spcBef>
@@ -22798,7 +21181,7 @@
                 <a:ea typeface="宋体" panose="02010600030101010101" pitchFamily="2" charset="-122"/>
               </a:defRPr>
             </a:lvl8pPr>
-            <a:lvl9pPr marL="3886041" indent="-228591" eaLnBrk="0" fontAlgn="base" hangingPunct="0">
+            <a:lvl9pPr marL="3886200" indent="-228600" eaLnBrk="0" fontAlgn="base" hangingPunct="0">
               <a:spcBef>
                 <a:spcPct val="20000"/>
               </a:spcBef>
@@ -22830,14 +21213,6 @@
                   <a:srgbClr val="898989"/>
                 </a:solidFill>
               </a:rPr>
-              <a:pPr>
-                <a:spcBef>
-                  <a:spcPct val="0"/>
-                </a:spcBef>
-                <a:buFontTx/>
-                <a:buNone/>
-              </a:pPr>
-              <a:t>6</a:t>
             </a:fld>
             <a:endParaRPr lang="zh-CN" altLang="en-US" sz="1200" dirty="0">
               <a:solidFill>
@@ -22856,7 +21231,7 @@
           <p:nvPr/>
         </p:nvPicPr>
         <p:blipFill>
-          <a:blip r:embed="rId3" cstate="print">
+          <a:blip r:embed="rId1" cstate="print">
             <a:extLst>
               <a:ext uri="{28A0092B-C50C-407E-A947-70E740481C1C}">
                 <a14:useLocalDpi xmlns:a14="http://schemas.microsoft.com/office/drawing/2010/main" val="0"/>
@@ -22880,29 +21255,10 @@
           <a:ln>
             <a:noFill/>
           </a:ln>
-          <a:extLst>
-            <a:ext uri="{909E8E84-426E-40dd-AFC4-6F175D3DCCD1}">
-              <a14:hiddenFill xmlns:a14="http://schemas.microsoft.com/office/drawing/2010/main" xmlns="">
-                <a:solidFill>
-                  <a:srgbClr val="FFFFFF"/>
-                </a:solidFill>
-              </a14:hiddenFill>
-            </a:ext>
-            <a:ext uri="{91240B29-F687-4f45-9708-019B960494DF}">
-              <a14:hiddenLine xmlns:a14="http://schemas.microsoft.com/office/drawing/2010/main" xmlns="" w="9525">
-                <a:solidFill>
-                  <a:srgbClr val="000000"/>
-                </a:solidFill>
-                <a:miter lim="800000"/>
-                <a:headEnd/>
-                <a:tailEnd/>
-              </a14:hiddenLine>
-            </a:ext>
-          </a:extLst>
         </p:spPr>
       </p:pic>
-      <mc:AlternateContent xmlns:mc="http://schemas.openxmlformats.org/markup-compatibility/2006" xmlns:a14="http://schemas.microsoft.com/office/drawing/2010/main">
-        <mc:Choice Requires="a14">
+      <mc:AlternateContent xmlns:mc="http://schemas.openxmlformats.org/markup-compatibility/2006">
+        <mc:Choice xmlns:a14="http://schemas.microsoft.com/office/drawing/2010/main" Requires="a14">
           <p:sp>
             <p:nvSpPr>
               <p:cNvPr id="6" name="Content Placeholder 2"/>
@@ -23877,7 +22233,7 @@
             </p:txBody>
           </p:sp>
         </mc:Choice>
-        <mc:Fallback xmlns="">
+        <mc:Fallback>
           <p:sp>
             <p:nvSpPr>
               <p:cNvPr id="6" name="Content Placeholder 2"/>
@@ -23893,8 +22249,8 @@
                 <a:off x="35496" y="836712"/>
                 <a:ext cx="9000554" cy="5591647"/>
               </a:xfrm>
-              <a:blipFill>
-                <a:blip r:embed="rId4"/>
+              <a:blipFill rotWithShape="1">
+                <a:blip r:embed="rId2"/>
                 <a:stretch>
                   <a:fillRect l="-610" t="-1416" r="-136"/>
                 </a:stretch>
@@ -23910,19 +22266,22 @@
                   </a:rPr>
                   <a:t> </a:t>
                 </a:r>
+                <a:endParaRPr lang="zh-CN" altLang="en-US">
+                  <a:noFill/>
+                </a:endParaRPr>
               </a:p>
             </p:txBody>
           </p:sp>
         </mc:Fallback>
       </mc:AlternateContent>
-      <mc:AlternateContent xmlns:mc="http://schemas.openxmlformats.org/markup-compatibility/2006" xmlns:a14="http://schemas.microsoft.com/office/drawing/2010/main">
-        <mc:Choice Requires="a14">
+      <mc:AlternateContent xmlns:mc="http://schemas.openxmlformats.org/markup-compatibility/2006">
+        <mc:Choice xmlns:a14="http://schemas.microsoft.com/office/drawing/2010/main" Requires="a14">
           <p:sp>
             <p:nvSpPr>
               <p:cNvPr id="2" name="矩形 1">
                 <a:extLst>
                   <a:ext uri="{FF2B5EF4-FFF2-40B4-BE49-F238E27FC236}">
-                    <a16:creationId xmlns:a16="http://schemas.microsoft.com/office/drawing/2014/main" id="{82F69080-A0D5-414A-8279-A2C08FF7856C}"/>
+                    <ele attr="{82F69080-A0D5-414A-8279-A2C08FF7856C}"/>
                   </a:ext>
                 </a:extLst>
               </p:cNvPr>
@@ -24052,16 +22411,10 @@
             </p:txBody>
           </p:sp>
         </mc:Choice>
-        <mc:Fallback xmlns="">
+        <mc:Fallback>
           <p:sp>
             <p:nvSpPr>
-              <p:cNvPr id="2" name="矩形 1">
-                <a:extLst>
-                  <a:ext uri="{FF2B5EF4-FFF2-40B4-BE49-F238E27FC236}">
-                    <a16:creationId xmlns:a16="http://schemas.microsoft.com/office/drawing/2014/main" id="{82F69080-A0D5-414A-8279-A2C08FF7856C}"/>
-                  </a:ext>
-                </a:extLst>
-              </p:cNvPr>
+              <p:cNvPr id="2" name="矩形 1"/>
               <p:cNvSpPr>
                 <a:spLocks noRot="1" noChangeAspect="1" noMove="1" noResize="1" noEditPoints="1" noAdjustHandles="1" noChangeArrowheads="1" noChangeShapeType="1" noTextEdit="1"/>
               </p:cNvSpPr>
@@ -24075,8 +22428,8 @@
               <a:prstGeom prst="rect">
                 <a:avLst/>
               </a:prstGeom>
-              <a:blipFill>
-                <a:blip r:embed="rId5"/>
+              <a:blipFill rotWithShape="1">
+                <a:blip r:embed="rId3"/>
                 <a:stretch>
                   <a:fillRect/>
                 </a:stretch>
@@ -24092,17 +22445,15 @@
                   </a:rPr>
                   <a:t> </a:t>
                 </a:r>
+                <a:endParaRPr lang="zh-CN" altLang="en-US">
+                  <a:noFill/>
+                </a:endParaRPr>
               </a:p>
             </p:txBody>
           </p:sp>
         </mc:Fallback>
       </mc:AlternateContent>
     </p:spTree>
-    <p:extLst>
-      <p:ext uri="{BB962C8B-B14F-4D97-AF65-F5344CB8AC3E}">
-        <p14:creationId xmlns:p14="http://schemas.microsoft.com/office/powerpoint/2010/main" val="3478119206"/>
-      </p:ext>
-    </p:extLst>
   </p:cSld>
   <p:clrMapOvr>
     <a:masterClrMapping/>
@@ -24147,25 +22498,6 @@
           <a:ln>
             <a:noFill/>
           </a:ln>
-          <a:extLst>
-            <a:ext uri="{909E8E84-426E-40dd-AFC4-6F175D3DCCD1}">
-              <a14:hiddenFill xmlns:a14="http://schemas.microsoft.com/office/drawing/2010/main" xmlns="">
-                <a:solidFill>
-                  <a:srgbClr val="FFFFFF"/>
-                </a:solidFill>
-              </a14:hiddenFill>
-            </a:ext>
-            <a:ext uri="{91240B29-F687-4f45-9708-019B960494DF}">
-              <a14:hiddenLine xmlns:a14="http://schemas.microsoft.com/office/drawing/2010/main" xmlns="" w="9525">
-                <a:solidFill>
-                  <a:srgbClr val="000000"/>
-                </a:solidFill>
-                <a:miter lim="800000"/>
-                <a:headEnd/>
-                <a:tailEnd/>
-              </a14:hiddenLine>
-            </a:ext>
-          </a:extLst>
         </p:spPr>
         <p:txBody>
           <a:bodyPr wrap="square" lIns="91436" tIns="45718" rIns="91436" bIns="45718">
@@ -24339,6 +22671,13 @@
               </a:rPr>
               <a:t>协议</a:t>
             </a:r>
+            <a:endParaRPr lang="zh-CN" altLang="en-US" b="1" dirty="0">
+              <a:solidFill>
+                <a:srgbClr val="002060"/>
+              </a:solidFill>
+              <a:latin typeface="微软雅黑" panose="020B0503020204020204" pitchFamily="34" charset="-122"/>
+              <a:ea typeface="微软雅黑" panose="020B0503020204020204" pitchFamily="34" charset="-122"/>
+            </a:endParaRPr>
           </a:p>
         </p:txBody>
       </p:sp>
@@ -24358,25 +22697,6 @@
             <a:ext cx="2133600" cy="365125"/>
           </a:xfrm>
           <a:noFill/>
-          <a:extLst>
-            <a:ext uri="{909E8E84-426E-40dd-AFC4-6F175D3DCCD1}">
-              <a14:hiddenFill xmlns:a14="http://schemas.microsoft.com/office/drawing/2010/main" xmlns="">
-                <a:solidFill>
-                  <a:srgbClr val="FFFFFF"/>
-                </a:solidFill>
-              </a14:hiddenFill>
-            </a:ext>
-            <a:ext uri="{91240B29-F687-4f45-9708-019B960494DF}">
-              <a14:hiddenLine xmlns:a14="http://schemas.microsoft.com/office/drawing/2010/main" xmlns="" w="9525">
-                <a:solidFill>
-                  <a:srgbClr val="000000"/>
-                </a:solidFill>
-                <a:miter lim="800000"/>
-                <a:headEnd/>
-                <a:tailEnd/>
-              </a14:hiddenLine>
-            </a:ext>
-          </a:extLst>
         </p:spPr>
         <p:txBody>
           <a:bodyPr/>
@@ -24395,7 +22715,7 @@
                 <a:ea typeface="宋体" panose="02010600030101010101" pitchFamily="2" charset="-122"/>
               </a:defRPr>
             </a:lvl1pPr>
-            <a:lvl2pPr marL="742920" indent="-285738">
+            <a:lvl2pPr marL="742950" indent="-285750">
               <a:spcBef>
                 <a:spcPct val="20000"/>
               </a:spcBef>
@@ -24409,7 +22729,7 @@
                 <a:ea typeface="宋体" panose="02010600030101010101" pitchFamily="2" charset="-122"/>
               </a:defRPr>
             </a:lvl2pPr>
-            <a:lvl3pPr marL="1142953" indent="-228591">
+            <a:lvl3pPr marL="1143000" indent="-228600">
               <a:spcBef>
                 <a:spcPct val="20000"/>
               </a:spcBef>
@@ -24423,7 +22743,7 @@
                 <a:ea typeface="宋体" panose="02010600030101010101" pitchFamily="2" charset="-122"/>
               </a:defRPr>
             </a:lvl3pPr>
-            <a:lvl4pPr marL="1600135" indent="-228591">
+            <a:lvl4pPr marL="1600200" indent="-228600">
               <a:spcBef>
                 <a:spcPct val="20000"/>
               </a:spcBef>
@@ -24437,7 +22757,7 @@
                 <a:ea typeface="宋体" panose="02010600030101010101" pitchFamily="2" charset="-122"/>
               </a:defRPr>
             </a:lvl4pPr>
-            <a:lvl5pPr marL="2057315" indent="-228591">
+            <a:lvl5pPr marL="2057400" indent="-228600">
               <a:spcBef>
                 <a:spcPct val="20000"/>
               </a:spcBef>
@@ -24451,7 +22771,7 @@
                 <a:ea typeface="宋体" panose="02010600030101010101" pitchFamily="2" charset="-122"/>
               </a:defRPr>
             </a:lvl5pPr>
-            <a:lvl6pPr marL="2514497" indent="-228591" eaLnBrk="0" fontAlgn="base" hangingPunct="0">
+            <a:lvl6pPr marL="2514600" indent="-228600" eaLnBrk="0" fontAlgn="base" hangingPunct="0">
               <a:spcBef>
                 <a:spcPct val="20000"/>
               </a:spcBef>
@@ -24468,7 +22788,7 @@
                 <a:ea typeface="宋体" panose="02010600030101010101" pitchFamily="2" charset="-122"/>
               </a:defRPr>
             </a:lvl6pPr>
-            <a:lvl7pPr marL="2971678" indent="-228591" eaLnBrk="0" fontAlgn="base" hangingPunct="0">
+            <a:lvl7pPr marL="2971800" indent="-228600" eaLnBrk="0" fontAlgn="base" hangingPunct="0">
               <a:spcBef>
                 <a:spcPct val="20000"/>
               </a:spcBef>
@@ -24485,7 +22805,7 @@
                 <a:ea typeface="宋体" panose="02010600030101010101" pitchFamily="2" charset="-122"/>
               </a:defRPr>
             </a:lvl7pPr>
-            <a:lvl8pPr marL="3428859" indent="-228591" eaLnBrk="0" fontAlgn="base" hangingPunct="0">
+            <a:lvl8pPr marL="3429000" indent="-228600" eaLnBrk="0" fontAlgn="base" hangingPunct="0">
               <a:spcBef>
                 <a:spcPct val="20000"/>
               </a:spcBef>
@@ -24502,7 +22822,7 @@
                 <a:ea typeface="宋体" panose="02010600030101010101" pitchFamily="2" charset="-122"/>
               </a:defRPr>
             </a:lvl8pPr>
-            <a:lvl9pPr marL="3886041" indent="-228591" eaLnBrk="0" fontAlgn="base" hangingPunct="0">
+            <a:lvl9pPr marL="3886200" indent="-228600" eaLnBrk="0" fontAlgn="base" hangingPunct="0">
               <a:spcBef>
                 <a:spcPct val="20000"/>
               </a:spcBef>
@@ -24534,14 +22854,6 @@
                   <a:srgbClr val="898989"/>
                 </a:solidFill>
               </a:rPr>
-              <a:pPr>
-                <a:spcBef>
-                  <a:spcPct val="0"/>
-                </a:spcBef>
-                <a:buFontTx/>
-                <a:buNone/>
-              </a:pPr>
-              <a:t>7</a:t>
             </a:fld>
             <a:endParaRPr lang="zh-CN" altLang="en-US" sz="1200" dirty="0">
               <a:solidFill>
@@ -24560,7 +22872,7 @@
           <p:nvPr/>
         </p:nvPicPr>
         <p:blipFill>
-          <a:blip r:embed="rId3" cstate="print">
+          <a:blip r:embed="rId1" cstate="print">
             <a:extLst>
               <a:ext uri="{28A0092B-C50C-407E-A947-70E740481C1C}">
                 <a14:useLocalDpi xmlns:a14="http://schemas.microsoft.com/office/drawing/2010/main" val="0"/>
@@ -24584,29 +22896,10 @@
           <a:ln>
             <a:noFill/>
           </a:ln>
-          <a:extLst>
-            <a:ext uri="{909E8E84-426E-40dd-AFC4-6F175D3DCCD1}">
-              <a14:hiddenFill xmlns:a14="http://schemas.microsoft.com/office/drawing/2010/main" xmlns="">
-                <a:solidFill>
-                  <a:srgbClr val="FFFFFF"/>
-                </a:solidFill>
-              </a14:hiddenFill>
-            </a:ext>
-            <a:ext uri="{91240B29-F687-4f45-9708-019B960494DF}">
-              <a14:hiddenLine xmlns:a14="http://schemas.microsoft.com/office/drawing/2010/main" xmlns="" w="9525">
-                <a:solidFill>
-                  <a:srgbClr val="000000"/>
-                </a:solidFill>
-                <a:miter lim="800000"/>
-                <a:headEnd/>
-                <a:tailEnd/>
-              </a14:hiddenLine>
-            </a:ext>
-          </a:extLst>
         </p:spPr>
       </p:pic>
-      <mc:AlternateContent xmlns:mc="http://schemas.openxmlformats.org/markup-compatibility/2006" xmlns:a14="http://schemas.microsoft.com/office/drawing/2010/main">
-        <mc:Choice Requires="a14">
+      <mc:AlternateContent xmlns:mc="http://schemas.openxmlformats.org/markup-compatibility/2006">
+        <mc:Choice xmlns:a14="http://schemas.microsoft.com/office/drawing/2010/main" Requires="a14">
           <p:sp>
             <p:nvSpPr>
               <p:cNvPr id="6" name="Content Placeholder 2"/>
@@ -24975,7 +23268,7 @@
             </p:txBody>
           </p:sp>
         </mc:Choice>
-        <mc:Fallback xmlns="">
+        <mc:Fallback>
           <p:sp>
             <p:nvSpPr>
               <p:cNvPr id="6" name="Content Placeholder 2"/>
@@ -24991,8 +23284,8 @@
                 <a:off x="35496" y="836712"/>
                 <a:ext cx="9000554" cy="5591647"/>
               </a:xfrm>
-              <a:blipFill>
-                <a:blip r:embed="rId4"/>
+              <a:blipFill rotWithShape="1">
+                <a:blip r:embed="rId2"/>
                 <a:stretch>
                   <a:fillRect l="-610" t="-1416" r="-949"/>
                 </a:stretch>
@@ -25008,19 +23301,22 @@
                   </a:rPr>
                   <a:t> </a:t>
                 </a:r>
+                <a:endParaRPr lang="zh-CN" altLang="en-US">
+                  <a:noFill/>
+                </a:endParaRPr>
               </a:p>
             </p:txBody>
           </p:sp>
         </mc:Fallback>
       </mc:AlternateContent>
-      <mc:AlternateContent xmlns:mc="http://schemas.openxmlformats.org/markup-compatibility/2006" xmlns:a14="http://schemas.microsoft.com/office/drawing/2010/main">
-        <mc:Choice Requires="a14">
+      <mc:AlternateContent xmlns:mc="http://schemas.openxmlformats.org/markup-compatibility/2006">
+        <mc:Choice xmlns:a14="http://schemas.microsoft.com/office/drawing/2010/main" Requires="a14">
           <p:sp>
             <p:nvSpPr>
               <p:cNvPr id="2" name="矩形 1">
                 <a:extLst>
                   <a:ext uri="{FF2B5EF4-FFF2-40B4-BE49-F238E27FC236}">
-                    <a16:creationId xmlns:a16="http://schemas.microsoft.com/office/drawing/2014/main" id="{82F69080-A0D5-414A-8279-A2C08FF7856C}"/>
+                    <ele attr="{82F69080-A0D5-414A-8279-A2C08FF7856C}"/>
                   </a:ext>
                 </a:extLst>
               </p:cNvPr>
@@ -25269,16 +23565,10 @@
             </p:txBody>
           </p:sp>
         </mc:Choice>
-        <mc:Fallback xmlns="">
+        <mc:Fallback>
           <p:sp>
             <p:nvSpPr>
-              <p:cNvPr id="2" name="矩形 1">
-                <a:extLst>
-                  <a:ext uri="{FF2B5EF4-FFF2-40B4-BE49-F238E27FC236}">
-                    <a16:creationId xmlns:a16="http://schemas.microsoft.com/office/drawing/2014/main" id="{82F69080-A0D5-414A-8279-A2C08FF7856C}"/>
-                  </a:ext>
-                </a:extLst>
-              </p:cNvPr>
+              <p:cNvPr id="2" name="矩形 1"/>
               <p:cNvSpPr>
                 <a:spLocks noRot="1" noChangeAspect="1" noMove="1" noResize="1" noEditPoints="1" noAdjustHandles="1" noChangeArrowheads="1" noChangeShapeType="1" noTextEdit="1"/>
               </p:cNvSpPr>
@@ -25292,8 +23582,8 @@
               <a:prstGeom prst="rect">
                 <a:avLst/>
               </a:prstGeom>
-              <a:blipFill>
-                <a:blip r:embed="rId5"/>
+              <a:blipFill rotWithShape="1">
+                <a:blip r:embed="rId3"/>
                 <a:stretch>
                   <a:fillRect/>
                 </a:stretch>
@@ -25309,19 +23599,22 @@
                   </a:rPr>
                   <a:t> </a:t>
                 </a:r>
+                <a:endParaRPr lang="zh-CN" altLang="en-US">
+                  <a:noFill/>
+                </a:endParaRPr>
               </a:p>
             </p:txBody>
           </p:sp>
         </mc:Fallback>
       </mc:AlternateContent>
-      <mc:AlternateContent xmlns:mc="http://schemas.openxmlformats.org/markup-compatibility/2006" xmlns:a14="http://schemas.microsoft.com/office/drawing/2010/main">
-        <mc:Choice Requires="a14">
+      <mc:AlternateContent xmlns:mc="http://schemas.openxmlformats.org/markup-compatibility/2006">
+        <mc:Choice xmlns:a14="http://schemas.microsoft.com/office/drawing/2010/main" Requires="a14">
           <p:sp>
             <p:nvSpPr>
               <p:cNvPr id="7" name="矩形 6">
                 <a:extLst>
                   <a:ext uri="{FF2B5EF4-FFF2-40B4-BE49-F238E27FC236}">
-                    <a16:creationId xmlns:a16="http://schemas.microsoft.com/office/drawing/2014/main" id="{63DF9ECB-7C13-46C1-A14D-0775832D68E6}"/>
+                    <ele attr="{63DF9ECB-7C13-46C1-A14D-0775832D68E6}"/>
                   </a:ext>
                 </a:extLst>
               </p:cNvPr>
@@ -25550,16 +23843,10 @@
             </p:txBody>
           </p:sp>
         </mc:Choice>
-        <mc:Fallback xmlns="">
+        <mc:Fallback>
           <p:sp>
             <p:nvSpPr>
-              <p:cNvPr id="7" name="矩形 6">
-                <a:extLst>
-                  <a:ext uri="{FF2B5EF4-FFF2-40B4-BE49-F238E27FC236}">
-                    <a16:creationId xmlns:a16="http://schemas.microsoft.com/office/drawing/2014/main" id="{63DF9ECB-7C13-46C1-A14D-0775832D68E6}"/>
-                  </a:ext>
-                </a:extLst>
-              </p:cNvPr>
+              <p:cNvPr id="7" name="矩形 6"/>
               <p:cNvSpPr>
                 <a:spLocks noRot="1" noChangeAspect="1" noMove="1" noResize="1" noEditPoints="1" noAdjustHandles="1" noChangeArrowheads="1" noChangeShapeType="1" noTextEdit="1"/>
               </p:cNvSpPr>
@@ -25573,8 +23860,8 @@
               <a:prstGeom prst="rect">
                 <a:avLst/>
               </a:prstGeom>
-              <a:blipFill>
-                <a:blip r:embed="rId6"/>
+              <a:blipFill rotWithShape="1">
+                <a:blip r:embed="rId4"/>
                 <a:stretch>
                   <a:fillRect/>
                 </a:stretch>
@@ -25590,17 +23877,15 @@
                   </a:rPr>
                   <a:t> </a:t>
                 </a:r>
+                <a:endParaRPr lang="zh-CN" altLang="en-US">
+                  <a:noFill/>
+                </a:endParaRPr>
               </a:p>
             </p:txBody>
           </p:sp>
         </mc:Fallback>
       </mc:AlternateContent>
     </p:spTree>
-    <p:extLst>
-      <p:ext uri="{BB962C8B-B14F-4D97-AF65-F5344CB8AC3E}">
-        <p14:creationId xmlns:p14="http://schemas.microsoft.com/office/powerpoint/2010/main" val="3188532306"/>
-      </p:ext>
-    </p:extLst>
   </p:cSld>
   <p:clrMapOvr>
     <a:masterClrMapping/>
@@ -25645,25 +23930,6 @@
           <a:ln>
             <a:noFill/>
           </a:ln>
-          <a:extLst>
-            <a:ext uri="{909E8E84-426E-40dd-AFC4-6F175D3DCCD1}">
-              <a14:hiddenFill xmlns:a14="http://schemas.microsoft.com/office/drawing/2010/main" xmlns="">
-                <a:solidFill>
-                  <a:srgbClr val="FFFFFF"/>
-                </a:solidFill>
-              </a14:hiddenFill>
-            </a:ext>
-            <a:ext uri="{91240B29-F687-4f45-9708-019B960494DF}">
-              <a14:hiddenLine xmlns:a14="http://schemas.microsoft.com/office/drawing/2010/main" xmlns="" w="9525">
-                <a:solidFill>
-                  <a:srgbClr val="000000"/>
-                </a:solidFill>
-                <a:miter lim="800000"/>
-                <a:headEnd/>
-                <a:tailEnd/>
-              </a14:hiddenLine>
-            </a:ext>
-          </a:extLst>
         </p:spPr>
         <p:txBody>
           <a:bodyPr wrap="square" lIns="91436" tIns="45718" rIns="91436" bIns="45718">
@@ -25837,6 +24103,13 @@
               </a:rPr>
               <a:t>协议</a:t>
             </a:r>
+            <a:endParaRPr lang="zh-CN" altLang="en-US" b="1" dirty="0">
+              <a:solidFill>
+                <a:srgbClr val="002060"/>
+              </a:solidFill>
+              <a:latin typeface="微软雅黑" panose="020B0503020204020204" pitchFamily="34" charset="-122"/>
+              <a:ea typeface="微软雅黑" panose="020B0503020204020204" pitchFamily="34" charset="-122"/>
+            </a:endParaRPr>
           </a:p>
         </p:txBody>
       </p:sp>
@@ -25856,25 +24129,6 @@
             <a:ext cx="2133600" cy="365125"/>
           </a:xfrm>
           <a:noFill/>
-          <a:extLst>
-            <a:ext uri="{909E8E84-426E-40dd-AFC4-6F175D3DCCD1}">
-              <a14:hiddenFill xmlns:a14="http://schemas.microsoft.com/office/drawing/2010/main" xmlns="">
-                <a:solidFill>
-                  <a:srgbClr val="FFFFFF"/>
-                </a:solidFill>
-              </a14:hiddenFill>
-            </a:ext>
-            <a:ext uri="{91240B29-F687-4f45-9708-019B960494DF}">
-              <a14:hiddenLine xmlns:a14="http://schemas.microsoft.com/office/drawing/2010/main" xmlns="" w="9525">
-                <a:solidFill>
-                  <a:srgbClr val="000000"/>
-                </a:solidFill>
-                <a:miter lim="800000"/>
-                <a:headEnd/>
-                <a:tailEnd/>
-              </a14:hiddenLine>
-            </a:ext>
-          </a:extLst>
         </p:spPr>
         <p:txBody>
           <a:bodyPr/>
@@ -25893,7 +24147,7 @@
                 <a:ea typeface="宋体" panose="02010600030101010101" pitchFamily="2" charset="-122"/>
               </a:defRPr>
             </a:lvl1pPr>
-            <a:lvl2pPr marL="742920" indent="-285738">
+            <a:lvl2pPr marL="742950" indent="-285750">
               <a:spcBef>
                 <a:spcPct val="20000"/>
               </a:spcBef>
@@ -25907,7 +24161,7 @@
                 <a:ea typeface="宋体" panose="02010600030101010101" pitchFamily="2" charset="-122"/>
               </a:defRPr>
             </a:lvl2pPr>
-            <a:lvl3pPr marL="1142953" indent="-228591">
+            <a:lvl3pPr marL="1143000" indent="-228600">
               <a:spcBef>
                 <a:spcPct val="20000"/>
               </a:spcBef>
@@ -25921,7 +24175,7 @@
                 <a:ea typeface="宋体" panose="02010600030101010101" pitchFamily="2" charset="-122"/>
               </a:defRPr>
             </a:lvl3pPr>
-            <a:lvl4pPr marL="1600135" indent="-228591">
+            <a:lvl4pPr marL="1600200" indent="-228600">
               <a:spcBef>
                 <a:spcPct val="20000"/>
               </a:spcBef>
@@ -25935,7 +24189,7 @@
                 <a:ea typeface="宋体" panose="02010600030101010101" pitchFamily="2" charset="-122"/>
               </a:defRPr>
             </a:lvl4pPr>
-            <a:lvl5pPr marL="2057315" indent="-228591">
+            <a:lvl5pPr marL="2057400" indent="-228600">
               <a:spcBef>
                 <a:spcPct val="20000"/>
               </a:spcBef>
@@ -25949,7 +24203,7 @@
                 <a:ea typeface="宋体" panose="02010600030101010101" pitchFamily="2" charset="-122"/>
               </a:defRPr>
             </a:lvl5pPr>
-            <a:lvl6pPr marL="2514497" indent="-228591" eaLnBrk="0" fontAlgn="base" hangingPunct="0">
+            <a:lvl6pPr marL="2514600" indent="-228600" eaLnBrk="0" fontAlgn="base" hangingPunct="0">
               <a:spcBef>
                 <a:spcPct val="20000"/>
               </a:spcBef>
@@ -25966,7 +24220,7 @@
                 <a:ea typeface="宋体" panose="02010600030101010101" pitchFamily="2" charset="-122"/>
               </a:defRPr>
             </a:lvl6pPr>
-            <a:lvl7pPr marL="2971678" indent="-228591" eaLnBrk="0" fontAlgn="base" hangingPunct="0">
+            <a:lvl7pPr marL="2971800" indent="-228600" eaLnBrk="0" fontAlgn="base" hangingPunct="0">
               <a:spcBef>
                 <a:spcPct val="20000"/>
               </a:spcBef>
@@ -25983,7 +24237,7 @@
                 <a:ea typeface="宋体" panose="02010600030101010101" pitchFamily="2" charset="-122"/>
               </a:defRPr>
             </a:lvl7pPr>
-            <a:lvl8pPr marL="3428859" indent="-228591" eaLnBrk="0" fontAlgn="base" hangingPunct="0">
+            <a:lvl8pPr marL="3429000" indent="-228600" eaLnBrk="0" fontAlgn="base" hangingPunct="0">
               <a:spcBef>
                 <a:spcPct val="20000"/>
               </a:spcBef>
@@ -26000,7 +24254,7 @@
                 <a:ea typeface="宋体" panose="02010600030101010101" pitchFamily="2" charset="-122"/>
               </a:defRPr>
             </a:lvl8pPr>
-            <a:lvl9pPr marL="3886041" indent="-228591" eaLnBrk="0" fontAlgn="base" hangingPunct="0">
+            <a:lvl9pPr marL="3886200" indent="-228600" eaLnBrk="0" fontAlgn="base" hangingPunct="0">
               <a:spcBef>
                 <a:spcPct val="20000"/>
               </a:spcBef>
@@ -26032,14 +24286,6 @@
                   <a:srgbClr val="898989"/>
                 </a:solidFill>
               </a:rPr>
-              <a:pPr>
-                <a:spcBef>
-                  <a:spcPct val="0"/>
-                </a:spcBef>
-                <a:buFontTx/>
-                <a:buNone/>
-              </a:pPr>
-              <a:t>8</a:t>
             </a:fld>
             <a:endParaRPr lang="zh-CN" altLang="en-US" sz="1200" dirty="0">
               <a:solidFill>
@@ -26058,7 +24304,7 @@
           <p:nvPr/>
         </p:nvPicPr>
         <p:blipFill>
-          <a:blip r:embed="rId3" cstate="print">
+          <a:blip r:embed="rId1" cstate="print">
             <a:extLst>
               <a:ext uri="{28A0092B-C50C-407E-A947-70E740481C1C}">
                 <a14:useLocalDpi xmlns:a14="http://schemas.microsoft.com/office/drawing/2010/main" val="0"/>
@@ -26082,25 +24328,6 @@
           <a:ln>
             <a:noFill/>
           </a:ln>
-          <a:extLst>
-            <a:ext uri="{909E8E84-426E-40dd-AFC4-6F175D3DCCD1}">
-              <a14:hiddenFill xmlns:a14="http://schemas.microsoft.com/office/drawing/2010/main" xmlns="">
-                <a:solidFill>
-                  <a:srgbClr val="FFFFFF"/>
-                </a:solidFill>
-              </a14:hiddenFill>
-            </a:ext>
-            <a:ext uri="{91240B29-F687-4f45-9708-019B960494DF}">
-              <a14:hiddenLine xmlns:a14="http://schemas.microsoft.com/office/drawing/2010/main" xmlns="" w="9525">
-                <a:solidFill>
-                  <a:srgbClr val="000000"/>
-                </a:solidFill>
-                <a:miter lim="800000"/>
-                <a:headEnd/>
-                <a:tailEnd/>
-              </a14:hiddenLine>
-            </a:ext>
-          </a:extLst>
         </p:spPr>
       </p:pic>
       <mc:AlternateContent xmlns:mc="http://schemas.openxmlformats.org/markup-compatibility/2006">
@@ -27312,8 +25539,8 @@
                 <a:off x="35496" y="836712"/>
                 <a:ext cx="9000554" cy="5905400"/>
               </a:xfrm>
-              <a:blipFill>
-                <a:blip r:embed="rId4"/>
+              <a:blipFill rotWithShape="1">
+                <a:blip r:embed="rId2"/>
                 <a:stretch>
                   <a:fillRect l="-610" t="-1342" b="-9391"/>
                 </a:stretch>
@@ -27329,19 +25556,22 @@
                   </a:rPr>
                   <a:t> </a:t>
                 </a:r>
+                <a:endParaRPr lang="zh-CN" altLang="en-US">
+                  <a:noFill/>
+                </a:endParaRPr>
               </a:p>
             </p:txBody>
           </p:sp>
         </mc:Fallback>
       </mc:AlternateContent>
-      <mc:AlternateContent xmlns:mc="http://schemas.openxmlformats.org/markup-compatibility/2006" xmlns:a14="http://schemas.microsoft.com/office/drawing/2010/main">
-        <mc:Choice Requires="a14">
+      <mc:AlternateContent xmlns:mc="http://schemas.openxmlformats.org/markup-compatibility/2006">
+        <mc:Choice xmlns:a14="http://schemas.microsoft.com/office/drawing/2010/main" Requires="a14">
           <p:sp>
             <p:nvSpPr>
               <p:cNvPr id="8" name="矩形 7">
                 <a:extLst>
                   <a:ext uri="{FF2B5EF4-FFF2-40B4-BE49-F238E27FC236}">
-                    <a16:creationId xmlns:a16="http://schemas.microsoft.com/office/drawing/2014/main" id="{09CF8A62-F3CB-46D9-A9AD-D605940441AA}"/>
+                    <ele attr="{09CF8A62-F3CB-46D9-A9AD-D605940441AA}"/>
                   </a:ext>
                 </a:extLst>
               </p:cNvPr>
@@ -27525,16 +25755,10 @@
             </p:txBody>
           </p:sp>
         </mc:Choice>
-        <mc:Fallback xmlns="">
+        <mc:Fallback>
           <p:sp>
             <p:nvSpPr>
-              <p:cNvPr id="8" name="矩形 7">
-                <a:extLst>
-                  <a:ext uri="{FF2B5EF4-FFF2-40B4-BE49-F238E27FC236}">
-                    <a16:creationId xmlns:a16="http://schemas.microsoft.com/office/drawing/2014/main" id="{09CF8A62-F3CB-46D9-A9AD-D605940441AA}"/>
-                  </a:ext>
-                </a:extLst>
-              </p:cNvPr>
+              <p:cNvPr id="8" name="矩形 7"/>
               <p:cNvSpPr>
                 <a:spLocks noRot="1" noChangeAspect="1" noMove="1" noResize="1" noEditPoints="1" noAdjustHandles="1" noChangeArrowheads="1" noChangeShapeType="1" noTextEdit="1"/>
               </p:cNvSpPr>
@@ -27548,8 +25772,8 @@
               <a:prstGeom prst="rect">
                 <a:avLst/>
               </a:prstGeom>
-              <a:blipFill>
-                <a:blip r:embed="rId5"/>
+              <a:blipFill rotWithShape="1">
+                <a:blip r:embed="rId3"/>
                 <a:stretch>
                   <a:fillRect/>
                 </a:stretch>
@@ -27565,17 +25789,15 @@
                   </a:rPr>
                   <a:t> </a:t>
                 </a:r>
+                <a:endParaRPr lang="zh-CN" altLang="en-US">
+                  <a:noFill/>
+                </a:endParaRPr>
               </a:p>
             </p:txBody>
           </p:sp>
         </mc:Fallback>
       </mc:AlternateContent>
     </p:spTree>
-    <p:extLst>
-      <p:ext uri="{BB962C8B-B14F-4D97-AF65-F5344CB8AC3E}">
-        <p14:creationId xmlns:p14="http://schemas.microsoft.com/office/powerpoint/2010/main" val="1762285680"/>
-      </p:ext>
-    </p:extLst>
   </p:cSld>
   <p:clrMapOvr>
     <a:masterClrMapping/>
@@ -27620,25 +25842,6 @@
           <a:ln>
             <a:noFill/>
           </a:ln>
-          <a:extLst>
-            <a:ext uri="{909E8E84-426E-40dd-AFC4-6F175D3DCCD1}">
-              <a14:hiddenFill xmlns:a14="http://schemas.microsoft.com/office/drawing/2010/main" xmlns="">
-                <a:solidFill>
-                  <a:srgbClr val="FFFFFF"/>
-                </a:solidFill>
-              </a14:hiddenFill>
-            </a:ext>
-            <a:ext uri="{91240B29-F687-4f45-9708-019B960494DF}">
-              <a14:hiddenLine xmlns:a14="http://schemas.microsoft.com/office/drawing/2010/main" xmlns="" w="9525">
-                <a:solidFill>
-                  <a:srgbClr val="000000"/>
-                </a:solidFill>
-                <a:miter lim="800000"/>
-                <a:headEnd/>
-                <a:tailEnd/>
-              </a14:hiddenLine>
-            </a:ext>
-          </a:extLst>
         </p:spPr>
         <p:txBody>
           <a:bodyPr wrap="square" lIns="91436" tIns="45718" rIns="91436" bIns="45718">
@@ -27812,6 +26015,13 @@
               </a:rPr>
               <a:t>协议</a:t>
             </a:r>
+            <a:endParaRPr lang="zh-CN" altLang="en-US" b="1" dirty="0">
+              <a:solidFill>
+                <a:srgbClr val="002060"/>
+              </a:solidFill>
+              <a:latin typeface="微软雅黑" panose="020B0503020204020204" pitchFamily="34" charset="-122"/>
+              <a:ea typeface="微软雅黑" panose="020B0503020204020204" pitchFamily="34" charset="-122"/>
+            </a:endParaRPr>
           </a:p>
         </p:txBody>
       </p:sp>
@@ -27831,25 +26041,6 @@
             <a:ext cx="2133600" cy="365125"/>
           </a:xfrm>
           <a:noFill/>
-          <a:extLst>
-            <a:ext uri="{909E8E84-426E-40dd-AFC4-6F175D3DCCD1}">
-              <a14:hiddenFill xmlns:a14="http://schemas.microsoft.com/office/drawing/2010/main" xmlns="">
-                <a:solidFill>
-                  <a:srgbClr val="FFFFFF"/>
-                </a:solidFill>
-              </a14:hiddenFill>
-            </a:ext>
-            <a:ext uri="{91240B29-F687-4f45-9708-019B960494DF}">
-              <a14:hiddenLine xmlns:a14="http://schemas.microsoft.com/office/drawing/2010/main" xmlns="" w="9525">
-                <a:solidFill>
-                  <a:srgbClr val="000000"/>
-                </a:solidFill>
-                <a:miter lim="800000"/>
-                <a:headEnd/>
-                <a:tailEnd/>
-              </a14:hiddenLine>
-            </a:ext>
-          </a:extLst>
         </p:spPr>
         <p:txBody>
           <a:bodyPr/>
@@ -27868,7 +26059,7 @@
                 <a:ea typeface="宋体" panose="02010600030101010101" pitchFamily="2" charset="-122"/>
               </a:defRPr>
             </a:lvl1pPr>
-            <a:lvl2pPr marL="742920" indent="-285738">
+            <a:lvl2pPr marL="742950" indent="-285750">
               <a:spcBef>
                 <a:spcPct val="20000"/>
               </a:spcBef>
@@ -27882,7 +26073,7 @@
                 <a:ea typeface="宋体" panose="02010600030101010101" pitchFamily="2" charset="-122"/>
               </a:defRPr>
             </a:lvl2pPr>
-            <a:lvl3pPr marL="1142953" indent="-228591">
+            <a:lvl3pPr marL="1143000" indent="-228600">
               <a:spcBef>
                 <a:spcPct val="20000"/>
               </a:spcBef>
@@ -27896,7 +26087,7 @@
                 <a:ea typeface="宋体" panose="02010600030101010101" pitchFamily="2" charset="-122"/>
               </a:defRPr>
             </a:lvl3pPr>
-            <a:lvl4pPr marL="1600135" indent="-228591">
+            <a:lvl4pPr marL="1600200" indent="-228600">
               <a:spcBef>
                 <a:spcPct val="20000"/>
               </a:spcBef>
@@ -27910,7 +26101,7 @@
                 <a:ea typeface="宋体" panose="02010600030101010101" pitchFamily="2" charset="-122"/>
               </a:defRPr>
             </a:lvl4pPr>
-            <a:lvl5pPr marL="2057315" indent="-228591">
+            <a:lvl5pPr marL="2057400" indent="-228600">
               <a:spcBef>
                 <a:spcPct val="20000"/>
               </a:spcBef>
@@ -27924,7 +26115,7 @@
                 <a:ea typeface="宋体" panose="02010600030101010101" pitchFamily="2" charset="-122"/>
               </a:defRPr>
             </a:lvl5pPr>
-            <a:lvl6pPr marL="2514497" indent="-228591" eaLnBrk="0" fontAlgn="base" hangingPunct="0">
+            <a:lvl6pPr marL="2514600" indent="-228600" eaLnBrk="0" fontAlgn="base" hangingPunct="0">
               <a:spcBef>
                 <a:spcPct val="20000"/>
               </a:spcBef>
@@ -27941,7 +26132,7 @@
                 <a:ea typeface="宋体" panose="02010600030101010101" pitchFamily="2" charset="-122"/>
               </a:defRPr>
             </a:lvl6pPr>
-            <a:lvl7pPr marL="2971678" indent="-228591" eaLnBrk="0" fontAlgn="base" hangingPunct="0">
+            <a:lvl7pPr marL="2971800" indent="-228600" eaLnBrk="0" fontAlgn="base" hangingPunct="0">
               <a:spcBef>
                 <a:spcPct val="20000"/>
               </a:spcBef>
@@ -27958,7 +26149,7 @@
                 <a:ea typeface="宋体" panose="02010600030101010101" pitchFamily="2" charset="-122"/>
               </a:defRPr>
             </a:lvl7pPr>
-            <a:lvl8pPr marL="3428859" indent="-228591" eaLnBrk="0" fontAlgn="base" hangingPunct="0">
+            <a:lvl8pPr marL="3429000" indent="-228600" eaLnBrk="0" fontAlgn="base" hangingPunct="0">
               <a:spcBef>
                 <a:spcPct val="20000"/>
               </a:spcBef>
@@ -27975,7 +26166,7 @@
                 <a:ea typeface="宋体" panose="02010600030101010101" pitchFamily="2" charset="-122"/>
               </a:defRPr>
             </a:lvl8pPr>
-            <a:lvl9pPr marL="3886041" indent="-228591" eaLnBrk="0" fontAlgn="base" hangingPunct="0">
+            <a:lvl9pPr marL="3886200" indent="-228600" eaLnBrk="0" fontAlgn="base" hangingPunct="0">
               <a:spcBef>
                 <a:spcPct val="20000"/>
               </a:spcBef>
@@ -28007,14 +26198,6 @@
                   <a:srgbClr val="898989"/>
                 </a:solidFill>
               </a:rPr>
-              <a:pPr>
-                <a:spcBef>
-                  <a:spcPct val="0"/>
-                </a:spcBef>
-                <a:buFontTx/>
-                <a:buNone/>
-              </a:pPr>
-              <a:t>9</a:t>
             </a:fld>
             <a:endParaRPr lang="zh-CN" altLang="en-US" sz="1200" dirty="0">
               <a:solidFill>
@@ -28033,7 +26216,7 @@
           <p:nvPr/>
         </p:nvPicPr>
         <p:blipFill>
-          <a:blip r:embed="rId3" cstate="print">
+          <a:blip r:embed="rId1" cstate="print">
             <a:extLst>
               <a:ext uri="{28A0092B-C50C-407E-A947-70E740481C1C}">
                 <a14:useLocalDpi xmlns:a14="http://schemas.microsoft.com/office/drawing/2010/main" val="0"/>
@@ -28057,29 +26240,10 @@
           <a:ln>
             <a:noFill/>
           </a:ln>
-          <a:extLst>
-            <a:ext uri="{909E8E84-426E-40dd-AFC4-6F175D3DCCD1}">
-              <a14:hiddenFill xmlns:a14="http://schemas.microsoft.com/office/drawing/2010/main" xmlns="">
-                <a:solidFill>
-                  <a:srgbClr val="FFFFFF"/>
-                </a:solidFill>
-              </a14:hiddenFill>
-            </a:ext>
-            <a:ext uri="{91240B29-F687-4f45-9708-019B960494DF}">
-              <a14:hiddenLine xmlns:a14="http://schemas.microsoft.com/office/drawing/2010/main" xmlns="" w="9525">
-                <a:solidFill>
-                  <a:srgbClr val="000000"/>
-                </a:solidFill>
-                <a:miter lim="800000"/>
-                <a:headEnd/>
-                <a:tailEnd/>
-              </a14:hiddenLine>
-            </a:ext>
-          </a:extLst>
         </p:spPr>
       </p:pic>
-      <mc:AlternateContent xmlns:mc="http://schemas.openxmlformats.org/markup-compatibility/2006" xmlns:a14="http://schemas.microsoft.com/office/drawing/2010/main">
-        <mc:Choice Requires="a14">
+      <mc:AlternateContent xmlns:mc="http://schemas.openxmlformats.org/markup-compatibility/2006">
+        <mc:Choice xmlns:a14="http://schemas.microsoft.com/office/drawing/2010/main" Requires="a14">
           <p:sp>
             <p:nvSpPr>
               <p:cNvPr id="6" name="Content Placeholder 2"/>
@@ -28619,7 +26783,7 @@
             </p:txBody>
           </p:sp>
         </mc:Choice>
-        <mc:Fallback xmlns="">
+        <mc:Fallback>
           <p:sp>
             <p:nvSpPr>
               <p:cNvPr id="6" name="Content Placeholder 2"/>
@@ -28635,8 +26799,8 @@
                 <a:off x="35496" y="836712"/>
                 <a:ext cx="9000554" cy="5905400"/>
               </a:xfrm>
-              <a:blipFill>
-                <a:blip r:embed="rId4"/>
+              <a:blipFill rotWithShape="1">
+                <a:blip r:embed="rId2"/>
                 <a:stretch>
                   <a:fillRect l="-610" t="-1342" r="-136"/>
                 </a:stretch>
@@ -28652,17 +26816,15 @@
                   </a:rPr>
                   <a:t> </a:t>
                 </a:r>
+                <a:endParaRPr lang="zh-CN" altLang="en-US">
+                  <a:noFill/>
+                </a:endParaRPr>
               </a:p>
             </p:txBody>
           </p:sp>
         </mc:Fallback>
       </mc:AlternateContent>
     </p:spTree>
-    <p:extLst>
-      <p:ext uri="{BB962C8B-B14F-4D97-AF65-F5344CB8AC3E}">
-        <p14:creationId xmlns:p14="http://schemas.microsoft.com/office/powerpoint/2010/main" val="4248391329"/>
-      </p:ext>
-    </p:extLst>
   </p:cSld>
   <p:clrMapOvr>
     <a:masterClrMapping/>
@@ -28950,8 +27112,11 @@
       </a:bgFillStyleLst>
     </a:fmtScheme>
   </a:themeElements>
-  <a:objectDefaults/>
-  <a:extraClrSchemeLst/>
+  <a:extLst>
+    <a:ext uri="{05A4C25C-085E-4340-85A3-A5531E510DB2}">
+      <thm15:themeFamily xmlns:thm15="http://schemas.microsoft.com/office/thememl/2012/main" name="Office Theme" id="{62F939B6-93AF-4DB8-9C6B-D6C7DFDC589F}" vid="{4A3C46E8-61CC-4603-A589-7422A47A8E4A}"/>
+    </a:ext>
+  </a:extLst>
 </a:theme>
 </file>
 
@@ -29235,8 +27400,11 @@
       </a:bgFillStyleLst>
     </a:fmtScheme>
   </a:themeElements>
-  <a:objectDefaults/>
-  <a:extraClrSchemeLst/>
+  <a:extLst>
+    <a:ext uri="{05A4C25C-085E-4340-85A3-A5531E510DB2}">
+      <thm15:themeFamily xmlns:thm15="http://schemas.microsoft.com/office/thememl/2012/main" name="Office Theme" id="{62F939B6-93AF-4DB8-9C6B-D6C7DFDC589F}" vid="{4A3C46E8-61CC-4603-A589-7422A47A8E4A}"/>
+    </a:ext>
+  </a:extLst>
 </a:theme>
 </file>
 
@@ -29520,7 +27688,10 @@
       </a:bgFillStyleLst>
     </a:fmtScheme>
   </a:themeElements>
-  <a:objectDefaults/>
-  <a:extraClrSchemeLst/>
+  <a:extLst>
+    <a:ext uri="{05A4C25C-085E-4340-85A3-A5531E510DB2}">
+      <thm15:themeFamily xmlns:thm15="http://schemas.microsoft.com/office/thememl/2012/main" name="Office Theme" id="{62F939B6-93AF-4DB8-9C6B-D6C7DFDC589F}" vid="{4A3C46E8-61CC-4603-A589-7422A47A8E4A}"/>
+    </a:ext>
+  </a:extLst>
 </a:theme>
 </file>